--- a/Day1/IntroToPython/IntroToPython.pptx
+++ b/Day1/IntroToPython/IntroToPython.pptx
@@ -15,8 +15,8 @@
     <p:sldId id="263" r:id="rId9"/>
     <p:sldId id="264" r:id="rId10"/>
     <p:sldId id="265" r:id="rId11"/>
-    <p:sldId id="266" r:id="rId12"/>
-    <p:sldId id="267" r:id="rId13"/>
+    <p:sldId id="267" r:id="rId12"/>
+    <p:sldId id="268" r:id="rId13"/>
   </p:sldIdLst>
   <p:sldSz cx="12192000" cy="6858000"/>
   <p:notesSz cx="6858000" cy="9144000"/>
@@ -6666,6 +6666,34 @@
             </a:r>
           </a:p>
           <a:p>
+            <a:r>
+              <a:rPr lang="en-US" dirty="0" smtClean="0"/>
+              <a:t>Comments start with </a:t>
+            </a:r>
+            <a:r>
+              <a:rPr lang="en-US" dirty="0" smtClean="0">
+                <a:solidFill>
+                  <a:schemeClr val="accent2">
+                    <a:lumMod val="75000"/>
+                  </a:schemeClr>
+                </a:solidFill>
+              </a:rPr>
+              <a:t>#</a:t>
+            </a:r>
+          </a:p>
+          <a:p>
+            <a:r>
+              <a:rPr lang="en-US" dirty="0" smtClean="0"/>
+              <a:t>Names are case sensitive and cannot start with a number</a:t>
+            </a:r>
+          </a:p>
+          <a:p>
+            <a:pPr marL="0" indent="0">
+              <a:buNone/>
+            </a:pPr>
+            <a:endParaRPr lang="en-US" dirty="0" smtClean="0"/>
+          </a:p>
+          <a:p>
             <a:pPr marL="0" indent="0">
               <a:buNone/>
             </a:pPr>
@@ -6745,265 +6773,132 @@
         </p:nvSpPr>
         <p:spPr/>
         <p:txBody>
-          <a:bodyPr/>
+          <a:bodyPr>
+            <a:normAutofit fontScale="77500" lnSpcReduction="20000"/>
+          </a:bodyPr>
           <a:lstStyle/>
           <a:p>
             <a:r>
               <a:rPr lang="en-US" dirty="0" smtClean="0"/>
-              <a:t>Comments start with </a:t>
-            </a:r>
+              <a:t>Number</a:t>
+            </a:r>
+          </a:p>
+          <a:p>
+            <a:pPr lvl="1"/>
             <a:r>
               <a:rPr lang="en-US" dirty="0" smtClean="0">
-                <a:solidFill>
-                  <a:schemeClr val="accent2">
-                    <a:lumMod val="75000"/>
-                  </a:schemeClr>
-                </a:solidFill>
-              </a:rPr>
-              <a:t>#</a:t>
-            </a:r>
-          </a:p>
-          <a:p>
-            <a:r>
-              <a:rPr lang="en-US" dirty="0" smtClean="0"/>
-              <a:t>A string immediately following a function is a </a:t>
-            </a:r>
-            <a:r>
-              <a:rPr lang="en-US" dirty="0" err="1" smtClean="0"/>
-              <a:t>docstring</a:t>
-            </a:r>
-            <a:r>
-              <a:rPr lang="en-US" dirty="0" smtClean="0"/>
-              <a:t>. Use it to document your code</a:t>
-            </a:r>
-          </a:p>
-          <a:p>
-            <a:pPr marL="0" indent="0">
-              <a:buNone/>
-            </a:pPr>
-            <a:r>
-              <a:rPr lang="en-US" sz="1800" dirty="0" err="1" smtClean="0">
-                <a:solidFill>
-                  <a:schemeClr val="accent2">
-                    <a:lumMod val="75000"/>
-                  </a:schemeClr>
-                </a:solidFill>
                 <a:latin typeface="Consolas" panose="020B0609020204030204" pitchFamily="49" charset="0"/>
               </a:rPr>
-              <a:t>def</a:t>
-            </a:r>
-            <a:r>
-              <a:rPr lang="en-US" sz="1800" dirty="0" smtClean="0">
-                <a:solidFill>
-                  <a:schemeClr val="accent2">
-                    <a:lumMod val="75000"/>
-                  </a:schemeClr>
-                </a:solidFill>
+              <a:t>5</a:t>
+            </a:r>
+          </a:p>
+          <a:p>
+            <a:pPr lvl="1"/>
+            <a:r>
+              <a:rPr lang="en-US" dirty="0" smtClean="0">
                 <a:latin typeface="Consolas" panose="020B0609020204030204" pitchFamily="49" charset="0"/>
               </a:rPr>
-              <a:t> </a:t>
-            </a:r>
-            <a:r>
-              <a:rPr lang="en-US" sz="1800" dirty="0" err="1" smtClean="0">
-                <a:solidFill>
-                  <a:schemeClr val="accent2">
-                    <a:lumMod val="75000"/>
-                  </a:schemeClr>
-                </a:solidFill>
+              <a:t>3.4</a:t>
+            </a:r>
+          </a:p>
+          <a:p>
+            <a:r>
+              <a:rPr lang="en-US" dirty="0" smtClean="0"/>
+              <a:t>String</a:t>
+            </a:r>
+          </a:p>
+          <a:p>
+            <a:pPr lvl="1"/>
+            <a:r>
+              <a:rPr lang="en-US" dirty="0" smtClean="0">
                 <a:latin typeface="Consolas" panose="020B0609020204030204" pitchFamily="49" charset="0"/>
               </a:rPr>
-              <a:t>my_function</a:t>
-            </a:r>
-            <a:r>
-              <a:rPr lang="en-US" sz="1800" dirty="0" smtClean="0">
-                <a:solidFill>
-                  <a:schemeClr val="accent2">
-                    <a:lumMod val="75000"/>
-                  </a:schemeClr>
-                </a:solidFill>
+              <a:t>“Hello”</a:t>
+            </a:r>
+          </a:p>
+          <a:p>
+            <a:r>
+              <a:rPr lang="en-US" dirty="0" smtClean="0"/>
+              <a:t>List</a:t>
+            </a:r>
+          </a:p>
+          <a:p>
+            <a:pPr lvl="1"/>
+            <a:r>
+              <a:rPr lang="en-US" dirty="0" smtClean="0">
                 <a:latin typeface="Consolas" panose="020B0609020204030204" pitchFamily="49" charset="0"/>
               </a:rPr>
-              <a:t>(</a:t>
-            </a:r>
-            <a:r>
-              <a:rPr lang="en-US" sz="1800" dirty="0" err="1" smtClean="0">
-                <a:solidFill>
-                  <a:schemeClr val="accent2">
-                    <a:lumMod val="75000"/>
-                  </a:schemeClr>
-                </a:solidFill>
+              <a:t>a = [4,5,6,’apple’,3,2]</a:t>
+            </a:r>
+          </a:p>
+          <a:p>
+            <a:pPr lvl="1"/>
+            <a:r>
+              <a:rPr lang="en-US" dirty="0" smtClean="0">
                 <a:latin typeface="Consolas" panose="020B0609020204030204" pitchFamily="49" charset="0"/>
               </a:rPr>
-              <a:t>x,y</a:t>
-            </a:r>
-            <a:r>
-              <a:rPr lang="en-US" sz="1800" dirty="0" smtClean="0">
-                <a:solidFill>
-                  <a:schemeClr val="accent2">
-                    <a:lumMod val="75000"/>
-                  </a:schemeClr>
-                </a:solidFill>
+              <a:t>a[1] = 5</a:t>
+            </a:r>
+          </a:p>
+          <a:p>
+            <a:r>
+              <a:rPr lang="en-US" dirty="0" smtClean="0"/>
+              <a:t>Tuple – a list that can’t be changed</a:t>
+            </a:r>
+          </a:p>
+          <a:p>
+            <a:pPr lvl="1"/>
+            <a:r>
+              <a:rPr lang="en-US" dirty="0" smtClean="0">
                 <a:latin typeface="Consolas" panose="020B0609020204030204" pitchFamily="49" charset="0"/>
               </a:rPr>
-              <a:t>):</a:t>
-            </a:r>
-            <a:r>
-              <a:rPr lang="en-US" sz="1800" dirty="0">
-                <a:solidFill>
-                  <a:schemeClr val="accent2">
-                    <a:lumMod val="75000"/>
-                  </a:schemeClr>
-                </a:solidFill>
+              <a:t>a = (4,5,6,7,’a’,’pizza’)</a:t>
+            </a:r>
+          </a:p>
+          <a:p>
+            <a:pPr lvl="1"/>
+            <a:r>
+              <a:rPr lang="en-US" dirty="0" smtClean="0">
                 <a:latin typeface="Consolas" panose="020B0609020204030204" pitchFamily="49" charset="0"/>
               </a:rPr>
-              <a:t/>
-            </a:r>
-            <a:br>
-              <a:rPr lang="en-US" sz="1800" dirty="0">
-                <a:solidFill>
-                  <a:schemeClr val="accent2">
-                    <a:lumMod val="75000"/>
-                  </a:schemeClr>
-                </a:solidFill>
-                <a:latin typeface="Consolas" panose="020B0609020204030204" pitchFamily="49" charset="0"/>
-              </a:rPr>
-            </a:br>
-            <a:r>
-              <a:rPr lang="en-US" sz="1800" dirty="0" smtClean="0">
-                <a:solidFill>
-                  <a:schemeClr val="accent2">
-                    <a:lumMod val="75000"/>
-                  </a:schemeClr>
-                </a:solidFill>
-                <a:latin typeface="Consolas" panose="020B0609020204030204" pitchFamily="49" charset="0"/>
-              </a:rPr>
-              <a:t>    “””</a:t>
-            </a:r>
-            <a:br>
-              <a:rPr lang="en-US" sz="1800" dirty="0" smtClean="0">
-                <a:solidFill>
-                  <a:schemeClr val="accent2">
-                    <a:lumMod val="75000"/>
-                  </a:schemeClr>
-                </a:solidFill>
-                <a:latin typeface="Consolas" panose="020B0609020204030204" pitchFamily="49" charset="0"/>
-              </a:rPr>
-            </a:br>
-            <a:r>
-              <a:rPr lang="en-US" sz="1800" dirty="0" smtClean="0">
-                <a:solidFill>
-                  <a:schemeClr val="accent2">
-                    <a:lumMod val="75000"/>
-                  </a:schemeClr>
-                </a:solidFill>
-                <a:latin typeface="Consolas" panose="020B0609020204030204" pitchFamily="49" charset="0"/>
-              </a:rPr>
-              <a:t>    This is a </a:t>
-            </a:r>
-            <a:r>
-              <a:rPr lang="en-US" sz="1800" dirty="0" err="1" smtClean="0">
-                <a:solidFill>
-                  <a:schemeClr val="accent2">
-                    <a:lumMod val="75000"/>
-                  </a:schemeClr>
-                </a:solidFill>
-                <a:latin typeface="Consolas" panose="020B0609020204030204" pitchFamily="49" charset="0"/>
-              </a:rPr>
-              <a:t>docstring</a:t>
-            </a:r>
-            <a:r>
-              <a:rPr lang="en-US" sz="1800" dirty="0" smtClean="0">
-                <a:solidFill>
-                  <a:schemeClr val="accent2">
-                    <a:lumMod val="75000"/>
-                  </a:schemeClr>
-                </a:solidFill>
-                <a:latin typeface="Consolas" panose="020B0609020204030204" pitchFamily="49" charset="0"/>
-              </a:rPr>
-              <a:t/>
-            </a:r>
-            <a:br>
-              <a:rPr lang="en-US" sz="1800" dirty="0" smtClean="0">
-                <a:solidFill>
-                  <a:schemeClr val="accent2">
-                    <a:lumMod val="75000"/>
-                  </a:schemeClr>
-                </a:solidFill>
-                <a:latin typeface="Consolas" panose="020B0609020204030204" pitchFamily="49" charset="0"/>
-              </a:rPr>
-            </a:br>
-            <a:r>
-              <a:rPr lang="en-US" sz="1800" dirty="0" smtClean="0">
-                <a:solidFill>
-                  <a:schemeClr val="accent2">
-                    <a:lumMod val="75000"/>
-                  </a:schemeClr>
-                </a:solidFill>
-                <a:latin typeface="Consolas" panose="020B0609020204030204" pitchFamily="49" charset="0"/>
-              </a:rPr>
-              <a:t>    “””</a:t>
-            </a:r>
-            <a:br>
-              <a:rPr lang="en-US" sz="1800" dirty="0" smtClean="0">
-                <a:solidFill>
-                  <a:schemeClr val="accent2">
-                    <a:lumMod val="75000"/>
-                  </a:schemeClr>
-                </a:solidFill>
-                <a:latin typeface="Consolas" panose="020B0609020204030204" pitchFamily="49" charset="0"/>
-              </a:rPr>
-            </a:br>
-            <a:r>
-              <a:rPr lang="en-US" sz="1800" dirty="0" smtClean="0">
-                <a:solidFill>
-                  <a:schemeClr val="accent2">
-                    <a:lumMod val="75000"/>
-                  </a:schemeClr>
-                </a:solidFill>
-                <a:latin typeface="Consolas" panose="020B0609020204030204" pitchFamily="49" charset="0"/>
-              </a:rPr>
-              <a:t>    #code goes here</a:t>
-            </a:r>
-          </a:p>
-          <a:p>
-            <a:pPr marL="0" indent="0">
-              <a:buNone/>
-            </a:pPr>
-            <a:endParaRPr lang="en-US" sz="1800" dirty="0">
-              <a:solidFill>
-                <a:schemeClr val="accent2">
-                  <a:lumMod val="75000"/>
-                </a:schemeClr>
-              </a:solidFill>
-              <a:latin typeface="Consolas" panose="020B0609020204030204" pitchFamily="49" charset="0"/>
-            </a:endParaRPr>
+              <a:t>a[2] = 6</a:t>
+            </a:r>
           </a:p>
           <a:p>
             <a:r>
               <a:rPr lang="en-US" dirty="0" smtClean="0"/>
-              <a:t>Names are case sensitive and cannot start with a number</a:t>
-            </a:r>
-            <a:endParaRPr lang="en-US" dirty="0" smtClean="0"/>
-          </a:p>
-          <a:p>
-            <a:pPr marL="0" indent="0">
-              <a:buNone/>
-            </a:pPr>
-            <a:endParaRPr lang="en-US" sz="1800" dirty="0" smtClean="0">
-              <a:solidFill>
-                <a:schemeClr val="accent2">
-                  <a:lumMod val="75000"/>
-                </a:schemeClr>
-              </a:solidFill>
-              <a:latin typeface="Consolas" panose="020B0609020204030204" pitchFamily="49" charset="0"/>
-            </a:endParaRPr>
+              <a:t>Dictionary</a:t>
+            </a:r>
+          </a:p>
+          <a:p>
+            <a:pPr lvl="1"/>
+            <a:r>
+              <a:rPr lang="en-US" dirty="0" err="1" smtClean="0"/>
+              <a:t>room_num</a:t>
+            </a:r>
+            <a:r>
+              <a:rPr lang="en-US" dirty="0" smtClean="0"/>
+              <a:t> = {‘john’: 425, ‘tom’:212}</a:t>
+            </a:r>
+          </a:p>
+          <a:p>
+            <a:pPr lvl="1"/>
+            <a:r>
+              <a:rPr lang="en-US" dirty="0" err="1" smtClean="0"/>
+              <a:t>room_num</a:t>
+            </a:r>
+            <a:r>
+              <a:rPr lang="en-US" dirty="0" smtClean="0"/>
+              <a:t>[‘john’] returns 425</a:t>
+            </a:r>
+            <a:endParaRPr lang="en-US" dirty="0"/>
           </a:p>
         </p:txBody>
       </p:sp>
     </p:spTree>
     <p:extLst>
       <p:ext uri="{BB962C8B-B14F-4D97-AF65-F5344CB8AC3E}">
-        <p14:creationId xmlns:p14="http://schemas.microsoft.com/office/powerpoint/2010/main" val="1891369231"/>
+        <p14:creationId xmlns:p14="http://schemas.microsoft.com/office/powerpoint/2010/main" val="344768339"/>
       </p:ext>
     </p:extLst>
   </p:cSld>
@@ -7054,7 +6949,7 @@
           <a:p>
             <a:r>
               <a:rPr lang="en-US" dirty="0" smtClean="0"/>
-              <a:t>Python in 5 minutes</a:t>
+              <a:t>Python in 5 Minutes</a:t>
             </a:r>
             <a:endParaRPr lang="en-US" dirty="0"/>
           </a:p>
@@ -7073,131 +6968,334 @@
         <p:spPr/>
         <p:txBody>
           <a:bodyPr>
-            <a:normAutofit fontScale="77500" lnSpcReduction="20000"/>
+            <a:normAutofit fontScale="92500" lnSpcReduction="20000"/>
           </a:bodyPr>
           <a:lstStyle/>
           <a:p>
             <a:r>
               <a:rPr lang="en-US" dirty="0" smtClean="0"/>
-              <a:t>Number</a:t>
-            </a:r>
-          </a:p>
-          <a:p>
-            <a:pPr lvl="1"/>
+              <a:t>Modules are added at the beginning of a script.</a:t>
+            </a:r>
+          </a:p>
+          <a:p>
+            <a:r>
+              <a:rPr lang="en-US" dirty="0" smtClean="0"/>
+              <a:t>We’ll be using pandas, </a:t>
+            </a:r>
+            <a:r>
+              <a:rPr lang="en-US" dirty="0" err="1" smtClean="0"/>
+              <a:t>matplotlib</a:t>
+            </a:r>
+            <a:r>
+              <a:rPr lang="en-US" dirty="0" smtClean="0"/>
+              <a:t>, </a:t>
+            </a:r>
+            <a:r>
+              <a:rPr lang="en-US" dirty="0" err="1" smtClean="0"/>
+              <a:t>numpy</a:t>
+            </a:r>
+            <a:r>
+              <a:rPr lang="en-US" dirty="0" smtClean="0"/>
+              <a:t>, and some other packages</a:t>
+            </a:r>
+          </a:p>
+          <a:p>
+            <a:r>
+              <a:rPr lang="en-US" dirty="0" smtClean="0"/>
+              <a:t>You can name them something convenient to type less</a:t>
+            </a:r>
+          </a:p>
+          <a:p>
+            <a:pPr marL="0" indent="0">
+              <a:buNone/>
+            </a:pPr>
             <a:r>
               <a:rPr lang="en-US" dirty="0" smtClean="0">
+                <a:solidFill>
+                  <a:schemeClr val="accent2">
+                    <a:lumMod val="75000"/>
+                  </a:schemeClr>
+                </a:solidFill>
                 <a:latin typeface="Consolas" panose="020B0609020204030204" pitchFamily="49" charset="0"/>
               </a:rPr>
-              <a:t>5</a:t>
-            </a:r>
-          </a:p>
-          <a:p>
-            <a:pPr lvl="1"/>
-            <a:r>
-              <a:rPr lang="en-US" dirty="0" smtClean="0">
+              <a:t>import pandas as </a:t>
+            </a:r>
+            <a:r>
+              <a:rPr lang="en-US" dirty="0" err="1" smtClean="0">
+                <a:solidFill>
+                  <a:schemeClr val="accent2">
+                    <a:lumMod val="75000"/>
+                  </a:schemeClr>
+                </a:solidFill>
                 <a:latin typeface="Consolas" panose="020B0609020204030204" pitchFamily="49" charset="0"/>
               </a:rPr>
-              <a:t>3.4</a:t>
-            </a:r>
-          </a:p>
-          <a:p>
-            <a:r>
-              <a:rPr lang="en-US" dirty="0" smtClean="0"/>
-              <a:t>String</a:t>
-            </a:r>
-          </a:p>
-          <a:p>
-            <a:pPr lvl="1"/>
+              <a:t>pd</a:t>
+            </a:r>
+            <a:endParaRPr lang="en-US" dirty="0" smtClean="0">
+              <a:solidFill>
+                <a:schemeClr val="accent2">
+                  <a:lumMod val="75000"/>
+                </a:schemeClr>
+              </a:solidFill>
+              <a:latin typeface="Consolas" panose="020B0609020204030204" pitchFamily="49" charset="0"/>
+            </a:endParaRPr>
+          </a:p>
+          <a:p>
+            <a:pPr marL="0" indent="0">
+              <a:buNone/>
+            </a:pPr>
             <a:r>
               <a:rPr lang="en-US" dirty="0" smtClean="0">
+                <a:solidFill>
+                  <a:schemeClr val="accent2">
+                    <a:lumMod val="75000"/>
+                  </a:schemeClr>
+                </a:solidFill>
                 <a:latin typeface="Consolas" panose="020B0609020204030204" pitchFamily="49" charset="0"/>
               </a:rPr>
-              <a:t>“Hello”</a:t>
-            </a:r>
-          </a:p>
-          <a:p>
-            <a:r>
-              <a:rPr lang="en-US" dirty="0" smtClean="0"/>
-              <a:t>List</a:t>
-            </a:r>
-          </a:p>
-          <a:p>
-            <a:pPr lvl="1"/>
-            <a:r>
-              <a:rPr lang="en-US" dirty="0" smtClean="0">
+              <a:t>import </a:t>
+            </a:r>
+            <a:r>
+              <a:rPr lang="en-US" dirty="0" err="1" smtClean="0">
+                <a:solidFill>
+                  <a:schemeClr val="accent2">
+                    <a:lumMod val="75000"/>
+                  </a:schemeClr>
+                </a:solidFill>
                 <a:latin typeface="Consolas" panose="020B0609020204030204" pitchFamily="49" charset="0"/>
               </a:rPr>
-              <a:t>a = [4,5,6,’apple’,3,2]</a:t>
-            </a:r>
-          </a:p>
-          <a:p>
-            <a:pPr lvl="1"/>
-            <a:r>
-              <a:rPr lang="en-US" dirty="0" smtClean="0">
+              <a:t>matplotlib.pyplot</a:t>
+            </a:r>
+            <a:r>
+              <a:rPr lang="en-US" dirty="0">
+                <a:solidFill>
+                  <a:schemeClr val="accent2">
+                    <a:lumMod val="75000"/>
+                  </a:schemeClr>
+                </a:solidFill>
                 <a:latin typeface="Consolas" panose="020B0609020204030204" pitchFamily="49" charset="0"/>
               </a:rPr>
-              <a:t>a[1] = 5</a:t>
-            </a:r>
-          </a:p>
-          <a:p>
-            <a:r>
-              <a:rPr lang="en-US" dirty="0" smtClean="0"/>
-              <a:t>Tuple – a list that can’t be changed</a:t>
-            </a:r>
-          </a:p>
-          <a:p>
-            <a:pPr lvl="1"/>
+              <a:t> </a:t>
+            </a:r>
             <a:r>
               <a:rPr lang="en-US" dirty="0" smtClean="0">
+                <a:solidFill>
+                  <a:schemeClr val="accent2">
+                    <a:lumMod val="75000"/>
+                  </a:schemeClr>
+                </a:solidFill>
                 <a:latin typeface="Consolas" panose="020B0609020204030204" pitchFamily="49" charset="0"/>
               </a:rPr>
-              <a:t>a = (4,5,6,7,’a’,’pizza’)</a:t>
-            </a:r>
-          </a:p>
-          <a:p>
-            <a:pPr lvl="1"/>
-            <a:r>
-              <a:rPr lang="en-US" dirty="0" smtClean="0">
+              <a:t>as </a:t>
+            </a:r>
+            <a:r>
+              <a:rPr lang="en-US" dirty="0" err="1" smtClean="0">
+                <a:solidFill>
+                  <a:schemeClr val="accent2">
+                    <a:lumMod val="75000"/>
+                  </a:schemeClr>
+                </a:solidFill>
                 <a:latin typeface="Consolas" panose="020B0609020204030204" pitchFamily="49" charset="0"/>
               </a:rPr>
-              <a:t>a[2] = 6</a:t>
-            </a:r>
+              <a:t>plt</a:t>
+            </a:r>
+            <a:endParaRPr lang="en-US" dirty="0" smtClean="0">
+              <a:solidFill>
+                <a:schemeClr val="accent2">
+                  <a:lumMod val="75000"/>
+                </a:schemeClr>
+              </a:solidFill>
+              <a:latin typeface="Consolas" panose="020B0609020204030204" pitchFamily="49" charset="0"/>
+            </a:endParaRPr>
+          </a:p>
+          <a:p>
+            <a:pPr marL="0" indent="0">
+              <a:buNone/>
+            </a:pPr>
+            <a:r>
+              <a:rPr lang="en-US" dirty="0" smtClean="0">
+                <a:solidFill>
+                  <a:schemeClr val="accent2">
+                    <a:lumMod val="75000"/>
+                  </a:schemeClr>
+                </a:solidFill>
+                <a:latin typeface="Consolas" panose="020B0609020204030204" pitchFamily="49" charset="0"/>
+              </a:rPr>
+              <a:t>import </a:t>
+            </a:r>
+            <a:r>
+              <a:rPr lang="en-US" dirty="0" err="1" smtClean="0">
+                <a:solidFill>
+                  <a:schemeClr val="accent2">
+                    <a:lumMod val="75000"/>
+                  </a:schemeClr>
+                </a:solidFill>
+                <a:latin typeface="Consolas" panose="020B0609020204030204" pitchFamily="49" charset="0"/>
+              </a:rPr>
+              <a:t>numpy</a:t>
+            </a:r>
+            <a:r>
+              <a:rPr lang="en-US" dirty="0" smtClean="0">
+                <a:solidFill>
+                  <a:schemeClr val="accent2">
+                    <a:lumMod val="75000"/>
+                  </a:schemeClr>
+                </a:solidFill>
+                <a:latin typeface="Consolas" panose="020B0609020204030204" pitchFamily="49" charset="0"/>
+              </a:rPr>
+              <a:t> as np</a:t>
+            </a:r>
+          </a:p>
+          <a:p>
+            <a:pPr marL="0" indent="0">
+              <a:buNone/>
+            </a:pPr>
+            <a:r>
+              <a:rPr lang="en-US" dirty="0" smtClean="0">
+                <a:solidFill>
+                  <a:schemeClr val="accent2">
+                    <a:lumMod val="75000"/>
+                  </a:schemeClr>
+                </a:solidFill>
+                <a:latin typeface="Consolas" panose="020B0609020204030204" pitchFamily="49" charset="0"/>
+              </a:rPr>
+              <a:t>from </a:t>
+            </a:r>
+            <a:r>
+              <a:rPr lang="en-US" dirty="0" err="1" smtClean="0">
+                <a:solidFill>
+                  <a:schemeClr val="accent2">
+                    <a:lumMod val="75000"/>
+                  </a:schemeClr>
+                </a:solidFill>
+                <a:latin typeface="Consolas" panose="020B0609020204030204" pitchFamily="49" charset="0"/>
+              </a:rPr>
+              <a:t>datetime</a:t>
+            </a:r>
+            <a:r>
+              <a:rPr lang="en-US" dirty="0" smtClean="0">
+                <a:solidFill>
+                  <a:schemeClr val="accent2">
+                    <a:lumMod val="75000"/>
+                  </a:schemeClr>
+                </a:solidFill>
+                <a:latin typeface="Consolas" panose="020B0609020204030204" pitchFamily="49" charset="0"/>
+              </a:rPr>
+              <a:t> import </a:t>
+            </a:r>
+            <a:r>
+              <a:rPr lang="en-US" dirty="0" err="1" smtClean="0">
+                <a:solidFill>
+                  <a:schemeClr val="accent2">
+                    <a:lumMod val="75000"/>
+                  </a:schemeClr>
+                </a:solidFill>
+                <a:latin typeface="Consolas" panose="020B0609020204030204" pitchFamily="49" charset="0"/>
+              </a:rPr>
+              <a:t>datetime</a:t>
+            </a:r>
+            <a:r>
+              <a:rPr lang="en-US" dirty="0" smtClean="0">
+                <a:solidFill>
+                  <a:schemeClr val="accent2">
+                    <a:lumMod val="75000"/>
+                  </a:schemeClr>
+                </a:solidFill>
+                <a:latin typeface="Consolas" panose="020B0609020204030204" pitchFamily="49" charset="0"/>
+              </a:rPr>
+              <a:t> as </a:t>
+            </a:r>
+            <a:r>
+              <a:rPr lang="en-US" dirty="0" err="1" smtClean="0">
+                <a:solidFill>
+                  <a:schemeClr val="accent2">
+                    <a:lumMod val="75000"/>
+                  </a:schemeClr>
+                </a:solidFill>
+                <a:latin typeface="Consolas" panose="020B0609020204030204" pitchFamily="49" charset="0"/>
+              </a:rPr>
+              <a:t>dt</a:t>
+            </a:r>
+            <a:endParaRPr lang="en-US" dirty="0" smtClean="0">
+              <a:solidFill>
+                <a:schemeClr val="accent2">
+                  <a:lumMod val="75000"/>
+                </a:schemeClr>
+              </a:solidFill>
+              <a:latin typeface="Consolas" panose="020B0609020204030204" pitchFamily="49" charset="0"/>
+            </a:endParaRPr>
           </a:p>
           <a:p>
             <a:r>
               <a:rPr lang="en-US" dirty="0" smtClean="0"/>
-              <a:t>Dictionary</a:t>
-            </a:r>
-          </a:p>
-          <a:p>
-            <a:pPr lvl="1"/>
-            <a:r>
-              <a:rPr lang="en-US" dirty="0" err="1" smtClean="0"/>
-              <a:t>room_num</a:t>
-            </a:r>
-            <a:r>
-              <a:rPr lang="en-US" dirty="0" smtClean="0"/>
-              <a:t> = {‘john’: 425, ‘tom’:212}</a:t>
-            </a:r>
-          </a:p>
-          <a:p>
-            <a:pPr lvl="1"/>
-            <a:r>
-              <a:rPr lang="en-US" dirty="0" err="1" smtClean="0"/>
-              <a:t>room_num</a:t>
-            </a:r>
-            <a:r>
-              <a:rPr lang="en-US" dirty="0" smtClean="0"/>
-              <a:t>[‘john’] returns 425</a:t>
-            </a:r>
-            <a:endParaRPr lang="en-US" dirty="0"/>
+              <a:t>To use a function or method from an imported module, append it with a dot.</a:t>
+            </a:r>
+          </a:p>
+          <a:p>
+            <a:pPr marL="0" indent="0">
+              <a:buNone/>
+            </a:pPr>
+            <a:r>
+              <a:rPr lang="en-US" dirty="0" err="1" smtClean="0">
+                <a:solidFill>
+                  <a:schemeClr val="accent2">
+                    <a:lumMod val="75000"/>
+                  </a:schemeClr>
+                </a:solidFill>
+                <a:latin typeface="Consolas" panose="020B0609020204030204" pitchFamily="49" charset="0"/>
+              </a:rPr>
+              <a:t>np.pi</a:t>
+            </a:r>
+            <a:r>
+              <a:rPr lang="en-US" dirty="0" smtClean="0">
+                <a:solidFill>
+                  <a:schemeClr val="accent2">
+                    <a:lumMod val="75000"/>
+                  </a:schemeClr>
+                </a:solidFill>
+                <a:latin typeface="Consolas" panose="020B0609020204030204" pitchFamily="49" charset="0"/>
+              </a:rPr>
+              <a:t>() = 3.1415…</a:t>
+            </a:r>
+          </a:p>
+          <a:p>
+            <a:pPr marL="0" indent="0">
+              <a:buNone/>
+            </a:pPr>
+            <a:r>
+              <a:rPr lang="en-US" dirty="0" err="1" smtClean="0">
+                <a:solidFill>
+                  <a:schemeClr val="accent2">
+                    <a:lumMod val="75000"/>
+                  </a:schemeClr>
+                </a:solidFill>
+                <a:latin typeface="Consolas" panose="020B0609020204030204" pitchFamily="49" charset="0"/>
+              </a:rPr>
+              <a:t>plt.plot</a:t>
+            </a:r>
+            <a:r>
+              <a:rPr lang="en-US" dirty="0" smtClean="0">
+                <a:solidFill>
+                  <a:schemeClr val="accent2">
+                    <a:lumMod val="75000"/>
+                  </a:schemeClr>
+                </a:solidFill>
+                <a:latin typeface="Consolas" panose="020B0609020204030204" pitchFamily="49" charset="0"/>
+              </a:rPr>
+              <a:t>([1,2,3],[4,5,6]) plots a graph</a:t>
+            </a:r>
+          </a:p>
+          <a:p>
+            <a:endParaRPr lang="en-US" dirty="0" smtClean="0">
+              <a:latin typeface="Consolas" panose="020B0609020204030204" pitchFamily="49" charset="0"/>
+            </a:endParaRPr>
           </a:p>
         </p:txBody>
       </p:sp>
     </p:spTree>
     <p:extLst>
       <p:ext uri="{BB962C8B-B14F-4D97-AF65-F5344CB8AC3E}">
-        <p14:creationId xmlns:p14="http://schemas.microsoft.com/office/powerpoint/2010/main" val="344768339"/>
+        <p14:creationId xmlns:p14="http://schemas.microsoft.com/office/powerpoint/2010/main" val="2092088250"/>
       </p:ext>
     </p:extLst>
   </p:cSld>

--- a/Day1/IntroToPython/IntroToPython.pptx
+++ b/Day1/IntroToPython/IntroToPython.pptx
@@ -6,17 +6,31 @@
   </p:sldMasterIdLst>
   <p:sldIdLst>
     <p:sldId id="256" r:id="rId2"/>
-    <p:sldId id="257" r:id="rId3"/>
-    <p:sldId id="259" r:id="rId4"/>
-    <p:sldId id="258" r:id="rId5"/>
-    <p:sldId id="262" r:id="rId6"/>
-    <p:sldId id="260" r:id="rId7"/>
-    <p:sldId id="261" r:id="rId8"/>
-    <p:sldId id="263" r:id="rId9"/>
-    <p:sldId id="264" r:id="rId10"/>
-    <p:sldId id="265" r:id="rId11"/>
-    <p:sldId id="267" r:id="rId12"/>
-    <p:sldId id="268" r:id="rId13"/>
+    <p:sldId id="280" r:id="rId3"/>
+    <p:sldId id="276" r:id="rId4"/>
+    <p:sldId id="279" r:id="rId5"/>
+    <p:sldId id="278" r:id="rId6"/>
+    <p:sldId id="277" r:id="rId7"/>
+    <p:sldId id="257" r:id="rId8"/>
+    <p:sldId id="269" r:id="rId9"/>
+    <p:sldId id="270" r:id="rId10"/>
+    <p:sldId id="271" r:id="rId11"/>
+    <p:sldId id="272" r:id="rId12"/>
+    <p:sldId id="273" r:id="rId13"/>
+    <p:sldId id="281" r:id="rId14"/>
+    <p:sldId id="282" r:id="rId15"/>
+    <p:sldId id="274" r:id="rId16"/>
+    <p:sldId id="259" r:id="rId17"/>
+    <p:sldId id="258" r:id="rId18"/>
+    <p:sldId id="262" r:id="rId19"/>
+    <p:sldId id="260" r:id="rId20"/>
+    <p:sldId id="261" r:id="rId21"/>
+    <p:sldId id="275" r:id="rId22"/>
+    <p:sldId id="263" r:id="rId23"/>
+    <p:sldId id="264" r:id="rId24"/>
+    <p:sldId id="265" r:id="rId25"/>
+    <p:sldId id="267" r:id="rId26"/>
+    <p:sldId id="268" r:id="rId27"/>
   </p:sldIdLst>
   <p:sldSz cx="12192000" cy="6858000"/>
   <p:notesSz cx="6858000" cy="9144000"/>
@@ -115,6 +129,11 @@
       </a:defRPr>
     </a:lvl9pPr>
   </p:defaultTextStyle>
+  <p:extLst>
+    <p:ext uri="{EFAFB233-063F-42B5-8137-9DF3F51BA10A}">
+      <p15:sldGuideLst xmlns:p15="http://schemas.microsoft.com/office/powerpoint/2012/main"/>
+    </p:ext>
+  </p:extLst>
 </p:presentation>
 </file>
 
@@ -1322,6 +1341,13 @@
         </dgm:presLayoutVars>
       </dgm:prSet>
       <dgm:spPr/>
+      <dgm:t>
+        <a:bodyPr/>
+        <a:lstStyle/>
+        <a:p>
+          <a:endParaRPr lang="en-US"/>
+        </a:p>
+      </dgm:t>
     </dgm:pt>
     <dgm:pt modelId="{8C27EDEA-0534-4458-8247-F88FD378DDE5}" type="pres">
       <dgm:prSet presAssocID="{7F21A92B-A9B0-454C-9299-D1604CAF6584}" presName="composite" presStyleCnt="0"/>
@@ -1335,6 +1361,13 @@
         </dgm:presLayoutVars>
       </dgm:prSet>
       <dgm:spPr/>
+      <dgm:t>
+        <a:bodyPr/>
+        <a:lstStyle/>
+        <a:p>
+          <a:endParaRPr lang="en-US"/>
+        </a:p>
+      </dgm:t>
     </dgm:pt>
     <dgm:pt modelId="{CFDD388E-8449-4438-BAD4-7C6E4D7D8B06}" type="pres">
       <dgm:prSet presAssocID="{7F21A92B-A9B0-454C-9299-D1604CAF6584}" presName="descendantText" presStyleLbl="alignAcc1" presStyleIdx="0" presStyleCnt="3">
@@ -1367,6 +1400,13 @@
         </dgm:presLayoutVars>
       </dgm:prSet>
       <dgm:spPr/>
+      <dgm:t>
+        <a:bodyPr/>
+        <a:lstStyle/>
+        <a:p>
+          <a:endParaRPr lang="en-US"/>
+        </a:p>
+      </dgm:t>
     </dgm:pt>
     <dgm:pt modelId="{CAE9CAE6-2E5D-469F-9DD2-1B33EF89E26C}" type="pres">
       <dgm:prSet presAssocID="{FB05B8D0-77E6-493C-AD4E-E93DE69DFD08}" presName="descendantText" presStyleLbl="alignAcc1" presStyleIdx="1" presStyleCnt="3">
@@ -1399,6 +1439,13 @@
         </dgm:presLayoutVars>
       </dgm:prSet>
       <dgm:spPr/>
+      <dgm:t>
+        <a:bodyPr/>
+        <a:lstStyle/>
+        <a:p>
+          <a:endParaRPr lang="en-US"/>
+        </a:p>
+      </dgm:t>
     </dgm:pt>
     <dgm:pt modelId="{DF262737-312D-483F-BA76-ED92FFF56B21}" type="pres">
       <dgm:prSet presAssocID="{9D7DECE3-DD26-4563-AF8C-ACFBA953AD50}" presName="descendantText" presStyleLbl="alignAcc1" presStyleIdx="2" presStyleCnt="3">
@@ -1423,15 +1470,15 @@
     <dgm:cxn modelId="{63329D0D-F409-4649-BC70-B5CC88980BF9}" srcId="{7F21A92B-A9B0-454C-9299-D1604CAF6584}" destId="{4CE1F595-03E9-480D-B6E4-E1942CEF175C}" srcOrd="1" destOrd="0" parTransId="{3F8EAAD8-426D-4B88-8D84-01B4726E54EB}" sibTransId="{9F8C3FD2-7B07-405F-B827-10E468BA4A68}"/>
     <dgm:cxn modelId="{17B837D6-6FD8-4848-9468-BBE0C3238185}" srcId="{8DB9CB9C-F838-4CC4-98C4-9550D57018AA}" destId="{7F21A92B-A9B0-454C-9299-D1604CAF6584}" srcOrd="0" destOrd="0" parTransId="{74407E68-0D71-4ACB-9F58-E9656E9595A3}" sibTransId="{C1F9B20C-B29B-445D-8640-69A1468DC5F8}"/>
     <dgm:cxn modelId="{475CC2D6-47DC-4823-B0EA-C7780D000286}" srcId="{9D7DECE3-DD26-4563-AF8C-ACFBA953AD50}" destId="{CCC7BC82-0F1B-4D8D-A24A-0D1D9E77AA63}" srcOrd="1" destOrd="0" parTransId="{BC4AECB3-C557-4267-91D9-D53E3391E97F}" sibTransId="{6A55C335-13AD-465A-97EA-44DCE62994A3}"/>
+    <dgm:cxn modelId="{7521868D-B299-4FCE-BE27-1B8DBD7C7A19}" type="presOf" srcId="{E71A4EFA-E6A6-410D-AF14-AF0CE85E2A1F}" destId="{CFDD388E-8449-4438-BAD4-7C6E4D7D8B06}" srcOrd="0" destOrd="2" presId="urn:microsoft.com/office/officeart/2005/8/layout/chevron2"/>
     <dgm:cxn modelId="{EC4B6F13-C50B-4EE5-848D-CD5CDCEA7FD4}" type="presOf" srcId="{8DB9CB9C-F838-4CC4-98C4-9550D57018AA}" destId="{B0CEE7BD-7746-482E-B2A0-A93FFA129C2B}" srcOrd="0" destOrd="0" presId="urn:microsoft.com/office/officeart/2005/8/layout/chevron2"/>
-    <dgm:cxn modelId="{7521868D-B299-4FCE-BE27-1B8DBD7C7A19}" type="presOf" srcId="{E71A4EFA-E6A6-410D-AF14-AF0CE85E2A1F}" destId="{CFDD388E-8449-4438-BAD4-7C6E4D7D8B06}" srcOrd="0" destOrd="2" presId="urn:microsoft.com/office/officeart/2005/8/layout/chevron2"/>
     <dgm:cxn modelId="{51D7D089-9168-48D4-A5C9-1F341E1A3CE5}" srcId="{8DB9CB9C-F838-4CC4-98C4-9550D57018AA}" destId="{FB05B8D0-77E6-493C-AD4E-E93DE69DFD08}" srcOrd="1" destOrd="0" parTransId="{DA58C5E9-0EB3-4F4C-9151-05731B4E3C87}" sibTransId="{C95372CC-FB36-4237-8A12-18C711FD2A87}"/>
     <dgm:cxn modelId="{B0EBD813-E5CE-4577-A40E-E4E8E3CB3617}" srcId="{FB05B8D0-77E6-493C-AD4E-E93DE69DFD08}" destId="{A80DF7DE-4A76-4F69-BC9D-5CC2725F8784}" srcOrd="2" destOrd="0" parTransId="{9F98F39B-8A2C-4925-937C-AB5FD20F8D1B}" sibTransId="{9635910E-AAD7-46AC-A93A-3D4C6623F354}"/>
     <dgm:cxn modelId="{6D8BCA0B-95AA-4BA6-930A-72CF504D6656}" type="presOf" srcId="{FB05B8D0-77E6-493C-AD4E-E93DE69DFD08}" destId="{5EBCA018-F934-4593-BA73-5F5F573330C7}" srcOrd="0" destOrd="0" presId="urn:microsoft.com/office/officeart/2005/8/layout/chevron2"/>
     <dgm:cxn modelId="{19546F9A-5B8B-43B9-8CC0-2EEC00A2154B}" type="presOf" srcId="{7F21A92B-A9B0-454C-9299-D1604CAF6584}" destId="{CEC1B8EA-340A-445A-9DC9-37D40C323C3F}" srcOrd="0" destOrd="0" presId="urn:microsoft.com/office/officeart/2005/8/layout/chevron2"/>
     <dgm:cxn modelId="{6C70B851-96F2-4740-A9D5-E69A0251F930}" type="presOf" srcId="{CCC7BC82-0F1B-4D8D-A24A-0D1D9E77AA63}" destId="{DF262737-312D-483F-BA76-ED92FFF56B21}" srcOrd="0" destOrd="1" presId="urn:microsoft.com/office/officeart/2005/8/layout/chevron2"/>
+    <dgm:cxn modelId="{9EBFB1C2-F32E-452A-8679-38316C06B06D}" type="presOf" srcId="{A47403F5-2843-478C-B0A2-1CB145B36A6B}" destId="{DF262737-312D-483F-BA76-ED92FFF56B21}" srcOrd="0" destOrd="0" presId="urn:microsoft.com/office/officeart/2005/8/layout/chevron2"/>
     <dgm:cxn modelId="{AB99EEB9-F69D-47BD-B458-EB752444C324}" srcId="{7F21A92B-A9B0-454C-9299-D1604CAF6584}" destId="{E71A4EFA-E6A6-410D-AF14-AF0CE85E2A1F}" srcOrd="2" destOrd="0" parTransId="{2C254605-97FC-4DD2-93B8-37F62B65D488}" sibTransId="{02E069C5-CED1-4A2A-AB42-F8FDB78D8F16}"/>
-    <dgm:cxn modelId="{9EBFB1C2-F32E-452A-8679-38316C06B06D}" type="presOf" srcId="{A47403F5-2843-478C-B0A2-1CB145B36A6B}" destId="{DF262737-312D-483F-BA76-ED92FFF56B21}" srcOrd="0" destOrd="0" presId="urn:microsoft.com/office/officeart/2005/8/layout/chevron2"/>
     <dgm:cxn modelId="{48B10321-1329-4507-86B7-2EAEE4CB9BEB}" type="presOf" srcId="{9D7DECE3-DD26-4563-AF8C-ACFBA953AD50}" destId="{4D29504E-A7BA-489A-B889-9C65D8487F1C}" srcOrd="0" destOrd="0" presId="urn:microsoft.com/office/officeart/2005/8/layout/chevron2"/>
     <dgm:cxn modelId="{321C925F-E3FD-4C91-8478-EADEF48D3A61}" type="presOf" srcId="{23F0F7B4-DA29-4983-8856-7DBADF1ABBED}" destId="{CAE9CAE6-2E5D-469F-9DD2-1B33EF89E26C}" srcOrd="0" destOrd="1" presId="urn:microsoft.com/office/officeart/2005/8/layout/chevron2"/>
     <dgm:cxn modelId="{3B460947-95F3-485B-8FD9-DC92EB56DEBC}" type="presOf" srcId="{4F00A4D2-237A-4024-8DC2-62D5F87811D9}" destId="{DF262737-312D-483F-BA76-ED92FFF56B21}" srcOrd="0" destOrd="2" presId="urn:microsoft.com/office/officeart/2005/8/layout/chevron2"/>
@@ -3483,7 +3530,7 @@
           <a:p>
             <a:fld id="{E5C2A70F-1A90-4B22-836B-83082A52A687}" type="datetimeFigureOut">
               <a:rPr lang="en-US" smtClean="0"/>
-              <a:t>4/10/2018</a:t>
+              <a:t>4/19/2018</a:t>
             </a:fld>
             <a:endParaRPr lang="en-US"/>
           </a:p>
@@ -3653,7 +3700,7 @@
           <a:p>
             <a:fld id="{E5C2A70F-1A90-4B22-836B-83082A52A687}" type="datetimeFigureOut">
               <a:rPr lang="en-US" smtClean="0"/>
-              <a:t>4/10/2018</a:t>
+              <a:t>4/19/2018</a:t>
             </a:fld>
             <a:endParaRPr lang="en-US"/>
           </a:p>
@@ -3833,7 +3880,7 @@
           <a:p>
             <a:fld id="{E5C2A70F-1A90-4B22-836B-83082A52A687}" type="datetimeFigureOut">
               <a:rPr lang="en-US" smtClean="0"/>
-              <a:t>4/10/2018</a:t>
+              <a:t>4/19/2018</a:t>
             </a:fld>
             <a:endParaRPr lang="en-US"/>
           </a:p>
@@ -4003,7 +4050,7 @@
           <a:p>
             <a:fld id="{E5C2A70F-1A90-4B22-836B-83082A52A687}" type="datetimeFigureOut">
               <a:rPr lang="en-US" smtClean="0"/>
-              <a:t>4/10/2018</a:t>
+              <a:t>4/19/2018</a:t>
             </a:fld>
             <a:endParaRPr lang="en-US"/>
           </a:p>
@@ -4249,7 +4296,7 @@
           <a:p>
             <a:fld id="{E5C2A70F-1A90-4B22-836B-83082A52A687}" type="datetimeFigureOut">
               <a:rPr lang="en-US" smtClean="0"/>
-              <a:t>4/10/2018</a:t>
+              <a:t>4/19/2018</a:t>
             </a:fld>
             <a:endParaRPr lang="en-US"/>
           </a:p>
@@ -4481,7 +4528,7 @@
           <a:p>
             <a:fld id="{E5C2A70F-1A90-4B22-836B-83082A52A687}" type="datetimeFigureOut">
               <a:rPr lang="en-US" smtClean="0"/>
-              <a:t>4/10/2018</a:t>
+              <a:t>4/19/2018</a:t>
             </a:fld>
             <a:endParaRPr lang="en-US"/>
           </a:p>
@@ -4848,7 +4895,7 @@
           <a:p>
             <a:fld id="{E5C2A70F-1A90-4B22-836B-83082A52A687}" type="datetimeFigureOut">
               <a:rPr lang="en-US" smtClean="0"/>
-              <a:t>4/10/2018</a:t>
+              <a:t>4/19/2018</a:t>
             </a:fld>
             <a:endParaRPr lang="en-US"/>
           </a:p>
@@ -4966,7 +5013,7 @@
           <a:p>
             <a:fld id="{E5C2A70F-1A90-4B22-836B-83082A52A687}" type="datetimeFigureOut">
               <a:rPr lang="en-US" smtClean="0"/>
-              <a:t>4/10/2018</a:t>
+              <a:t>4/19/2018</a:t>
             </a:fld>
             <a:endParaRPr lang="en-US"/>
           </a:p>
@@ -5061,7 +5108,7 @@
           <a:p>
             <a:fld id="{E5C2A70F-1A90-4B22-836B-83082A52A687}" type="datetimeFigureOut">
               <a:rPr lang="en-US" smtClean="0"/>
-              <a:t>4/10/2018</a:t>
+              <a:t>4/19/2018</a:t>
             </a:fld>
             <a:endParaRPr lang="en-US"/>
           </a:p>
@@ -5338,7 +5385,7 @@
           <a:p>
             <a:fld id="{E5C2A70F-1A90-4B22-836B-83082A52A687}" type="datetimeFigureOut">
               <a:rPr lang="en-US" smtClean="0"/>
-              <a:t>4/10/2018</a:t>
+              <a:t>4/19/2018</a:t>
             </a:fld>
             <a:endParaRPr lang="en-US"/>
           </a:p>
@@ -5591,7 +5638,7 @@
           <a:p>
             <a:fld id="{E5C2A70F-1A90-4B22-836B-83082A52A687}" type="datetimeFigureOut">
               <a:rPr lang="en-US" smtClean="0"/>
-              <a:t>4/10/2018</a:t>
+              <a:t>4/19/2018</a:t>
             </a:fld>
             <a:endParaRPr lang="en-US"/>
           </a:p>
@@ -5804,7 +5851,7 @@
           <a:p>
             <a:fld id="{E5C2A70F-1A90-4B22-836B-83082A52A687}" type="datetimeFigureOut">
               <a:rPr lang="en-US" smtClean="0"/>
-              <a:t>4/10/2018</a:t>
+              <a:t>4/19/2018</a:t>
             </a:fld>
             <a:endParaRPr lang="en-US"/>
           </a:p>
@@ -6523,7 +6570,7 @@
           <a:p>
             <a:r>
               <a:rPr lang="en-US" dirty="0" smtClean="0"/>
-              <a:t>Python syntax in 5 minutes</a:t>
+              <a:t>Programming Language Popularity</a:t>
             </a:r>
             <a:endParaRPr lang="en-US" dirty="0"/>
           </a:p>
@@ -6546,157 +6593,8 @@
           <a:p>
             <a:r>
               <a:rPr lang="en-US" dirty="0" smtClean="0"/>
-              <a:t>Variables don’t need to be declared</a:t>
-            </a:r>
-          </a:p>
-          <a:p>
-            <a:r>
-              <a:rPr lang="en-US" dirty="0" smtClean="0"/>
-              <a:t>Python figures out the variable types on its own</a:t>
-            </a:r>
-          </a:p>
-          <a:p>
-            <a:r>
-              <a:rPr lang="en-US" dirty="0" smtClean="0"/>
-              <a:t>Strings can use </a:t>
-            </a:r>
-            <a:r>
-              <a:rPr lang="en-US" dirty="0">
-                <a:solidFill>
-                  <a:schemeClr val="accent2">
-                    <a:lumMod val="75000"/>
-                  </a:schemeClr>
-                </a:solidFill>
-              </a:rPr>
-              <a:t>“</a:t>
-            </a:r>
-            <a:r>
-              <a:rPr lang="en-US" dirty="0" smtClean="0"/>
-              <a:t>hello</a:t>
-            </a:r>
-            <a:r>
-              <a:rPr lang="en-US" dirty="0">
-                <a:solidFill>
-                  <a:schemeClr val="accent2">
-                    <a:lumMod val="75000"/>
-                  </a:schemeClr>
-                </a:solidFill>
-              </a:rPr>
-              <a:t>”</a:t>
-            </a:r>
-            <a:r>
-              <a:rPr lang="en-US" dirty="0" smtClean="0"/>
-              <a:t> or </a:t>
-            </a:r>
-            <a:r>
-              <a:rPr lang="en-US" dirty="0">
-                <a:solidFill>
-                  <a:schemeClr val="accent2">
-                    <a:lumMod val="75000"/>
-                  </a:schemeClr>
-                </a:solidFill>
-              </a:rPr>
-              <a:t>‘</a:t>
-            </a:r>
-            <a:r>
-              <a:rPr lang="en-US" dirty="0" smtClean="0"/>
-              <a:t>hello</a:t>
-            </a:r>
-            <a:r>
-              <a:rPr lang="en-US" dirty="0">
-                <a:solidFill>
-                  <a:schemeClr val="accent2">
-                    <a:lumMod val="75000"/>
-                  </a:schemeClr>
-                </a:solidFill>
-              </a:rPr>
-              <a:t>’</a:t>
-            </a:r>
-          </a:p>
-          <a:p>
-            <a:r>
-              <a:rPr lang="en-US" dirty="0" smtClean="0">
-                <a:solidFill>
-                  <a:schemeClr val="accent2">
-                    <a:lumMod val="75000"/>
-                  </a:schemeClr>
-                </a:solidFill>
-              </a:rPr>
-              <a:t>“</a:t>
-            </a:r>
-            <a:r>
-              <a:rPr lang="en-US" dirty="0" smtClean="0"/>
-              <a:t>Mr. </a:t>
-            </a:r>
-            <a:r>
-              <a:rPr lang="en-US" dirty="0" err="1" smtClean="0"/>
-              <a:t>O</a:t>
-            </a:r>
-            <a:r>
-              <a:rPr lang="en-US" dirty="0" err="1" smtClean="0">
-                <a:solidFill>
-                  <a:schemeClr val="accent2">
-                    <a:lumMod val="75000"/>
-                  </a:schemeClr>
-                </a:solidFill>
-              </a:rPr>
-              <a:t>’</a:t>
-            </a:r>
-            <a:r>
-              <a:rPr lang="en-US" dirty="0" err="1" smtClean="0"/>
-              <a:t>neill</a:t>
-            </a:r>
-            <a:r>
-              <a:rPr lang="en-US" dirty="0" smtClean="0"/>
-              <a:t> went to the store</a:t>
-            </a:r>
-            <a:r>
-              <a:rPr lang="en-US" dirty="0">
-                <a:solidFill>
-                  <a:schemeClr val="accent2">
-                    <a:lumMod val="75000"/>
-                  </a:schemeClr>
-                </a:solidFill>
-              </a:rPr>
-              <a:t>”</a:t>
-            </a:r>
-            <a:r>
-              <a:rPr lang="en-US" dirty="0" smtClean="0"/>
-              <a:t> is OK</a:t>
-            </a:r>
-          </a:p>
-          <a:p>
-            <a:r>
-              <a:rPr lang="en-US" dirty="0" smtClean="0"/>
-              <a:t>Comments start with </a:t>
-            </a:r>
-            <a:r>
-              <a:rPr lang="en-US" dirty="0" smtClean="0">
-                <a:solidFill>
-                  <a:schemeClr val="accent2">
-                    <a:lumMod val="75000"/>
-                  </a:schemeClr>
-                </a:solidFill>
-              </a:rPr>
-              <a:t>#</a:t>
-            </a:r>
-          </a:p>
-          <a:p>
-            <a:r>
-              <a:rPr lang="en-US" dirty="0" smtClean="0"/>
-              <a:t>Names are case sensitive and cannot start with a number</a:t>
-            </a:r>
-          </a:p>
-          <a:p>
-            <a:pPr marL="0" indent="0">
-              <a:buNone/>
-            </a:pPr>
-            <a:endParaRPr lang="en-US" dirty="0" smtClean="0"/>
-          </a:p>
-          <a:p>
-            <a:pPr marL="0" indent="0">
-              <a:buNone/>
-            </a:pPr>
+              <a:t>Chart</a:t>
+            </a:r>
             <a:endParaRPr lang="en-US" dirty="0"/>
           </a:p>
         </p:txBody>
@@ -6704,7 +6602,7 @@
     </p:spTree>
     <p:extLst>
       <p:ext uri="{BB962C8B-B14F-4D97-AF65-F5344CB8AC3E}">
-        <p14:creationId xmlns:p14="http://schemas.microsoft.com/office/powerpoint/2010/main" val="274851132"/>
+        <p14:creationId xmlns:p14="http://schemas.microsoft.com/office/powerpoint/2010/main" val="2471764834"/>
       </p:ext>
     </p:extLst>
   </p:cSld>
@@ -6754,8 +6652,8 @@
           <a:lstStyle/>
           <a:p>
             <a:r>
-              <a:rPr lang="en-US" dirty="0" smtClean="0"/>
-              <a:t>Python in 5 minutes</a:t>
+              <a:rPr lang="en-US" smtClean="0"/>
+              <a:t>What can Python do?</a:t>
             </a:r>
             <a:endParaRPr lang="en-US" dirty="0"/>
           </a:p>
@@ -6773,123 +6671,12 @@
         </p:nvSpPr>
         <p:spPr/>
         <p:txBody>
-          <a:bodyPr>
-            <a:normAutofit fontScale="77500" lnSpcReduction="20000"/>
-          </a:bodyPr>
+          <a:bodyPr/>
           <a:lstStyle/>
           <a:p>
             <a:r>
               <a:rPr lang="en-US" dirty="0" smtClean="0"/>
-              <a:t>Number</a:t>
-            </a:r>
-          </a:p>
-          <a:p>
-            <a:pPr lvl="1"/>
-            <a:r>
-              <a:rPr lang="en-US" dirty="0" smtClean="0">
-                <a:latin typeface="Consolas" panose="020B0609020204030204" pitchFamily="49" charset="0"/>
-              </a:rPr>
-              <a:t>5</a:t>
-            </a:r>
-          </a:p>
-          <a:p>
-            <a:pPr lvl="1"/>
-            <a:r>
-              <a:rPr lang="en-US" dirty="0" smtClean="0">
-                <a:latin typeface="Consolas" panose="020B0609020204030204" pitchFamily="49" charset="0"/>
-              </a:rPr>
-              <a:t>3.4</a:t>
-            </a:r>
-          </a:p>
-          <a:p>
-            <a:r>
-              <a:rPr lang="en-US" dirty="0" smtClean="0"/>
-              <a:t>String</a:t>
-            </a:r>
-          </a:p>
-          <a:p>
-            <a:pPr lvl="1"/>
-            <a:r>
-              <a:rPr lang="en-US" dirty="0" smtClean="0">
-                <a:latin typeface="Consolas" panose="020B0609020204030204" pitchFamily="49" charset="0"/>
-              </a:rPr>
-              <a:t>“Hello”</a:t>
-            </a:r>
-          </a:p>
-          <a:p>
-            <a:r>
-              <a:rPr lang="en-US" dirty="0" smtClean="0"/>
-              <a:t>List</a:t>
-            </a:r>
-          </a:p>
-          <a:p>
-            <a:pPr lvl="1"/>
-            <a:r>
-              <a:rPr lang="en-US" dirty="0" smtClean="0">
-                <a:latin typeface="Consolas" panose="020B0609020204030204" pitchFamily="49" charset="0"/>
-              </a:rPr>
-              <a:t>a = [4,5,6,’apple’,3,2]</a:t>
-            </a:r>
-          </a:p>
-          <a:p>
-            <a:pPr lvl="1"/>
-            <a:r>
-              <a:rPr lang="en-US" dirty="0" smtClean="0">
-                <a:latin typeface="Consolas" panose="020B0609020204030204" pitchFamily="49" charset="0"/>
-              </a:rPr>
-              <a:t>a[1] = 5</a:t>
-            </a:r>
-          </a:p>
-          <a:p>
-            <a:r>
-              <a:rPr lang="en-US" dirty="0" smtClean="0"/>
-              <a:t>Tuple – a list that can’t be changed</a:t>
-            </a:r>
-          </a:p>
-          <a:p>
-            <a:pPr lvl="1"/>
-            <a:r>
-              <a:rPr lang="en-US" dirty="0" smtClean="0">
-                <a:latin typeface="Consolas" panose="020B0609020204030204" pitchFamily="49" charset="0"/>
-              </a:rPr>
-              <a:t>a = (4,5,6,7,’a’,’pizza’)</a:t>
-            </a:r>
-          </a:p>
-          <a:p>
-            <a:pPr lvl="1"/>
-            <a:r>
-              <a:rPr lang="en-US" dirty="0" smtClean="0">
-                <a:latin typeface="Consolas" panose="020B0609020204030204" pitchFamily="49" charset="0"/>
-              </a:rPr>
-              <a:t>a[2] = 6</a:t>
-            </a:r>
-          </a:p>
-          <a:p>
-            <a:r>
-              <a:rPr lang="en-US" dirty="0" smtClean="0"/>
-              <a:t>Dictionary</a:t>
-            </a:r>
-          </a:p>
-          <a:p>
-            <a:pPr lvl="1"/>
-            <a:r>
-              <a:rPr lang="en-US" dirty="0" err="1" smtClean="0"/>
-              <a:t>room_num</a:t>
-            </a:r>
-            <a:r>
-              <a:rPr lang="en-US" dirty="0" smtClean="0"/>
-              <a:t> = {‘john’: 425, ‘tom’:212}</a:t>
-            </a:r>
-          </a:p>
-          <a:p>
-            <a:pPr lvl="1"/>
-            <a:r>
-              <a:rPr lang="en-US" dirty="0" err="1" smtClean="0"/>
-              <a:t>room_num</a:t>
-            </a:r>
-            <a:r>
-              <a:rPr lang="en-US" dirty="0" smtClean="0"/>
-              <a:t>[‘john’] returns 425</a:t>
+              <a:t>Sample apps</a:t>
             </a:r>
             <a:endParaRPr lang="en-US" dirty="0"/>
           </a:p>
@@ -6898,7 +6685,7 @@
     </p:spTree>
     <p:extLst>
       <p:ext uri="{BB962C8B-B14F-4D97-AF65-F5344CB8AC3E}">
-        <p14:creationId xmlns:p14="http://schemas.microsoft.com/office/powerpoint/2010/main" val="344768339"/>
+        <p14:creationId xmlns:p14="http://schemas.microsoft.com/office/powerpoint/2010/main" val="1469642778"/>
       </p:ext>
     </p:extLst>
   </p:cSld>
@@ -6949,7 +6736,7 @@
           <a:p>
             <a:r>
               <a:rPr lang="en-US" dirty="0" smtClean="0"/>
-              <a:t>Python in 5 Minutes</a:t>
+              <a:t>Data Analysis Gateway Drug</a:t>
             </a:r>
             <a:endParaRPr lang="en-US" dirty="0"/>
           </a:p>
@@ -6967,335 +6754,17 @@
         </p:nvSpPr>
         <p:spPr/>
         <p:txBody>
-          <a:bodyPr>
-            <a:normAutofit fontScale="92500" lnSpcReduction="20000"/>
-          </a:bodyPr>
+          <a:bodyPr/>
           <a:lstStyle/>
           <a:p>
-            <a:r>
-              <a:rPr lang="en-US" dirty="0" smtClean="0"/>
-              <a:t>Modules are added at the beginning of a script.</a:t>
-            </a:r>
-          </a:p>
-          <a:p>
-            <a:r>
-              <a:rPr lang="en-US" dirty="0" smtClean="0"/>
-              <a:t>We’ll be using pandas, </a:t>
-            </a:r>
-            <a:r>
-              <a:rPr lang="en-US" dirty="0" err="1" smtClean="0"/>
-              <a:t>matplotlib</a:t>
-            </a:r>
-            <a:r>
-              <a:rPr lang="en-US" dirty="0" smtClean="0"/>
-              <a:t>, </a:t>
-            </a:r>
-            <a:r>
-              <a:rPr lang="en-US" dirty="0" err="1" smtClean="0"/>
-              <a:t>numpy</a:t>
-            </a:r>
-            <a:r>
-              <a:rPr lang="en-US" dirty="0" smtClean="0"/>
-              <a:t>, and some other packages</a:t>
-            </a:r>
-          </a:p>
-          <a:p>
-            <a:r>
-              <a:rPr lang="en-US" dirty="0" smtClean="0"/>
-              <a:t>You can name them something convenient to type less</a:t>
-            </a:r>
-          </a:p>
-          <a:p>
-            <a:pPr marL="0" indent="0">
-              <a:buNone/>
-            </a:pPr>
-            <a:r>
-              <a:rPr lang="en-US" dirty="0" smtClean="0">
-                <a:solidFill>
-                  <a:schemeClr val="accent2">
-                    <a:lumMod val="75000"/>
-                  </a:schemeClr>
-                </a:solidFill>
-                <a:latin typeface="Consolas" panose="020B0609020204030204" pitchFamily="49" charset="0"/>
-              </a:rPr>
-              <a:t>import pandas as </a:t>
-            </a:r>
-            <a:r>
-              <a:rPr lang="en-US" dirty="0" err="1" smtClean="0">
-                <a:solidFill>
-                  <a:schemeClr val="accent2">
-                    <a:lumMod val="75000"/>
-                  </a:schemeClr>
-                </a:solidFill>
-                <a:latin typeface="Consolas" panose="020B0609020204030204" pitchFamily="49" charset="0"/>
-              </a:rPr>
-              <a:t>pd</a:t>
-            </a:r>
-            <a:endParaRPr lang="en-US" dirty="0" smtClean="0">
-              <a:solidFill>
-                <a:schemeClr val="accent2">
-                  <a:lumMod val="75000"/>
-                </a:schemeClr>
-              </a:solidFill>
-              <a:latin typeface="Consolas" panose="020B0609020204030204" pitchFamily="49" charset="0"/>
-            </a:endParaRPr>
-          </a:p>
-          <a:p>
-            <a:pPr marL="0" indent="0">
-              <a:buNone/>
-            </a:pPr>
-            <a:r>
-              <a:rPr lang="en-US" dirty="0" smtClean="0">
-                <a:solidFill>
-                  <a:schemeClr val="accent2">
-                    <a:lumMod val="75000"/>
-                  </a:schemeClr>
-                </a:solidFill>
-                <a:latin typeface="Consolas" panose="020B0609020204030204" pitchFamily="49" charset="0"/>
-              </a:rPr>
-              <a:t>import </a:t>
-            </a:r>
-            <a:r>
-              <a:rPr lang="en-US" dirty="0" err="1" smtClean="0">
-                <a:solidFill>
-                  <a:schemeClr val="accent2">
-                    <a:lumMod val="75000"/>
-                  </a:schemeClr>
-                </a:solidFill>
-                <a:latin typeface="Consolas" panose="020B0609020204030204" pitchFamily="49" charset="0"/>
-              </a:rPr>
-              <a:t>matplotlib.pyplot</a:t>
-            </a:r>
-            <a:r>
-              <a:rPr lang="en-US" dirty="0">
-                <a:solidFill>
-                  <a:schemeClr val="accent2">
-                    <a:lumMod val="75000"/>
-                  </a:schemeClr>
-                </a:solidFill>
-                <a:latin typeface="Consolas" panose="020B0609020204030204" pitchFamily="49" charset="0"/>
-              </a:rPr>
-              <a:t> </a:t>
-            </a:r>
-            <a:r>
-              <a:rPr lang="en-US" dirty="0" smtClean="0">
-                <a:solidFill>
-                  <a:schemeClr val="accent2">
-                    <a:lumMod val="75000"/>
-                  </a:schemeClr>
-                </a:solidFill>
-                <a:latin typeface="Consolas" panose="020B0609020204030204" pitchFamily="49" charset="0"/>
-              </a:rPr>
-              <a:t>as </a:t>
-            </a:r>
-            <a:r>
-              <a:rPr lang="en-US" dirty="0" err="1" smtClean="0">
-                <a:solidFill>
-                  <a:schemeClr val="accent2">
-                    <a:lumMod val="75000"/>
-                  </a:schemeClr>
-                </a:solidFill>
-                <a:latin typeface="Consolas" panose="020B0609020204030204" pitchFamily="49" charset="0"/>
-              </a:rPr>
-              <a:t>plt</a:t>
-            </a:r>
-            <a:endParaRPr lang="en-US" dirty="0" smtClean="0">
-              <a:solidFill>
-                <a:schemeClr val="accent2">
-                  <a:lumMod val="75000"/>
-                </a:schemeClr>
-              </a:solidFill>
-              <a:latin typeface="Consolas" panose="020B0609020204030204" pitchFamily="49" charset="0"/>
-            </a:endParaRPr>
-          </a:p>
-          <a:p>
-            <a:pPr marL="0" indent="0">
-              <a:buNone/>
-            </a:pPr>
-            <a:r>
-              <a:rPr lang="en-US" dirty="0" smtClean="0">
-                <a:solidFill>
-                  <a:schemeClr val="accent2">
-                    <a:lumMod val="75000"/>
-                  </a:schemeClr>
-                </a:solidFill>
-                <a:latin typeface="Consolas" panose="020B0609020204030204" pitchFamily="49" charset="0"/>
-              </a:rPr>
-              <a:t>import </a:t>
-            </a:r>
-            <a:r>
-              <a:rPr lang="en-US" dirty="0" err="1" smtClean="0">
-                <a:solidFill>
-                  <a:schemeClr val="accent2">
-                    <a:lumMod val="75000"/>
-                  </a:schemeClr>
-                </a:solidFill>
-                <a:latin typeface="Consolas" panose="020B0609020204030204" pitchFamily="49" charset="0"/>
-              </a:rPr>
-              <a:t>numpy</a:t>
-            </a:r>
-            <a:r>
-              <a:rPr lang="en-US" dirty="0" smtClean="0">
-                <a:solidFill>
-                  <a:schemeClr val="accent2">
-                    <a:lumMod val="75000"/>
-                  </a:schemeClr>
-                </a:solidFill>
-                <a:latin typeface="Consolas" panose="020B0609020204030204" pitchFamily="49" charset="0"/>
-              </a:rPr>
-              <a:t> as np</a:t>
-            </a:r>
-          </a:p>
-          <a:p>
-            <a:pPr marL="0" indent="0">
-              <a:buNone/>
-            </a:pPr>
-            <a:r>
-              <a:rPr lang="en-US" dirty="0" smtClean="0">
-                <a:solidFill>
-                  <a:schemeClr val="accent2">
-                    <a:lumMod val="75000"/>
-                  </a:schemeClr>
-                </a:solidFill>
-                <a:latin typeface="Consolas" panose="020B0609020204030204" pitchFamily="49" charset="0"/>
-              </a:rPr>
-              <a:t>from </a:t>
-            </a:r>
-            <a:r>
-              <a:rPr lang="en-US" dirty="0" err="1" smtClean="0">
-                <a:solidFill>
-                  <a:schemeClr val="accent2">
-                    <a:lumMod val="75000"/>
-                  </a:schemeClr>
-                </a:solidFill>
-                <a:latin typeface="Consolas" panose="020B0609020204030204" pitchFamily="49" charset="0"/>
-              </a:rPr>
-              <a:t>datetime</a:t>
-            </a:r>
-            <a:r>
-              <a:rPr lang="en-US" dirty="0" smtClean="0">
-                <a:solidFill>
-                  <a:schemeClr val="accent2">
-                    <a:lumMod val="75000"/>
-                  </a:schemeClr>
-                </a:solidFill>
-                <a:latin typeface="Consolas" panose="020B0609020204030204" pitchFamily="49" charset="0"/>
-              </a:rPr>
-              <a:t> import </a:t>
-            </a:r>
-            <a:r>
-              <a:rPr lang="en-US" dirty="0" err="1" smtClean="0">
-                <a:solidFill>
-                  <a:schemeClr val="accent2">
-                    <a:lumMod val="75000"/>
-                  </a:schemeClr>
-                </a:solidFill>
-                <a:latin typeface="Consolas" panose="020B0609020204030204" pitchFamily="49" charset="0"/>
-              </a:rPr>
-              <a:t>datetime</a:t>
-            </a:r>
-            <a:r>
-              <a:rPr lang="en-US" dirty="0" smtClean="0">
-                <a:solidFill>
-                  <a:schemeClr val="accent2">
-                    <a:lumMod val="75000"/>
-                  </a:schemeClr>
-                </a:solidFill>
-                <a:latin typeface="Consolas" panose="020B0609020204030204" pitchFamily="49" charset="0"/>
-              </a:rPr>
-              <a:t> as </a:t>
-            </a:r>
-            <a:r>
-              <a:rPr lang="en-US" dirty="0" err="1" smtClean="0">
-                <a:solidFill>
-                  <a:schemeClr val="accent2">
-                    <a:lumMod val="75000"/>
-                  </a:schemeClr>
-                </a:solidFill>
-                <a:latin typeface="Consolas" panose="020B0609020204030204" pitchFamily="49" charset="0"/>
-              </a:rPr>
-              <a:t>dt</a:t>
-            </a:r>
-            <a:endParaRPr lang="en-US" dirty="0" smtClean="0">
-              <a:solidFill>
-                <a:schemeClr val="accent2">
-                  <a:lumMod val="75000"/>
-                </a:schemeClr>
-              </a:solidFill>
-              <a:latin typeface="Consolas" panose="020B0609020204030204" pitchFamily="49" charset="0"/>
-            </a:endParaRPr>
-          </a:p>
-          <a:p>
-            <a:r>
-              <a:rPr lang="en-US" dirty="0" smtClean="0"/>
-              <a:t>To use a function or method from an imported module, append it with a dot.</a:t>
-            </a:r>
-          </a:p>
-          <a:p>
-            <a:pPr marL="0" indent="0">
-              <a:buNone/>
-            </a:pPr>
-            <a:r>
-              <a:rPr lang="en-US" dirty="0" err="1" smtClean="0">
-                <a:solidFill>
-                  <a:schemeClr val="accent2">
-                    <a:lumMod val="75000"/>
-                  </a:schemeClr>
-                </a:solidFill>
-                <a:latin typeface="Consolas" panose="020B0609020204030204" pitchFamily="49" charset="0"/>
-              </a:rPr>
-              <a:t>np.pi</a:t>
-            </a:r>
-            <a:r>
-              <a:rPr lang="en-US" dirty="0" smtClean="0">
-                <a:solidFill>
-                  <a:schemeClr val="accent2">
-                    <a:lumMod val="75000"/>
-                  </a:schemeClr>
-                </a:solidFill>
-                <a:latin typeface="Consolas" panose="020B0609020204030204" pitchFamily="49" charset="0"/>
-              </a:rPr>
-              <a:t>() = 3.1415…</a:t>
-            </a:r>
-          </a:p>
-          <a:p>
-            <a:pPr marL="0" indent="0">
-              <a:buNone/>
-            </a:pPr>
-            <a:r>
-              <a:rPr lang="en-US" dirty="0" err="1" smtClean="0">
-                <a:solidFill>
-                  <a:schemeClr val="accent2">
-                    <a:lumMod val="75000"/>
-                  </a:schemeClr>
-                </a:solidFill>
-                <a:latin typeface="Consolas" panose="020B0609020204030204" pitchFamily="49" charset="0"/>
-              </a:rPr>
-              <a:t>plt.plot</a:t>
-            </a:r>
-            <a:r>
-              <a:rPr lang="en-US" dirty="0" smtClean="0">
-                <a:solidFill>
-                  <a:schemeClr val="accent2">
-                    <a:lumMod val="75000"/>
-                  </a:schemeClr>
-                </a:solidFill>
-                <a:latin typeface="Consolas" panose="020B0609020204030204" pitchFamily="49" charset="0"/>
-              </a:rPr>
-              <a:t>([1,2,3],[4,5,6]) plots a graph</a:t>
-            </a:r>
-          </a:p>
-          <a:p>
-            <a:endParaRPr lang="en-US" dirty="0" smtClean="0">
-              <a:latin typeface="Consolas" panose="020B0609020204030204" pitchFamily="49" charset="0"/>
-            </a:endParaRPr>
+            <a:endParaRPr lang="en-US" dirty="0"/>
           </a:p>
         </p:txBody>
       </p:sp>
     </p:spTree>
     <p:extLst>
       <p:ext uri="{BB962C8B-B14F-4D97-AF65-F5344CB8AC3E}">
-        <p14:creationId xmlns:p14="http://schemas.microsoft.com/office/powerpoint/2010/main" val="2092088250"/>
+        <p14:creationId xmlns:p14="http://schemas.microsoft.com/office/powerpoint/2010/main" val="2782468503"/>
       </p:ext>
     </p:extLst>
   </p:cSld>
@@ -7312,7 +6781,7 @@
 </p:sld>
 </file>
 
-<file path=ppt/slides/slide2.xml><?xml version="1.0" encoding="utf-8"?>
+<file path=ppt/slides/slide13.xml><?xml version="1.0" encoding="utf-8"?>
 <p:sld xmlns:a="http://schemas.openxmlformats.org/drawingml/2006/main" xmlns:r="http://schemas.openxmlformats.org/officeDocument/2006/relationships" xmlns:p="http://schemas.openxmlformats.org/presentationml/2006/main">
   <p:cSld>
     <p:spTree>
@@ -7346,7 +6815,7 @@
           <a:p>
             <a:r>
               <a:rPr lang="en-US" dirty="0" smtClean="0"/>
-              <a:t>What is Python?</a:t>
+              <a:t>Microsoft Excel</a:t>
             </a:r>
             <a:endParaRPr lang="en-US" dirty="0"/>
           </a:p>
@@ -7369,40 +6838,57 @@
           <a:p>
             <a:r>
               <a:rPr lang="en-US" dirty="0" smtClean="0"/>
-              <a:t>Open source general-purpose programming language</a:t>
-            </a:r>
-          </a:p>
-          <a:p>
-            <a:r>
-              <a:rPr lang="en-US" dirty="0" smtClean="0"/>
-              <a:t>Object oriented or functional</a:t>
-            </a:r>
-          </a:p>
-          <a:p>
-            <a:r>
-              <a:rPr lang="en-US" dirty="0" smtClean="0"/>
-              <a:t>Easy to interface with other programming languages</a:t>
-            </a:r>
-          </a:p>
-          <a:p>
-            <a:r>
-              <a:rPr lang="en-US" dirty="0" smtClean="0"/>
-              <a:t>Great interactive environment</a:t>
-            </a:r>
-          </a:p>
-          <a:p>
-            <a:r>
-              <a:rPr lang="en-US" dirty="0" smtClean="0"/>
-              <a:t>Kitchen Sink</a:t>
-            </a:r>
+              <a:t>[I need a quip here]</a:t>
+            </a:r>
+          </a:p>
+          <a:p>
+            <a:r>
+              <a:rPr lang="en-US" dirty="0" smtClean="0"/>
+              <a:t>I use Excel more than any other software….</a:t>
+            </a:r>
+          </a:p>
+          <a:p>
+            <a:pPr marL="0" indent="0">
+              <a:buNone/>
+            </a:pPr>
             <a:endParaRPr lang="en-US" dirty="0"/>
+          </a:p>
+          <a:p>
+            <a:pPr marL="0" indent="0">
+              <a:buNone/>
+            </a:pPr>
+            <a:r>
+              <a:rPr lang="en-US" dirty="0" smtClean="0"/>
+              <a:t>Does it bother you that the logo is an “X”?</a:t>
+            </a:r>
+          </a:p>
+          <a:p>
+            <a:pPr marL="0" indent="0">
+              <a:buNone/>
+            </a:pPr>
+            <a:endParaRPr lang="en-US" dirty="0"/>
+          </a:p>
+          <a:p>
+            <a:pPr marL="0" indent="0">
+              <a:buNone/>
+            </a:pPr>
+            <a:endParaRPr lang="en-US" dirty="0" smtClean="0"/>
+          </a:p>
+          <a:p>
+            <a:pPr marL="0" indent="0">
+              <a:buNone/>
+            </a:pPr>
+            <a:r>
+              <a:rPr lang="en-US" dirty="0" smtClean="0"/>
+              <a:t>…..but is there something better?</a:t>
+            </a:r>
           </a:p>
         </p:txBody>
       </p:sp>
     </p:spTree>
     <p:extLst>
       <p:ext uri="{BB962C8B-B14F-4D97-AF65-F5344CB8AC3E}">
-        <p14:creationId xmlns:p14="http://schemas.microsoft.com/office/powerpoint/2010/main" val="2657244366"/>
+        <p14:creationId xmlns:p14="http://schemas.microsoft.com/office/powerpoint/2010/main" val="2528365591"/>
       </p:ext>
     </p:extLst>
   </p:cSld>
@@ -7419,7 +6905,665 @@
 </p:sld>
 </file>
 
-<file path=ppt/slides/slide3.xml><?xml version="1.0" encoding="utf-8"?>
+<file path=ppt/slides/slide14.xml><?xml version="1.0" encoding="utf-8"?>
+<p:sld xmlns:a="http://schemas.openxmlformats.org/drawingml/2006/main" xmlns:r="http://schemas.openxmlformats.org/officeDocument/2006/relationships" xmlns:p="http://schemas.openxmlformats.org/presentationml/2006/main">
+  <p:cSld>
+    <p:spTree>
+      <p:nvGrpSpPr>
+        <p:cNvPr id="1" name=""/>
+        <p:cNvGrpSpPr/>
+        <p:nvPr/>
+      </p:nvGrpSpPr>
+      <p:grpSpPr>
+        <a:xfrm>
+          <a:off x="0" y="0"/>
+          <a:ext cx="0" cy="0"/>
+          <a:chOff x="0" y="0"/>
+          <a:chExt cx="0" cy="0"/>
+        </a:xfrm>
+      </p:grpSpPr>
+      <p:sp>
+        <p:nvSpPr>
+          <p:cNvPr id="2" name="Title 1"/>
+          <p:cNvSpPr>
+            <a:spLocks noGrp="1"/>
+          </p:cNvSpPr>
+          <p:nvPr>
+            <p:ph type="title"/>
+          </p:nvPr>
+        </p:nvSpPr>
+        <p:spPr/>
+        <p:txBody>
+          <a:bodyPr/>
+          <a:lstStyle/>
+          <a:p>
+            <a:r>
+              <a:rPr lang="en-US" dirty="0" smtClean="0"/>
+              <a:t>Excel</a:t>
+            </a:r>
+            <a:endParaRPr lang="en-US" dirty="0"/>
+          </a:p>
+        </p:txBody>
+      </p:sp>
+      <p:sp>
+        <p:nvSpPr>
+          <p:cNvPr id="3" name="Content Placeholder 2"/>
+          <p:cNvSpPr>
+            <a:spLocks noGrp="1"/>
+          </p:cNvSpPr>
+          <p:nvPr>
+            <p:ph idx="1"/>
+          </p:nvPr>
+        </p:nvSpPr>
+        <p:spPr/>
+        <p:txBody>
+          <a:bodyPr/>
+          <a:lstStyle/>
+          <a:p>
+            <a:r>
+              <a:rPr lang="en-US" dirty="0" smtClean="0"/>
+              <a:t>Excel is everywhere</a:t>
+            </a:r>
+          </a:p>
+          <a:p>
+            <a:r>
+              <a:rPr lang="en-US" dirty="0" smtClean="0"/>
+              <a:t>easy to fall into traps</a:t>
+            </a:r>
+          </a:p>
+          <a:p>
+            <a:r>
+              <a:rPr lang="en-US" dirty="0" smtClean="0"/>
+              <a:t>miss applying a formula to a cell</a:t>
+            </a:r>
+          </a:p>
+          <a:p>
+            <a:r>
+              <a:rPr lang="en-US" dirty="0" smtClean="0"/>
+              <a:t>verification</a:t>
+            </a:r>
+          </a:p>
+          <a:p>
+            <a:endParaRPr lang="en-US" dirty="0" smtClean="0"/>
+          </a:p>
+          <a:p>
+            <a:endParaRPr lang="en-US" dirty="0"/>
+          </a:p>
+        </p:txBody>
+      </p:sp>
+    </p:spTree>
+    <p:extLst>
+      <p:ext uri="{BB962C8B-B14F-4D97-AF65-F5344CB8AC3E}">
+        <p14:creationId xmlns:p14="http://schemas.microsoft.com/office/powerpoint/2010/main" val="2649493265"/>
+      </p:ext>
+    </p:extLst>
+  </p:cSld>
+  <p:clrMapOvr>
+    <a:masterClrMapping/>
+  </p:clrMapOvr>
+  <p:timing>
+    <p:tnLst>
+      <p:par>
+        <p:cTn id="1" dur="indefinite" restart="never" nodeType="tmRoot"/>
+      </p:par>
+    </p:tnLst>
+  </p:timing>
+</p:sld>
+</file>
+
+<file path=ppt/slides/slide15.xml><?xml version="1.0" encoding="utf-8"?>
+<p:sld xmlns:a="http://schemas.openxmlformats.org/drawingml/2006/main" xmlns:r="http://schemas.openxmlformats.org/officeDocument/2006/relationships" xmlns:p="http://schemas.openxmlformats.org/presentationml/2006/main">
+  <p:cSld>
+    <p:spTree>
+      <p:nvGrpSpPr>
+        <p:cNvPr id="1" name=""/>
+        <p:cNvGrpSpPr/>
+        <p:nvPr/>
+      </p:nvGrpSpPr>
+      <p:grpSpPr>
+        <a:xfrm>
+          <a:off x="0" y="0"/>
+          <a:ext cx="0" cy="0"/>
+          <a:chOff x="0" y="0"/>
+          <a:chExt cx="0" cy="0"/>
+        </a:xfrm>
+      </p:grpSpPr>
+      <p:sp>
+        <p:nvSpPr>
+          <p:cNvPr id="2" name="Title 1"/>
+          <p:cNvSpPr>
+            <a:spLocks noGrp="1"/>
+          </p:cNvSpPr>
+          <p:nvPr>
+            <p:ph type="title"/>
+          </p:nvPr>
+        </p:nvSpPr>
+        <p:spPr/>
+        <p:txBody>
+          <a:bodyPr/>
+          <a:lstStyle/>
+          <a:p>
+            <a:r>
+              <a:rPr lang="en-US" dirty="0" smtClean="0"/>
+              <a:t>Case Study</a:t>
+            </a:r>
+            <a:endParaRPr lang="en-US" dirty="0"/>
+          </a:p>
+        </p:txBody>
+      </p:sp>
+      <p:sp>
+        <p:nvSpPr>
+          <p:cNvPr id="3" name="Content Placeholder 2"/>
+          <p:cNvSpPr>
+            <a:spLocks noGrp="1"/>
+          </p:cNvSpPr>
+          <p:nvPr>
+            <p:ph idx="1"/>
+          </p:nvPr>
+        </p:nvSpPr>
+        <p:spPr>
+          <a:xfrm>
+            <a:off x="838200" y="1825625"/>
+            <a:ext cx="10515600" cy="1577051"/>
+          </a:xfrm>
+        </p:spPr>
+        <p:txBody>
+          <a:bodyPr/>
+          <a:lstStyle/>
+          <a:p>
+            <a:r>
+              <a:rPr lang="en-US" dirty="0" smtClean="0"/>
+              <a:t>You are compiling and analyzing flow data from a network of sewer meters.</a:t>
+            </a:r>
+          </a:p>
+          <a:p>
+            <a:r>
+              <a:rPr lang="en-US" dirty="0" smtClean="0"/>
+              <a:t>Date | Time | Location | Flow</a:t>
+            </a:r>
+          </a:p>
+        </p:txBody>
+      </p:sp>
+      <p:sp>
+        <p:nvSpPr>
+          <p:cNvPr id="4" name="TextBox 3"/>
+          <p:cNvSpPr txBox="1"/>
+          <p:nvPr/>
+        </p:nvSpPr>
+        <p:spPr>
+          <a:xfrm rot="20414145">
+            <a:off x="1919650" y="649913"/>
+            <a:ext cx="3612792" cy="1569660"/>
+          </a:xfrm>
+          <a:prstGeom prst="rect">
+            <a:avLst/>
+          </a:prstGeom>
+          <a:noFill/>
+        </p:spPr>
+        <p:txBody>
+          <a:bodyPr wrap="square" rtlCol="0">
+            <a:spAutoFit/>
+          </a:bodyPr>
+          <a:lstStyle/>
+          <a:p>
+            <a:pPr algn="ctr"/>
+            <a:r>
+              <a:rPr lang="en-US" sz="4800" b="1" dirty="0" smtClean="0">
+                <a:solidFill>
+                  <a:srgbClr val="FF0000"/>
+                </a:solidFill>
+                <a:latin typeface="Showcard Gothic" panose="04020904020102020604" pitchFamily="82" charset="0"/>
+              </a:rPr>
+              <a:t>HORROR </a:t>
+            </a:r>
+          </a:p>
+          <a:p>
+            <a:pPr algn="ctr"/>
+            <a:r>
+              <a:rPr lang="en-US" sz="4800" b="1" dirty="0" smtClean="0">
+                <a:solidFill>
+                  <a:srgbClr val="FF0000"/>
+                </a:solidFill>
+                <a:latin typeface="Showcard Gothic" panose="04020904020102020604" pitchFamily="82" charset="0"/>
+              </a:rPr>
+              <a:t>STORY</a:t>
+            </a:r>
+            <a:endParaRPr lang="en-US" sz="4800" b="1" dirty="0">
+              <a:solidFill>
+                <a:srgbClr val="FF0000"/>
+              </a:solidFill>
+              <a:latin typeface="Showcard Gothic" panose="04020904020102020604" pitchFamily="82" charset="0"/>
+            </a:endParaRPr>
+          </a:p>
+        </p:txBody>
+      </p:sp>
+      <p:sp>
+        <p:nvSpPr>
+          <p:cNvPr id="5" name="Content Placeholder 2"/>
+          <p:cNvSpPr txBox="1">
+            <a:spLocks/>
+          </p:cNvSpPr>
+          <p:nvPr/>
+        </p:nvSpPr>
+        <p:spPr>
+          <a:xfrm>
+            <a:off x="838200" y="3457691"/>
+            <a:ext cx="10515600" cy="2375073"/>
+          </a:xfrm>
+          <a:prstGeom prst="rect">
+            <a:avLst/>
+          </a:prstGeom>
+        </p:spPr>
+        <p:txBody>
+          <a:bodyPr vert="horz" lIns="91440" tIns="45720" rIns="91440" bIns="45720" rtlCol="0">
+            <a:normAutofit/>
+          </a:bodyPr>
+          <a:lstStyle>
+            <a:lvl1pPr marL="228600" indent="-228600" algn="l" defTabSz="914400" rtl="0" eaLnBrk="1" latinLnBrk="0" hangingPunct="1">
+              <a:lnSpc>
+                <a:spcPct val="90000"/>
+              </a:lnSpc>
+              <a:spcBef>
+                <a:spcPts val="1000"/>
+              </a:spcBef>
+              <a:buFont typeface="Arial" panose="020B0604020202020204" pitchFamily="34" charset="0"/>
+              <a:buChar char="•"/>
+              <a:defRPr sz="2800" kern="1200">
+                <a:solidFill>
+                  <a:schemeClr val="tx1"/>
+                </a:solidFill>
+                <a:latin typeface="+mn-lt"/>
+                <a:ea typeface="+mn-ea"/>
+                <a:cs typeface="+mn-cs"/>
+              </a:defRPr>
+            </a:lvl1pPr>
+            <a:lvl2pPr marL="685800" indent="-228600" algn="l" defTabSz="914400" rtl="0" eaLnBrk="1" latinLnBrk="0" hangingPunct="1">
+              <a:lnSpc>
+                <a:spcPct val="90000"/>
+              </a:lnSpc>
+              <a:spcBef>
+                <a:spcPts val="500"/>
+              </a:spcBef>
+              <a:buFont typeface="Arial" panose="020B0604020202020204" pitchFamily="34" charset="0"/>
+              <a:buChar char="•"/>
+              <a:defRPr sz="2400" kern="1200">
+                <a:solidFill>
+                  <a:schemeClr val="tx1"/>
+                </a:solidFill>
+                <a:latin typeface="+mn-lt"/>
+                <a:ea typeface="+mn-ea"/>
+                <a:cs typeface="+mn-cs"/>
+              </a:defRPr>
+            </a:lvl2pPr>
+            <a:lvl3pPr marL="1143000" indent="-228600" algn="l" defTabSz="914400" rtl="0" eaLnBrk="1" latinLnBrk="0" hangingPunct="1">
+              <a:lnSpc>
+                <a:spcPct val="90000"/>
+              </a:lnSpc>
+              <a:spcBef>
+                <a:spcPts val="500"/>
+              </a:spcBef>
+              <a:buFont typeface="Arial" panose="020B0604020202020204" pitchFamily="34" charset="0"/>
+              <a:buChar char="•"/>
+              <a:defRPr sz="2000" kern="1200">
+                <a:solidFill>
+                  <a:schemeClr val="tx1"/>
+                </a:solidFill>
+                <a:latin typeface="+mn-lt"/>
+                <a:ea typeface="+mn-ea"/>
+                <a:cs typeface="+mn-cs"/>
+              </a:defRPr>
+            </a:lvl3pPr>
+            <a:lvl4pPr marL="1600200" indent="-228600" algn="l" defTabSz="914400" rtl="0" eaLnBrk="1" latinLnBrk="0" hangingPunct="1">
+              <a:lnSpc>
+                <a:spcPct val="90000"/>
+              </a:lnSpc>
+              <a:spcBef>
+                <a:spcPts val="500"/>
+              </a:spcBef>
+              <a:buFont typeface="Arial" panose="020B0604020202020204" pitchFamily="34" charset="0"/>
+              <a:buChar char="•"/>
+              <a:defRPr sz="1800" kern="1200">
+                <a:solidFill>
+                  <a:schemeClr val="tx1"/>
+                </a:solidFill>
+                <a:latin typeface="+mn-lt"/>
+                <a:ea typeface="+mn-ea"/>
+                <a:cs typeface="+mn-cs"/>
+              </a:defRPr>
+            </a:lvl4pPr>
+            <a:lvl5pPr marL="2057400" indent="-228600" algn="l" defTabSz="914400" rtl="0" eaLnBrk="1" latinLnBrk="0" hangingPunct="1">
+              <a:lnSpc>
+                <a:spcPct val="90000"/>
+              </a:lnSpc>
+              <a:spcBef>
+                <a:spcPts val="500"/>
+              </a:spcBef>
+              <a:buFont typeface="Arial" panose="020B0604020202020204" pitchFamily="34" charset="0"/>
+              <a:buChar char="•"/>
+              <a:defRPr sz="1800" kern="1200">
+                <a:solidFill>
+                  <a:schemeClr val="tx1"/>
+                </a:solidFill>
+                <a:latin typeface="+mn-lt"/>
+                <a:ea typeface="+mn-ea"/>
+                <a:cs typeface="+mn-cs"/>
+              </a:defRPr>
+            </a:lvl5pPr>
+            <a:lvl6pPr marL="2514600" indent="-228600" algn="l" defTabSz="914400" rtl="0" eaLnBrk="1" latinLnBrk="0" hangingPunct="1">
+              <a:lnSpc>
+                <a:spcPct val="90000"/>
+              </a:lnSpc>
+              <a:spcBef>
+                <a:spcPts val="500"/>
+              </a:spcBef>
+              <a:buFont typeface="Arial" panose="020B0604020202020204" pitchFamily="34" charset="0"/>
+              <a:buChar char="•"/>
+              <a:defRPr sz="1800" kern="1200">
+                <a:solidFill>
+                  <a:schemeClr val="tx1"/>
+                </a:solidFill>
+                <a:latin typeface="+mn-lt"/>
+                <a:ea typeface="+mn-ea"/>
+                <a:cs typeface="+mn-cs"/>
+              </a:defRPr>
+            </a:lvl6pPr>
+            <a:lvl7pPr marL="2971800" indent="-228600" algn="l" defTabSz="914400" rtl="0" eaLnBrk="1" latinLnBrk="0" hangingPunct="1">
+              <a:lnSpc>
+                <a:spcPct val="90000"/>
+              </a:lnSpc>
+              <a:spcBef>
+                <a:spcPts val="500"/>
+              </a:spcBef>
+              <a:buFont typeface="Arial" panose="020B0604020202020204" pitchFamily="34" charset="0"/>
+              <a:buChar char="•"/>
+              <a:defRPr sz="1800" kern="1200">
+                <a:solidFill>
+                  <a:schemeClr val="tx1"/>
+                </a:solidFill>
+                <a:latin typeface="+mn-lt"/>
+                <a:ea typeface="+mn-ea"/>
+                <a:cs typeface="+mn-cs"/>
+              </a:defRPr>
+            </a:lvl7pPr>
+            <a:lvl8pPr marL="3429000" indent="-228600" algn="l" defTabSz="914400" rtl="0" eaLnBrk="1" latinLnBrk="0" hangingPunct="1">
+              <a:lnSpc>
+                <a:spcPct val="90000"/>
+              </a:lnSpc>
+              <a:spcBef>
+                <a:spcPts val="500"/>
+              </a:spcBef>
+              <a:buFont typeface="Arial" panose="020B0604020202020204" pitchFamily="34" charset="0"/>
+              <a:buChar char="•"/>
+              <a:defRPr sz="1800" kern="1200">
+                <a:solidFill>
+                  <a:schemeClr val="tx1"/>
+                </a:solidFill>
+                <a:latin typeface="+mn-lt"/>
+                <a:ea typeface="+mn-ea"/>
+                <a:cs typeface="+mn-cs"/>
+              </a:defRPr>
+            </a:lvl8pPr>
+            <a:lvl9pPr marL="3886200" indent="-228600" algn="l" defTabSz="914400" rtl="0" eaLnBrk="1" latinLnBrk="0" hangingPunct="1">
+              <a:lnSpc>
+                <a:spcPct val="90000"/>
+              </a:lnSpc>
+              <a:spcBef>
+                <a:spcPts val="500"/>
+              </a:spcBef>
+              <a:buFont typeface="Arial" panose="020B0604020202020204" pitchFamily="34" charset="0"/>
+              <a:buChar char="•"/>
+              <a:defRPr sz="1800" kern="1200">
+                <a:solidFill>
+                  <a:schemeClr val="tx1"/>
+                </a:solidFill>
+                <a:latin typeface="+mn-lt"/>
+                <a:ea typeface="+mn-ea"/>
+                <a:cs typeface="+mn-cs"/>
+              </a:defRPr>
+            </a:lvl9pPr>
+          </a:lstStyle>
+          <a:p>
+            <a:r>
+              <a:rPr lang="en-US" dirty="0" smtClean="0"/>
+              <a:t>You receive 15 csv files, 2 text files, a pdf, and an Excel spreadsheet with “flow data”</a:t>
+            </a:r>
+          </a:p>
+          <a:p>
+            <a:r>
+              <a:rPr lang="en-US" dirty="0" smtClean="0"/>
+              <a:t>What do you do with it?</a:t>
+            </a:r>
+            <a:endParaRPr lang="en-US" dirty="0" smtClean="0"/>
+          </a:p>
+        </p:txBody>
+      </p:sp>
+    </p:spTree>
+    <p:extLst>
+      <p:ext uri="{BB962C8B-B14F-4D97-AF65-F5344CB8AC3E}">
+        <p14:creationId xmlns:p14="http://schemas.microsoft.com/office/powerpoint/2010/main" val="1587825823"/>
+      </p:ext>
+    </p:extLst>
+  </p:cSld>
+  <p:clrMapOvr>
+    <a:masterClrMapping/>
+  </p:clrMapOvr>
+  <p:timing>
+    <p:tnLst>
+      <p:par>
+        <p:cTn id="1" dur="indefinite" restart="never" nodeType="tmRoot">
+          <p:childTnLst>
+            <p:seq concurrent="1" nextAc="seek">
+              <p:cTn id="2" dur="indefinite" nodeType="mainSeq">
+                <p:childTnLst>
+                  <p:par>
+                    <p:cTn id="3" fill="hold">
+                      <p:stCondLst>
+                        <p:cond delay="indefinite"/>
+                      </p:stCondLst>
+                      <p:childTnLst>
+                        <p:par>
+                          <p:cTn id="4" fill="hold">
+                            <p:stCondLst>
+                              <p:cond delay="0"/>
+                            </p:stCondLst>
+                            <p:childTnLst>
+                              <p:par>
+                                <p:cTn id="5" presetID="1" presetClass="entr" presetSubtype="0" fill="hold" grpId="0" nodeType="clickEffect">
+                                  <p:stCondLst>
+                                    <p:cond delay="0"/>
+                                  </p:stCondLst>
+                                  <p:childTnLst>
+                                    <p:set>
+                                      <p:cBhvr>
+                                        <p:cTn id="6" dur="1" fill="hold">
+                                          <p:stCondLst>
+                                            <p:cond delay="0"/>
+                                          </p:stCondLst>
+                                        </p:cTn>
+                                        <p:tgtEl>
+                                          <p:spTgt spid="3">
+                                            <p:txEl>
+                                              <p:pRg st="0" end="0"/>
+                                            </p:txEl>
+                                          </p:spTgt>
+                                        </p:tgtEl>
+                                        <p:attrNameLst>
+                                          <p:attrName>style.visibility</p:attrName>
+                                        </p:attrNameLst>
+                                      </p:cBhvr>
+                                      <p:to>
+                                        <p:strVal val="visible"/>
+                                      </p:to>
+                                    </p:set>
+                                  </p:childTnLst>
+                                </p:cTn>
+                              </p:par>
+                            </p:childTnLst>
+                          </p:cTn>
+                        </p:par>
+                      </p:childTnLst>
+                    </p:cTn>
+                  </p:par>
+                  <p:par>
+                    <p:cTn id="7" fill="hold">
+                      <p:stCondLst>
+                        <p:cond delay="indefinite"/>
+                      </p:stCondLst>
+                      <p:childTnLst>
+                        <p:par>
+                          <p:cTn id="8" fill="hold">
+                            <p:stCondLst>
+                              <p:cond delay="0"/>
+                            </p:stCondLst>
+                            <p:childTnLst>
+                              <p:par>
+                                <p:cTn id="9" presetID="1" presetClass="entr" presetSubtype="0" fill="hold" grpId="0" nodeType="clickEffect">
+                                  <p:stCondLst>
+                                    <p:cond delay="0"/>
+                                  </p:stCondLst>
+                                  <p:childTnLst>
+                                    <p:set>
+                                      <p:cBhvr>
+                                        <p:cTn id="10" dur="1" fill="hold">
+                                          <p:stCondLst>
+                                            <p:cond delay="0"/>
+                                          </p:stCondLst>
+                                        </p:cTn>
+                                        <p:tgtEl>
+                                          <p:spTgt spid="3">
+                                            <p:txEl>
+                                              <p:pRg st="1" end="1"/>
+                                            </p:txEl>
+                                          </p:spTgt>
+                                        </p:tgtEl>
+                                        <p:attrNameLst>
+                                          <p:attrName>style.visibility</p:attrName>
+                                        </p:attrNameLst>
+                                      </p:cBhvr>
+                                      <p:to>
+                                        <p:strVal val="visible"/>
+                                      </p:to>
+                                    </p:set>
+                                  </p:childTnLst>
+                                </p:cTn>
+                              </p:par>
+                            </p:childTnLst>
+                          </p:cTn>
+                        </p:par>
+                      </p:childTnLst>
+                    </p:cTn>
+                  </p:par>
+                  <p:par>
+                    <p:cTn id="11" fill="hold">
+                      <p:stCondLst>
+                        <p:cond delay="indefinite"/>
+                      </p:stCondLst>
+                      <p:childTnLst>
+                        <p:par>
+                          <p:cTn id="12" fill="hold">
+                            <p:stCondLst>
+                              <p:cond delay="0"/>
+                            </p:stCondLst>
+                            <p:childTnLst>
+                              <p:par>
+                                <p:cTn id="13" presetID="6" presetClass="entr" presetSubtype="16" fill="hold" grpId="0" nodeType="clickEffect">
+                                  <p:stCondLst>
+                                    <p:cond delay="0"/>
+                                  </p:stCondLst>
+                                  <p:childTnLst>
+                                    <p:set>
+                                      <p:cBhvr>
+                                        <p:cTn id="14" dur="1" fill="hold">
+                                          <p:stCondLst>
+                                            <p:cond delay="0"/>
+                                          </p:stCondLst>
+                                        </p:cTn>
+                                        <p:tgtEl>
+                                          <p:spTgt spid="4"/>
+                                        </p:tgtEl>
+                                        <p:attrNameLst>
+                                          <p:attrName>style.visibility</p:attrName>
+                                        </p:attrNameLst>
+                                      </p:cBhvr>
+                                      <p:to>
+                                        <p:strVal val="visible"/>
+                                      </p:to>
+                                    </p:set>
+                                    <p:animEffect transition="in" filter="circle(in)">
+                                      <p:cBhvr>
+                                        <p:cTn id="15" dur="2000"/>
+                                        <p:tgtEl>
+                                          <p:spTgt spid="4"/>
+                                        </p:tgtEl>
+                                      </p:cBhvr>
+                                    </p:animEffect>
+                                  </p:childTnLst>
+                                </p:cTn>
+                              </p:par>
+                              <p:par>
+                                <p:cTn id="16" presetID="1" presetClass="entr" presetSubtype="0" fill="hold" grpId="0" nodeType="withEffect">
+                                  <p:stCondLst>
+                                    <p:cond delay="0"/>
+                                  </p:stCondLst>
+                                  <p:childTnLst>
+                                    <p:set>
+                                      <p:cBhvr>
+                                        <p:cTn id="17" dur="1" fill="hold">
+                                          <p:stCondLst>
+                                            <p:cond delay="0"/>
+                                          </p:stCondLst>
+                                        </p:cTn>
+                                        <p:tgtEl>
+                                          <p:spTgt spid="5"/>
+                                        </p:tgtEl>
+                                        <p:attrNameLst>
+                                          <p:attrName>style.visibility</p:attrName>
+                                        </p:attrNameLst>
+                                      </p:cBhvr>
+                                      <p:to>
+                                        <p:strVal val="visible"/>
+                                      </p:to>
+                                    </p:set>
+                                  </p:childTnLst>
+                                </p:cTn>
+                              </p:par>
+                            </p:childTnLst>
+                          </p:cTn>
+                        </p:par>
+                      </p:childTnLst>
+                    </p:cTn>
+                  </p:par>
+                </p:childTnLst>
+              </p:cTn>
+              <p:prevCondLst>
+                <p:cond evt="onPrev" delay="0">
+                  <p:tgtEl>
+                    <p:sldTgt/>
+                  </p:tgtEl>
+                </p:cond>
+              </p:prevCondLst>
+              <p:nextCondLst>
+                <p:cond evt="onNext" delay="0">
+                  <p:tgtEl>
+                    <p:sldTgt/>
+                  </p:tgtEl>
+                </p:cond>
+              </p:nextCondLst>
+            </p:seq>
+          </p:childTnLst>
+        </p:cTn>
+      </p:par>
+    </p:tnLst>
+    <p:bldLst>
+      <p:bldP spid="3" grpId="0" build="p"/>
+      <p:bldP spid="4" grpId="0"/>
+      <p:bldP spid="5" grpId="0"/>
+    </p:bldLst>
+  </p:timing>
+</p:sld>
+</file>
+
+<file path=ppt/slides/slide16.xml><?xml version="1.0" encoding="utf-8"?>
 <p:sld xmlns:a="http://schemas.openxmlformats.org/drawingml/2006/main" xmlns:r="http://schemas.openxmlformats.org/officeDocument/2006/relationships" xmlns:p="http://schemas.openxmlformats.org/presentationml/2006/main">
   <p:cSld>
     <p:spTree>
@@ -7741,7 +7885,7 @@
 </p:sld>
 </file>
 
-<file path=ppt/slides/slide4.xml><?xml version="1.0" encoding="utf-8"?>
+<file path=ppt/slides/slide17.xml><?xml version="1.0" encoding="utf-8"?>
 <p:sld xmlns:a="http://schemas.openxmlformats.org/drawingml/2006/main" xmlns:r="http://schemas.openxmlformats.org/officeDocument/2006/relationships" xmlns:p="http://schemas.openxmlformats.org/presentationml/2006/main">
   <p:cSld>
     <p:spTree>
@@ -8103,6 +8247,1903 @@
 </p:sld>
 </file>
 
+<file path=ppt/slides/slide18.xml><?xml version="1.0" encoding="utf-8"?>
+<p:sld xmlns:a="http://schemas.openxmlformats.org/drawingml/2006/main" xmlns:r="http://schemas.openxmlformats.org/officeDocument/2006/relationships" xmlns:p="http://schemas.openxmlformats.org/presentationml/2006/main">
+  <p:cSld>
+    <p:spTree>
+      <p:nvGrpSpPr>
+        <p:cNvPr id="1" name=""/>
+        <p:cNvGrpSpPr/>
+        <p:nvPr/>
+      </p:nvGrpSpPr>
+      <p:grpSpPr>
+        <a:xfrm>
+          <a:off x="0" y="0"/>
+          <a:ext cx="0" cy="0"/>
+          <a:chOff x="0" y="0"/>
+          <a:chExt cx="0" cy="0"/>
+        </a:xfrm>
+      </p:grpSpPr>
+      <p:sp>
+        <p:nvSpPr>
+          <p:cNvPr id="2" name="Title 1"/>
+          <p:cNvSpPr>
+            <a:spLocks noGrp="1"/>
+          </p:cNvSpPr>
+          <p:nvPr>
+            <p:ph type="title"/>
+          </p:nvPr>
+        </p:nvSpPr>
+        <p:spPr/>
+        <p:txBody>
+          <a:bodyPr/>
+          <a:lstStyle/>
+          <a:p>
+            <a:r>
+              <a:rPr lang="en-US" dirty="0" smtClean="0"/>
+              <a:t>What do I use?</a:t>
+            </a:r>
+            <a:endParaRPr lang="en-US" dirty="0"/>
+          </a:p>
+        </p:txBody>
+      </p:sp>
+      <p:graphicFrame>
+        <p:nvGraphicFramePr>
+          <p:cNvPr id="5" name="Diagram 4"/>
+          <p:cNvGraphicFramePr/>
+          <p:nvPr>
+            <p:extLst>
+              <p:ext uri="{D42A27DB-BD31-4B8C-83A1-F6EECF244321}">
+                <p14:modId xmlns:p14="http://schemas.microsoft.com/office/powerpoint/2010/main" val="901158227"/>
+              </p:ext>
+            </p:extLst>
+          </p:nvPr>
+        </p:nvGraphicFramePr>
+        <p:xfrm>
+          <a:off x="2032000" y="1690688"/>
+          <a:ext cx="7763850" cy="5027067"/>
+        </p:xfrm>
+        <a:graphic>
+          <a:graphicData uri="http://schemas.openxmlformats.org/drawingml/2006/diagram">
+            <dgm:relIds xmlns:dgm="http://schemas.openxmlformats.org/drawingml/2006/diagram" xmlns:r="http://schemas.openxmlformats.org/officeDocument/2006/relationships" r:dm="rId2" r:lo="rId3" r:qs="rId4" r:cs="rId5"/>
+          </a:graphicData>
+        </a:graphic>
+      </p:graphicFrame>
+    </p:spTree>
+    <p:extLst>
+      <p:ext uri="{BB962C8B-B14F-4D97-AF65-F5344CB8AC3E}">
+        <p14:creationId xmlns:p14="http://schemas.microsoft.com/office/powerpoint/2010/main" val="2416235332"/>
+      </p:ext>
+    </p:extLst>
+  </p:cSld>
+  <p:clrMapOvr>
+    <a:masterClrMapping/>
+  </p:clrMapOvr>
+  <p:timing>
+    <p:tnLst>
+      <p:par>
+        <p:cTn id="1" dur="indefinite" restart="never" nodeType="tmRoot"/>
+      </p:par>
+    </p:tnLst>
+  </p:timing>
+</p:sld>
+</file>
+
+<file path=ppt/slides/slide19.xml><?xml version="1.0" encoding="utf-8"?>
+<p:sld xmlns:a="http://schemas.openxmlformats.org/drawingml/2006/main" xmlns:r="http://schemas.openxmlformats.org/officeDocument/2006/relationships" xmlns:p="http://schemas.openxmlformats.org/presentationml/2006/main">
+  <p:cSld>
+    <p:spTree>
+      <p:nvGrpSpPr>
+        <p:cNvPr id="1" name=""/>
+        <p:cNvGrpSpPr/>
+        <p:nvPr/>
+      </p:nvGrpSpPr>
+      <p:grpSpPr>
+        <a:xfrm>
+          <a:off x="0" y="0"/>
+          <a:ext cx="0" cy="0"/>
+          <a:chOff x="0" y="0"/>
+          <a:chExt cx="0" cy="0"/>
+        </a:xfrm>
+      </p:grpSpPr>
+      <p:sp>
+        <p:nvSpPr>
+          <p:cNvPr id="2" name="Title 1"/>
+          <p:cNvSpPr>
+            <a:spLocks noGrp="1"/>
+          </p:cNvSpPr>
+          <p:nvPr>
+            <p:ph type="title"/>
+          </p:nvPr>
+        </p:nvSpPr>
+        <p:spPr/>
+        <p:txBody>
+          <a:bodyPr/>
+          <a:lstStyle/>
+          <a:p>
+            <a:r>
+              <a:rPr lang="en-US" dirty="0" smtClean="0"/>
+              <a:t>Demo of ways to interact with Python</a:t>
+            </a:r>
+            <a:endParaRPr lang="en-US" dirty="0"/>
+          </a:p>
+        </p:txBody>
+      </p:sp>
+      <p:sp>
+        <p:nvSpPr>
+          <p:cNvPr id="3" name="Content Placeholder 2"/>
+          <p:cNvSpPr>
+            <a:spLocks noGrp="1"/>
+          </p:cNvSpPr>
+          <p:nvPr>
+            <p:ph idx="1"/>
+          </p:nvPr>
+        </p:nvSpPr>
+        <p:spPr/>
+        <p:txBody>
+          <a:bodyPr/>
+          <a:lstStyle/>
+          <a:p>
+            <a:r>
+              <a:rPr lang="en-US" dirty="0" smtClean="0"/>
+              <a:t>Shell demonstration</a:t>
+            </a:r>
+          </a:p>
+          <a:p>
+            <a:r>
+              <a:rPr lang="en-US" dirty="0" err="1" smtClean="0"/>
+              <a:t>Spyder</a:t>
+            </a:r>
+            <a:r>
+              <a:rPr lang="en-US" dirty="0" smtClean="0"/>
+              <a:t> demo</a:t>
+            </a:r>
+          </a:p>
+          <a:p>
+            <a:r>
+              <a:rPr lang="en-US" dirty="0" err="1" smtClean="0"/>
+              <a:t>PyCharm</a:t>
+            </a:r>
+            <a:r>
+              <a:rPr lang="en-US" dirty="0" smtClean="0"/>
+              <a:t> demo</a:t>
+            </a:r>
+          </a:p>
+          <a:p>
+            <a:endParaRPr lang="en-US" dirty="0"/>
+          </a:p>
+        </p:txBody>
+      </p:sp>
+    </p:spTree>
+    <p:extLst>
+      <p:ext uri="{BB962C8B-B14F-4D97-AF65-F5344CB8AC3E}">
+        <p14:creationId xmlns:p14="http://schemas.microsoft.com/office/powerpoint/2010/main" val="1374341804"/>
+      </p:ext>
+    </p:extLst>
+  </p:cSld>
+  <p:clrMapOvr>
+    <a:masterClrMapping/>
+  </p:clrMapOvr>
+  <p:timing>
+    <p:tnLst>
+      <p:par>
+        <p:cTn id="1" dur="indefinite" restart="never" nodeType="tmRoot"/>
+      </p:par>
+    </p:tnLst>
+  </p:timing>
+</p:sld>
+</file>
+
+<file path=ppt/slides/slide2.xml><?xml version="1.0" encoding="utf-8"?>
+<p:sld xmlns:a="http://schemas.openxmlformats.org/drawingml/2006/main" xmlns:r="http://schemas.openxmlformats.org/officeDocument/2006/relationships" xmlns:p="http://schemas.openxmlformats.org/presentationml/2006/main">
+  <p:cSld>
+    <p:spTree>
+      <p:nvGrpSpPr>
+        <p:cNvPr id="1" name=""/>
+        <p:cNvGrpSpPr/>
+        <p:nvPr/>
+      </p:nvGrpSpPr>
+      <p:grpSpPr>
+        <a:xfrm>
+          <a:off x="0" y="0"/>
+          <a:ext cx="0" cy="0"/>
+          <a:chOff x="0" y="0"/>
+          <a:chExt cx="0" cy="0"/>
+        </a:xfrm>
+      </p:grpSpPr>
+      <p:sp>
+        <p:nvSpPr>
+          <p:cNvPr id="2" name="Title 1"/>
+          <p:cNvSpPr>
+            <a:spLocks noGrp="1"/>
+          </p:cNvSpPr>
+          <p:nvPr>
+            <p:ph type="title"/>
+          </p:nvPr>
+        </p:nvSpPr>
+        <p:spPr/>
+        <p:txBody>
+          <a:bodyPr/>
+          <a:lstStyle/>
+          <a:p>
+            <a:r>
+              <a:rPr lang="en-US" dirty="0" smtClean="0"/>
+              <a:t>agenda</a:t>
+            </a:r>
+            <a:endParaRPr lang="en-US" dirty="0"/>
+          </a:p>
+        </p:txBody>
+      </p:sp>
+      <p:sp>
+        <p:nvSpPr>
+          <p:cNvPr id="3" name="Content Placeholder 2"/>
+          <p:cNvSpPr>
+            <a:spLocks noGrp="1"/>
+          </p:cNvSpPr>
+          <p:nvPr>
+            <p:ph idx="1"/>
+          </p:nvPr>
+        </p:nvSpPr>
+        <p:spPr/>
+        <p:txBody>
+          <a:bodyPr/>
+          <a:lstStyle/>
+          <a:p>
+            <a:endParaRPr lang="en-US"/>
+          </a:p>
+        </p:txBody>
+      </p:sp>
+    </p:spTree>
+    <p:extLst>
+      <p:ext uri="{BB962C8B-B14F-4D97-AF65-F5344CB8AC3E}">
+        <p14:creationId xmlns:p14="http://schemas.microsoft.com/office/powerpoint/2010/main" val="1469757644"/>
+      </p:ext>
+    </p:extLst>
+  </p:cSld>
+  <p:clrMapOvr>
+    <a:masterClrMapping/>
+  </p:clrMapOvr>
+</p:sld>
+</file>
+
+<file path=ppt/slides/slide20.xml><?xml version="1.0" encoding="utf-8"?>
+<p:sld xmlns:a="http://schemas.openxmlformats.org/drawingml/2006/main" xmlns:r="http://schemas.openxmlformats.org/officeDocument/2006/relationships" xmlns:p="http://schemas.openxmlformats.org/presentationml/2006/main">
+  <p:cSld>
+    <p:spTree>
+      <p:nvGrpSpPr>
+        <p:cNvPr id="1" name=""/>
+        <p:cNvGrpSpPr/>
+        <p:nvPr/>
+      </p:nvGrpSpPr>
+      <p:grpSpPr>
+        <a:xfrm>
+          <a:off x="0" y="0"/>
+          <a:ext cx="0" cy="0"/>
+          <a:chOff x="0" y="0"/>
+          <a:chExt cx="0" cy="0"/>
+        </a:xfrm>
+      </p:grpSpPr>
+      <p:sp>
+        <p:nvSpPr>
+          <p:cNvPr id="2" name="Title 1"/>
+          <p:cNvSpPr>
+            <a:spLocks noGrp="1"/>
+          </p:cNvSpPr>
+          <p:nvPr>
+            <p:ph type="title"/>
+          </p:nvPr>
+        </p:nvSpPr>
+        <p:spPr/>
+        <p:txBody>
+          <a:bodyPr/>
+          <a:lstStyle/>
+          <a:p>
+            <a:r>
+              <a:rPr lang="en-US" dirty="0" err="1" smtClean="0"/>
+              <a:t>Jupyter</a:t>
+            </a:r>
+            <a:r>
+              <a:rPr lang="en-US" dirty="0" smtClean="0"/>
+              <a:t> Notebook</a:t>
+            </a:r>
+            <a:endParaRPr lang="en-US" dirty="0"/>
+          </a:p>
+        </p:txBody>
+      </p:sp>
+      <p:sp>
+        <p:nvSpPr>
+          <p:cNvPr id="3" name="Content Placeholder 2"/>
+          <p:cNvSpPr>
+            <a:spLocks noGrp="1"/>
+          </p:cNvSpPr>
+          <p:nvPr>
+            <p:ph idx="1"/>
+          </p:nvPr>
+        </p:nvSpPr>
+        <p:spPr/>
+        <p:txBody>
+          <a:bodyPr/>
+          <a:lstStyle/>
+          <a:p>
+            <a:r>
+              <a:rPr lang="en-US" dirty="0" smtClean="0"/>
+              <a:t>A web-based python editor</a:t>
+            </a:r>
+          </a:p>
+          <a:p>
+            <a:pPr lvl="1"/>
+            <a:r>
+              <a:rPr lang="en-US" dirty="0" smtClean="0"/>
+              <a:t>Automatic syntax highlighting, indentation, and tab completion</a:t>
+            </a:r>
+          </a:p>
+          <a:p>
+            <a:r>
+              <a:rPr lang="en-US" dirty="0" smtClean="0"/>
+              <a:t>Shows inputs and outputs</a:t>
+            </a:r>
+          </a:p>
+          <a:p>
+            <a:r>
+              <a:rPr lang="en-US" dirty="0"/>
+              <a:t>C</a:t>
+            </a:r>
+            <a:r>
+              <a:rPr lang="en-US" dirty="0" smtClean="0"/>
+              <a:t>an be used to document an entire project</a:t>
+            </a:r>
+          </a:p>
+          <a:p>
+            <a:r>
+              <a:rPr lang="en-US" dirty="0" smtClean="0"/>
+              <a:t>Go to any directory and type </a:t>
+            </a:r>
+            <a:r>
+              <a:rPr lang="en-US" dirty="0" err="1" smtClean="0">
+                <a:latin typeface="Consolas" panose="020B0609020204030204" pitchFamily="49" charset="0"/>
+              </a:rPr>
+              <a:t>jupyter</a:t>
+            </a:r>
+            <a:r>
+              <a:rPr lang="en-US" dirty="0" smtClean="0">
+                <a:latin typeface="Consolas" panose="020B0609020204030204" pitchFamily="49" charset="0"/>
+              </a:rPr>
+              <a:t> notebook</a:t>
+            </a:r>
+            <a:endParaRPr lang="en-US" dirty="0" smtClean="0"/>
+          </a:p>
+        </p:txBody>
+      </p:sp>
+    </p:spTree>
+    <p:extLst>
+      <p:ext uri="{BB962C8B-B14F-4D97-AF65-F5344CB8AC3E}">
+        <p14:creationId xmlns:p14="http://schemas.microsoft.com/office/powerpoint/2010/main" val="1483925451"/>
+      </p:ext>
+    </p:extLst>
+  </p:cSld>
+  <p:clrMapOvr>
+    <a:masterClrMapping/>
+  </p:clrMapOvr>
+  <p:timing>
+    <p:tnLst>
+      <p:par>
+        <p:cTn id="1" dur="indefinite" restart="never" nodeType="tmRoot"/>
+      </p:par>
+    </p:tnLst>
+  </p:timing>
+</p:sld>
+</file>
+
+<file path=ppt/slides/slide21.xml><?xml version="1.0" encoding="utf-8"?>
+<p:sld xmlns:a="http://schemas.openxmlformats.org/drawingml/2006/main" xmlns:r="http://schemas.openxmlformats.org/officeDocument/2006/relationships" xmlns:p="http://schemas.openxmlformats.org/presentationml/2006/main">
+  <p:cSld>
+    <p:spTree>
+      <p:nvGrpSpPr>
+        <p:cNvPr id="1" name=""/>
+        <p:cNvGrpSpPr/>
+        <p:nvPr/>
+      </p:nvGrpSpPr>
+      <p:grpSpPr>
+        <a:xfrm>
+          <a:off x="0" y="0"/>
+          <a:ext cx="0" cy="0"/>
+          <a:chOff x="0" y="0"/>
+          <a:chExt cx="0" cy="0"/>
+        </a:xfrm>
+      </p:grpSpPr>
+      <p:sp>
+        <p:nvSpPr>
+          <p:cNvPr id="2" name="Title 1"/>
+          <p:cNvSpPr>
+            <a:spLocks noGrp="1"/>
+          </p:cNvSpPr>
+          <p:nvPr>
+            <p:ph type="title"/>
+          </p:nvPr>
+        </p:nvSpPr>
+        <p:spPr/>
+        <p:txBody>
+          <a:bodyPr/>
+          <a:lstStyle/>
+          <a:p>
+            <a:r>
+              <a:rPr lang="en-US" dirty="0" smtClean="0"/>
+              <a:t>“You’re going to need a bigger weapon”</a:t>
+            </a:r>
+            <a:endParaRPr lang="en-US" dirty="0"/>
+          </a:p>
+        </p:txBody>
+      </p:sp>
+      <p:sp>
+        <p:nvSpPr>
+          <p:cNvPr id="3" name="Content Placeholder 2"/>
+          <p:cNvSpPr>
+            <a:spLocks noGrp="1"/>
+          </p:cNvSpPr>
+          <p:nvPr>
+            <p:ph idx="1"/>
+          </p:nvPr>
+        </p:nvSpPr>
+        <p:spPr/>
+        <p:txBody>
+          <a:bodyPr/>
+          <a:lstStyle/>
+          <a:p>
+            <a:endParaRPr lang="en-US" dirty="0"/>
+          </a:p>
+        </p:txBody>
+      </p:sp>
+    </p:spTree>
+    <p:extLst>
+      <p:ext uri="{BB962C8B-B14F-4D97-AF65-F5344CB8AC3E}">
+        <p14:creationId xmlns:p14="http://schemas.microsoft.com/office/powerpoint/2010/main" val="1027691194"/>
+      </p:ext>
+    </p:extLst>
+  </p:cSld>
+  <p:clrMapOvr>
+    <a:masterClrMapping/>
+  </p:clrMapOvr>
+  <p:timing>
+    <p:tnLst>
+      <p:par>
+        <p:cTn id="1" dur="indefinite" restart="never" nodeType="tmRoot"/>
+      </p:par>
+    </p:tnLst>
+  </p:timing>
+</p:sld>
+</file>
+
+<file path=ppt/slides/slide22.xml><?xml version="1.0" encoding="utf-8"?>
+<p:sld xmlns:a="http://schemas.openxmlformats.org/drawingml/2006/main" xmlns:r="http://schemas.openxmlformats.org/officeDocument/2006/relationships" xmlns:p="http://schemas.openxmlformats.org/presentationml/2006/main">
+  <p:cSld>
+    <p:spTree>
+      <p:nvGrpSpPr>
+        <p:cNvPr id="1" name=""/>
+        <p:cNvGrpSpPr/>
+        <p:nvPr/>
+      </p:nvGrpSpPr>
+      <p:grpSpPr>
+        <a:xfrm>
+          <a:off x="0" y="0"/>
+          <a:ext cx="0" cy="0"/>
+          <a:chOff x="0" y="0"/>
+          <a:chExt cx="0" cy="0"/>
+        </a:xfrm>
+      </p:grpSpPr>
+      <p:sp>
+        <p:nvSpPr>
+          <p:cNvPr id="2" name="Title 1"/>
+          <p:cNvSpPr>
+            <a:spLocks noGrp="1"/>
+          </p:cNvSpPr>
+          <p:nvPr>
+            <p:ph type="title"/>
+          </p:nvPr>
+        </p:nvSpPr>
+        <p:spPr/>
+        <p:txBody>
+          <a:bodyPr/>
+          <a:lstStyle/>
+          <a:p>
+            <a:r>
+              <a:rPr lang="en-US" dirty="0" smtClean="0"/>
+              <a:t>Python syntax in 5 minutes</a:t>
+            </a:r>
+            <a:endParaRPr lang="en-US" dirty="0"/>
+          </a:p>
+        </p:txBody>
+      </p:sp>
+      <p:sp>
+        <p:nvSpPr>
+          <p:cNvPr id="3" name="Content Placeholder 2"/>
+          <p:cNvSpPr>
+            <a:spLocks noGrp="1"/>
+          </p:cNvSpPr>
+          <p:nvPr>
+            <p:ph idx="1"/>
+          </p:nvPr>
+        </p:nvSpPr>
+        <p:spPr/>
+        <p:txBody>
+          <a:bodyPr/>
+          <a:lstStyle/>
+          <a:p>
+            <a:r>
+              <a:rPr lang="en-US" dirty="0" smtClean="0"/>
+              <a:t>No time to go into detail – check out </a:t>
+            </a:r>
+            <a:r>
+              <a:rPr lang="en-US" dirty="0" smtClean="0">
+                <a:hlinkClick r:id="rId2"/>
+              </a:rPr>
+              <a:t>https://learnxinyminutes.com/docs/python3/</a:t>
+            </a:r>
+            <a:endParaRPr lang="en-US" dirty="0" smtClean="0"/>
+          </a:p>
+        </p:txBody>
+      </p:sp>
+    </p:spTree>
+    <p:extLst>
+      <p:ext uri="{BB962C8B-B14F-4D97-AF65-F5344CB8AC3E}">
+        <p14:creationId xmlns:p14="http://schemas.microsoft.com/office/powerpoint/2010/main" val="1005761542"/>
+      </p:ext>
+    </p:extLst>
+  </p:cSld>
+  <p:clrMapOvr>
+    <a:masterClrMapping/>
+  </p:clrMapOvr>
+  <p:timing>
+    <p:tnLst>
+      <p:par>
+        <p:cTn id="1" dur="indefinite" restart="never" nodeType="tmRoot"/>
+      </p:par>
+    </p:tnLst>
+  </p:timing>
+</p:sld>
+</file>
+
+<file path=ppt/slides/slide23.xml><?xml version="1.0" encoding="utf-8"?>
+<p:sld xmlns:a="http://schemas.openxmlformats.org/drawingml/2006/main" xmlns:r="http://schemas.openxmlformats.org/officeDocument/2006/relationships" xmlns:p="http://schemas.openxmlformats.org/presentationml/2006/main">
+  <p:cSld>
+    <p:spTree>
+      <p:nvGrpSpPr>
+        <p:cNvPr id="1" name=""/>
+        <p:cNvGrpSpPr/>
+        <p:nvPr/>
+      </p:nvGrpSpPr>
+      <p:grpSpPr>
+        <a:xfrm>
+          <a:off x="0" y="0"/>
+          <a:ext cx="0" cy="0"/>
+          <a:chOff x="0" y="0"/>
+          <a:chExt cx="0" cy="0"/>
+        </a:xfrm>
+      </p:grpSpPr>
+      <p:sp>
+        <p:nvSpPr>
+          <p:cNvPr id="2" name="Title 1"/>
+          <p:cNvSpPr>
+            <a:spLocks noGrp="1"/>
+          </p:cNvSpPr>
+          <p:nvPr>
+            <p:ph type="title"/>
+          </p:nvPr>
+        </p:nvSpPr>
+        <p:spPr/>
+        <p:txBody>
+          <a:bodyPr/>
+          <a:lstStyle/>
+          <a:p>
+            <a:r>
+              <a:rPr lang="en-US" dirty="0" smtClean="0"/>
+              <a:t>Python syntax in 5 minutes</a:t>
+            </a:r>
+            <a:endParaRPr lang="en-US" dirty="0"/>
+          </a:p>
+        </p:txBody>
+      </p:sp>
+      <p:sp>
+        <p:nvSpPr>
+          <p:cNvPr id="3" name="Content Placeholder 2"/>
+          <p:cNvSpPr>
+            <a:spLocks noGrp="1"/>
+          </p:cNvSpPr>
+          <p:nvPr>
+            <p:ph idx="1"/>
+          </p:nvPr>
+        </p:nvSpPr>
+        <p:spPr/>
+        <p:txBody>
+          <a:bodyPr>
+            <a:normAutofit fontScale="92500" lnSpcReduction="10000"/>
+          </a:bodyPr>
+          <a:lstStyle/>
+          <a:p>
+            <a:r>
+              <a:rPr lang="en-US" dirty="0" smtClean="0"/>
+              <a:t>No ; at the end of a line. Indentation is important. Use 4 spaces, NOT TABS. Set your editor to turn the tab key into 4 spaces.</a:t>
+            </a:r>
+          </a:p>
+          <a:p>
+            <a:r>
+              <a:rPr lang="en-US" dirty="0" err="1" smtClean="0"/>
+              <a:t>Asignment</a:t>
+            </a:r>
+            <a:r>
+              <a:rPr lang="en-US" dirty="0" smtClean="0"/>
+              <a:t> uses </a:t>
+            </a:r>
+            <a:r>
+              <a:rPr lang="en-US" dirty="0" smtClean="0">
+                <a:solidFill>
+                  <a:schemeClr val="accent2">
+                    <a:lumMod val="75000"/>
+                  </a:schemeClr>
+                </a:solidFill>
+              </a:rPr>
+              <a:t>=</a:t>
+            </a:r>
+            <a:r>
+              <a:rPr lang="en-US" dirty="0" smtClean="0"/>
+              <a:t> and comparison uses </a:t>
+            </a:r>
+            <a:r>
+              <a:rPr lang="en-US" dirty="0">
+                <a:solidFill>
+                  <a:schemeClr val="accent2">
+                    <a:lumMod val="75000"/>
+                  </a:schemeClr>
+                </a:solidFill>
+              </a:rPr>
+              <a:t>==</a:t>
+            </a:r>
+          </a:p>
+          <a:p>
+            <a:pPr lvl="1"/>
+            <a:r>
+              <a:rPr lang="en-US" dirty="0">
+                <a:solidFill>
+                  <a:schemeClr val="accent2">
+                    <a:lumMod val="75000"/>
+                  </a:schemeClr>
+                </a:solidFill>
+              </a:rPr>
+              <a:t>a = 4</a:t>
+            </a:r>
+          </a:p>
+          <a:p>
+            <a:pPr lvl="1"/>
+            <a:r>
+              <a:rPr lang="en-US" dirty="0">
+                <a:solidFill>
+                  <a:schemeClr val="accent2">
+                    <a:lumMod val="75000"/>
+                  </a:schemeClr>
+                </a:solidFill>
+              </a:rPr>
+              <a:t>if a==True</a:t>
+            </a:r>
+            <a:r>
+              <a:rPr lang="en-US" dirty="0" smtClean="0"/>
+              <a:t>: Do Something</a:t>
+            </a:r>
+          </a:p>
+          <a:p>
+            <a:r>
+              <a:rPr lang="en-US" dirty="0">
+                <a:solidFill>
+                  <a:schemeClr val="accent2">
+                    <a:lumMod val="75000"/>
+                  </a:schemeClr>
+                </a:solidFill>
+              </a:rPr>
+              <a:t>+ - * / % </a:t>
+            </a:r>
+            <a:r>
+              <a:rPr lang="en-US" dirty="0" smtClean="0"/>
+              <a:t>are as expected</a:t>
+            </a:r>
+            <a:endParaRPr lang="en-US" dirty="0"/>
+          </a:p>
+          <a:p>
+            <a:pPr lvl="1"/>
+            <a:r>
+              <a:rPr lang="en-US" dirty="0">
+                <a:solidFill>
+                  <a:schemeClr val="accent2">
+                    <a:lumMod val="75000"/>
+                  </a:schemeClr>
+                </a:solidFill>
+              </a:rPr>
+              <a:t>+</a:t>
+            </a:r>
+            <a:r>
+              <a:rPr lang="en-US" dirty="0" smtClean="0"/>
+              <a:t> also used to concatenate strings </a:t>
+            </a:r>
+            <a:r>
+              <a:rPr lang="en-US" dirty="0">
+                <a:solidFill>
+                  <a:schemeClr val="accent2">
+                    <a:lumMod val="75000"/>
+                  </a:schemeClr>
+                </a:solidFill>
+              </a:rPr>
+              <a:t>“he” + “</a:t>
+            </a:r>
+            <a:r>
+              <a:rPr lang="en-US" dirty="0" err="1">
+                <a:solidFill>
+                  <a:schemeClr val="accent2">
+                    <a:lumMod val="75000"/>
+                  </a:schemeClr>
+                </a:solidFill>
+              </a:rPr>
+              <a:t>llo</a:t>
+            </a:r>
+            <a:r>
+              <a:rPr lang="en-US" dirty="0">
+                <a:solidFill>
+                  <a:schemeClr val="accent2">
+                    <a:lumMod val="75000"/>
+                  </a:schemeClr>
+                </a:solidFill>
+              </a:rPr>
+              <a:t>” = “hello</a:t>
+            </a:r>
+            <a:r>
+              <a:rPr lang="en-US" dirty="0" smtClean="0">
+                <a:solidFill>
+                  <a:schemeClr val="accent2">
+                    <a:lumMod val="75000"/>
+                  </a:schemeClr>
+                </a:solidFill>
+              </a:rPr>
+              <a:t>”</a:t>
+            </a:r>
+          </a:p>
+          <a:p>
+            <a:pPr lvl="1"/>
+            <a:r>
+              <a:rPr lang="en-US" dirty="0" smtClean="0">
+                <a:solidFill>
+                  <a:schemeClr val="accent2">
+                    <a:lumMod val="75000"/>
+                  </a:schemeClr>
+                </a:solidFill>
+              </a:rPr>
+              <a:t>/ </a:t>
+            </a:r>
+            <a:r>
+              <a:rPr lang="en-US" dirty="0" smtClean="0"/>
+              <a:t>assumes </a:t>
+            </a:r>
+            <a:r>
+              <a:rPr lang="en-US" b="1" dirty="0" smtClean="0"/>
+              <a:t>integer division</a:t>
+            </a:r>
+            <a:r>
+              <a:rPr lang="en-US" dirty="0" smtClean="0"/>
+              <a:t> unless there is a decimal. </a:t>
+            </a:r>
+          </a:p>
+          <a:p>
+            <a:pPr lvl="2"/>
+            <a:r>
+              <a:rPr lang="en-US" dirty="0" smtClean="0">
+                <a:solidFill>
+                  <a:schemeClr val="accent2">
+                    <a:lumMod val="75000"/>
+                  </a:schemeClr>
+                </a:solidFill>
+              </a:rPr>
+              <a:t>5/2 = 2</a:t>
+            </a:r>
+          </a:p>
+          <a:p>
+            <a:pPr lvl="2"/>
+            <a:r>
+              <a:rPr lang="en-US" dirty="0" smtClean="0">
+                <a:solidFill>
+                  <a:schemeClr val="accent2">
+                    <a:lumMod val="75000"/>
+                  </a:schemeClr>
+                </a:solidFill>
+              </a:rPr>
+              <a:t>5/2.0 = 2.5</a:t>
+            </a:r>
+          </a:p>
+          <a:p>
+            <a:r>
+              <a:rPr lang="en-US" dirty="0" smtClean="0"/>
+              <a:t>Basic printing uses </a:t>
+            </a:r>
+            <a:r>
+              <a:rPr lang="en-US" dirty="0" smtClean="0">
+                <a:solidFill>
+                  <a:schemeClr val="accent2">
+                    <a:lumMod val="75000"/>
+                  </a:schemeClr>
+                </a:solidFill>
+              </a:rPr>
+              <a:t>print()</a:t>
+            </a:r>
+          </a:p>
+        </p:txBody>
+      </p:sp>
+    </p:spTree>
+    <p:extLst>
+      <p:ext uri="{BB962C8B-B14F-4D97-AF65-F5344CB8AC3E}">
+        <p14:creationId xmlns:p14="http://schemas.microsoft.com/office/powerpoint/2010/main" val="2728632066"/>
+      </p:ext>
+    </p:extLst>
+  </p:cSld>
+  <p:clrMapOvr>
+    <a:masterClrMapping/>
+  </p:clrMapOvr>
+  <p:timing>
+    <p:tnLst>
+      <p:par>
+        <p:cTn id="1" dur="indefinite" restart="never" nodeType="tmRoot"/>
+      </p:par>
+    </p:tnLst>
+  </p:timing>
+</p:sld>
+</file>
+
+<file path=ppt/slides/slide24.xml><?xml version="1.0" encoding="utf-8"?>
+<p:sld xmlns:a="http://schemas.openxmlformats.org/drawingml/2006/main" xmlns:r="http://schemas.openxmlformats.org/officeDocument/2006/relationships" xmlns:p="http://schemas.openxmlformats.org/presentationml/2006/main">
+  <p:cSld>
+    <p:spTree>
+      <p:nvGrpSpPr>
+        <p:cNvPr id="1" name=""/>
+        <p:cNvGrpSpPr/>
+        <p:nvPr/>
+      </p:nvGrpSpPr>
+      <p:grpSpPr>
+        <a:xfrm>
+          <a:off x="0" y="0"/>
+          <a:ext cx="0" cy="0"/>
+          <a:chOff x="0" y="0"/>
+          <a:chExt cx="0" cy="0"/>
+        </a:xfrm>
+      </p:grpSpPr>
+      <p:sp>
+        <p:nvSpPr>
+          <p:cNvPr id="2" name="Title 1"/>
+          <p:cNvSpPr>
+            <a:spLocks noGrp="1"/>
+          </p:cNvSpPr>
+          <p:nvPr>
+            <p:ph type="title"/>
+          </p:nvPr>
+        </p:nvSpPr>
+        <p:spPr/>
+        <p:txBody>
+          <a:bodyPr/>
+          <a:lstStyle/>
+          <a:p>
+            <a:r>
+              <a:rPr lang="en-US" dirty="0" smtClean="0"/>
+              <a:t>Python syntax in 5 minutes</a:t>
+            </a:r>
+            <a:endParaRPr lang="en-US" dirty="0"/>
+          </a:p>
+        </p:txBody>
+      </p:sp>
+      <p:sp>
+        <p:nvSpPr>
+          <p:cNvPr id="3" name="Content Placeholder 2"/>
+          <p:cNvSpPr>
+            <a:spLocks noGrp="1"/>
+          </p:cNvSpPr>
+          <p:nvPr>
+            <p:ph idx="1"/>
+          </p:nvPr>
+        </p:nvSpPr>
+        <p:spPr/>
+        <p:txBody>
+          <a:bodyPr/>
+          <a:lstStyle/>
+          <a:p>
+            <a:r>
+              <a:rPr lang="en-US" dirty="0" smtClean="0"/>
+              <a:t>Variables don’t need to be declared</a:t>
+            </a:r>
+          </a:p>
+          <a:p>
+            <a:r>
+              <a:rPr lang="en-US" dirty="0" smtClean="0"/>
+              <a:t>Python figures out the variable types on its own</a:t>
+            </a:r>
+          </a:p>
+          <a:p>
+            <a:r>
+              <a:rPr lang="en-US" dirty="0" smtClean="0"/>
+              <a:t>Strings can use </a:t>
+            </a:r>
+            <a:r>
+              <a:rPr lang="en-US" dirty="0">
+                <a:solidFill>
+                  <a:schemeClr val="accent2">
+                    <a:lumMod val="75000"/>
+                  </a:schemeClr>
+                </a:solidFill>
+              </a:rPr>
+              <a:t>“</a:t>
+            </a:r>
+            <a:r>
+              <a:rPr lang="en-US" dirty="0" smtClean="0"/>
+              <a:t>hello</a:t>
+            </a:r>
+            <a:r>
+              <a:rPr lang="en-US" dirty="0">
+                <a:solidFill>
+                  <a:schemeClr val="accent2">
+                    <a:lumMod val="75000"/>
+                  </a:schemeClr>
+                </a:solidFill>
+              </a:rPr>
+              <a:t>”</a:t>
+            </a:r>
+            <a:r>
+              <a:rPr lang="en-US" dirty="0" smtClean="0"/>
+              <a:t> or </a:t>
+            </a:r>
+            <a:r>
+              <a:rPr lang="en-US" dirty="0">
+                <a:solidFill>
+                  <a:schemeClr val="accent2">
+                    <a:lumMod val="75000"/>
+                  </a:schemeClr>
+                </a:solidFill>
+              </a:rPr>
+              <a:t>‘</a:t>
+            </a:r>
+            <a:r>
+              <a:rPr lang="en-US" dirty="0" smtClean="0"/>
+              <a:t>hello</a:t>
+            </a:r>
+            <a:r>
+              <a:rPr lang="en-US" dirty="0">
+                <a:solidFill>
+                  <a:schemeClr val="accent2">
+                    <a:lumMod val="75000"/>
+                  </a:schemeClr>
+                </a:solidFill>
+              </a:rPr>
+              <a:t>’</a:t>
+            </a:r>
+          </a:p>
+          <a:p>
+            <a:r>
+              <a:rPr lang="en-US" dirty="0" smtClean="0">
+                <a:solidFill>
+                  <a:schemeClr val="accent2">
+                    <a:lumMod val="75000"/>
+                  </a:schemeClr>
+                </a:solidFill>
+              </a:rPr>
+              <a:t>“</a:t>
+            </a:r>
+            <a:r>
+              <a:rPr lang="en-US" dirty="0" smtClean="0"/>
+              <a:t>Mr. </a:t>
+            </a:r>
+            <a:r>
+              <a:rPr lang="en-US" dirty="0" err="1" smtClean="0"/>
+              <a:t>O</a:t>
+            </a:r>
+            <a:r>
+              <a:rPr lang="en-US" dirty="0" err="1" smtClean="0">
+                <a:solidFill>
+                  <a:schemeClr val="accent2">
+                    <a:lumMod val="75000"/>
+                  </a:schemeClr>
+                </a:solidFill>
+              </a:rPr>
+              <a:t>’</a:t>
+            </a:r>
+            <a:r>
+              <a:rPr lang="en-US" dirty="0" err="1" smtClean="0"/>
+              <a:t>neill</a:t>
+            </a:r>
+            <a:r>
+              <a:rPr lang="en-US" dirty="0" smtClean="0"/>
+              <a:t> went to the store</a:t>
+            </a:r>
+            <a:r>
+              <a:rPr lang="en-US" dirty="0">
+                <a:solidFill>
+                  <a:schemeClr val="accent2">
+                    <a:lumMod val="75000"/>
+                  </a:schemeClr>
+                </a:solidFill>
+              </a:rPr>
+              <a:t>”</a:t>
+            </a:r>
+            <a:r>
+              <a:rPr lang="en-US" dirty="0" smtClean="0"/>
+              <a:t> is OK</a:t>
+            </a:r>
+          </a:p>
+          <a:p>
+            <a:r>
+              <a:rPr lang="en-US" dirty="0" smtClean="0"/>
+              <a:t>Comments start with </a:t>
+            </a:r>
+            <a:r>
+              <a:rPr lang="en-US" dirty="0" smtClean="0">
+                <a:solidFill>
+                  <a:schemeClr val="accent2">
+                    <a:lumMod val="75000"/>
+                  </a:schemeClr>
+                </a:solidFill>
+              </a:rPr>
+              <a:t>#</a:t>
+            </a:r>
+          </a:p>
+          <a:p>
+            <a:r>
+              <a:rPr lang="en-US" dirty="0" smtClean="0"/>
+              <a:t>Names are case sensitive and cannot start with a number</a:t>
+            </a:r>
+          </a:p>
+          <a:p>
+            <a:pPr marL="0" indent="0">
+              <a:buNone/>
+            </a:pPr>
+            <a:endParaRPr lang="en-US" dirty="0" smtClean="0"/>
+          </a:p>
+          <a:p>
+            <a:pPr marL="0" indent="0">
+              <a:buNone/>
+            </a:pPr>
+            <a:endParaRPr lang="en-US" dirty="0"/>
+          </a:p>
+        </p:txBody>
+      </p:sp>
+    </p:spTree>
+    <p:extLst>
+      <p:ext uri="{BB962C8B-B14F-4D97-AF65-F5344CB8AC3E}">
+        <p14:creationId xmlns:p14="http://schemas.microsoft.com/office/powerpoint/2010/main" val="274851132"/>
+      </p:ext>
+    </p:extLst>
+  </p:cSld>
+  <p:clrMapOvr>
+    <a:masterClrMapping/>
+  </p:clrMapOvr>
+  <p:timing>
+    <p:tnLst>
+      <p:par>
+        <p:cTn id="1" dur="indefinite" restart="never" nodeType="tmRoot"/>
+      </p:par>
+    </p:tnLst>
+  </p:timing>
+</p:sld>
+</file>
+
+<file path=ppt/slides/slide25.xml><?xml version="1.0" encoding="utf-8"?>
+<p:sld xmlns:a="http://schemas.openxmlformats.org/drawingml/2006/main" xmlns:r="http://schemas.openxmlformats.org/officeDocument/2006/relationships" xmlns:p="http://schemas.openxmlformats.org/presentationml/2006/main">
+  <p:cSld>
+    <p:spTree>
+      <p:nvGrpSpPr>
+        <p:cNvPr id="1" name=""/>
+        <p:cNvGrpSpPr/>
+        <p:nvPr/>
+      </p:nvGrpSpPr>
+      <p:grpSpPr>
+        <a:xfrm>
+          <a:off x="0" y="0"/>
+          <a:ext cx="0" cy="0"/>
+          <a:chOff x="0" y="0"/>
+          <a:chExt cx="0" cy="0"/>
+        </a:xfrm>
+      </p:grpSpPr>
+      <p:sp>
+        <p:nvSpPr>
+          <p:cNvPr id="2" name="Title 1"/>
+          <p:cNvSpPr>
+            <a:spLocks noGrp="1"/>
+          </p:cNvSpPr>
+          <p:nvPr>
+            <p:ph type="title"/>
+          </p:nvPr>
+        </p:nvSpPr>
+        <p:spPr/>
+        <p:txBody>
+          <a:bodyPr/>
+          <a:lstStyle/>
+          <a:p>
+            <a:r>
+              <a:rPr lang="en-US" dirty="0" smtClean="0"/>
+              <a:t>Python in 5 minutes</a:t>
+            </a:r>
+            <a:endParaRPr lang="en-US" dirty="0"/>
+          </a:p>
+        </p:txBody>
+      </p:sp>
+      <p:sp>
+        <p:nvSpPr>
+          <p:cNvPr id="3" name="Content Placeholder 2"/>
+          <p:cNvSpPr>
+            <a:spLocks noGrp="1"/>
+          </p:cNvSpPr>
+          <p:nvPr>
+            <p:ph idx="1"/>
+          </p:nvPr>
+        </p:nvSpPr>
+        <p:spPr/>
+        <p:txBody>
+          <a:bodyPr>
+            <a:normAutofit fontScale="77500" lnSpcReduction="20000"/>
+          </a:bodyPr>
+          <a:lstStyle/>
+          <a:p>
+            <a:r>
+              <a:rPr lang="en-US" dirty="0" smtClean="0"/>
+              <a:t>Number</a:t>
+            </a:r>
+          </a:p>
+          <a:p>
+            <a:pPr lvl="1"/>
+            <a:r>
+              <a:rPr lang="en-US" dirty="0" smtClean="0">
+                <a:latin typeface="Consolas" panose="020B0609020204030204" pitchFamily="49" charset="0"/>
+              </a:rPr>
+              <a:t>5</a:t>
+            </a:r>
+          </a:p>
+          <a:p>
+            <a:pPr lvl="1"/>
+            <a:r>
+              <a:rPr lang="en-US" dirty="0" smtClean="0">
+                <a:latin typeface="Consolas" panose="020B0609020204030204" pitchFamily="49" charset="0"/>
+              </a:rPr>
+              <a:t>3.4</a:t>
+            </a:r>
+          </a:p>
+          <a:p>
+            <a:r>
+              <a:rPr lang="en-US" dirty="0" smtClean="0"/>
+              <a:t>String</a:t>
+            </a:r>
+          </a:p>
+          <a:p>
+            <a:pPr lvl="1"/>
+            <a:r>
+              <a:rPr lang="en-US" dirty="0" smtClean="0">
+                <a:latin typeface="Consolas" panose="020B0609020204030204" pitchFamily="49" charset="0"/>
+              </a:rPr>
+              <a:t>“Hello”</a:t>
+            </a:r>
+          </a:p>
+          <a:p>
+            <a:r>
+              <a:rPr lang="en-US" dirty="0" smtClean="0"/>
+              <a:t>List</a:t>
+            </a:r>
+          </a:p>
+          <a:p>
+            <a:pPr lvl="1"/>
+            <a:r>
+              <a:rPr lang="en-US" dirty="0" smtClean="0">
+                <a:latin typeface="Consolas" panose="020B0609020204030204" pitchFamily="49" charset="0"/>
+              </a:rPr>
+              <a:t>a = [4,5,6,’apple’,3,2]</a:t>
+            </a:r>
+          </a:p>
+          <a:p>
+            <a:pPr lvl="1"/>
+            <a:r>
+              <a:rPr lang="en-US" dirty="0" smtClean="0">
+                <a:latin typeface="Consolas" panose="020B0609020204030204" pitchFamily="49" charset="0"/>
+              </a:rPr>
+              <a:t>a[1] = 5</a:t>
+            </a:r>
+          </a:p>
+          <a:p>
+            <a:r>
+              <a:rPr lang="en-US" dirty="0" smtClean="0"/>
+              <a:t>Tuple – a list that can’t be changed</a:t>
+            </a:r>
+          </a:p>
+          <a:p>
+            <a:pPr lvl="1"/>
+            <a:r>
+              <a:rPr lang="en-US" dirty="0" smtClean="0">
+                <a:latin typeface="Consolas" panose="020B0609020204030204" pitchFamily="49" charset="0"/>
+              </a:rPr>
+              <a:t>a = (4,5,6,7,’a’,’pizza’)</a:t>
+            </a:r>
+          </a:p>
+          <a:p>
+            <a:pPr lvl="1"/>
+            <a:r>
+              <a:rPr lang="en-US" dirty="0" smtClean="0">
+                <a:latin typeface="Consolas" panose="020B0609020204030204" pitchFamily="49" charset="0"/>
+              </a:rPr>
+              <a:t>a[2] = 6</a:t>
+            </a:r>
+          </a:p>
+          <a:p>
+            <a:r>
+              <a:rPr lang="en-US" dirty="0" smtClean="0"/>
+              <a:t>Dictionary</a:t>
+            </a:r>
+          </a:p>
+          <a:p>
+            <a:pPr lvl="1"/>
+            <a:r>
+              <a:rPr lang="en-US" dirty="0" err="1" smtClean="0"/>
+              <a:t>room_num</a:t>
+            </a:r>
+            <a:r>
+              <a:rPr lang="en-US" dirty="0" smtClean="0"/>
+              <a:t> = {‘john’: 425, ‘tom’:212}</a:t>
+            </a:r>
+          </a:p>
+          <a:p>
+            <a:pPr lvl="1"/>
+            <a:r>
+              <a:rPr lang="en-US" dirty="0" err="1" smtClean="0"/>
+              <a:t>room_num</a:t>
+            </a:r>
+            <a:r>
+              <a:rPr lang="en-US" dirty="0" smtClean="0"/>
+              <a:t>[‘john’] returns 425</a:t>
+            </a:r>
+            <a:endParaRPr lang="en-US" dirty="0"/>
+          </a:p>
+        </p:txBody>
+      </p:sp>
+    </p:spTree>
+    <p:extLst>
+      <p:ext uri="{BB962C8B-B14F-4D97-AF65-F5344CB8AC3E}">
+        <p14:creationId xmlns:p14="http://schemas.microsoft.com/office/powerpoint/2010/main" val="344768339"/>
+      </p:ext>
+    </p:extLst>
+  </p:cSld>
+  <p:clrMapOvr>
+    <a:masterClrMapping/>
+  </p:clrMapOvr>
+  <p:timing>
+    <p:tnLst>
+      <p:par>
+        <p:cTn id="1" dur="indefinite" restart="never" nodeType="tmRoot"/>
+      </p:par>
+    </p:tnLst>
+  </p:timing>
+</p:sld>
+</file>
+
+<file path=ppt/slides/slide26.xml><?xml version="1.0" encoding="utf-8"?>
+<p:sld xmlns:a="http://schemas.openxmlformats.org/drawingml/2006/main" xmlns:r="http://schemas.openxmlformats.org/officeDocument/2006/relationships" xmlns:p="http://schemas.openxmlformats.org/presentationml/2006/main">
+  <p:cSld>
+    <p:spTree>
+      <p:nvGrpSpPr>
+        <p:cNvPr id="1" name=""/>
+        <p:cNvGrpSpPr/>
+        <p:nvPr/>
+      </p:nvGrpSpPr>
+      <p:grpSpPr>
+        <a:xfrm>
+          <a:off x="0" y="0"/>
+          <a:ext cx="0" cy="0"/>
+          <a:chOff x="0" y="0"/>
+          <a:chExt cx="0" cy="0"/>
+        </a:xfrm>
+      </p:grpSpPr>
+      <p:sp>
+        <p:nvSpPr>
+          <p:cNvPr id="2" name="Title 1"/>
+          <p:cNvSpPr>
+            <a:spLocks noGrp="1"/>
+          </p:cNvSpPr>
+          <p:nvPr>
+            <p:ph type="title"/>
+          </p:nvPr>
+        </p:nvSpPr>
+        <p:spPr/>
+        <p:txBody>
+          <a:bodyPr/>
+          <a:lstStyle/>
+          <a:p>
+            <a:r>
+              <a:rPr lang="en-US" dirty="0" smtClean="0"/>
+              <a:t>Python in 5 Minutes</a:t>
+            </a:r>
+            <a:endParaRPr lang="en-US" dirty="0"/>
+          </a:p>
+        </p:txBody>
+      </p:sp>
+      <p:sp>
+        <p:nvSpPr>
+          <p:cNvPr id="3" name="Content Placeholder 2"/>
+          <p:cNvSpPr>
+            <a:spLocks noGrp="1"/>
+          </p:cNvSpPr>
+          <p:nvPr>
+            <p:ph idx="1"/>
+          </p:nvPr>
+        </p:nvSpPr>
+        <p:spPr/>
+        <p:txBody>
+          <a:bodyPr>
+            <a:normAutofit fontScale="92500" lnSpcReduction="20000"/>
+          </a:bodyPr>
+          <a:lstStyle/>
+          <a:p>
+            <a:r>
+              <a:rPr lang="en-US" dirty="0" smtClean="0"/>
+              <a:t>Modules are added at the beginning of a script.</a:t>
+            </a:r>
+          </a:p>
+          <a:p>
+            <a:r>
+              <a:rPr lang="en-US" dirty="0" smtClean="0"/>
+              <a:t>We’ll be using pandas, </a:t>
+            </a:r>
+            <a:r>
+              <a:rPr lang="en-US" dirty="0" err="1" smtClean="0"/>
+              <a:t>matplotlib</a:t>
+            </a:r>
+            <a:r>
+              <a:rPr lang="en-US" dirty="0" smtClean="0"/>
+              <a:t>, </a:t>
+            </a:r>
+            <a:r>
+              <a:rPr lang="en-US" dirty="0" err="1" smtClean="0"/>
+              <a:t>numpy</a:t>
+            </a:r>
+            <a:r>
+              <a:rPr lang="en-US" dirty="0" smtClean="0"/>
+              <a:t>, and some other packages</a:t>
+            </a:r>
+          </a:p>
+          <a:p>
+            <a:r>
+              <a:rPr lang="en-US" dirty="0" smtClean="0"/>
+              <a:t>You can name them something convenient to type less</a:t>
+            </a:r>
+          </a:p>
+          <a:p>
+            <a:pPr marL="0" indent="0">
+              <a:buNone/>
+            </a:pPr>
+            <a:r>
+              <a:rPr lang="en-US" dirty="0" smtClean="0">
+                <a:solidFill>
+                  <a:schemeClr val="accent2">
+                    <a:lumMod val="75000"/>
+                  </a:schemeClr>
+                </a:solidFill>
+                <a:latin typeface="Consolas" panose="020B0609020204030204" pitchFamily="49" charset="0"/>
+              </a:rPr>
+              <a:t>import pandas as </a:t>
+            </a:r>
+            <a:r>
+              <a:rPr lang="en-US" dirty="0" err="1" smtClean="0">
+                <a:solidFill>
+                  <a:schemeClr val="accent2">
+                    <a:lumMod val="75000"/>
+                  </a:schemeClr>
+                </a:solidFill>
+                <a:latin typeface="Consolas" panose="020B0609020204030204" pitchFamily="49" charset="0"/>
+              </a:rPr>
+              <a:t>pd</a:t>
+            </a:r>
+            <a:endParaRPr lang="en-US" dirty="0" smtClean="0">
+              <a:solidFill>
+                <a:schemeClr val="accent2">
+                  <a:lumMod val="75000"/>
+                </a:schemeClr>
+              </a:solidFill>
+              <a:latin typeface="Consolas" panose="020B0609020204030204" pitchFamily="49" charset="0"/>
+            </a:endParaRPr>
+          </a:p>
+          <a:p>
+            <a:pPr marL="0" indent="0">
+              <a:buNone/>
+            </a:pPr>
+            <a:r>
+              <a:rPr lang="en-US" dirty="0" smtClean="0">
+                <a:solidFill>
+                  <a:schemeClr val="accent2">
+                    <a:lumMod val="75000"/>
+                  </a:schemeClr>
+                </a:solidFill>
+                <a:latin typeface="Consolas" panose="020B0609020204030204" pitchFamily="49" charset="0"/>
+              </a:rPr>
+              <a:t>import </a:t>
+            </a:r>
+            <a:r>
+              <a:rPr lang="en-US" dirty="0" err="1" smtClean="0">
+                <a:solidFill>
+                  <a:schemeClr val="accent2">
+                    <a:lumMod val="75000"/>
+                  </a:schemeClr>
+                </a:solidFill>
+                <a:latin typeface="Consolas" panose="020B0609020204030204" pitchFamily="49" charset="0"/>
+              </a:rPr>
+              <a:t>matplotlib.pyplot</a:t>
+            </a:r>
+            <a:r>
+              <a:rPr lang="en-US" dirty="0">
+                <a:solidFill>
+                  <a:schemeClr val="accent2">
+                    <a:lumMod val="75000"/>
+                  </a:schemeClr>
+                </a:solidFill>
+                <a:latin typeface="Consolas" panose="020B0609020204030204" pitchFamily="49" charset="0"/>
+              </a:rPr>
+              <a:t> </a:t>
+            </a:r>
+            <a:r>
+              <a:rPr lang="en-US" dirty="0" smtClean="0">
+                <a:solidFill>
+                  <a:schemeClr val="accent2">
+                    <a:lumMod val="75000"/>
+                  </a:schemeClr>
+                </a:solidFill>
+                <a:latin typeface="Consolas" panose="020B0609020204030204" pitchFamily="49" charset="0"/>
+              </a:rPr>
+              <a:t>as </a:t>
+            </a:r>
+            <a:r>
+              <a:rPr lang="en-US" dirty="0" err="1" smtClean="0">
+                <a:solidFill>
+                  <a:schemeClr val="accent2">
+                    <a:lumMod val="75000"/>
+                  </a:schemeClr>
+                </a:solidFill>
+                <a:latin typeface="Consolas" panose="020B0609020204030204" pitchFamily="49" charset="0"/>
+              </a:rPr>
+              <a:t>plt</a:t>
+            </a:r>
+            <a:endParaRPr lang="en-US" dirty="0" smtClean="0">
+              <a:solidFill>
+                <a:schemeClr val="accent2">
+                  <a:lumMod val="75000"/>
+                </a:schemeClr>
+              </a:solidFill>
+              <a:latin typeface="Consolas" panose="020B0609020204030204" pitchFamily="49" charset="0"/>
+            </a:endParaRPr>
+          </a:p>
+          <a:p>
+            <a:pPr marL="0" indent="0">
+              <a:buNone/>
+            </a:pPr>
+            <a:r>
+              <a:rPr lang="en-US" dirty="0" smtClean="0">
+                <a:solidFill>
+                  <a:schemeClr val="accent2">
+                    <a:lumMod val="75000"/>
+                  </a:schemeClr>
+                </a:solidFill>
+                <a:latin typeface="Consolas" panose="020B0609020204030204" pitchFamily="49" charset="0"/>
+              </a:rPr>
+              <a:t>import </a:t>
+            </a:r>
+            <a:r>
+              <a:rPr lang="en-US" dirty="0" err="1" smtClean="0">
+                <a:solidFill>
+                  <a:schemeClr val="accent2">
+                    <a:lumMod val="75000"/>
+                  </a:schemeClr>
+                </a:solidFill>
+                <a:latin typeface="Consolas" panose="020B0609020204030204" pitchFamily="49" charset="0"/>
+              </a:rPr>
+              <a:t>numpy</a:t>
+            </a:r>
+            <a:r>
+              <a:rPr lang="en-US" dirty="0" smtClean="0">
+                <a:solidFill>
+                  <a:schemeClr val="accent2">
+                    <a:lumMod val="75000"/>
+                  </a:schemeClr>
+                </a:solidFill>
+                <a:latin typeface="Consolas" panose="020B0609020204030204" pitchFamily="49" charset="0"/>
+              </a:rPr>
+              <a:t> as np</a:t>
+            </a:r>
+          </a:p>
+          <a:p>
+            <a:pPr marL="0" indent="0">
+              <a:buNone/>
+            </a:pPr>
+            <a:r>
+              <a:rPr lang="en-US" dirty="0" smtClean="0">
+                <a:solidFill>
+                  <a:schemeClr val="accent2">
+                    <a:lumMod val="75000"/>
+                  </a:schemeClr>
+                </a:solidFill>
+                <a:latin typeface="Consolas" panose="020B0609020204030204" pitchFamily="49" charset="0"/>
+              </a:rPr>
+              <a:t>from </a:t>
+            </a:r>
+            <a:r>
+              <a:rPr lang="en-US" dirty="0" err="1" smtClean="0">
+                <a:solidFill>
+                  <a:schemeClr val="accent2">
+                    <a:lumMod val="75000"/>
+                  </a:schemeClr>
+                </a:solidFill>
+                <a:latin typeface="Consolas" panose="020B0609020204030204" pitchFamily="49" charset="0"/>
+              </a:rPr>
+              <a:t>datetime</a:t>
+            </a:r>
+            <a:r>
+              <a:rPr lang="en-US" dirty="0" smtClean="0">
+                <a:solidFill>
+                  <a:schemeClr val="accent2">
+                    <a:lumMod val="75000"/>
+                  </a:schemeClr>
+                </a:solidFill>
+                <a:latin typeface="Consolas" panose="020B0609020204030204" pitchFamily="49" charset="0"/>
+              </a:rPr>
+              <a:t> import </a:t>
+            </a:r>
+            <a:r>
+              <a:rPr lang="en-US" dirty="0" err="1" smtClean="0">
+                <a:solidFill>
+                  <a:schemeClr val="accent2">
+                    <a:lumMod val="75000"/>
+                  </a:schemeClr>
+                </a:solidFill>
+                <a:latin typeface="Consolas" panose="020B0609020204030204" pitchFamily="49" charset="0"/>
+              </a:rPr>
+              <a:t>datetime</a:t>
+            </a:r>
+            <a:r>
+              <a:rPr lang="en-US" dirty="0" smtClean="0">
+                <a:solidFill>
+                  <a:schemeClr val="accent2">
+                    <a:lumMod val="75000"/>
+                  </a:schemeClr>
+                </a:solidFill>
+                <a:latin typeface="Consolas" panose="020B0609020204030204" pitchFamily="49" charset="0"/>
+              </a:rPr>
+              <a:t> as </a:t>
+            </a:r>
+            <a:r>
+              <a:rPr lang="en-US" dirty="0" err="1" smtClean="0">
+                <a:solidFill>
+                  <a:schemeClr val="accent2">
+                    <a:lumMod val="75000"/>
+                  </a:schemeClr>
+                </a:solidFill>
+                <a:latin typeface="Consolas" panose="020B0609020204030204" pitchFamily="49" charset="0"/>
+              </a:rPr>
+              <a:t>dt</a:t>
+            </a:r>
+            <a:endParaRPr lang="en-US" dirty="0" smtClean="0">
+              <a:solidFill>
+                <a:schemeClr val="accent2">
+                  <a:lumMod val="75000"/>
+                </a:schemeClr>
+              </a:solidFill>
+              <a:latin typeface="Consolas" panose="020B0609020204030204" pitchFamily="49" charset="0"/>
+            </a:endParaRPr>
+          </a:p>
+          <a:p>
+            <a:r>
+              <a:rPr lang="en-US" dirty="0" smtClean="0"/>
+              <a:t>To use a function or method from an imported module, append it with a dot.</a:t>
+            </a:r>
+          </a:p>
+          <a:p>
+            <a:pPr marL="0" indent="0">
+              <a:buNone/>
+            </a:pPr>
+            <a:r>
+              <a:rPr lang="en-US" dirty="0" err="1" smtClean="0">
+                <a:solidFill>
+                  <a:schemeClr val="accent2">
+                    <a:lumMod val="75000"/>
+                  </a:schemeClr>
+                </a:solidFill>
+                <a:latin typeface="Consolas" panose="020B0609020204030204" pitchFamily="49" charset="0"/>
+              </a:rPr>
+              <a:t>np.pi</a:t>
+            </a:r>
+            <a:r>
+              <a:rPr lang="en-US" dirty="0" smtClean="0">
+                <a:solidFill>
+                  <a:schemeClr val="accent2">
+                    <a:lumMod val="75000"/>
+                  </a:schemeClr>
+                </a:solidFill>
+                <a:latin typeface="Consolas" panose="020B0609020204030204" pitchFamily="49" charset="0"/>
+              </a:rPr>
+              <a:t>() = 3.1415…</a:t>
+            </a:r>
+          </a:p>
+          <a:p>
+            <a:pPr marL="0" indent="0">
+              <a:buNone/>
+            </a:pPr>
+            <a:r>
+              <a:rPr lang="en-US" dirty="0" err="1" smtClean="0">
+                <a:solidFill>
+                  <a:schemeClr val="accent2">
+                    <a:lumMod val="75000"/>
+                  </a:schemeClr>
+                </a:solidFill>
+                <a:latin typeface="Consolas" panose="020B0609020204030204" pitchFamily="49" charset="0"/>
+              </a:rPr>
+              <a:t>plt.plot</a:t>
+            </a:r>
+            <a:r>
+              <a:rPr lang="en-US" dirty="0" smtClean="0">
+                <a:solidFill>
+                  <a:schemeClr val="accent2">
+                    <a:lumMod val="75000"/>
+                  </a:schemeClr>
+                </a:solidFill>
+                <a:latin typeface="Consolas" panose="020B0609020204030204" pitchFamily="49" charset="0"/>
+              </a:rPr>
+              <a:t>([1,2,3],[4,5,6]) plots a graph</a:t>
+            </a:r>
+          </a:p>
+          <a:p>
+            <a:endParaRPr lang="en-US" dirty="0" smtClean="0">
+              <a:latin typeface="Consolas" panose="020B0609020204030204" pitchFamily="49" charset="0"/>
+            </a:endParaRPr>
+          </a:p>
+        </p:txBody>
+      </p:sp>
+    </p:spTree>
+    <p:extLst>
+      <p:ext uri="{BB962C8B-B14F-4D97-AF65-F5344CB8AC3E}">
+        <p14:creationId xmlns:p14="http://schemas.microsoft.com/office/powerpoint/2010/main" val="2092088250"/>
+      </p:ext>
+    </p:extLst>
+  </p:cSld>
+  <p:clrMapOvr>
+    <a:masterClrMapping/>
+  </p:clrMapOvr>
+  <p:timing>
+    <p:tnLst>
+      <p:par>
+        <p:cTn id="1" dur="indefinite" restart="never" nodeType="tmRoot"/>
+      </p:par>
+    </p:tnLst>
+  </p:timing>
+</p:sld>
+</file>
+
+<file path=ppt/slides/slide3.xml><?xml version="1.0" encoding="utf-8"?>
+<p:sld xmlns:a="http://schemas.openxmlformats.org/drawingml/2006/main" xmlns:r="http://schemas.openxmlformats.org/officeDocument/2006/relationships" xmlns:p="http://schemas.openxmlformats.org/presentationml/2006/main">
+  <p:cSld>
+    <p:spTree>
+      <p:nvGrpSpPr>
+        <p:cNvPr id="1" name=""/>
+        <p:cNvGrpSpPr/>
+        <p:nvPr/>
+      </p:nvGrpSpPr>
+      <p:grpSpPr>
+        <a:xfrm>
+          <a:off x="0" y="0"/>
+          <a:ext cx="0" cy="0"/>
+          <a:chOff x="0" y="0"/>
+          <a:chExt cx="0" cy="0"/>
+        </a:xfrm>
+      </p:grpSpPr>
+      <p:sp>
+        <p:nvSpPr>
+          <p:cNvPr id="2" name="Title 1"/>
+          <p:cNvSpPr>
+            <a:spLocks noGrp="1"/>
+          </p:cNvSpPr>
+          <p:nvPr>
+            <p:ph type="title"/>
+          </p:nvPr>
+        </p:nvSpPr>
+        <p:spPr/>
+        <p:txBody>
+          <a:bodyPr/>
+          <a:lstStyle/>
+          <a:p>
+            <a:r>
+              <a:rPr lang="en-US" dirty="0" smtClean="0"/>
+              <a:t>Setting Expectations</a:t>
+            </a:r>
+            <a:endParaRPr lang="en-US" dirty="0"/>
+          </a:p>
+        </p:txBody>
+      </p:sp>
+      <p:sp>
+        <p:nvSpPr>
+          <p:cNvPr id="3" name="Content Placeholder 2"/>
+          <p:cNvSpPr>
+            <a:spLocks noGrp="1"/>
+          </p:cNvSpPr>
+          <p:nvPr>
+            <p:ph idx="1"/>
+          </p:nvPr>
+        </p:nvSpPr>
+        <p:spPr/>
+        <p:txBody>
+          <a:bodyPr/>
+          <a:lstStyle/>
+          <a:p>
+            <a:r>
+              <a:rPr lang="en-US" dirty="0" smtClean="0"/>
+              <a:t>We have 3 hours</a:t>
+            </a:r>
+          </a:p>
+          <a:p>
+            <a:r>
+              <a:rPr lang="en-US" dirty="0" smtClean="0"/>
+              <a:t>I am not an expert</a:t>
+            </a:r>
+          </a:p>
+          <a:p>
+            <a:r>
+              <a:rPr lang="en-US" dirty="0" smtClean="0"/>
+              <a:t>Most of this is based on my personal experience</a:t>
+            </a:r>
+          </a:p>
+          <a:p>
+            <a:r>
+              <a:rPr lang="en-US" dirty="0" smtClean="0"/>
+              <a:t>Learning and retaining requires additional work</a:t>
+            </a:r>
+          </a:p>
+          <a:p>
+            <a:pPr lvl="1"/>
+            <a:r>
+              <a:rPr lang="en-US" dirty="0" smtClean="0"/>
+              <a:t>Create excuses to use what you’ve learned</a:t>
+            </a:r>
+          </a:p>
+          <a:p>
+            <a:r>
+              <a:rPr lang="en-US" dirty="0" smtClean="0"/>
+              <a:t>There is a WIDE range of backgrounds and experience levels here. Please participate!</a:t>
+            </a:r>
+          </a:p>
+        </p:txBody>
+      </p:sp>
+    </p:spTree>
+    <p:extLst>
+      <p:ext uri="{BB962C8B-B14F-4D97-AF65-F5344CB8AC3E}">
+        <p14:creationId xmlns:p14="http://schemas.microsoft.com/office/powerpoint/2010/main" val="3022489031"/>
+      </p:ext>
+    </p:extLst>
+  </p:cSld>
+  <p:clrMapOvr>
+    <a:masterClrMapping/>
+  </p:clrMapOvr>
+  <p:timing>
+    <p:tnLst>
+      <p:par>
+        <p:cTn id="1" dur="indefinite" restart="never" nodeType="tmRoot"/>
+      </p:par>
+    </p:tnLst>
+  </p:timing>
+</p:sld>
+</file>
+
+<file path=ppt/slides/slide4.xml><?xml version="1.0" encoding="utf-8"?>
+<p:sld xmlns:a="http://schemas.openxmlformats.org/drawingml/2006/main" xmlns:r="http://schemas.openxmlformats.org/officeDocument/2006/relationships" xmlns:p="http://schemas.openxmlformats.org/presentationml/2006/main">
+  <p:cSld>
+    <p:spTree>
+      <p:nvGrpSpPr>
+        <p:cNvPr id="1" name=""/>
+        <p:cNvGrpSpPr/>
+        <p:nvPr/>
+      </p:nvGrpSpPr>
+      <p:grpSpPr>
+        <a:xfrm>
+          <a:off x="0" y="0"/>
+          <a:ext cx="0" cy="0"/>
+          <a:chOff x="0" y="0"/>
+          <a:chExt cx="0" cy="0"/>
+        </a:xfrm>
+      </p:grpSpPr>
+      <p:sp>
+        <p:nvSpPr>
+          <p:cNvPr id="2" name="Title 1"/>
+          <p:cNvSpPr>
+            <a:spLocks noGrp="1"/>
+          </p:cNvSpPr>
+          <p:nvPr>
+            <p:ph type="title"/>
+          </p:nvPr>
+        </p:nvSpPr>
+        <p:spPr/>
+        <p:txBody>
+          <a:bodyPr/>
+          <a:lstStyle/>
+          <a:p>
+            <a:r>
+              <a:rPr lang="en-US" dirty="0" smtClean="0"/>
+              <a:t>My Goals</a:t>
+            </a:r>
+            <a:endParaRPr lang="en-US" dirty="0"/>
+          </a:p>
+        </p:txBody>
+      </p:sp>
+      <p:sp>
+        <p:nvSpPr>
+          <p:cNvPr id="3" name="Content Placeholder 2"/>
+          <p:cNvSpPr>
+            <a:spLocks noGrp="1"/>
+          </p:cNvSpPr>
+          <p:nvPr>
+            <p:ph idx="1"/>
+          </p:nvPr>
+        </p:nvSpPr>
+        <p:spPr/>
+        <p:txBody>
+          <a:bodyPr/>
+          <a:lstStyle/>
+          <a:p>
+            <a:r>
+              <a:rPr lang="en-US" dirty="0" smtClean="0"/>
+              <a:t>Give you the tools you need to fearlessly decide to use Python, </a:t>
+            </a:r>
+            <a:r>
+              <a:rPr lang="en-US" b="1" dirty="0" smtClean="0"/>
+              <a:t>if appropriate</a:t>
+            </a:r>
+            <a:r>
+              <a:rPr lang="en-US" dirty="0" smtClean="0"/>
+              <a:t>, and get started on a project.</a:t>
+            </a:r>
+          </a:p>
+          <a:p>
+            <a:r>
+              <a:rPr lang="en-US" dirty="0" smtClean="0"/>
+              <a:t>Show you where to look for or who to ask for more information</a:t>
+            </a:r>
+          </a:p>
+          <a:p>
+            <a:r>
+              <a:rPr lang="en-US" dirty="0" smtClean="0"/>
+              <a:t>Make sure the tools we choose aren’t limiting our ability</a:t>
+            </a:r>
+          </a:p>
+          <a:p>
+            <a:r>
+              <a:rPr lang="en-US" b="1" dirty="0" smtClean="0"/>
+              <a:t>Keep the community going after this course</a:t>
+            </a:r>
+          </a:p>
+          <a:p>
+            <a:endParaRPr lang="en-US" b="1" dirty="0"/>
+          </a:p>
+          <a:p>
+            <a:r>
+              <a:rPr lang="en-US" dirty="0" smtClean="0"/>
+              <a:t>Any others?</a:t>
+            </a:r>
+          </a:p>
+        </p:txBody>
+      </p:sp>
+    </p:spTree>
+    <p:extLst>
+      <p:ext uri="{BB962C8B-B14F-4D97-AF65-F5344CB8AC3E}">
+        <p14:creationId xmlns:p14="http://schemas.microsoft.com/office/powerpoint/2010/main" val="1375510224"/>
+      </p:ext>
+    </p:extLst>
+  </p:cSld>
+  <p:clrMapOvr>
+    <a:masterClrMapping/>
+  </p:clrMapOvr>
+  <p:timing>
+    <p:tnLst>
+      <p:par>
+        <p:cTn id="1" dur="indefinite" restart="never" nodeType="tmRoot"/>
+      </p:par>
+    </p:tnLst>
+  </p:timing>
+</p:sld>
+</file>
+
 <file path=ppt/slides/slide5.xml><?xml version="1.0" encoding="utf-8"?>
 <p:sld xmlns:a="http://schemas.openxmlformats.org/drawingml/2006/main" xmlns:r="http://schemas.openxmlformats.org/officeDocument/2006/relationships" xmlns:p="http://schemas.openxmlformats.org/presentationml/2006/main">
   <p:cSld>
@@ -8135,40 +10176,33 @@
           <a:bodyPr/>
           <a:lstStyle/>
           <a:p>
-            <a:r>
-              <a:rPr lang="en-US" dirty="0" smtClean="0"/>
-              <a:t>What do I use?</a:t>
-            </a:r>
             <a:endParaRPr lang="en-US" dirty="0"/>
           </a:p>
         </p:txBody>
       </p:sp>
-      <p:graphicFrame>
-        <p:nvGraphicFramePr>
-          <p:cNvPr id="5" name="Diagram 4"/>
-          <p:cNvGraphicFramePr/>
-          <p:nvPr>
-            <p:extLst>
-              <p:ext uri="{D42A27DB-BD31-4B8C-83A1-F6EECF244321}">
-                <p14:modId xmlns:p14="http://schemas.microsoft.com/office/powerpoint/2010/main" val="901158227"/>
-              </p:ext>
-            </p:extLst>
-          </p:nvPr>
-        </p:nvGraphicFramePr>
-        <p:xfrm>
-          <a:off x="2032000" y="1690688"/>
-          <a:ext cx="7763850" cy="5027067"/>
-        </p:xfrm>
-        <a:graphic>
-          <a:graphicData uri="http://schemas.openxmlformats.org/drawingml/2006/diagram">
-            <dgm:relIds xmlns:dgm="http://schemas.openxmlformats.org/drawingml/2006/diagram" xmlns:r="http://schemas.openxmlformats.org/officeDocument/2006/relationships" r:dm="rId2" r:lo="rId3" r:qs="rId4" r:cs="rId5"/>
-          </a:graphicData>
-        </a:graphic>
-      </p:graphicFrame>
+      <p:sp>
+        <p:nvSpPr>
+          <p:cNvPr id="3" name="Content Placeholder 2"/>
+          <p:cNvSpPr>
+            <a:spLocks noGrp="1"/>
+          </p:cNvSpPr>
+          <p:nvPr>
+            <p:ph idx="1"/>
+          </p:nvPr>
+        </p:nvSpPr>
+        <p:spPr/>
+        <p:txBody>
+          <a:bodyPr/>
+          <a:lstStyle/>
+          <a:p>
+            <a:endParaRPr lang="en-US"/>
+          </a:p>
+        </p:txBody>
+      </p:sp>
     </p:spTree>
     <p:extLst>
       <p:ext uri="{BB962C8B-B14F-4D97-AF65-F5344CB8AC3E}">
-        <p14:creationId xmlns:p14="http://schemas.microsoft.com/office/powerpoint/2010/main" val="2416235332"/>
+        <p14:creationId xmlns:p14="http://schemas.microsoft.com/office/powerpoint/2010/main" val="3967448087"/>
       </p:ext>
     </p:extLst>
   </p:cSld>
@@ -8217,11 +10251,7 @@
           <a:bodyPr/>
           <a:lstStyle/>
           <a:p>
-            <a:r>
-              <a:rPr lang="en-US" dirty="0" smtClean="0"/>
-              <a:t>Demo of ways to interact with Python</a:t>
-            </a:r>
-            <a:endParaRPr lang="en-US" dirty="0"/>
+            <a:endParaRPr lang="en-US"/>
           </a:p>
         </p:txBody>
       </p:sp>
@@ -8240,40 +10270,14 @@
           <a:bodyPr/>
           <a:lstStyle/>
           <a:p>
-            <a:r>
-              <a:rPr lang="en-US" dirty="0" smtClean="0"/>
-              <a:t>Shell demonstration</a:t>
-            </a:r>
-          </a:p>
-          <a:p>
-            <a:r>
-              <a:rPr lang="en-US" dirty="0" err="1" smtClean="0"/>
-              <a:t>Spyder</a:t>
-            </a:r>
-            <a:r>
-              <a:rPr lang="en-US" dirty="0" smtClean="0"/>
-              <a:t> demo</a:t>
-            </a:r>
-          </a:p>
-          <a:p>
-            <a:r>
-              <a:rPr lang="en-US" dirty="0" err="1" smtClean="0"/>
-              <a:t>PyCharm</a:t>
-            </a:r>
-            <a:r>
-              <a:rPr lang="en-US" dirty="0" smtClean="0"/>
-              <a:t> demo</a:t>
-            </a:r>
-          </a:p>
-          <a:p>
-            <a:endParaRPr lang="en-US" dirty="0"/>
+            <a:endParaRPr lang="en-US"/>
           </a:p>
         </p:txBody>
       </p:sp>
     </p:spTree>
     <p:extLst>
       <p:ext uri="{BB962C8B-B14F-4D97-AF65-F5344CB8AC3E}">
-        <p14:creationId xmlns:p14="http://schemas.microsoft.com/office/powerpoint/2010/main" val="1374341804"/>
+        <p14:creationId xmlns:p14="http://schemas.microsoft.com/office/powerpoint/2010/main" val="1383795838"/>
       </p:ext>
     </p:extLst>
   </p:cSld>
@@ -8323,12 +10327,8 @@
           <a:lstStyle/>
           <a:p>
             <a:r>
-              <a:rPr lang="en-US" dirty="0" err="1" smtClean="0"/>
-              <a:t>Jupyter</a:t>
-            </a:r>
-            <a:r>
-              <a:rPr lang="en-US" dirty="0" smtClean="0"/>
-              <a:t> Notebook</a:t>
+              <a:rPr lang="en-US" dirty="0" smtClean="0"/>
+              <a:t>What is Python?</a:t>
             </a:r>
             <a:endParaRPr lang="en-US" dirty="0"/>
           </a:p>
@@ -8351,57 +10351,40 @@
           <a:p>
             <a:r>
               <a:rPr lang="en-US" dirty="0" smtClean="0"/>
-              <a:t>A web-based python editor</a:t>
-            </a:r>
-          </a:p>
-          <a:p>
-            <a:pPr lvl="1"/>
-            <a:r>
-              <a:rPr lang="en-US" dirty="0" smtClean="0"/>
-              <a:t>Automatic syntax highlighting, indentation, and tab completion</a:t>
-            </a:r>
-          </a:p>
-          <a:p>
-            <a:r>
-              <a:rPr lang="en-US" dirty="0" smtClean="0"/>
-              <a:t>Shows inputs and outputs</a:t>
-            </a:r>
-          </a:p>
-          <a:p>
-            <a:r>
-              <a:rPr lang="en-US" dirty="0"/>
-              <a:t>C</a:t>
-            </a:r>
-            <a:r>
-              <a:rPr lang="en-US" dirty="0" smtClean="0"/>
-              <a:t>an be used to document an entire project</a:t>
-            </a:r>
-          </a:p>
-          <a:p>
-            <a:r>
-              <a:rPr lang="en-US" dirty="0" smtClean="0"/>
-              <a:t>Go to any directory and type </a:t>
-            </a:r>
-            <a:r>
-              <a:rPr lang="en-US" dirty="0" err="1" smtClean="0">
-                <a:latin typeface="Consolas" panose="020B0609020204030204" pitchFamily="49" charset="0"/>
-              </a:rPr>
-              <a:t>jupyter</a:t>
-            </a:r>
-            <a:r>
-              <a:rPr lang="en-US" dirty="0" smtClean="0">
-                <a:latin typeface="Consolas" panose="020B0609020204030204" pitchFamily="49" charset="0"/>
-              </a:rPr>
-              <a:t> notebook</a:t>
-            </a:r>
-            <a:endParaRPr lang="en-US" dirty="0" smtClean="0"/>
+              <a:t>Open source general-purpose programming language</a:t>
+            </a:r>
+          </a:p>
+          <a:p>
+            <a:r>
+              <a:rPr lang="en-US" dirty="0" smtClean="0"/>
+              <a:t>Object oriented or functional</a:t>
+            </a:r>
+          </a:p>
+          <a:p>
+            <a:r>
+              <a:rPr lang="en-US" dirty="0" smtClean="0"/>
+              <a:t>Easy to interface with other programming languages</a:t>
+            </a:r>
+          </a:p>
+          <a:p>
+            <a:r>
+              <a:rPr lang="en-US" dirty="0" smtClean="0"/>
+              <a:t>Great interactive environment</a:t>
+            </a:r>
+          </a:p>
+          <a:p>
+            <a:r>
+              <a:rPr lang="en-US" dirty="0" smtClean="0"/>
+              <a:t>Kitchen Sink</a:t>
+            </a:r>
+            <a:endParaRPr lang="en-US" dirty="0"/>
           </a:p>
         </p:txBody>
       </p:sp>
     </p:spTree>
     <p:extLst>
       <p:ext uri="{BB962C8B-B14F-4D97-AF65-F5344CB8AC3E}">
-        <p14:creationId xmlns:p14="http://schemas.microsoft.com/office/powerpoint/2010/main" val="1483925451"/>
+        <p14:creationId xmlns:p14="http://schemas.microsoft.com/office/powerpoint/2010/main" val="2657244366"/>
       </p:ext>
     </p:extLst>
   </p:cSld>
@@ -8452,7 +10435,7 @@
           <a:p>
             <a:r>
               <a:rPr lang="en-US" dirty="0" smtClean="0"/>
-              <a:t>Python syntax in 5 minutes</a:t>
+              <a:t>Programming Language Stereotypes</a:t>
             </a:r>
             <a:endParaRPr lang="en-US" dirty="0"/>
           </a:p>
@@ -8468,21 +10451,52 @@
             <p:ph idx="1"/>
           </p:nvPr>
         </p:nvSpPr>
-        <p:spPr/>
+        <p:spPr>
+          <a:xfrm>
+            <a:off x="838200" y="1825625"/>
+            <a:ext cx="2281844" cy="4351338"/>
+          </a:xfrm>
+        </p:spPr>
         <p:txBody>
           <a:bodyPr/>
           <a:lstStyle/>
           <a:p>
             <a:r>
               <a:rPr lang="en-US" dirty="0" smtClean="0"/>
-              <a:t>No time to go into detail – check out </a:t>
-            </a:r>
-            <a:r>
-              <a:rPr lang="en-US" dirty="0" smtClean="0">
-                <a:hlinkClick r:id="rId2"/>
-              </a:rPr>
-              <a:t>https://learnxinyminutes.com/docs/python3/</a:t>
-            </a:r>
+              <a:t>FORTRAN</a:t>
+            </a:r>
+          </a:p>
+          <a:p>
+            <a:r>
+              <a:rPr lang="en-US" dirty="0" smtClean="0"/>
+              <a:t>C++</a:t>
+            </a:r>
+          </a:p>
+          <a:p>
+            <a:r>
+              <a:rPr lang="en-US" dirty="0" smtClean="0"/>
+              <a:t>Java</a:t>
+            </a:r>
+          </a:p>
+          <a:p>
+            <a:r>
+              <a:rPr lang="en-US" dirty="0" smtClean="0"/>
+              <a:t>Visual Basic</a:t>
+            </a:r>
+          </a:p>
+          <a:p>
+            <a:r>
+              <a:rPr lang="en-US" dirty="0" smtClean="0"/>
+              <a:t>R</a:t>
+            </a:r>
+          </a:p>
+          <a:p>
+            <a:r>
+              <a:rPr lang="en-US" dirty="0" smtClean="0"/>
+              <a:t>Python</a:t>
+            </a:r>
+          </a:p>
+          <a:p>
             <a:endParaRPr lang="en-US" dirty="0" smtClean="0"/>
           </a:p>
         </p:txBody>
@@ -8490,7 +10504,7 @@
     </p:spTree>
     <p:extLst>
       <p:ext uri="{BB962C8B-B14F-4D97-AF65-F5344CB8AC3E}">
-        <p14:creationId xmlns:p14="http://schemas.microsoft.com/office/powerpoint/2010/main" val="1005761542"/>
+        <p14:creationId xmlns:p14="http://schemas.microsoft.com/office/powerpoint/2010/main" val="471568199"/>
       </p:ext>
     </p:extLst>
   </p:cSld>
@@ -8541,7 +10555,7 @@
           <a:p>
             <a:r>
               <a:rPr lang="en-US" dirty="0" smtClean="0"/>
-              <a:t>Python syntax in 5 minutes</a:t>
+              <a:t>Where does Python fit?</a:t>
             </a:r>
             <a:endParaRPr lang="en-US" dirty="0"/>
           </a:p>
@@ -8559,219 +10573,50 @@
         </p:nvSpPr>
         <p:spPr/>
         <p:txBody>
-          <a:bodyPr>
-            <a:normAutofit fontScale="92500" lnSpcReduction="10000"/>
-          </a:bodyPr>
+          <a:bodyPr/>
           <a:lstStyle/>
           <a:p>
             <a:r>
               <a:rPr lang="en-US" dirty="0" smtClean="0"/>
-              <a:t>No ; at the end of a line. Indentation is important. Use 4 spaces, NOT TABS. Set your editor to turn the tab key into 4 spaces.</a:t>
-            </a:r>
-          </a:p>
-          <a:p>
-            <a:r>
-              <a:rPr lang="en-US" dirty="0" err="1" smtClean="0"/>
-              <a:t>Asignment</a:t>
-            </a:r>
-            <a:r>
-              <a:rPr lang="en-US" dirty="0" smtClean="0"/>
-              <a:t> uses </a:t>
-            </a:r>
-            <a:r>
-              <a:rPr lang="en-US" dirty="0" smtClean="0">
-                <a:solidFill>
-                  <a:schemeClr val="accent2">
-                    <a:lumMod val="75000"/>
-                  </a:schemeClr>
-                </a:solidFill>
-              </a:rPr>
-              <a:t>=</a:t>
-            </a:r>
-            <a:r>
-              <a:rPr lang="en-US" dirty="0" smtClean="0"/>
-              <a:t> and comparison uses </a:t>
-            </a:r>
-            <a:r>
-              <a:rPr lang="en-US" dirty="0">
-                <a:solidFill>
-                  <a:schemeClr val="accent2">
-                    <a:lumMod val="75000"/>
-                  </a:schemeClr>
-                </a:solidFill>
-              </a:rPr>
-              <a:t>==</a:t>
+              <a:t>Not as fast as a fully compiled language</a:t>
+            </a:r>
+          </a:p>
+          <a:p>
+            <a:r>
+              <a:rPr lang="en-US" dirty="0" smtClean="0"/>
+              <a:t>Dynamically typed</a:t>
             </a:r>
           </a:p>
           <a:p>
             <a:pPr lvl="1"/>
             <a:r>
-              <a:rPr lang="en-US" dirty="0">
-                <a:solidFill>
-                  <a:schemeClr val="accent2">
-                    <a:lumMod val="75000"/>
-                  </a:schemeClr>
-                </a:solidFill>
-              </a:rPr>
-              <a:t>a = 4</a:t>
+              <a:rPr lang="en-US" dirty="0" smtClean="0"/>
+              <a:t>No need to define variables or types</a:t>
             </a:r>
           </a:p>
           <a:p>
             <a:pPr lvl="1"/>
             <a:r>
-              <a:rPr lang="en-US" dirty="0">
-                <a:solidFill>
-                  <a:schemeClr val="accent2">
-                    <a:lumMod val="75000"/>
-                  </a:schemeClr>
-                </a:solidFill>
-              </a:rPr>
-              <a:t>if a==True</a:t>
-            </a:r>
-            <a:r>
-              <a:rPr lang="en-US" dirty="0" smtClean="0"/>
-              <a:t>: Do Something</a:t>
-            </a:r>
-          </a:p>
-          <a:p>
-            <a:r>
-              <a:rPr lang="en-US" dirty="0">
-                <a:solidFill>
-                  <a:schemeClr val="accent2">
-                    <a:lumMod val="75000"/>
-                  </a:schemeClr>
-                </a:solidFill>
-              </a:rPr>
-              <a:t>+ - * / % </a:t>
-            </a:r>
-            <a:r>
-              <a:rPr lang="en-US" dirty="0" smtClean="0"/>
-              <a:t>are as expected</a:t>
-            </a:r>
-            <a:endParaRPr lang="en-US" dirty="0"/>
-          </a:p>
-          <a:p>
-            <a:pPr lvl="1"/>
-            <a:r>
-              <a:rPr lang="en-US" dirty="0">
-                <a:solidFill>
-                  <a:schemeClr val="accent2">
-                    <a:lumMod val="75000"/>
-                  </a:schemeClr>
-                </a:solidFill>
-              </a:rPr>
-              <a:t>+</a:t>
-            </a:r>
-            <a:r>
-              <a:rPr lang="en-US" dirty="0" smtClean="0"/>
-              <a:t> also used to concatenate strings </a:t>
-            </a:r>
-            <a:r>
-              <a:rPr lang="en-US" dirty="0">
-                <a:solidFill>
-                  <a:schemeClr val="accent2">
-                    <a:lumMod val="75000"/>
-                  </a:schemeClr>
-                </a:solidFill>
-              </a:rPr>
-              <a:t>“he” + “</a:t>
-            </a:r>
-            <a:r>
-              <a:rPr lang="en-US" dirty="0" err="1">
-                <a:solidFill>
-                  <a:schemeClr val="accent2">
-                    <a:lumMod val="75000"/>
-                  </a:schemeClr>
-                </a:solidFill>
-              </a:rPr>
-              <a:t>llo</a:t>
-            </a:r>
-            <a:r>
-              <a:rPr lang="en-US" dirty="0">
-                <a:solidFill>
-                  <a:schemeClr val="accent2">
-                    <a:lumMod val="75000"/>
-                  </a:schemeClr>
-                </a:solidFill>
-              </a:rPr>
-              <a:t>” = “hello</a:t>
-            </a:r>
-            <a:r>
-              <a:rPr lang="en-US" dirty="0" smtClean="0">
-                <a:solidFill>
-                  <a:schemeClr val="accent2">
-                    <a:lumMod val="75000"/>
-                  </a:schemeClr>
-                </a:solidFill>
-              </a:rPr>
-              <a:t>”</a:t>
-            </a:r>
-          </a:p>
-          <a:p>
-            <a:pPr lvl="1"/>
-            <a:r>
-              <a:rPr lang="en-US" dirty="0" smtClean="0">
-                <a:solidFill>
-                  <a:schemeClr val="accent2">
-                    <a:lumMod val="75000"/>
-                  </a:schemeClr>
-                </a:solidFill>
-              </a:rPr>
-              <a:t>/ </a:t>
-            </a:r>
-            <a:r>
-              <a:rPr lang="en-US" dirty="0" smtClean="0"/>
-              <a:t>assumes </a:t>
-            </a:r>
-            <a:r>
-              <a:rPr lang="en-US" b="1" dirty="0" smtClean="0"/>
-              <a:t>integer division</a:t>
-            </a:r>
-            <a:r>
-              <a:rPr lang="en-US" dirty="0" smtClean="0"/>
-              <a:t> unless there is a decimal. </a:t>
-            </a:r>
-          </a:p>
-          <a:p>
-            <a:pPr lvl="2"/>
-            <a:r>
-              <a:rPr lang="en-US" dirty="0" smtClean="0">
-                <a:solidFill>
-                  <a:schemeClr val="accent2">
-                    <a:lumMod val="75000"/>
-                  </a:schemeClr>
-                </a:solidFill>
-              </a:rPr>
-              <a:t>5/2 = 2</a:t>
-            </a:r>
-          </a:p>
-          <a:p>
-            <a:pPr lvl="2"/>
-            <a:r>
-              <a:rPr lang="en-US" dirty="0" smtClean="0">
-                <a:solidFill>
-                  <a:schemeClr val="accent2">
-                    <a:lumMod val="75000"/>
-                  </a:schemeClr>
-                </a:solidFill>
-              </a:rPr>
-              <a:t>5/2.0 = 2.5</a:t>
-            </a:r>
-          </a:p>
-          <a:p>
-            <a:r>
-              <a:rPr lang="en-US" dirty="0" smtClean="0"/>
-              <a:t>Basic printing uses </a:t>
-            </a:r>
-            <a:r>
-              <a:rPr lang="en-US" dirty="0" smtClean="0">
-                <a:solidFill>
-                  <a:schemeClr val="accent2">
-                    <a:lumMod val="75000"/>
-                  </a:schemeClr>
-                </a:solidFill>
-              </a:rPr>
-              <a:t>print()</a:t>
+              <a:rPr lang="en-US" dirty="0" smtClean="0"/>
+              <a:t>Python guesses, and is usually right</a:t>
+            </a:r>
+          </a:p>
+          <a:p>
+            <a:r>
+              <a:rPr lang="en-US" dirty="0" smtClean="0"/>
+              <a:t>Object Oriented</a:t>
+            </a:r>
+          </a:p>
+          <a:p>
+            <a:r>
+              <a:rPr lang="en-US" dirty="0" smtClean="0"/>
+              <a:t>Functional</a:t>
+            </a:r>
+          </a:p>
+          <a:p>
+            <a:r>
+              <a:rPr lang="en-US" dirty="0" smtClean="0"/>
+              <a:t>A HUGE user community and library support</a:t>
             </a:r>
           </a:p>
         </p:txBody>
@@ -8779,7 +10624,7 @@
     </p:spTree>
     <p:extLst>
       <p:ext uri="{BB962C8B-B14F-4D97-AF65-F5344CB8AC3E}">
-        <p14:creationId xmlns:p14="http://schemas.microsoft.com/office/powerpoint/2010/main" val="2728632066"/>
+        <p14:creationId xmlns:p14="http://schemas.microsoft.com/office/powerpoint/2010/main" val="2782029393"/>
       </p:ext>
     </p:extLst>
   </p:cSld>

--- a/Day1/IntroToPython/IntroToPython.pptx
+++ b/Day1/IntroToPython/IntroToPython.pptx
@@ -8,29 +8,36 @@
     <p:sldId id="256" r:id="rId2"/>
     <p:sldId id="280" r:id="rId3"/>
     <p:sldId id="276" r:id="rId4"/>
-    <p:sldId id="279" r:id="rId5"/>
-    <p:sldId id="278" r:id="rId6"/>
-    <p:sldId id="277" r:id="rId7"/>
-    <p:sldId id="257" r:id="rId8"/>
-    <p:sldId id="269" r:id="rId9"/>
-    <p:sldId id="270" r:id="rId10"/>
-    <p:sldId id="271" r:id="rId11"/>
-    <p:sldId id="272" r:id="rId12"/>
-    <p:sldId id="273" r:id="rId13"/>
-    <p:sldId id="281" r:id="rId14"/>
-    <p:sldId id="282" r:id="rId15"/>
-    <p:sldId id="274" r:id="rId16"/>
-    <p:sldId id="259" r:id="rId17"/>
-    <p:sldId id="258" r:id="rId18"/>
-    <p:sldId id="262" r:id="rId19"/>
-    <p:sldId id="260" r:id="rId20"/>
-    <p:sldId id="261" r:id="rId21"/>
-    <p:sldId id="275" r:id="rId22"/>
-    <p:sldId id="263" r:id="rId23"/>
-    <p:sldId id="264" r:id="rId24"/>
-    <p:sldId id="265" r:id="rId25"/>
-    <p:sldId id="267" r:id="rId26"/>
-    <p:sldId id="268" r:id="rId27"/>
+    <p:sldId id="286" r:id="rId5"/>
+    <p:sldId id="279" r:id="rId6"/>
+    <p:sldId id="278" r:id="rId7"/>
+    <p:sldId id="277" r:id="rId8"/>
+    <p:sldId id="257" r:id="rId9"/>
+    <p:sldId id="269" r:id="rId10"/>
+    <p:sldId id="270" r:id="rId11"/>
+    <p:sldId id="271" r:id="rId12"/>
+    <p:sldId id="272" r:id="rId13"/>
+    <p:sldId id="283" r:id="rId14"/>
+    <p:sldId id="263" r:id="rId15"/>
+    <p:sldId id="264" r:id="rId16"/>
+    <p:sldId id="265" r:id="rId17"/>
+    <p:sldId id="267" r:id="rId18"/>
+    <p:sldId id="289" r:id="rId19"/>
+    <p:sldId id="290" r:id="rId20"/>
+    <p:sldId id="268" r:id="rId21"/>
+    <p:sldId id="288" r:id="rId22"/>
+    <p:sldId id="259" r:id="rId23"/>
+    <p:sldId id="284" r:id="rId24"/>
+    <p:sldId id="285" r:id="rId25"/>
+    <p:sldId id="258" r:id="rId26"/>
+    <p:sldId id="262" r:id="rId27"/>
+    <p:sldId id="260" r:id="rId28"/>
+    <p:sldId id="261" r:id="rId29"/>
+    <p:sldId id="291" r:id="rId30"/>
+    <p:sldId id="273" r:id="rId31"/>
+    <p:sldId id="275" r:id="rId32"/>
+    <p:sldId id="274" r:id="rId33"/>
+    <p:sldId id="282" r:id="rId34"/>
   </p:sldIdLst>
   <p:sldSz cx="12192000" cy="6858000"/>
   <p:notesSz cx="6858000" cy="9144000"/>
@@ -3530,7 +3537,7 @@
           <a:p>
             <a:fld id="{E5C2A70F-1A90-4B22-836B-83082A52A687}" type="datetimeFigureOut">
               <a:rPr lang="en-US" smtClean="0"/>
-              <a:t>4/19/2018</a:t>
+              <a:t>4/20/2018</a:t>
             </a:fld>
             <a:endParaRPr lang="en-US"/>
           </a:p>
@@ -3700,7 +3707,7 @@
           <a:p>
             <a:fld id="{E5C2A70F-1A90-4B22-836B-83082A52A687}" type="datetimeFigureOut">
               <a:rPr lang="en-US" smtClean="0"/>
-              <a:t>4/19/2018</a:t>
+              <a:t>4/20/2018</a:t>
             </a:fld>
             <a:endParaRPr lang="en-US"/>
           </a:p>
@@ -3880,7 +3887,7 @@
           <a:p>
             <a:fld id="{E5C2A70F-1A90-4B22-836B-83082A52A687}" type="datetimeFigureOut">
               <a:rPr lang="en-US" smtClean="0"/>
-              <a:t>4/19/2018</a:t>
+              <a:t>4/20/2018</a:t>
             </a:fld>
             <a:endParaRPr lang="en-US"/>
           </a:p>
@@ -4050,7 +4057,7 @@
           <a:p>
             <a:fld id="{E5C2A70F-1A90-4B22-836B-83082A52A687}" type="datetimeFigureOut">
               <a:rPr lang="en-US" smtClean="0"/>
-              <a:t>4/19/2018</a:t>
+              <a:t>4/20/2018</a:t>
             </a:fld>
             <a:endParaRPr lang="en-US"/>
           </a:p>
@@ -4296,7 +4303,7 @@
           <a:p>
             <a:fld id="{E5C2A70F-1A90-4B22-836B-83082A52A687}" type="datetimeFigureOut">
               <a:rPr lang="en-US" smtClean="0"/>
-              <a:t>4/19/2018</a:t>
+              <a:t>4/20/2018</a:t>
             </a:fld>
             <a:endParaRPr lang="en-US"/>
           </a:p>
@@ -4528,7 +4535,7 @@
           <a:p>
             <a:fld id="{E5C2A70F-1A90-4B22-836B-83082A52A687}" type="datetimeFigureOut">
               <a:rPr lang="en-US" smtClean="0"/>
-              <a:t>4/19/2018</a:t>
+              <a:t>4/20/2018</a:t>
             </a:fld>
             <a:endParaRPr lang="en-US"/>
           </a:p>
@@ -4895,7 +4902,7 @@
           <a:p>
             <a:fld id="{E5C2A70F-1A90-4B22-836B-83082A52A687}" type="datetimeFigureOut">
               <a:rPr lang="en-US" smtClean="0"/>
-              <a:t>4/19/2018</a:t>
+              <a:t>4/20/2018</a:t>
             </a:fld>
             <a:endParaRPr lang="en-US"/>
           </a:p>
@@ -5013,7 +5020,7 @@
           <a:p>
             <a:fld id="{E5C2A70F-1A90-4B22-836B-83082A52A687}" type="datetimeFigureOut">
               <a:rPr lang="en-US" smtClean="0"/>
-              <a:t>4/19/2018</a:t>
+              <a:t>4/20/2018</a:t>
             </a:fld>
             <a:endParaRPr lang="en-US"/>
           </a:p>
@@ -5108,7 +5115,7 @@
           <a:p>
             <a:fld id="{E5C2A70F-1A90-4B22-836B-83082A52A687}" type="datetimeFigureOut">
               <a:rPr lang="en-US" smtClean="0"/>
-              <a:t>4/19/2018</a:t>
+              <a:t>4/20/2018</a:t>
             </a:fld>
             <a:endParaRPr lang="en-US"/>
           </a:p>
@@ -5385,7 +5392,7 @@
           <a:p>
             <a:fld id="{E5C2A70F-1A90-4B22-836B-83082A52A687}" type="datetimeFigureOut">
               <a:rPr lang="en-US" smtClean="0"/>
-              <a:t>4/19/2018</a:t>
+              <a:t>4/20/2018</a:t>
             </a:fld>
             <a:endParaRPr lang="en-US"/>
           </a:p>
@@ -5638,7 +5645,7 @@
           <a:p>
             <a:fld id="{E5C2A70F-1A90-4B22-836B-83082A52A687}" type="datetimeFigureOut">
               <a:rPr lang="en-US" smtClean="0"/>
-              <a:t>4/19/2018</a:t>
+              <a:t>4/20/2018</a:t>
             </a:fld>
             <a:endParaRPr lang="en-US"/>
           </a:p>
@@ -5851,7 +5858,7 @@
           <a:p>
             <a:fld id="{E5C2A70F-1A90-4B22-836B-83082A52A687}" type="datetimeFigureOut">
               <a:rPr lang="en-US" smtClean="0"/>
-              <a:t>4/19/2018</a:t>
+              <a:t>4/20/2018</a:t>
             </a:fld>
             <a:endParaRPr lang="en-US"/>
           </a:p>
@@ -6570,7 +6577,7 @@
           <a:p>
             <a:r>
               <a:rPr lang="en-US" dirty="0" smtClean="0"/>
-              <a:t>Programming Language Popularity</a:t>
+              <a:t>Where does Python fit?</a:t>
             </a:r>
             <a:endParaRPr lang="en-US" dirty="0"/>
           </a:p>
@@ -6593,16 +6600,53 @@
           <a:p>
             <a:r>
               <a:rPr lang="en-US" dirty="0" smtClean="0"/>
-              <a:t>Chart</a:t>
-            </a:r>
-            <a:endParaRPr lang="en-US" dirty="0"/>
+              <a:t>Not as fast as a fully compiled language</a:t>
+            </a:r>
+          </a:p>
+          <a:p>
+            <a:r>
+              <a:rPr lang="en-US" dirty="0" smtClean="0"/>
+              <a:t>Dynamically typed</a:t>
+            </a:r>
+          </a:p>
+          <a:p>
+            <a:pPr lvl="1"/>
+            <a:r>
+              <a:rPr lang="en-US" dirty="0" smtClean="0"/>
+              <a:t>No need to define variables or types</a:t>
+            </a:r>
+          </a:p>
+          <a:p>
+            <a:pPr lvl="1"/>
+            <a:r>
+              <a:rPr lang="en-US" dirty="0" smtClean="0"/>
+              <a:t>Python guesses, and is usually right</a:t>
+            </a:r>
+          </a:p>
+          <a:p>
+            <a:r>
+              <a:rPr lang="en-US" dirty="0" smtClean="0"/>
+              <a:t>Object Oriented</a:t>
+            </a:r>
+          </a:p>
+          <a:p>
+            <a:r>
+              <a:rPr lang="en-US" dirty="0" smtClean="0"/>
+              <a:t>Functional</a:t>
+            </a:r>
+          </a:p>
+          <a:p>
+            <a:r>
+              <a:rPr lang="en-US" dirty="0" smtClean="0"/>
+              <a:t>A HUGE user community and library support</a:t>
+            </a:r>
           </a:p>
         </p:txBody>
       </p:sp>
     </p:spTree>
     <p:extLst>
       <p:ext uri="{BB962C8B-B14F-4D97-AF65-F5344CB8AC3E}">
-        <p14:creationId xmlns:p14="http://schemas.microsoft.com/office/powerpoint/2010/main" val="2471764834"/>
+        <p14:creationId xmlns:p14="http://schemas.microsoft.com/office/powerpoint/2010/main" val="2782029393"/>
       </p:ext>
     </p:extLst>
   </p:cSld>
@@ -6652,40 +6696,41 @@
           <a:lstStyle/>
           <a:p>
             <a:r>
-              <a:rPr lang="en-US" smtClean="0"/>
-              <a:t>What can Python do?</a:t>
+              <a:rPr lang="en-US" dirty="0" smtClean="0"/>
+              <a:t>Programming Language Popularity</a:t>
             </a:r>
             <a:endParaRPr lang="en-US" dirty="0"/>
           </a:p>
         </p:txBody>
       </p:sp>
-      <p:sp>
-        <p:nvSpPr>
-          <p:cNvPr id="3" name="Content Placeholder 2"/>
-          <p:cNvSpPr>
-            <a:spLocks noGrp="1"/>
-          </p:cNvSpPr>
-          <p:nvPr>
-            <p:ph idx="1"/>
-          </p:nvPr>
-        </p:nvSpPr>
-        <p:spPr/>
-        <p:txBody>
-          <a:bodyPr/>
-          <a:lstStyle/>
-          <a:p>
-            <a:r>
-              <a:rPr lang="en-US" dirty="0" smtClean="0"/>
-              <a:t>Sample apps</a:t>
-            </a:r>
-            <a:endParaRPr lang="en-US" dirty="0"/>
-          </a:p>
-        </p:txBody>
-      </p:sp>
+      <p:pic>
+        <p:nvPicPr>
+          <p:cNvPr id="4" name="Picture 3"/>
+          <p:cNvPicPr>
+            <a:picLocks noChangeAspect="1"/>
+          </p:cNvPicPr>
+          <p:nvPr/>
+        </p:nvPicPr>
+        <p:blipFill>
+          <a:blip r:embed="rId2"/>
+          <a:stretch>
+            <a:fillRect/>
+          </a:stretch>
+        </p:blipFill>
+        <p:spPr>
+          <a:xfrm>
+            <a:off x="1607127" y="1609464"/>
+            <a:ext cx="8481358" cy="4832900"/>
+          </a:xfrm>
+          <a:prstGeom prst="rect">
+            <a:avLst/>
+          </a:prstGeom>
+        </p:spPr>
+      </p:pic>
     </p:spTree>
     <p:extLst>
       <p:ext uri="{BB962C8B-B14F-4D97-AF65-F5344CB8AC3E}">
-        <p14:creationId xmlns:p14="http://schemas.microsoft.com/office/powerpoint/2010/main" val="1469642778"/>
+        <p14:creationId xmlns:p14="http://schemas.microsoft.com/office/powerpoint/2010/main" val="2471764834"/>
       </p:ext>
     </p:extLst>
   </p:cSld>
@@ -6736,35 +6781,228 @@
           <a:p>
             <a:r>
               <a:rPr lang="en-US" dirty="0" smtClean="0"/>
-              <a:t>Data Analysis Gateway Drug</a:t>
+              <a:t>Where is Python?</a:t>
             </a:r>
             <a:endParaRPr lang="en-US" dirty="0"/>
           </a:p>
         </p:txBody>
       </p:sp>
-      <p:sp>
-        <p:nvSpPr>
-          <p:cNvPr id="3" name="Content Placeholder 2"/>
-          <p:cNvSpPr>
-            <a:spLocks noGrp="1"/>
-          </p:cNvSpPr>
-          <p:nvPr>
-            <p:ph idx="1"/>
-          </p:nvPr>
-        </p:nvSpPr>
-        <p:spPr/>
-        <p:txBody>
-          <a:bodyPr/>
-          <a:lstStyle/>
-          <a:p>
-            <a:endParaRPr lang="en-US" dirty="0"/>
-          </a:p>
-        </p:txBody>
-      </p:sp>
+      <p:pic>
+        <p:nvPicPr>
+          <p:cNvPr id="1028" name="Picture 4" descr="Image result for youtube"/>
+          <p:cNvPicPr>
+            <a:picLocks noChangeAspect="1" noChangeArrowheads="1"/>
+          </p:cNvPicPr>
+          <p:nvPr/>
+        </p:nvPicPr>
+        <p:blipFill>
+          <a:blip r:embed="rId2" cstate="print">
+            <a:extLst>
+              <a:ext uri="{28A0092B-C50C-407E-A947-70E740481C1C}">
+                <a14:useLocalDpi xmlns:a14="http://schemas.microsoft.com/office/drawing/2010/main" val="0"/>
+              </a:ext>
+            </a:extLst>
+          </a:blip>
+          <a:srcRect/>
+          <a:stretch>
+            <a:fillRect/>
+          </a:stretch>
+        </p:blipFill>
+        <p:spPr bwMode="auto">
+          <a:xfrm>
+            <a:off x="565266" y="1404851"/>
+            <a:ext cx="2621280" cy="2621280"/>
+          </a:xfrm>
+          <a:prstGeom prst="rect">
+            <a:avLst/>
+          </a:prstGeom>
+          <a:noFill/>
+          <a:extLst>
+            <a:ext uri="{909E8E84-426E-40DD-AFC4-6F175D3DCCD1}">
+              <a14:hiddenFill xmlns:a14="http://schemas.microsoft.com/office/drawing/2010/main">
+                <a:solidFill>
+                  <a:srgbClr val="FFFFFF"/>
+                </a:solidFill>
+              </a14:hiddenFill>
+            </a:ext>
+          </a:extLst>
+        </p:spPr>
+      </p:pic>
+      <p:pic>
+        <p:nvPicPr>
+          <p:cNvPr id="1030" name="Picture 6" descr="Image result for reddit"/>
+          <p:cNvPicPr>
+            <a:picLocks noChangeAspect="1" noChangeArrowheads="1"/>
+          </p:cNvPicPr>
+          <p:nvPr/>
+        </p:nvPicPr>
+        <p:blipFill>
+          <a:blip r:embed="rId3" cstate="print">
+            <a:extLst>
+              <a:ext uri="{28A0092B-C50C-407E-A947-70E740481C1C}">
+                <a14:useLocalDpi xmlns:a14="http://schemas.microsoft.com/office/drawing/2010/main" val="0"/>
+              </a:ext>
+            </a:extLst>
+          </a:blip>
+          <a:srcRect/>
+          <a:stretch>
+            <a:fillRect/>
+          </a:stretch>
+        </p:blipFill>
+        <p:spPr bwMode="auto">
+          <a:xfrm>
+            <a:off x="565266" y="4828637"/>
+            <a:ext cx="3328266" cy="1109422"/>
+          </a:xfrm>
+          <a:prstGeom prst="rect">
+            <a:avLst/>
+          </a:prstGeom>
+          <a:noFill/>
+          <a:extLst>
+            <a:ext uri="{909E8E84-426E-40DD-AFC4-6F175D3DCCD1}">
+              <a14:hiddenFill xmlns:a14="http://schemas.microsoft.com/office/drawing/2010/main">
+                <a:solidFill>
+                  <a:srgbClr val="FFFFFF"/>
+                </a:solidFill>
+              </a14:hiddenFill>
+            </a:ext>
+          </a:extLst>
+        </p:spPr>
+      </p:pic>
+      <p:pic>
+        <p:nvPicPr>
+          <p:cNvPr id="7" name="Picture 6"/>
+          <p:cNvPicPr>
+            <a:picLocks noChangeAspect="1"/>
+          </p:cNvPicPr>
+          <p:nvPr/>
+        </p:nvPicPr>
+        <p:blipFill>
+          <a:blip r:embed="rId4"/>
+          <a:stretch>
+            <a:fillRect/>
+          </a:stretch>
+        </p:blipFill>
+        <p:spPr>
+          <a:xfrm>
+            <a:off x="4453774" y="3794934"/>
+            <a:ext cx="2143125" cy="2143125"/>
+          </a:xfrm>
+          <a:prstGeom prst="rect">
+            <a:avLst/>
+          </a:prstGeom>
+        </p:spPr>
+      </p:pic>
+      <p:pic>
+        <p:nvPicPr>
+          <p:cNvPr id="1034" name="Picture 10" descr="Image result for arcgis"/>
+          <p:cNvPicPr>
+            <a:picLocks noChangeAspect="1" noChangeArrowheads="1"/>
+          </p:cNvPicPr>
+          <p:nvPr/>
+        </p:nvPicPr>
+        <p:blipFill>
+          <a:blip r:embed="rId5">
+            <a:extLst>
+              <a:ext uri="{28A0092B-C50C-407E-A947-70E740481C1C}">
+                <a14:useLocalDpi xmlns:a14="http://schemas.microsoft.com/office/drawing/2010/main" val="0"/>
+              </a:ext>
+            </a:extLst>
+          </a:blip>
+          <a:srcRect/>
+          <a:stretch>
+            <a:fillRect/>
+          </a:stretch>
+        </p:blipFill>
+        <p:spPr bwMode="auto">
+          <a:xfrm>
+            <a:off x="4078778" y="2076554"/>
+            <a:ext cx="2855653" cy="1277873"/>
+          </a:xfrm>
+          <a:prstGeom prst="rect">
+            <a:avLst/>
+          </a:prstGeom>
+          <a:noFill/>
+          <a:extLst>
+            <a:ext uri="{909E8E84-426E-40DD-AFC4-6F175D3DCCD1}">
+              <a14:hiddenFill xmlns:a14="http://schemas.microsoft.com/office/drawing/2010/main">
+                <a:solidFill>
+                  <a:srgbClr val="FFFFFF"/>
+                </a:solidFill>
+              </a14:hiddenFill>
+            </a:ext>
+          </a:extLst>
+        </p:spPr>
+      </p:pic>
+      <p:pic>
+        <p:nvPicPr>
+          <p:cNvPr id="1038" name="Picture 14" descr="Image result for instagram"/>
+          <p:cNvPicPr>
+            <a:picLocks noChangeAspect="1" noChangeArrowheads="1"/>
+          </p:cNvPicPr>
+          <p:nvPr/>
+        </p:nvPicPr>
+        <p:blipFill>
+          <a:blip r:embed="rId6">
+            <a:extLst>
+              <a:ext uri="{28A0092B-C50C-407E-A947-70E740481C1C}">
+                <a14:useLocalDpi xmlns:a14="http://schemas.microsoft.com/office/drawing/2010/main" val="0"/>
+              </a:ext>
+            </a:extLst>
+          </a:blip>
+          <a:srcRect/>
+          <a:stretch>
+            <a:fillRect/>
+          </a:stretch>
+        </p:blipFill>
+        <p:spPr bwMode="auto">
+          <a:xfrm>
+            <a:off x="8118908" y="1584829"/>
+            <a:ext cx="2261322" cy="2261322"/>
+          </a:xfrm>
+          <a:prstGeom prst="rect">
+            <a:avLst/>
+          </a:prstGeom>
+          <a:noFill/>
+          <a:extLst>
+            <a:ext uri="{909E8E84-426E-40DD-AFC4-6F175D3DCCD1}">
+              <a14:hiddenFill xmlns:a14="http://schemas.microsoft.com/office/drawing/2010/main">
+                <a:solidFill>
+                  <a:srgbClr val="FFFFFF"/>
+                </a:solidFill>
+              </a14:hiddenFill>
+            </a:ext>
+          </a:extLst>
+        </p:spPr>
+      </p:pic>
+      <p:pic>
+        <p:nvPicPr>
+          <p:cNvPr id="8" name="Picture 7"/>
+          <p:cNvPicPr>
+            <a:picLocks noChangeAspect="1"/>
+          </p:cNvPicPr>
+          <p:nvPr/>
+        </p:nvPicPr>
+        <p:blipFill>
+          <a:blip r:embed="rId7"/>
+          <a:stretch>
+            <a:fillRect/>
+          </a:stretch>
+        </p:blipFill>
+        <p:spPr>
+          <a:xfrm>
+            <a:off x="7864128" y="3597101"/>
+            <a:ext cx="3453244" cy="2302163"/>
+          </a:xfrm>
+          <a:prstGeom prst="rect">
+            <a:avLst/>
+          </a:prstGeom>
+        </p:spPr>
+      </p:pic>
     </p:spTree>
     <p:extLst>
       <p:ext uri="{BB962C8B-B14F-4D97-AF65-F5344CB8AC3E}">
-        <p14:creationId xmlns:p14="http://schemas.microsoft.com/office/powerpoint/2010/main" val="2782468503"/>
+        <p14:creationId xmlns:p14="http://schemas.microsoft.com/office/powerpoint/2010/main" val="1469642778"/>
       </p:ext>
     </p:extLst>
   </p:cSld>
@@ -6815,7 +7053,7 @@
           <a:p>
             <a:r>
               <a:rPr lang="en-US" dirty="0" smtClean="0"/>
-              <a:t>Microsoft Excel</a:t>
+              <a:t>What can I use Python for?</a:t>
             </a:r>
             <a:endParaRPr lang="en-US" dirty="0"/>
           </a:p>
@@ -6833,18 +7071,50 @@
         </p:nvSpPr>
         <p:spPr/>
         <p:txBody>
-          <a:bodyPr/>
+          <a:bodyPr>
+            <a:normAutofit fontScale="92500" lnSpcReduction="20000"/>
+          </a:bodyPr>
           <a:lstStyle/>
           <a:p>
             <a:r>
               <a:rPr lang="en-US" dirty="0" smtClean="0"/>
-              <a:t>[I need a quip here]</a:t>
-            </a:r>
-          </a:p>
-          <a:p>
-            <a:r>
-              <a:rPr lang="en-US" dirty="0" smtClean="0"/>
-              <a:t>I use Excel more than any other software….</a:t>
+              <a:t>Reading/parsing files</a:t>
+            </a:r>
+          </a:p>
+          <a:p>
+            <a:r>
+              <a:rPr lang="en-US" dirty="0" smtClean="0"/>
+              <a:t>Web development</a:t>
+            </a:r>
+          </a:p>
+          <a:p>
+            <a:r>
+              <a:rPr lang="en-US" dirty="0" smtClean="0"/>
+              <a:t>Visualizations</a:t>
+            </a:r>
+          </a:p>
+          <a:p>
+            <a:r>
+              <a:rPr lang="en-US" dirty="0" smtClean="0"/>
+              <a:t>Database interface</a:t>
+            </a:r>
+          </a:p>
+          <a:p>
+            <a:r>
+              <a:rPr lang="en-US" dirty="0" smtClean="0"/>
+              <a:t>Web scraping</a:t>
+            </a:r>
+          </a:p>
+          <a:p>
+            <a:r>
+              <a:rPr lang="en-US" dirty="0" smtClean="0"/>
+              <a:t>Interacting with ArcGIS and other software</a:t>
+            </a:r>
+          </a:p>
+          <a:p>
+            <a:r>
+              <a:rPr lang="en-US" dirty="0" smtClean="0"/>
+              <a:t>Web APIs</a:t>
             </a:r>
           </a:p>
           <a:p>
@@ -6854,54 +7124,27 @@
             <a:endParaRPr lang="en-US" dirty="0"/>
           </a:p>
           <a:p>
-            <a:pPr marL="0" indent="0">
-              <a:buNone/>
-            </a:pPr>
-            <a:r>
-              <a:rPr lang="en-US" dirty="0" smtClean="0"/>
-              <a:t>Does it bother you that the logo is an “X”?</a:t>
-            </a:r>
-          </a:p>
-          <a:p>
-            <a:pPr marL="0" indent="0">
-              <a:buNone/>
-            </a:pPr>
+            <a:endParaRPr lang="en-US" dirty="0" smtClean="0"/>
+          </a:p>
+          <a:p>
+            <a:r>
+              <a:rPr lang="en-US" dirty="0" smtClean="0"/>
+              <a:t>…will go over some of these later tomorrow. Most applications already have libraries developed</a:t>
+            </a:r>
             <a:endParaRPr lang="en-US" dirty="0"/>
-          </a:p>
-          <a:p>
-            <a:pPr marL="0" indent="0">
-              <a:buNone/>
-            </a:pPr>
-            <a:endParaRPr lang="en-US" dirty="0" smtClean="0"/>
-          </a:p>
-          <a:p>
-            <a:pPr marL="0" indent="0">
-              <a:buNone/>
-            </a:pPr>
-            <a:r>
-              <a:rPr lang="en-US" dirty="0" smtClean="0"/>
-              <a:t>…..but is there something better?</a:t>
-            </a:r>
           </a:p>
         </p:txBody>
       </p:sp>
     </p:spTree>
     <p:extLst>
       <p:ext uri="{BB962C8B-B14F-4D97-AF65-F5344CB8AC3E}">
-        <p14:creationId xmlns:p14="http://schemas.microsoft.com/office/powerpoint/2010/main" val="2528365591"/>
+        <p14:creationId xmlns:p14="http://schemas.microsoft.com/office/powerpoint/2010/main" val="1564616916"/>
       </p:ext>
     </p:extLst>
   </p:cSld>
   <p:clrMapOvr>
     <a:masterClrMapping/>
   </p:clrMapOvr>
-  <p:timing>
-    <p:tnLst>
-      <p:par>
-        <p:cTn id="1" dur="indefinite" restart="never" nodeType="tmRoot"/>
-      </p:par>
-    </p:tnLst>
-  </p:timing>
 </p:sld>
 </file>
 
@@ -6939,7 +7182,7 @@
           <a:p>
             <a:r>
               <a:rPr lang="en-US" dirty="0" smtClean="0"/>
-              <a:t>Excel</a:t>
+              <a:t>Python syntax in 5 minutes</a:t>
             </a:r>
             <a:endParaRPr lang="en-US" dirty="0"/>
           </a:p>
@@ -6962,39 +7205,22 @@
           <a:p>
             <a:r>
               <a:rPr lang="en-US" dirty="0" smtClean="0"/>
-              <a:t>Excel is everywhere</a:t>
-            </a:r>
-          </a:p>
-          <a:p>
-            <a:r>
-              <a:rPr lang="en-US" dirty="0" smtClean="0"/>
-              <a:t>easy to fall into traps</a:t>
-            </a:r>
-          </a:p>
-          <a:p>
-            <a:r>
-              <a:rPr lang="en-US" dirty="0" smtClean="0"/>
-              <a:t>miss applying a formula to a cell</a:t>
-            </a:r>
-          </a:p>
-          <a:p>
-            <a:r>
-              <a:rPr lang="en-US" dirty="0" smtClean="0"/>
-              <a:t>verification</a:t>
-            </a:r>
-          </a:p>
-          <a:p>
+              <a:t>No time to go into detail – check out </a:t>
+            </a:r>
+            <a:r>
+              <a:rPr lang="en-US" dirty="0" smtClean="0">
+                <a:hlinkClick r:id="rId2"/>
+              </a:rPr>
+              <a:t>https://learnxinyminutes.com/docs/python3/</a:t>
+            </a:r>
             <a:endParaRPr lang="en-US" dirty="0" smtClean="0"/>
-          </a:p>
-          <a:p>
-            <a:endParaRPr lang="en-US" dirty="0"/>
           </a:p>
         </p:txBody>
       </p:sp>
     </p:spTree>
     <p:extLst>
       <p:ext uri="{BB962C8B-B14F-4D97-AF65-F5344CB8AC3E}">
-        <p14:creationId xmlns:p14="http://schemas.microsoft.com/office/powerpoint/2010/main" val="2649493265"/>
+        <p14:creationId xmlns:p14="http://schemas.microsoft.com/office/powerpoint/2010/main" val="1005761542"/>
       </p:ext>
     </p:extLst>
   </p:cSld>
@@ -7012,6 +7238,4100 @@
 </file>
 
 <file path=ppt/slides/slide15.xml><?xml version="1.0" encoding="utf-8"?>
+<p:sld xmlns:a="http://schemas.openxmlformats.org/drawingml/2006/main" xmlns:r="http://schemas.openxmlformats.org/officeDocument/2006/relationships" xmlns:p="http://schemas.openxmlformats.org/presentationml/2006/main">
+  <p:cSld>
+    <p:spTree>
+      <p:nvGrpSpPr>
+        <p:cNvPr id="1" name=""/>
+        <p:cNvGrpSpPr/>
+        <p:nvPr/>
+      </p:nvGrpSpPr>
+      <p:grpSpPr>
+        <a:xfrm>
+          <a:off x="0" y="0"/>
+          <a:ext cx="0" cy="0"/>
+          <a:chOff x="0" y="0"/>
+          <a:chExt cx="0" cy="0"/>
+        </a:xfrm>
+      </p:grpSpPr>
+      <p:sp>
+        <p:nvSpPr>
+          <p:cNvPr id="2" name="Title 1"/>
+          <p:cNvSpPr>
+            <a:spLocks noGrp="1"/>
+          </p:cNvSpPr>
+          <p:nvPr>
+            <p:ph type="title"/>
+          </p:nvPr>
+        </p:nvSpPr>
+        <p:spPr/>
+        <p:txBody>
+          <a:bodyPr/>
+          <a:lstStyle/>
+          <a:p>
+            <a:r>
+              <a:rPr lang="en-US" dirty="0" smtClean="0"/>
+              <a:t>Python syntax in 5 minutes</a:t>
+            </a:r>
+            <a:endParaRPr lang="en-US" dirty="0"/>
+          </a:p>
+        </p:txBody>
+      </p:sp>
+      <p:sp>
+        <p:nvSpPr>
+          <p:cNvPr id="3" name="Content Placeholder 2"/>
+          <p:cNvSpPr>
+            <a:spLocks noGrp="1"/>
+          </p:cNvSpPr>
+          <p:nvPr>
+            <p:ph idx="1"/>
+          </p:nvPr>
+        </p:nvSpPr>
+        <p:spPr/>
+        <p:txBody>
+          <a:bodyPr>
+            <a:normAutofit fontScale="92500" lnSpcReduction="10000"/>
+          </a:bodyPr>
+          <a:lstStyle/>
+          <a:p>
+            <a:r>
+              <a:rPr lang="en-US" dirty="0" smtClean="0"/>
+              <a:t>No ; at the end of a line. Indentation is important. Use 4 spaces, NOT TABS. Set your editor to turn the tab key into 4 spaces.</a:t>
+            </a:r>
+          </a:p>
+          <a:p>
+            <a:r>
+              <a:rPr lang="en-US" dirty="0" err="1" smtClean="0"/>
+              <a:t>Asignment</a:t>
+            </a:r>
+            <a:r>
+              <a:rPr lang="en-US" dirty="0" smtClean="0"/>
+              <a:t> uses </a:t>
+            </a:r>
+            <a:r>
+              <a:rPr lang="en-US" dirty="0" smtClean="0">
+                <a:solidFill>
+                  <a:schemeClr val="accent2">
+                    <a:lumMod val="75000"/>
+                  </a:schemeClr>
+                </a:solidFill>
+              </a:rPr>
+              <a:t>=</a:t>
+            </a:r>
+            <a:r>
+              <a:rPr lang="en-US" dirty="0" smtClean="0"/>
+              <a:t> and comparison uses </a:t>
+            </a:r>
+            <a:r>
+              <a:rPr lang="en-US" dirty="0">
+                <a:solidFill>
+                  <a:schemeClr val="accent2">
+                    <a:lumMod val="75000"/>
+                  </a:schemeClr>
+                </a:solidFill>
+              </a:rPr>
+              <a:t>==</a:t>
+            </a:r>
+          </a:p>
+          <a:p>
+            <a:pPr lvl="1"/>
+            <a:r>
+              <a:rPr lang="en-US" dirty="0">
+                <a:solidFill>
+                  <a:schemeClr val="accent2">
+                    <a:lumMod val="75000"/>
+                  </a:schemeClr>
+                </a:solidFill>
+              </a:rPr>
+              <a:t>a = 4</a:t>
+            </a:r>
+          </a:p>
+          <a:p>
+            <a:pPr lvl="1"/>
+            <a:r>
+              <a:rPr lang="en-US" dirty="0">
+                <a:solidFill>
+                  <a:schemeClr val="accent2">
+                    <a:lumMod val="75000"/>
+                  </a:schemeClr>
+                </a:solidFill>
+              </a:rPr>
+              <a:t>if a==True</a:t>
+            </a:r>
+            <a:r>
+              <a:rPr lang="en-US" dirty="0" smtClean="0"/>
+              <a:t>: Do Something</a:t>
+            </a:r>
+          </a:p>
+          <a:p>
+            <a:r>
+              <a:rPr lang="en-US" dirty="0">
+                <a:solidFill>
+                  <a:schemeClr val="accent2">
+                    <a:lumMod val="75000"/>
+                  </a:schemeClr>
+                </a:solidFill>
+              </a:rPr>
+              <a:t>+ - * / % </a:t>
+            </a:r>
+            <a:r>
+              <a:rPr lang="en-US" dirty="0" smtClean="0"/>
+              <a:t>are as expected</a:t>
+            </a:r>
+            <a:endParaRPr lang="en-US" dirty="0"/>
+          </a:p>
+          <a:p>
+            <a:pPr lvl="1"/>
+            <a:r>
+              <a:rPr lang="en-US" dirty="0">
+                <a:solidFill>
+                  <a:schemeClr val="accent2">
+                    <a:lumMod val="75000"/>
+                  </a:schemeClr>
+                </a:solidFill>
+              </a:rPr>
+              <a:t>+</a:t>
+            </a:r>
+            <a:r>
+              <a:rPr lang="en-US" dirty="0" smtClean="0"/>
+              <a:t> also used to concatenate strings </a:t>
+            </a:r>
+            <a:r>
+              <a:rPr lang="en-US" dirty="0">
+                <a:solidFill>
+                  <a:schemeClr val="accent2">
+                    <a:lumMod val="75000"/>
+                  </a:schemeClr>
+                </a:solidFill>
+              </a:rPr>
+              <a:t>“he” + “</a:t>
+            </a:r>
+            <a:r>
+              <a:rPr lang="en-US" dirty="0" err="1">
+                <a:solidFill>
+                  <a:schemeClr val="accent2">
+                    <a:lumMod val="75000"/>
+                  </a:schemeClr>
+                </a:solidFill>
+              </a:rPr>
+              <a:t>llo</a:t>
+            </a:r>
+            <a:r>
+              <a:rPr lang="en-US" dirty="0">
+                <a:solidFill>
+                  <a:schemeClr val="accent2">
+                    <a:lumMod val="75000"/>
+                  </a:schemeClr>
+                </a:solidFill>
+              </a:rPr>
+              <a:t>” = “hello</a:t>
+            </a:r>
+            <a:r>
+              <a:rPr lang="en-US" dirty="0" smtClean="0">
+                <a:solidFill>
+                  <a:schemeClr val="accent2">
+                    <a:lumMod val="75000"/>
+                  </a:schemeClr>
+                </a:solidFill>
+              </a:rPr>
+              <a:t>”</a:t>
+            </a:r>
+          </a:p>
+          <a:p>
+            <a:pPr lvl="1"/>
+            <a:r>
+              <a:rPr lang="en-US" dirty="0" smtClean="0">
+                <a:solidFill>
+                  <a:schemeClr val="accent2">
+                    <a:lumMod val="75000"/>
+                  </a:schemeClr>
+                </a:solidFill>
+              </a:rPr>
+              <a:t>/ </a:t>
+            </a:r>
+            <a:r>
+              <a:rPr lang="en-US" dirty="0" smtClean="0"/>
+              <a:t>does exact division in Python 3 (Not in Python 2). </a:t>
+            </a:r>
+            <a:endParaRPr lang="en-US" dirty="0" smtClean="0"/>
+          </a:p>
+          <a:p>
+            <a:pPr lvl="2"/>
+            <a:r>
+              <a:rPr lang="en-US" dirty="0" smtClean="0">
+                <a:solidFill>
+                  <a:schemeClr val="accent2">
+                    <a:lumMod val="75000"/>
+                  </a:schemeClr>
+                </a:solidFill>
+              </a:rPr>
+              <a:t>5/2 = </a:t>
+            </a:r>
+            <a:r>
+              <a:rPr lang="en-US" dirty="0" smtClean="0">
+                <a:solidFill>
+                  <a:schemeClr val="accent2">
+                    <a:lumMod val="75000"/>
+                  </a:schemeClr>
+                </a:solidFill>
+              </a:rPr>
+              <a:t>2 (Python 2)</a:t>
+            </a:r>
+            <a:endParaRPr lang="en-US" dirty="0" smtClean="0">
+              <a:solidFill>
+                <a:schemeClr val="accent2">
+                  <a:lumMod val="75000"/>
+                </a:schemeClr>
+              </a:solidFill>
+            </a:endParaRPr>
+          </a:p>
+          <a:p>
+            <a:pPr lvl="2"/>
+            <a:r>
+              <a:rPr lang="en-US" dirty="0" smtClean="0">
+                <a:solidFill>
+                  <a:schemeClr val="accent2">
+                    <a:lumMod val="75000"/>
+                  </a:schemeClr>
+                </a:solidFill>
+              </a:rPr>
+              <a:t>5/2 </a:t>
+            </a:r>
+            <a:r>
+              <a:rPr lang="en-US" dirty="0" smtClean="0">
+                <a:solidFill>
+                  <a:schemeClr val="accent2">
+                    <a:lumMod val="75000"/>
+                  </a:schemeClr>
+                </a:solidFill>
+              </a:rPr>
+              <a:t>= </a:t>
+            </a:r>
+            <a:r>
+              <a:rPr lang="en-US" dirty="0" smtClean="0">
+                <a:solidFill>
+                  <a:schemeClr val="accent2">
+                    <a:lumMod val="75000"/>
+                  </a:schemeClr>
+                </a:solidFill>
+              </a:rPr>
+              <a:t>2.5 (Python 3)</a:t>
+            </a:r>
+            <a:endParaRPr lang="en-US" dirty="0" smtClean="0">
+              <a:solidFill>
+                <a:schemeClr val="accent2">
+                  <a:lumMod val="75000"/>
+                </a:schemeClr>
+              </a:solidFill>
+            </a:endParaRPr>
+          </a:p>
+          <a:p>
+            <a:r>
+              <a:rPr lang="en-US" dirty="0" smtClean="0"/>
+              <a:t>Basic printing uses </a:t>
+            </a:r>
+            <a:r>
+              <a:rPr lang="en-US" dirty="0" smtClean="0">
+                <a:solidFill>
+                  <a:schemeClr val="accent2">
+                    <a:lumMod val="75000"/>
+                  </a:schemeClr>
+                </a:solidFill>
+              </a:rPr>
+              <a:t>print</a:t>
+            </a:r>
+            <a:r>
+              <a:rPr lang="en-US" dirty="0" smtClean="0">
+                <a:solidFill>
+                  <a:schemeClr val="accent2">
+                    <a:lumMod val="75000"/>
+                  </a:schemeClr>
+                </a:solidFill>
+              </a:rPr>
+              <a:t>(“print me”)</a:t>
+            </a:r>
+            <a:endParaRPr lang="en-US" dirty="0" smtClean="0">
+              <a:solidFill>
+                <a:schemeClr val="accent2">
+                  <a:lumMod val="75000"/>
+                </a:schemeClr>
+              </a:solidFill>
+            </a:endParaRPr>
+          </a:p>
+        </p:txBody>
+      </p:sp>
+    </p:spTree>
+    <p:extLst>
+      <p:ext uri="{BB962C8B-B14F-4D97-AF65-F5344CB8AC3E}">
+        <p14:creationId xmlns:p14="http://schemas.microsoft.com/office/powerpoint/2010/main" val="2728632066"/>
+      </p:ext>
+    </p:extLst>
+  </p:cSld>
+  <p:clrMapOvr>
+    <a:masterClrMapping/>
+  </p:clrMapOvr>
+  <p:timing>
+    <p:tnLst>
+      <p:par>
+        <p:cTn id="1" dur="indefinite" restart="never" nodeType="tmRoot"/>
+      </p:par>
+    </p:tnLst>
+  </p:timing>
+</p:sld>
+</file>
+
+<file path=ppt/slides/slide16.xml><?xml version="1.0" encoding="utf-8"?>
+<p:sld xmlns:a="http://schemas.openxmlformats.org/drawingml/2006/main" xmlns:r="http://schemas.openxmlformats.org/officeDocument/2006/relationships" xmlns:p="http://schemas.openxmlformats.org/presentationml/2006/main">
+  <p:cSld>
+    <p:spTree>
+      <p:nvGrpSpPr>
+        <p:cNvPr id="1" name=""/>
+        <p:cNvGrpSpPr/>
+        <p:nvPr/>
+      </p:nvGrpSpPr>
+      <p:grpSpPr>
+        <a:xfrm>
+          <a:off x="0" y="0"/>
+          <a:ext cx="0" cy="0"/>
+          <a:chOff x="0" y="0"/>
+          <a:chExt cx="0" cy="0"/>
+        </a:xfrm>
+      </p:grpSpPr>
+      <p:sp>
+        <p:nvSpPr>
+          <p:cNvPr id="2" name="Title 1"/>
+          <p:cNvSpPr>
+            <a:spLocks noGrp="1"/>
+          </p:cNvSpPr>
+          <p:nvPr>
+            <p:ph type="title"/>
+          </p:nvPr>
+        </p:nvSpPr>
+        <p:spPr/>
+        <p:txBody>
+          <a:bodyPr/>
+          <a:lstStyle/>
+          <a:p>
+            <a:r>
+              <a:rPr lang="en-US" dirty="0" smtClean="0"/>
+              <a:t>Python syntax in 5 minutes</a:t>
+            </a:r>
+            <a:endParaRPr lang="en-US" dirty="0"/>
+          </a:p>
+        </p:txBody>
+      </p:sp>
+      <p:sp>
+        <p:nvSpPr>
+          <p:cNvPr id="3" name="Content Placeholder 2"/>
+          <p:cNvSpPr>
+            <a:spLocks noGrp="1"/>
+          </p:cNvSpPr>
+          <p:nvPr>
+            <p:ph idx="1"/>
+          </p:nvPr>
+        </p:nvSpPr>
+        <p:spPr/>
+        <p:txBody>
+          <a:bodyPr/>
+          <a:lstStyle/>
+          <a:p>
+            <a:r>
+              <a:rPr lang="en-US" dirty="0" smtClean="0"/>
+              <a:t>Variables don’t need to be declared</a:t>
+            </a:r>
+          </a:p>
+          <a:p>
+            <a:r>
+              <a:rPr lang="en-US" dirty="0" smtClean="0"/>
+              <a:t>Python figures out the variable types on its own</a:t>
+            </a:r>
+          </a:p>
+          <a:p>
+            <a:r>
+              <a:rPr lang="en-US" dirty="0" smtClean="0"/>
+              <a:t>Strings can use </a:t>
+            </a:r>
+            <a:r>
+              <a:rPr lang="en-US" dirty="0">
+                <a:solidFill>
+                  <a:schemeClr val="accent2">
+                    <a:lumMod val="75000"/>
+                  </a:schemeClr>
+                </a:solidFill>
+              </a:rPr>
+              <a:t>“</a:t>
+            </a:r>
+            <a:r>
+              <a:rPr lang="en-US" dirty="0" smtClean="0"/>
+              <a:t>hello</a:t>
+            </a:r>
+            <a:r>
+              <a:rPr lang="en-US" dirty="0">
+                <a:solidFill>
+                  <a:schemeClr val="accent2">
+                    <a:lumMod val="75000"/>
+                  </a:schemeClr>
+                </a:solidFill>
+              </a:rPr>
+              <a:t>”</a:t>
+            </a:r>
+            <a:r>
+              <a:rPr lang="en-US" dirty="0" smtClean="0"/>
+              <a:t> or </a:t>
+            </a:r>
+            <a:r>
+              <a:rPr lang="en-US" dirty="0">
+                <a:solidFill>
+                  <a:schemeClr val="accent2">
+                    <a:lumMod val="75000"/>
+                  </a:schemeClr>
+                </a:solidFill>
+              </a:rPr>
+              <a:t>‘</a:t>
+            </a:r>
+            <a:r>
+              <a:rPr lang="en-US" dirty="0" smtClean="0"/>
+              <a:t>hello</a:t>
+            </a:r>
+            <a:r>
+              <a:rPr lang="en-US" dirty="0">
+                <a:solidFill>
+                  <a:schemeClr val="accent2">
+                    <a:lumMod val="75000"/>
+                  </a:schemeClr>
+                </a:solidFill>
+              </a:rPr>
+              <a:t>’</a:t>
+            </a:r>
+          </a:p>
+          <a:p>
+            <a:r>
+              <a:rPr lang="en-US" dirty="0" smtClean="0">
+                <a:solidFill>
+                  <a:schemeClr val="accent2">
+                    <a:lumMod val="75000"/>
+                  </a:schemeClr>
+                </a:solidFill>
+              </a:rPr>
+              <a:t>“</a:t>
+            </a:r>
+            <a:r>
+              <a:rPr lang="en-US" dirty="0" smtClean="0"/>
+              <a:t>Mr. </a:t>
+            </a:r>
+            <a:r>
+              <a:rPr lang="en-US" dirty="0" err="1" smtClean="0"/>
+              <a:t>O</a:t>
+            </a:r>
+            <a:r>
+              <a:rPr lang="en-US" dirty="0" err="1" smtClean="0">
+                <a:solidFill>
+                  <a:schemeClr val="accent2">
+                    <a:lumMod val="75000"/>
+                  </a:schemeClr>
+                </a:solidFill>
+              </a:rPr>
+              <a:t>’</a:t>
+            </a:r>
+            <a:r>
+              <a:rPr lang="en-US" dirty="0" err="1" smtClean="0"/>
+              <a:t>neill</a:t>
+            </a:r>
+            <a:r>
+              <a:rPr lang="en-US" dirty="0" smtClean="0"/>
+              <a:t> went to the store</a:t>
+            </a:r>
+            <a:r>
+              <a:rPr lang="en-US" dirty="0">
+                <a:solidFill>
+                  <a:schemeClr val="accent2">
+                    <a:lumMod val="75000"/>
+                  </a:schemeClr>
+                </a:solidFill>
+              </a:rPr>
+              <a:t>”</a:t>
+            </a:r>
+            <a:r>
+              <a:rPr lang="en-US" dirty="0" smtClean="0"/>
+              <a:t> is OK</a:t>
+            </a:r>
+          </a:p>
+          <a:p>
+            <a:r>
+              <a:rPr lang="en-US" dirty="0" smtClean="0"/>
+              <a:t>Comments start with </a:t>
+            </a:r>
+            <a:r>
+              <a:rPr lang="en-US" dirty="0" smtClean="0">
+                <a:solidFill>
+                  <a:schemeClr val="accent2">
+                    <a:lumMod val="75000"/>
+                  </a:schemeClr>
+                </a:solidFill>
+              </a:rPr>
+              <a:t>#</a:t>
+            </a:r>
+          </a:p>
+          <a:p>
+            <a:r>
+              <a:rPr lang="en-US" dirty="0" smtClean="0"/>
+              <a:t>Names are case sensitive and cannot start with a number</a:t>
+            </a:r>
+          </a:p>
+          <a:p>
+            <a:pPr marL="0" indent="0">
+              <a:buNone/>
+            </a:pPr>
+            <a:endParaRPr lang="en-US" dirty="0" smtClean="0"/>
+          </a:p>
+          <a:p>
+            <a:pPr marL="0" indent="0">
+              <a:buNone/>
+            </a:pPr>
+            <a:endParaRPr lang="en-US" dirty="0"/>
+          </a:p>
+        </p:txBody>
+      </p:sp>
+    </p:spTree>
+    <p:extLst>
+      <p:ext uri="{BB962C8B-B14F-4D97-AF65-F5344CB8AC3E}">
+        <p14:creationId xmlns:p14="http://schemas.microsoft.com/office/powerpoint/2010/main" val="274851132"/>
+      </p:ext>
+    </p:extLst>
+  </p:cSld>
+  <p:clrMapOvr>
+    <a:masterClrMapping/>
+  </p:clrMapOvr>
+  <p:timing>
+    <p:tnLst>
+      <p:par>
+        <p:cTn id="1" dur="indefinite" restart="never" nodeType="tmRoot"/>
+      </p:par>
+    </p:tnLst>
+  </p:timing>
+</p:sld>
+</file>
+
+<file path=ppt/slides/slide17.xml><?xml version="1.0" encoding="utf-8"?>
+<p:sld xmlns:a="http://schemas.openxmlformats.org/drawingml/2006/main" xmlns:r="http://schemas.openxmlformats.org/officeDocument/2006/relationships" xmlns:p="http://schemas.openxmlformats.org/presentationml/2006/main">
+  <p:cSld>
+    <p:spTree>
+      <p:nvGrpSpPr>
+        <p:cNvPr id="1" name=""/>
+        <p:cNvGrpSpPr/>
+        <p:nvPr/>
+      </p:nvGrpSpPr>
+      <p:grpSpPr>
+        <a:xfrm>
+          <a:off x="0" y="0"/>
+          <a:ext cx="0" cy="0"/>
+          <a:chOff x="0" y="0"/>
+          <a:chExt cx="0" cy="0"/>
+        </a:xfrm>
+      </p:grpSpPr>
+      <p:sp>
+        <p:nvSpPr>
+          <p:cNvPr id="2" name="Title 1"/>
+          <p:cNvSpPr>
+            <a:spLocks noGrp="1"/>
+          </p:cNvSpPr>
+          <p:nvPr>
+            <p:ph type="title"/>
+          </p:nvPr>
+        </p:nvSpPr>
+        <p:spPr/>
+        <p:txBody>
+          <a:bodyPr/>
+          <a:lstStyle/>
+          <a:p>
+            <a:r>
+              <a:rPr lang="en-US" dirty="0" smtClean="0"/>
+              <a:t>Python in 5 minutes</a:t>
+            </a:r>
+            <a:endParaRPr lang="en-US" dirty="0"/>
+          </a:p>
+        </p:txBody>
+      </p:sp>
+      <p:sp>
+        <p:nvSpPr>
+          <p:cNvPr id="3" name="Content Placeholder 2"/>
+          <p:cNvSpPr>
+            <a:spLocks noGrp="1"/>
+          </p:cNvSpPr>
+          <p:nvPr>
+            <p:ph idx="1"/>
+          </p:nvPr>
+        </p:nvSpPr>
+        <p:spPr/>
+        <p:txBody>
+          <a:bodyPr>
+            <a:normAutofit fontScale="77500" lnSpcReduction="20000"/>
+          </a:bodyPr>
+          <a:lstStyle/>
+          <a:p>
+            <a:r>
+              <a:rPr lang="en-US" dirty="0" smtClean="0"/>
+              <a:t>Number</a:t>
+            </a:r>
+          </a:p>
+          <a:p>
+            <a:pPr lvl="1"/>
+            <a:r>
+              <a:rPr lang="en-US" dirty="0" smtClean="0">
+                <a:latin typeface="Consolas" panose="020B0609020204030204" pitchFamily="49" charset="0"/>
+              </a:rPr>
+              <a:t>5</a:t>
+            </a:r>
+          </a:p>
+          <a:p>
+            <a:pPr lvl="1"/>
+            <a:r>
+              <a:rPr lang="en-US" dirty="0" smtClean="0">
+                <a:latin typeface="Consolas" panose="020B0609020204030204" pitchFamily="49" charset="0"/>
+              </a:rPr>
+              <a:t>3.4</a:t>
+            </a:r>
+          </a:p>
+          <a:p>
+            <a:r>
+              <a:rPr lang="en-US" dirty="0" smtClean="0"/>
+              <a:t>String</a:t>
+            </a:r>
+          </a:p>
+          <a:p>
+            <a:pPr lvl="1"/>
+            <a:r>
+              <a:rPr lang="en-US" dirty="0" smtClean="0">
+                <a:latin typeface="Consolas" panose="020B0609020204030204" pitchFamily="49" charset="0"/>
+              </a:rPr>
+              <a:t>“Hello”</a:t>
+            </a:r>
+          </a:p>
+          <a:p>
+            <a:r>
+              <a:rPr lang="en-US" dirty="0" smtClean="0"/>
+              <a:t>List</a:t>
+            </a:r>
+          </a:p>
+          <a:p>
+            <a:pPr lvl="1"/>
+            <a:r>
+              <a:rPr lang="en-US" dirty="0" smtClean="0">
+                <a:latin typeface="Consolas" panose="020B0609020204030204" pitchFamily="49" charset="0"/>
+              </a:rPr>
+              <a:t>a = [4,5,6,’apple’,3,2]</a:t>
+            </a:r>
+          </a:p>
+          <a:p>
+            <a:pPr lvl="1"/>
+            <a:r>
+              <a:rPr lang="en-US" dirty="0" smtClean="0">
+                <a:latin typeface="Consolas" panose="020B0609020204030204" pitchFamily="49" charset="0"/>
+              </a:rPr>
+              <a:t>a[1] = 5</a:t>
+            </a:r>
+          </a:p>
+          <a:p>
+            <a:r>
+              <a:rPr lang="en-US" dirty="0" smtClean="0"/>
+              <a:t>Tuple – a list that can’t be changed</a:t>
+            </a:r>
+          </a:p>
+          <a:p>
+            <a:pPr lvl="1"/>
+            <a:r>
+              <a:rPr lang="en-US" dirty="0" smtClean="0">
+                <a:latin typeface="Consolas" panose="020B0609020204030204" pitchFamily="49" charset="0"/>
+              </a:rPr>
+              <a:t>a = (4,5,6,7,’a’,’pizza’)</a:t>
+            </a:r>
+          </a:p>
+          <a:p>
+            <a:pPr lvl="1"/>
+            <a:r>
+              <a:rPr lang="en-US" dirty="0" smtClean="0">
+                <a:latin typeface="Consolas" panose="020B0609020204030204" pitchFamily="49" charset="0"/>
+              </a:rPr>
+              <a:t>a[2] = 6</a:t>
+            </a:r>
+          </a:p>
+          <a:p>
+            <a:r>
+              <a:rPr lang="en-US" dirty="0" smtClean="0"/>
+              <a:t>Dictionary</a:t>
+            </a:r>
+          </a:p>
+          <a:p>
+            <a:pPr lvl="1"/>
+            <a:r>
+              <a:rPr lang="en-US" dirty="0" err="1" smtClean="0"/>
+              <a:t>room_num</a:t>
+            </a:r>
+            <a:r>
+              <a:rPr lang="en-US" dirty="0" smtClean="0"/>
+              <a:t> = {‘john’: 425, ‘tom’:212}</a:t>
+            </a:r>
+          </a:p>
+          <a:p>
+            <a:pPr lvl="1"/>
+            <a:r>
+              <a:rPr lang="en-US" dirty="0" err="1" smtClean="0"/>
+              <a:t>room_num</a:t>
+            </a:r>
+            <a:r>
+              <a:rPr lang="en-US" dirty="0" smtClean="0"/>
+              <a:t>[‘john’] returns 425</a:t>
+            </a:r>
+            <a:endParaRPr lang="en-US" dirty="0"/>
+          </a:p>
+        </p:txBody>
+      </p:sp>
+    </p:spTree>
+    <p:extLst>
+      <p:ext uri="{BB962C8B-B14F-4D97-AF65-F5344CB8AC3E}">
+        <p14:creationId xmlns:p14="http://schemas.microsoft.com/office/powerpoint/2010/main" val="344768339"/>
+      </p:ext>
+    </p:extLst>
+  </p:cSld>
+  <p:clrMapOvr>
+    <a:masterClrMapping/>
+  </p:clrMapOvr>
+  <p:timing>
+    <p:tnLst>
+      <p:par>
+        <p:cTn id="1" dur="indefinite" restart="never" nodeType="tmRoot"/>
+      </p:par>
+    </p:tnLst>
+  </p:timing>
+</p:sld>
+</file>
+
+<file path=ppt/slides/slide18.xml><?xml version="1.0" encoding="utf-8"?>
+<p:sld xmlns:a="http://schemas.openxmlformats.org/drawingml/2006/main" xmlns:r="http://schemas.openxmlformats.org/officeDocument/2006/relationships" xmlns:p="http://schemas.openxmlformats.org/presentationml/2006/main">
+  <p:cSld>
+    <p:spTree>
+      <p:nvGrpSpPr>
+        <p:cNvPr id="1" name=""/>
+        <p:cNvGrpSpPr/>
+        <p:nvPr/>
+      </p:nvGrpSpPr>
+      <p:grpSpPr>
+        <a:xfrm>
+          <a:off x="0" y="0"/>
+          <a:ext cx="0" cy="0"/>
+          <a:chOff x="0" y="0"/>
+          <a:chExt cx="0" cy="0"/>
+        </a:xfrm>
+      </p:grpSpPr>
+      <p:sp>
+        <p:nvSpPr>
+          <p:cNvPr id="2" name="Title 1"/>
+          <p:cNvSpPr>
+            <a:spLocks noGrp="1"/>
+          </p:cNvSpPr>
+          <p:nvPr>
+            <p:ph type="title"/>
+          </p:nvPr>
+        </p:nvSpPr>
+        <p:spPr/>
+        <p:txBody>
+          <a:bodyPr/>
+          <a:lstStyle/>
+          <a:p>
+            <a:r>
+              <a:rPr lang="en-US" dirty="0" smtClean="0"/>
+              <a:t>Python in 5 minutes</a:t>
+            </a:r>
+            <a:endParaRPr lang="en-US" dirty="0"/>
+          </a:p>
+        </p:txBody>
+      </p:sp>
+      <p:sp>
+        <p:nvSpPr>
+          <p:cNvPr id="3" name="Content Placeholder 2"/>
+          <p:cNvSpPr>
+            <a:spLocks noGrp="1"/>
+          </p:cNvSpPr>
+          <p:nvPr>
+            <p:ph idx="1"/>
+          </p:nvPr>
+        </p:nvSpPr>
+        <p:spPr/>
+        <p:txBody>
+          <a:bodyPr/>
+          <a:lstStyle/>
+          <a:p>
+            <a:r>
+              <a:rPr lang="en-US" dirty="0" smtClean="0"/>
+              <a:t>Standard Library</a:t>
+            </a:r>
+          </a:p>
+          <a:p>
+            <a:pPr lvl="1"/>
+            <a:r>
+              <a:rPr lang="en-US" dirty="0" smtClean="0"/>
+              <a:t>print</a:t>
+            </a:r>
+          </a:p>
+          <a:p>
+            <a:pPr lvl="2"/>
+            <a:r>
+              <a:rPr lang="en-US" dirty="0" smtClean="0"/>
+              <a:t>print(“hello”)</a:t>
+            </a:r>
+          </a:p>
+          <a:p>
+            <a:pPr lvl="1"/>
+            <a:r>
+              <a:rPr lang="en-US" dirty="0" smtClean="0"/>
+              <a:t>simple math</a:t>
+            </a:r>
+          </a:p>
+          <a:p>
+            <a:pPr lvl="2"/>
+            <a:r>
+              <a:rPr lang="en-US" dirty="0" smtClean="0"/>
+              <a:t>a = 5 + 5</a:t>
+            </a:r>
+          </a:p>
+          <a:p>
+            <a:pPr lvl="1"/>
+            <a:r>
+              <a:rPr lang="en-US" dirty="0" smtClean="0"/>
+              <a:t>read and write</a:t>
+            </a:r>
+          </a:p>
+          <a:p>
+            <a:pPr lvl="2"/>
+            <a:r>
+              <a:rPr lang="en-US" dirty="0" smtClean="0"/>
+              <a:t>(we’ll use Pandas to read and write files)</a:t>
+            </a:r>
+          </a:p>
+          <a:p>
+            <a:pPr lvl="1"/>
+            <a:r>
+              <a:rPr lang="en-US" dirty="0" smtClean="0"/>
+              <a:t>for loops</a:t>
+            </a:r>
+          </a:p>
+          <a:p>
+            <a:pPr marL="914400" lvl="2" indent="0">
+              <a:buNone/>
+            </a:pPr>
+            <a:r>
+              <a:rPr lang="en-US" dirty="0" smtClean="0">
+                <a:solidFill>
+                  <a:schemeClr val="accent2">
+                    <a:lumMod val="75000"/>
+                  </a:schemeClr>
+                </a:solidFill>
+                <a:latin typeface="Consolas" panose="020B0609020204030204" pitchFamily="49" charset="0"/>
+              </a:rPr>
+              <a:t>for </a:t>
+            </a:r>
+            <a:r>
+              <a:rPr lang="en-US" dirty="0" err="1" smtClean="0">
+                <a:solidFill>
+                  <a:schemeClr val="accent2">
+                    <a:lumMod val="75000"/>
+                  </a:schemeClr>
+                </a:solidFill>
+                <a:latin typeface="Consolas" panose="020B0609020204030204" pitchFamily="49" charset="0"/>
+              </a:rPr>
+              <a:t>i</a:t>
+            </a:r>
+            <a:r>
+              <a:rPr lang="en-US" dirty="0" smtClean="0">
+                <a:solidFill>
+                  <a:schemeClr val="accent2">
+                    <a:lumMod val="75000"/>
+                  </a:schemeClr>
+                </a:solidFill>
+                <a:latin typeface="Consolas" panose="020B0609020204030204" pitchFamily="49" charset="0"/>
+              </a:rPr>
+              <a:t> in [‘</a:t>
+            </a:r>
+            <a:r>
+              <a:rPr lang="en-US" dirty="0" err="1" smtClean="0">
+                <a:solidFill>
+                  <a:schemeClr val="accent2">
+                    <a:lumMod val="75000"/>
+                  </a:schemeClr>
+                </a:solidFill>
+                <a:latin typeface="Consolas" panose="020B0609020204030204" pitchFamily="49" charset="0"/>
+              </a:rPr>
+              <a:t>hello’,’goodbye</a:t>
+            </a:r>
+            <a:r>
+              <a:rPr lang="en-US" dirty="0" smtClean="0">
+                <a:solidFill>
+                  <a:schemeClr val="accent2">
+                    <a:lumMod val="75000"/>
+                  </a:schemeClr>
+                </a:solidFill>
+                <a:latin typeface="Consolas" panose="020B0609020204030204" pitchFamily="49" charset="0"/>
+              </a:rPr>
+              <a:t>’]:</a:t>
+            </a:r>
+          </a:p>
+          <a:p>
+            <a:pPr marL="914400" lvl="2" indent="0">
+              <a:buNone/>
+            </a:pPr>
+            <a:r>
+              <a:rPr lang="en-US" dirty="0">
+                <a:solidFill>
+                  <a:schemeClr val="accent2">
+                    <a:lumMod val="75000"/>
+                  </a:schemeClr>
+                </a:solidFill>
+                <a:latin typeface="Consolas" panose="020B0609020204030204" pitchFamily="49" charset="0"/>
+              </a:rPr>
+              <a:t> </a:t>
+            </a:r>
+            <a:r>
+              <a:rPr lang="en-US" dirty="0" smtClean="0">
+                <a:solidFill>
+                  <a:schemeClr val="accent2">
+                    <a:lumMod val="75000"/>
+                  </a:schemeClr>
+                </a:solidFill>
+                <a:latin typeface="Consolas" panose="020B0609020204030204" pitchFamily="49" charset="0"/>
+              </a:rPr>
+              <a:t>   print(</a:t>
+            </a:r>
+            <a:r>
+              <a:rPr lang="en-US" dirty="0" err="1" smtClean="0">
+                <a:solidFill>
+                  <a:schemeClr val="accent2">
+                    <a:lumMod val="75000"/>
+                  </a:schemeClr>
+                </a:solidFill>
+                <a:latin typeface="Consolas" panose="020B0609020204030204" pitchFamily="49" charset="0"/>
+              </a:rPr>
+              <a:t>i</a:t>
+            </a:r>
+            <a:r>
+              <a:rPr lang="en-US" dirty="0" smtClean="0">
+                <a:solidFill>
+                  <a:schemeClr val="accent2">
+                    <a:lumMod val="75000"/>
+                  </a:schemeClr>
+                </a:solidFill>
+                <a:latin typeface="Consolas" panose="020B0609020204030204" pitchFamily="49" charset="0"/>
+              </a:rPr>
+              <a:t>)</a:t>
+            </a:r>
+          </a:p>
+          <a:p>
+            <a:pPr lvl="2"/>
+            <a:endParaRPr lang="en-US" dirty="0" smtClean="0"/>
+          </a:p>
+          <a:p>
+            <a:pPr lvl="1"/>
+            <a:endParaRPr lang="en-US" dirty="0"/>
+          </a:p>
+        </p:txBody>
+      </p:sp>
+    </p:spTree>
+    <p:extLst>
+      <p:ext uri="{BB962C8B-B14F-4D97-AF65-F5344CB8AC3E}">
+        <p14:creationId xmlns:p14="http://schemas.microsoft.com/office/powerpoint/2010/main" val="3455693299"/>
+      </p:ext>
+    </p:extLst>
+  </p:cSld>
+  <p:clrMapOvr>
+    <a:masterClrMapping/>
+  </p:clrMapOvr>
+  <p:timing>
+    <p:tnLst>
+      <p:par>
+        <p:cTn id="1" dur="indefinite" restart="never" nodeType="tmRoot"/>
+      </p:par>
+    </p:tnLst>
+  </p:timing>
+</p:sld>
+</file>
+
+<file path=ppt/slides/slide19.xml><?xml version="1.0" encoding="utf-8"?>
+<p:sld xmlns:a="http://schemas.openxmlformats.org/drawingml/2006/main" xmlns:r="http://schemas.openxmlformats.org/officeDocument/2006/relationships" xmlns:p="http://schemas.openxmlformats.org/presentationml/2006/main">
+  <p:cSld>
+    <p:spTree>
+      <p:nvGrpSpPr>
+        <p:cNvPr id="1" name=""/>
+        <p:cNvGrpSpPr/>
+        <p:nvPr/>
+      </p:nvGrpSpPr>
+      <p:grpSpPr>
+        <a:xfrm>
+          <a:off x="0" y="0"/>
+          <a:ext cx="0" cy="0"/>
+          <a:chOff x="0" y="0"/>
+          <a:chExt cx="0" cy="0"/>
+        </a:xfrm>
+      </p:grpSpPr>
+      <p:sp>
+        <p:nvSpPr>
+          <p:cNvPr id="2" name="Title 1"/>
+          <p:cNvSpPr>
+            <a:spLocks noGrp="1"/>
+          </p:cNvSpPr>
+          <p:nvPr>
+            <p:ph type="title"/>
+          </p:nvPr>
+        </p:nvSpPr>
+        <p:spPr/>
+        <p:txBody>
+          <a:bodyPr/>
+          <a:lstStyle/>
+          <a:p>
+            <a:r>
+              <a:rPr lang="en-US" dirty="0" smtClean="0"/>
+              <a:t>Python in 5 minutes</a:t>
+            </a:r>
+            <a:endParaRPr lang="en-US" dirty="0"/>
+          </a:p>
+        </p:txBody>
+      </p:sp>
+      <p:sp>
+        <p:nvSpPr>
+          <p:cNvPr id="3" name="Content Placeholder 2"/>
+          <p:cNvSpPr>
+            <a:spLocks noGrp="1"/>
+          </p:cNvSpPr>
+          <p:nvPr>
+            <p:ph idx="1"/>
+          </p:nvPr>
+        </p:nvSpPr>
+        <p:spPr/>
+        <p:txBody>
+          <a:bodyPr>
+            <a:normAutofit lnSpcReduction="10000"/>
+          </a:bodyPr>
+          <a:lstStyle/>
+          <a:p>
+            <a:r>
+              <a:rPr lang="en-US" dirty="0" smtClean="0"/>
+              <a:t>Powerful for loops – loop over anything</a:t>
+            </a:r>
+          </a:p>
+          <a:p>
+            <a:pPr marL="457200" lvl="1" indent="0">
+              <a:buNone/>
+            </a:pPr>
+            <a:r>
+              <a:rPr lang="en-US" dirty="0" smtClean="0">
+                <a:solidFill>
+                  <a:schemeClr val="accent2">
+                    <a:lumMod val="75000"/>
+                  </a:schemeClr>
+                </a:solidFill>
+                <a:latin typeface="Consolas" panose="020B0609020204030204" pitchFamily="49" charset="0"/>
+              </a:rPr>
+              <a:t>for </a:t>
+            </a:r>
+            <a:r>
+              <a:rPr lang="en-US" dirty="0" err="1" smtClean="0">
+                <a:solidFill>
+                  <a:schemeClr val="accent2">
+                    <a:lumMod val="75000"/>
+                  </a:schemeClr>
+                </a:solidFill>
+                <a:latin typeface="Consolas" panose="020B0609020204030204" pitchFamily="49" charset="0"/>
+              </a:rPr>
+              <a:t>i</a:t>
+            </a:r>
+            <a:r>
+              <a:rPr lang="en-US" dirty="0" smtClean="0">
+                <a:solidFill>
+                  <a:schemeClr val="accent2">
+                    <a:lumMod val="75000"/>
+                  </a:schemeClr>
+                </a:solidFill>
+                <a:latin typeface="Consolas" panose="020B0609020204030204" pitchFamily="49" charset="0"/>
+              </a:rPr>
+              <a:t> in range(5):</a:t>
+            </a:r>
+          </a:p>
+          <a:p>
+            <a:pPr marL="457200" lvl="1" indent="0">
+              <a:buNone/>
+            </a:pPr>
+            <a:r>
+              <a:rPr lang="en-US" dirty="0">
+                <a:solidFill>
+                  <a:schemeClr val="accent2">
+                    <a:lumMod val="75000"/>
+                  </a:schemeClr>
+                </a:solidFill>
+                <a:latin typeface="Consolas" panose="020B0609020204030204" pitchFamily="49" charset="0"/>
+              </a:rPr>
+              <a:t> </a:t>
+            </a:r>
+            <a:r>
+              <a:rPr lang="en-US" dirty="0" smtClean="0">
+                <a:solidFill>
+                  <a:schemeClr val="accent2">
+                    <a:lumMod val="75000"/>
+                  </a:schemeClr>
+                </a:solidFill>
+                <a:latin typeface="Consolas" panose="020B0609020204030204" pitchFamily="49" charset="0"/>
+              </a:rPr>
+              <a:t>   print(</a:t>
+            </a:r>
+            <a:r>
+              <a:rPr lang="en-US" dirty="0" err="1" smtClean="0">
+                <a:solidFill>
+                  <a:schemeClr val="accent2">
+                    <a:lumMod val="75000"/>
+                  </a:schemeClr>
+                </a:solidFill>
+                <a:latin typeface="Consolas" panose="020B0609020204030204" pitchFamily="49" charset="0"/>
+              </a:rPr>
+              <a:t>i</a:t>
+            </a:r>
+            <a:r>
+              <a:rPr lang="en-US" dirty="0" smtClean="0">
+                <a:solidFill>
+                  <a:schemeClr val="accent2">
+                    <a:lumMod val="75000"/>
+                  </a:schemeClr>
+                </a:solidFill>
+                <a:latin typeface="Consolas" panose="020B0609020204030204" pitchFamily="49" charset="0"/>
+              </a:rPr>
+              <a:t>)</a:t>
+            </a:r>
+          </a:p>
+          <a:p>
+            <a:pPr marL="457200" lvl="1" indent="0">
+              <a:buNone/>
+            </a:pPr>
+            <a:endParaRPr lang="en-US" dirty="0" smtClean="0">
+              <a:solidFill>
+                <a:schemeClr val="accent2">
+                  <a:lumMod val="75000"/>
+                </a:schemeClr>
+              </a:solidFill>
+              <a:latin typeface="Consolas" panose="020B0609020204030204" pitchFamily="49" charset="0"/>
+            </a:endParaRPr>
+          </a:p>
+          <a:p>
+            <a:pPr marL="457200" lvl="1" indent="0">
+              <a:buNone/>
+            </a:pPr>
+            <a:r>
+              <a:rPr lang="en-US" dirty="0" smtClean="0">
+                <a:solidFill>
+                  <a:schemeClr val="accent2">
+                    <a:lumMod val="75000"/>
+                  </a:schemeClr>
+                </a:solidFill>
+                <a:latin typeface="Consolas" panose="020B0609020204030204" pitchFamily="49" charset="0"/>
+              </a:rPr>
+              <a:t>list = [‘</a:t>
+            </a:r>
+            <a:r>
+              <a:rPr lang="en-US" dirty="0" err="1" smtClean="0">
+                <a:solidFill>
+                  <a:schemeClr val="accent2">
+                    <a:lumMod val="75000"/>
+                  </a:schemeClr>
+                </a:solidFill>
+                <a:latin typeface="Consolas" panose="020B0609020204030204" pitchFamily="49" charset="0"/>
+              </a:rPr>
+              <a:t>a’,’b</a:t>
+            </a:r>
+            <a:r>
+              <a:rPr lang="en-US" dirty="0" smtClean="0">
+                <a:solidFill>
+                  <a:schemeClr val="accent2">
+                    <a:lumMod val="75000"/>
+                  </a:schemeClr>
+                </a:solidFill>
+                <a:latin typeface="Consolas" panose="020B0609020204030204" pitchFamily="49" charset="0"/>
+              </a:rPr>
+              <a:t>’]</a:t>
+            </a:r>
+          </a:p>
+          <a:p>
+            <a:pPr marL="457200" lvl="1" indent="0">
+              <a:buNone/>
+            </a:pPr>
+            <a:r>
+              <a:rPr lang="en-US" dirty="0" smtClean="0">
+                <a:solidFill>
+                  <a:schemeClr val="accent2">
+                    <a:lumMod val="75000"/>
+                  </a:schemeClr>
+                </a:solidFill>
+                <a:latin typeface="Consolas" panose="020B0609020204030204" pitchFamily="49" charset="0"/>
+              </a:rPr>
+              <a:t>for </a:t>
+            </a:r>
+            <a:r>
+              <a:rPr lang="en-US" dirty="0" err="1" smtClean="0">
+                <a:solidFill>
+                  <a:schemeClr val="accent2">
+                    <a:lumMod val="75000"/>
+                  </a:schemeClr>
+                </a:solidFill>
+                <a:latin typeface="Consolas" panose="020B0609020204030204" pitchFamily="49" charset="0"/>
+              </a:rPr>
+              <a:t>i,j</a:t>
+            </a:r>
+            <a:r>
+              <a:rPr lang="en-US" dirty="0" smtClean="0">
+                <a:solidFill>
+                  <a:schemeClr val="accent2">
+                    <a:lumMod val="75000"/>
+                  </a:schemeClr>
+                </a:solidFill>
+                <a:latin typeface="Consolas" panose="020B0609020204030204" pitchFamily="49" charset="0"/>
+              </a:rPr>
+              <a:t> in enumerate(list):</a:t>
+            </a:r>
+          </a:p>
+          <a:p>
+            <a:pPr marL="457200" lvl="1" indent="0">
+              <a:buNone/>
+            </a:pPr>
+            <a:r>
+              <a:rPr lang="en-US" dirty="0">
+                <a:solidFill>
+                  <a:schemeClr val="accent2">
+                    <a:lumMod val="75000"/>
+                  </a:schemeClr>
+                </a:solidFill>
+                <a:latin typeface="Consolas" panose="020B0609020204030204" pitchFamily="49" charset="0"/>
+              </a:rPr>
+              <a:t> </a:t>
+            </a:r>
+            <a:r>
+              <a:rPr lang="en-US" dirty="0" smtClean="0">
+                <a:solidFill>
+                  <a:schemeClr val="accent2">
+                    <a:lumMod val="75000"/>
+                  </a:schemeClr>
+                </a:solidFill>
+                <a:latin typeface="Consolas" panose="020B0609020204030204" pitchFamily="49" charset="0"/>
+              </a:rPr>
+              <a:t>   print(</a:t>
+            </a:r>
+            <a:r>
+              <a:rPr lang="en-US" dirty="0" err="1" smtClean="0">
+                <a:solidFill>
+                  <a:schemeClr val="accent2">
+                    <a:lumMod val="75000"/>
+                  </a:schemeClr>
+                </a:solidFill>
+                <a:latin typeface="Consolas" panose="020B0609020204030204" pitchFamily="49" charset="0"/>
+              </a:rPr>
+              <a:t>i,j</a:t>
+            </a:r>
+            <a:r>
+              <a:rPr lang="en-US" dirty="0" smtClean="0">
+                <a:solidFill>
+                  <a:schemeClr val="accent2">
+                    <a:lumMod val="75000"/>
+                  </a:schemeClr>
+                </a:solidFill>
+                <a:latin typeface="Consolas" panose="020B0609020204030204" pitchFamily="49" charset="0"/>
+              </a:rPr>
+              <a:t>)</a:t>
+            </a:r>
+          </a:p>
+          <a:p>
+            <a:pPr marL="457200" lvl="1" indent="0">
+              <a:buNone/>
+            </a:pPr>
+            <a:endParaRPr lang="en-US" dirty="0">
+              <a:solidFill>
+                <a:schemeClr val="accent2">
+                  <a:lumMod val="75000"/>
+                </a:schemeClr>
+              </a:solidFill>
+              <a:latin typeface="Consolas" panose="020B0609020204030204" pitchFamily="49" charset="0"/>
+            </a:endParaRPr>
+          </a:p>
+          <a:p>
+            <a:pPr marL="457200" lvl="1" indent="0">
+              <a:buNone/>
+            </a:pPr>
+            <a:r>
+              <a:rPr lang="en-US" dirty="0" err="1" smtClean="0">
+                <a:solidFill>
+                  <a:schemeClr val="accent2">
+                    <a:lumMod val="75000"/>
+                  </a:schemeClr>
+                </a:solidFill>
+                <a:latin typeface="Consolas" panose="020B0609020204030204" pitchFamily="49" charset="0"/>
+              </a:rPr>
+              <a:t>dict</a:t>
+            </a:r>
+            <a:r>
+              <a:rPr lang="en-US" dirty="0" smtClean="0">
+                <a:solidFill>
+                  <a:schemeClr val="accent2">
+                    <a:lumMod val="75000"/>
+                  </a:schemeClr>
+                </a:solidFill>
+                <a:latin typeface="Consolas" panose="020B0609020204030204" pitchFamily="49" charset="0"/>
+              </a:rPr>
+              <a:t> = {‘a’:159,</a:t>
+            </a:r>
+          </a:p>
+          <a:p>
+            <a:pPr marL="457200" lvl="1" indent="0">
+              <a:buNone/>
+            </a:pPr>
+            <a:r>
+              <a:rPr lang="en-US" dirty="0">
+                <a:solidFill>
+                  <a:schemeClr val="accent2">
+                    <a:lumMod val="75000"/>
+                  </a:schemeClr>
+                </a:solidFill>
+                <a:latin typeface="Consolas" panose="020B0609020204030204" pitchFamily="49" charset="0"/>
+              </a:rPr>
+              <a:t> </a:t>
+            </a:r>
+            <a:r>
+              <a:rPr lang="en-US" dirty="0" smtClean="0">
+                <a:solidFill>
+                  <a:schemeClr val="accent2">
+                    <a:lumMod val="75000"/>
+                  </a:schemeClr>
+                </a:solidFill>
+                <a:latin typeface="Consolas" panose="020B0609020204030204" pitchFamily="49" charset="0"/>
+              </a:rPr>
+              <a:t>       ‘b’:300}</a:t>
+            </a:r>
+          </a:p>
+          <a:p>
+            <a:pPr marL="457200" lvl="1" indent="0">
+              <a:buNone/>
+            </a:pPr>
+            <a:r>
+              <a:rPr lang="en-US" dirty="0" smtClean="0">
+                <a:solidFill>
+                  <a:schemeClr val="accent2">
+                    <a:lumMod val="75000"/>
+                  </a:schemeClr>
+                </a:solidFill>
+                <a:latin typeface="Consolas" panose="020B0609020204030204" pitchFamily="49" charset="0"/>
+              </a:rPr>
+              <a:t>for </a:t>
+            </a:r>
+            <a:r>
+              <a:rPr lang="en-US" dirty="0" err="1" smtClean="0">
+                <a:solidFill>
+                  <a:schemeClr val="accent2">
+                    <a:lumMod val="75000"/>
+                  </a:schemeClr>
+                </a:solidFill>
+                <a:latin typeface="Consolas" panose="020B0609020204030204" pitchFamily="49" charset="0"/>
+              </a:rPr>
+              <a:t>k,v</a:t>
+            </a:r>
+            <a:r>
+              <a:rPr lang="en-US" dirty="0" smtClean="0">
+                <a:solidFill>
+                  <a:schemeClr val="accent2">
+                    <a:lumMod val="75000"/>
+                  </a:schemeClr>
+                </a:solidFill>
+                <a:latin typeface="Consolas" panose="020B0609020204030204" pitchFamily="49" charset="0"/>
+              </a:rPr>
+              <a:t> in </a:t>
+            </a:r>
+            <a:r>
+              <a:rPr lang="en-US" dirty="0" err="1" smtClean="0">
+                <a:solidFill>
+                  <a:schemeClr val="accent2">
+                    <a:lumMod val="75000"/>
+                  </a:schemeClr>
+                </a:solidFill>
+                <a:latin typeface="Consolas" panose="020B0609020204030204" pitchFamily="49" charset="0"/>
+              </a:rPr>
+              <a:t>dict.items</a:t>
+            </a:r>
+            <a:r>
+              <a:rPr lang="en-US" dirty="0" smtClean="0">
+                <a:solidFill>
+                  <a:schemeClr val="accent2">
+                    <a:lumMod val="75000"/>
+                  </a:schemeClr>
+                </a:solidFill>
+                <a:latin typeface="Consolas" panose="020B0609020204030204" pitchFamily="49" charset="0"/>
+              </a:rPr>
+              <a:t>():</a:t>
+            </a:r>
+          </a:p>
+          <a:p>
+            <a:pPr marL="457200" lvl="1" indent="0">
+              <a:buNone/>
+            </a:pPr>
+            <a:r>
+              <a:rPr lang="en-US" dirty="0">
+                <a:solidFill>
+                  <a:schemeClr val="accent2">
+                    <a:lumMod val="75000"/>
+                  </a:schemeClr>
+                </a:solidFill>
+                <a:latin typeface="Consolas" panose="020B0609020204030204" pitchFamily="49" charset="0"/>
+              </a:rPr>
+              <a:t> </a:t>
+            </a:r>
+            <a:r>
+              <a:rPr lang="en-US" dirty="0" smtClean="0">
+                <a:solidFill>
+                  <a:schemeClr val="accent2">
+                    <a:lumMod val="75000"/>
+                  </a:schemeClr>
+                </a:solidFill>
+                <a:latin typeface="Consolas" panose="020B0609020204030204" pitchFamily="49" charset="0"/>
+              </a:rPr>
+              <a:t>  print(</a:t>
+            </a:r>
+            <a:r>
+              <a:rPr lang="en-US" dirty="0" err="1" smtClean="0">
+                <a:solidFill>
+                  <a:schemeClr val="accent2">
+                    <a:lumMod val="75000"/>
+                  </a:schemeClr>
+                </a:solidFill>
+                <a:latin typeface="Consolas" panose="020B0609020204030204" pitchFamily="49" charset="0"/>
+              </a:rPr>
+              <a:t>k,v</a:t>
+            </a:r>
+            <a:r>
+              <a:rPr lang="en-US" dirty="0" smtClean="0">
+                <a:solidFill>
+                  <a:schemeClr val="accent2">
+                    <a:lumMod val="75000"/>
+                  </a:schemeClr>
+                </a:solidFill>
+                <a:latin typeface="Consolas" panose="020B0609020204030204" pitchFamily="49" charset="0"/>
+              </a:rPr>
+              <a:t>)</a:t>
+            </a:r>
+          </a:p>
+        </p:txBody>
+      </p:sp>
+      <p:sp>
+        <p:nvSpPr>
+          <p:cNvPr id="4" name="TextBox 3"/>
+          <p:cNvSpPr txBox="1"/>
+          <p:nvPr/>
+        </p:nvSpPr>
+        <p:spPr>
+          <a:xfrm>
+            <a:off x="7564582" y="1867593"/>
+            <a:ext cx="301686" cy="1754326"/>
+          </a:xfrm>
+          <a:prstGeom prst="rect">
+            <a:avLst/>
+          </a:prstGeom>
+          <a:noFill/>
+        </p:spPr>
+        <p:txBody>
+          <a:bodyPr wrap="none" rtlCol="0">
+            <a:spAutoFit/>
+          </a:bodyPr>
+          <a:lstStyle/>
+          <a:p>
+            <a:r>
+              <a:rPr lang="en-US" dirty="0" smtClean="0"/>
+              <a:t>0</a:t>
+            </a:r>
+          </a:p>
+          <a:p>
+            <a:r>
+              <a:rPr lang="en-US" dirty="0" smtClean="0"/>
+              <a:t>1</a:t>
+            </a:r>
+          </a:p>
+          <a:p>
+            <a:r>
+              <a:rPr lang="en-US" dirty="0" smtClean="0"/>
+              <a:t>2</a:t>
+            </a:r>
+          </a:p>
+          <a:p>
+            <a:r>
+              <a:rPr lang="en-US" dirty="0" smtClean="0"/>
+              <a:t>3</a:t>
+            </a:r>
+          </a:p>
+          <a:p>
+            <a:r>
+              <a:rPr lang="en-US" dirty="0" smtClean="0"/>
+              <a:t>4</a:t>
+            </a:r>
+          </a:p>
+          <a:p>
+            <a:r>
+              <a:rPr lang="en-US" dirty="0"/>
+              <a:t>5</a:t>
+            </a:r>
+          </a:p>
+        </p:txBody>
+      </p:sp>
+      <p:sp>
+        <p:nvSpPr>
+          <p:cNvPr id="5" name="TextBox 4"/>
+          <p:cNvSpPr txBox="1"/>
+          <p:nvPr/>
+        </p:nvSpPr>
+        <p:spPr>
+          <a:xfrm>
+            <a:off x="7564582" y="3822216"/>
+            <a:ext cx="476412" cy="646331"/>
+          </a:xfrm>
+          <a:prstGeom prst="rect">
+            <a:avLst/>
+          </a:prstGeom>
+          <a:noFill/>
+        </p:spPr>
+        <p:txBody>
+          <a:bodyPr wrap="none" rtlCol="0">
+            <a:spAutoFit/>
+          </a:bodyPr>
+          <a:lstStyle/>
+          <a:p>
+            <a:r>
+              <a:rPr lang="en-US" dirty="0" smtClean="0"/>
+              <a:t>0 a</a:t>
+            </a:r>
+          </a:p>
+          <a:p>
+            <a:r>
+              <a:rPr lang="en-US" dirty="0" smtClean="0"/>
+              <a:t>1 b</a:t>
+            </a:r>
+          </a:p>
+        </p:txBody>
+      </p:sp>
+      <p:sp>
+        <p:nvSpPr>
+          <p:cNvPr id="6" name="TextBox 5"/>
+          <p:cNvSpPr txBox="1"/>
+          <p:nvPr/>
+        </p:nvSpPr>
+        <p:spPr>
+          <a:xfrm>
+            <a:off x="7564582" y="5077437"/>
+            <a:ext cx="832279" cy="646331"/>
+          </a:xfrm>
+          <a:prstGeom prst="rect">
+            <a:avLst/>
+          </a:prstGeom>
+          <a:noFill/>
+        </p:spPr>
+        <p:txBody>
+          <a:bodyPr wrap="none" rtlCol="0">
+            <a:spAutoFit/>
+          </a:bodyPr>
+          <a:lstStyle/>
+          <a:p>
+            <a:r>
+              <a:rPr lang="en-US" dirty="0"/>
+              <a:t>a</a:t>
+            </a:r>
+            <a:r>
+              <a:rPr lang="en-US" dirty="0" smtClean="0"/>
+              <a:t> 159</a:t>
+            </a:r>
+          </a:p>
+          <a:p>
+            <a:r>
+              <a:rPr lang="en-US" dirty="0" smtClean="0"/>
+              <a:t>b 300b</a:t>
+            </a:r>
+          </a:p>
+        </p:txBody>
+      </p:sp>
+    </p:spTree>
+    <p:extLst>
+      <p:ext uri="{BB962C8B-B14F-4D97-AF65-F5344CB8AC3E}">
+        <p14:creationId xmlns:p14="http://schemas.microsoft.com/office/powerpoint/2010/main" val="486227579"/>
+      </p:ext>
+    </p:extLst>
+  </p:cSld>
+  <p:clrMapOvr>
+    <a:masterClrMapping/>
+  </p:clrMapOvr>
+  <p:timing>
+    <p:tnLst>
+      <p:par>
+        <p:cTn id="1" dur="indefinite" restart="never" nodeType="tmRoot">
+          <p:childTnLst>
+            <p:seq concurrent="1" nextAc="seek">
+              <p:cTn id="2" dur="indefinite" nodeType="mainSeq">
+                <p:childTnLst>
+                  <p:par>
+                    <p:cTn id="3" fill="hold">
+                      <p:stCondLst>
+                        <p:cond delay="indefinite"/>
+                      </p:stCondLst>
+                      <p:childTnLst>
+                        <p:par>
+                          <p:cTn id="4" fill="hold">
+                            <p:stCondLst>
+                              <p:cond delay="0"/>
+                            </p:stCondLst>
+                            <p:childTnLst>
+                              <p:par>
+                                <p:cTn id="5" presetID="1" presetClass="entr" presetSubtype="0" fill="hold" grpId="0" nodeType="clickEffect">
+                                  <p:stCondLst>
+                                    <p:cond delay="0"/>
+                                  </p:stCondLst>
+                                  <p:childTnLst>
+                                    <p:set>
+                                      <p:cBhvr>
+                                        <p:cTn id="6" dur="1" fill="hold">
+                                          <p:stCondLst>
+                                            <p:cond delay="0"/>
+                                          </p:stCondLst>
+                                        </p:cTn>
+                                        <p:tgtEl>
+                                          <p:spTgt spid="4"/>
+                                        </p:tgtEl>
+                                        <p:attrNameLst>
+                                          <p:attrName>style.visibility</p:attrName>
+                                        </p:attrNameLst>
+                                      </p:cBhvr>
+                                      <p:to>
+                                        <p:strVal val="visible"/>
+                                      </p:to>
+                                    </p:set>
+                                  </p:childTnLst>
+                                </p:cTn>
+                              </p:par>
+                              <p:par>
+                                <p:cTn id="7" presetID="1" presetClass="entr" presetSubtype="0" fill="hold" grpId="0" nodeType="withEffect">
+                                  <p:stCondLst>
+                                    <p:cond delay="0"/>
+                                  </p:stCondLst>
+                                  <p:childTnLst>
+                                    <p:set>
+                                      <p:cBhvr>
+                                        <p:cTn id="8" dur="1" fill="hold">
+                                          <p:stCondLst>
+                                            <p:cond delay="0"/>
+                                          </p:stCondLst>
+                                        </p:cTn>
+                                        <p:tgtEl>
+                                          <p:spTgt spid="5"/>
+                                        </p:tgtEl>
+                                        <p:attrNameLst>
+                                          <p:attrName>style.visibility</p:attrName>
+                                        </p:attrNameLst>
+                                      </p:cBhvr>
+                                      <p:to>
+                                        <p:strVal val="visible"/>
+                                      </p:to>
+                                    </p:set>
+                                  </p:childTnLst>
+                                </p:cTn>
+                              </p:par>
+                              <p:par>
+                                <p:cTn id="9" presetID="1" presetClass="entr" presetSubtype="0" fill="hold" grpId="0" nodeType="withEffect">
+                                  <p:stCondLst>
+                                    <p:cond delay="0"/>
+                                  </p:stCondLst>
+                                  <p:childTnLst>
+                                    <p:set>
+                                      <p:cBhvr>
+                                        <p:cTn id="10" dur="1" fill="hold">
+                                          <p:stCondLst>
+                                            <p:cond delay="0"/>
+                                          </p:stCondLst>
+                                        </p:cTn>
+                                        <p:tgtEl>
+                                          <p:spTgt spid="6"/>
+                                        </p:tgtEl>
+                                        <p:attrNameLst>
+                                          <p:attrName>style.visibility</p:attrName>
+                                        </p:attrNameLst>
+                                      </p:cBhvr>
+                                      <p:to>
+                                        <p:strVal val="visible"/>
+                                      </p:to>
+                                    </p:set>
+                                  </p:childTnLst>
+                                </p:cTn>
+                              </p:par>
+                            </p:childTnLst>
+                          </p:cTn>
+                        </p:par>
+                      </p:childTnLst>
+                    </p:cTn>
+                  </p:par>
+                </p:childTnLst>
+              </p:cTn>
+              <p:prevCondLst>
+                <p:cond evt="onPrev" delay="0">
+                  <p:tgtEl>
+                    <p:sldTgt/>
+                  </p:tgtEl>
+                </p:cond>
+              </p:prevCondLst>
+              <p:nextCondLst>
+                <p:cond evt="onNext" delay="0">
+                  <p:tgtEl>
+                    <p:sldTgt/>
+                  </p:tgtEl>
+                </p:cond>
+              </p:nextCondLst>
+            </p:seq>
+          </p:childTnLst>
+        </p:cTn>
+      </p:par>
+    </p:tnLst>
+    <p:bldLst>
+      <p:bldP spid="4" grpId="0"/>
+      <p:bldP spid="5" grpId="0"/>
+      <p:bldP spid="6" grpId="0"/>
+    </p:bldLst>
+  </p:timing>
+</p:sld>
+</file>
+
+<file path=ppt/slides/slide2.xml><?xml version="1.0" encoding="utf-8"?>
+<p:sld xmlns:a="http://schemas.openxmlformats.org/drawingml/2006/main" xmlns:r="http://schemas.openxmlformats.org/officeDocument/2006/relationships" xmlns:p="http://schemas.openxmlformats.org/presentationml/2006/main">
+  <p:cSld>
+    <p:spTree>
+      <p:nvGrpSpPr>
+        <p:cNvPr id="1" name=""/>
+        <p:cNvGrpSpPr/>
+        <p:nvPr/>
+      </p:nvGrpSpPr>
+      <p:grpSpPr>
+        <a:xfrm>
+          <a:off x="0" y="0"/>
+          <a:ext cx="0" cy="0"/>
+          <a:chOff x="0" y="0"/>
+          <a:chExt cx="0" cy="0"/>
+        </a:xfrm>
+      </p:grpSpPr>
+      <p:sp>
+        <p:nvSpPr>
+          <p:cNvPr id="2" name="Title 1"/>
+          <p:cNvSpPr>
+            <a:spLocks noGrp="1"/>
+          </p:cNvSpPr>
+          <p:nvPr>
+            <p:ph type="title"/>
+          </p:nvPr>
+        </p:nvSpPr>
+        <p:spPr/>
+        <p:txBody>
+          <a:bodyPr/>
+          <a:lstStyle/>
+          <a:p>
+            <a:r>
+              <a:rPr lang="en-US" dirty="0" smtClean="0"/>
+              <a:t>agenda/intros</a:t>
+            </a:r>
+            <a:endParaRPr lang="en-US" dirty="0"/>
+          </a:p>
+        </p:txBody>
+      </p:sp>
+      <p:sp>
+        <p:nvSpPr>
+          <p:cNvPr id="3" name="Content Placeholder 2"/>
+          <p:cNvSpPr>
+            <a:spLocks noGrp="1"/>
+          </p:cNvSpPr>
+          <p:nvPr>
+            <p:ph idx="1"/>
+          </p:nvPr>
+        </p:nvSpPr>
+        <p:spPr/>
+        <p:txBody>
+          <a:bodyPr/>
+          <a:lstStyle/>
+          <a:p>
+            <a:r>
+              <a:rPr lang="en-US" dirty="0" smtClean="0"/>
+              <a:t>What do you want to learn, what have is your experience</a:t>
+            </a:r>
+            <a:endParaRPr lang="en-US" dirty="0"/>
+          </a:p>
+        </p:txBody>
+      </p:sp>
+    </p:spTree>
+    <p:extLst>
+      <p:ext uri="{BB962C8B-B14F-4D97-AF65-F5344CB8AC3E}">
+        <p14:creationId xmlns:p14="http://schemas.microsoft.com/office/powerpoint/2010/main" val="1469757644"/>
+      </p:ext>
+    </p:extLst>
+  </p:cSld>
+  <p:clrMapOvr>
+    <a:masterClrMapping/>
+  </p:clrMapOvr>
+  <p:timing>
+    <p:tnLst>
+      <p:par>
+        <p:cTn id="1" dur="indefinite" restart="never" nodeType="tmRoot"/>
+      </p:par>
+    </p:tnLst>
+  </p:timing>
+</p:sld>
+</file>
+
+<file path=ppt/slides/slide20.xml><?xml version="1.0" encoding="utf-8"?>
+<p:sld xmlns:a="http://schemas.openxmlformats.org/drawingml/2006/main" xmlns:r="http://schemas.openxmlformats.org/officeDocument/2006/relationships" xmlns:p="http://schemas.openxmlformats.org/presentationml/2006/main">
+  <p:cSld>
+    <p:spTree>
+      <p:nvGrpSpPr>
+        <p:cNvPr id="1" name=""/>
+        <p:cNvGrpSpPr/>
+        <p:nvPr/>
+      </p:nvGrpSpPr>
+      <p:grpSpPr>
+        <a:xfrm>
+          <a:off x="0" y="0"/>
+          <a:ext cx="0" cy="0"/>
+          <a:chOff x="0" y="0"/>
+          <a:chExt cx="0" cy="0"/>
+        </a:xfrm>
+      </p:grpSpPr>
+      <p:sp>
+        <p:nvSpPr>
+          <p:cNvPr id="2" name="Title 1"/>
+          <p:cNvSpPr>
+            <a:spLocks noGrp="1"/>
+          </p:cNvSpPr>
+          <p:nvPr>
+            <p:ph type="title"/>
+          </p:nvPr>
+        </p:nvSpPr>
+        <p:spPr/>
+        <p:txBody>
+          <a:bodyPr/>
+          <a:lstStyle/>
+          <a:p>
+            <a:r>
+              <a:rPr lang="en-US" dirty="0" smtClean="0"/>
+              <a:t>Python in 5 Minutes</a:t>
+            </a:r>
+            <a:endParaRPr lang="en-US" dirty="0"/>
+          </a:p>
+        </p:txBody>
+      </p:sp>
+      <p:sp>
+        <p:nvSpPr>
+          <p:cNvPr id="3" name="Content Placeholder 2"/>
+          <p:cNvSpPr>
+            <a:spLocks noGrp="1"/>
+          </p:cNvSpPr>
+          <p:nvPr>
+            <p:ph idx="1"/>
+          </p:nvPr>
+        </p:nvSpPr>
+        <p:spPr/>
+        <p:txBody>
+          <a:bodyPr>
+            <a:normAutofit fontScale="92500" lnSpcReduction="20000"/>
+          </a:bodyPr>
+          <a:lstStyle/>
+          <a:p>
+            <a:r>
+              <a:rPr lang="en-US" dirty="0" smtClean="0"/>
+              <a:t>Modules are added at the beginning of a script.</a:t>
+            </a:r>
+          </a:p>
+          <a:p>
+            <a:r>
+              <a:rPr lang="en-US" dirty="0" smtClean="0"/>
+              <a:t>We’ll be using pandas, </a:t>
+            </a:r>
+            <a:r>
+              <a:rPr lang="en-US" dirty="0" err="1" smtClean="0"/>
+              <a:t>matplotlib</a:t>
+            </a:r>
+            <a:r>
+              <a:rPr lang="en-US" dirty="0" smtClean="0"/>
+              <a:t>, </a:t>
+            </a:r>
+            <a:r>
+              <a:rPr lang="en-US" dirty="0" err="1" smtClean="0"/>
+              <a:t>numpy</a:t>
+            </a:r>
+            <a:r>
+              <a:rPr lang="en-US" dirty="0" smtClean="0"/>
+              <a:t>, and some other packages</a:t>
+            </a:r>
+          </a:p>
+          <a:p>
+            <a:r>
+              <a:rPr lang="en-US" dirty="0" smtClean="0"/>
+              <a:t>You can name them something convenient to type less</a:t>
+            </a:r>
+          </a:p>
+          <a:p>
+            <a:pPr marL="0" indent="0">
+              <a:buNone/>
+            </a:pPr>
+            <a:r>
+              <a:rPr lang="en-US" dirty="0" smtClean="0">
+                <a:solidFill>
+                  <a:schemeClr val="accent2">
+                    <a:lumMod val="75000"/>
+                  </a:schemeClr>
+                </a:solidFill>
+                <a:latin typeface="Consolas" panose="020B0609020204030204" pitchFamily="49" charset="0"/>
+              </a:rPr>
+              <a:t>import pandas as </a:t>
+            </a:r>
+            <a:r>
+              <a:rPr lang="en-US" dirty="0" err="1" smtClean="0">
+                <a:solidFill>
+                  <a:schemeClr val="accent2">
+                    <a:lumMod val="75000"/>
+                  </a:schemeClr>
+                </a:solidFill>
+                <a:latin typeface="Consolas" panose="020B0609020204030204" pitchFamily="49" charset="0"/>
+              </a:rPr>
+              <a:t>pd</a:t>
+            </a:r>
+            <a:endParaRPr lang="en-US" dirty="0" smtClean="0">
+              <a:solidFill>
+                <a:schemeClr val="accent2">
+                  <a:lumMod val="75000"/>
+                </a:schemeClr>
+              </a:solidFill>
+              <a:latin typeface="Consolas" panose="020B0609020204030204" pitchFamily="49" charset="0"/>
+            </a:endParaRPr>
+          </a:p>
+          <a:p>
+            <a:pPr marL="0" indent="0">
+              <a:buNone/>
+            </a:pPr>
+            <a:r>
+              <a:rPr lang="en-US" dirty="0" smtClean="0">
+                <a:solidFill>
+                  <a:schemeClr val="accent2">
+                    <a:lumMod val="75000"/>
+                  </a:schemeClr>
+                </a:solidFill>
+                <a:latin typeface="Consolas" panose="020B0609020204030204" pitchFamily="49" charset="0"/>
+              </a:rPr>
+              <a:t>import </a:t>
+            </a:r>
+            <a:r>
+              <a:rPr lang="en-US" dirty="0" err="1" smtClean="0">
+                <a:solidFill>
+                  <a:schemeClr val="accent2">
+                    <a:lumMod val="75000"/>
+                  </a:schemeClr>
+                </a:solidFill>
+                <a:latin typeface="Consolas" panose="020B0609020204030204" pitchFamily="49" charset="0"/>
+              </a:rPr>
+              <a:t>matplotlib.pyplot</a:t>
+            </a:r>
+            <a:r>
+              <a:rPr lang="en-US" dirty="0">
+                <a:solidFill>
+                  <a:schemeClr val="accent2">
+                    <a:lumMod val="75000"/>
+                  </a:schemeClr>
+                </a:solidFill>
+                <a:latin typeface="Consolas" panose="020B0609020204030204" pitchFamily="49" charset="0"/>
+              </a:rPr>
+              <a:t> </a:t>
+            </a:r>
+            <a:r>
+              <a:rPr lang="en-US" dirty="0" smtClean="0">
+                <a:solidFill>
+                  <a:schemeClr val="accent2">
+                    <a:lumMod val="75000"/>
+                  </a:schemeClr>
+                </a:solidFill>
+                <a:latin typeface="Consolas" panose="020B0609020204030204" pitchFamily="49" charset="0"/>
+              </a:rPr>
+              <a:t>as </a:t>
+            </a:r>
+            <a:r>
+              <a:rPr lang="en-US" dirty="0" err="1" smtClean="0">
+                <a:solidFill>
+                  <a:schemeClr val="accent2">
+                    <a:lumMod val="75000"/>
+                  </a:schemeClr>
+                </a:solidFill>
+                <a:latin typeface="Consolas" panose="020B0609020204030204" pitchFamily="49" charset="0"/>
+              </a:rPr>
+              <a:t>plt</a:t>
+            </a:r>
+            <a:endParaRPr lang="en-US" dirty="0" smtClean="0">
+              <a:solidFill>
+                <a:schemeClr val="accent2">
+                  <a:lumMod val="75000"/>
+                </a:schemeClr>
+              </a:solidFill>
+              <a:latin typeface="Consolas" panose="020B0609020204030204" pitchFamily="49" charset="0"/>
+            </a:endParaRPr>
+          </a:p>
+          <a:p>
+            <a:pPr marL="0" indent="0">
+              <a:buNone/>
+            </a:pPr>
+            <a:r>
+              <a:rPr lang="en-US" dirty="0" smtClean="0">
+                <a:solidFill>
+                  <a:schemeClr val="accent2">
+                    <a:lumMod val="75000"/>
+                  </a:schemeClr>
+                </a:solidFill>
+                <a:latin typeface="Consolas" panose="020B0609020204030204" pitchFamily="49" charset="0"/>
+              </a:rPr>
+              <a:t>import </a:t>
+            </a:r>
+            <a:r>
+              <a:rPr lang="en-US" dirty="0" err="1" smtClean="0">
+                <a:solidFill>
+                  <a:schemeClr val="accent2">
+                    <a:lumMod val="75000"/>
+                  </a:schemeClr>
+                </a:solidFill>
+                <a:latin typeface="Consolas" panose="020B0609020204030204" pitchFamily="49" charset="0"/>
+              </a:rPr>
+              <a:t>numpy</a:t>
+            </a:r>
+            <a:r>
+              <a:rPr lang="en-US" dirty="0" smtClean="0">
+                <a:solidFill>
+                  <a:schemeClr val="accent2">
+                    <a:lumMod val="75000"/>
+                  </a:schemeClr>
+                </a:solidFill>
+                <a:latin typeface="Consolas" panose="020B0609020204030204" pitchFamily="49" charset="0"/>
+              </a:rPr>
+              <a:t> as np</a:t>
+            </a:r>
+          </a:p>
+          <a:p>
+            <a:pPr marL="0" indent="0">
+              <a:buNone/>
+            </a:pPr>
+            <a:r>
+              <a:rPr lang="en-US" dirty="0" smtClean="0">
+                <a:solidFill>
+                  <a:schemeClr val="accent2">
+                    <a:lumMod val="75000"/>
+                  </a:schemeClr>
+                </a:solidFill>
+                <a:latin typeface="Consolas" panose="020B0609020204030204" pitchFamily="49" charset="0"/>
+              </a:rPr>
+              <a:t>from </a:t>
+            </a:r>
+            <a:r>
+              <a:rPr lang="en-US" dirty="0" err="1" smtClean="0">
+                <a:solidFill>
+                  <a:schemeClr val="accent2">
+                    <a:lumMod val="75000"/>
+                  </a:schemeClr>
+                </a:solidFill>
+                <a:latin typeface="Consolas" panose="020B0609020204030204" pitchFamily="49" charset="0"/>
+              </a:rPr>
+              <a:t>datetime</a:t>
+            </a:r>
+            <a:r>
+              <a:rPr lang="en-US" dirty="0" smtClean="0">
+                <a:solidFill>
+                  <a:schemeClr val="accent2">
+                    <a:lumMod val="75000"/>
+                  </a:schemeClr>
+                </a:solidFill>
+                <a:latin typeface="Consolas" panose="020B0609020204030204" pitchFamily="49" charset="0"/>
+              </a:rPr>
+              <a:t> import </a:t>
+            </a:r>
+            <a:r>
+              <a:rPr lang="en-US" dirty="0" err="1" smtClean="0">
+                <a:solidFill>
+                  <a:schemeClr val="accent2">
+                    <a:lumMod val="75000"/>
+                  </a:schemeClr>
+                </a:solidFill>
+                <a:latin typeface="Consolas" panose="020B0609020204030204" pitchFamily="49" charset="0"/>
+              </a:rPr>
+              <a:t>datetime</a:t>
+            </a:r>
+            <a:r>
+              <a:rPr lang="en-US" dirty="0" smtClean="0">
+                <a:solidFill>
+                  <a:schemeClr val="accent2">
+                    <a:lumMod val="75000"/>
+                  </a:schemeClr>
+                </a:solidFill>
+                <a:latin typeface="Consolas" panose="020B0609020204030204" pitchFamily="49" charset="0"/>
+              </a:rPr>
+              <a:t> as </a:t>
+            </a:r>
+            <a:r>
+              <a:rPr lang="en-US" dirty="0" err="1" smtClean="0">
+                <a:solidFill>
+                  <a:schemeClr val="accent2">
+                    <a:lumMod val="75000"/>
+                  </a:schemeClr>
+                </a:solidFill>
+                <a:latin typeface="Consolas" panose="020B0609020204030204" pitchFamily="49" charset="0"/>
+              </a:rPr>
+              <a:t>dt</a:t>
+            </a:r>
+            <a:endParaRPr lang="en-US" dirty="0" smtClean="0">
+              <a:solidFill>
+                <a:schemeClr val="accent2">
+                  <a:lumMod val="75000"/>
+                </a:schemeClr>
+              </a:solidFill>
+              <a:latin typeface="Consolas" panose="020B0609020204030204" pitchFamily="49" charset="0"/>
+            </a:endParaRPr>
+          </a:p>
+          <a:p>
+            <a:r>
+              <a:rPr lang="en-US" dirty="0" smtClean="0"/>
+              <a:t>To use a function or method from an imported module, append it with a dot.</a:t>
+            </a:r>
+          </a:p>
+          <a:p>
+            <a:pPr marL="0" indent="0">
+              <a:buNone/>
+            </a:pPr>
+            <a:r>
+              <a:rPr lang="en-US" dirty="0" err="1" smtClean="0">
+                <a:solidFill>
+                  <a:schemeClr val="accent2">
+                    <a:lumMod val="75000"/>
+                  </a:schemeClr>
+                </a:solidFill>
+                <a:latin typeface="Consolas" panose="020B0609020204030204" pitchFamily="49" charset="0"/>
+              </a:rPr>
+              <a:t>np.pi</a:t>
+            </a:r>
+            <a:r>
+              <a:rPr lang="en-US" dirty="0" smtClean="0">
+                <a:solidFill>
+                  <a:schemeClr val="accent2">
+                    <a:lumMod val="75000"/>
+                  </a:schemeClr>
+                </a:solidFill>
+                <a:latin typeface="Consolas" panose="020B0609020204030204" pitchFamily="49" charset="0"/>
+              </a:rPr>
+              <a:t>() = 3.1415…</a:t>
+            </a:r>
+          </a:p>
+          <a:p>
+            <a:pPr marL="0" indent="0">
+              <a:buNone/>
+            </a:pPr>
+            <a:r>
+              <a:rPr lang="en-US" dirty="0" err="1" smtClean="0">
+                <a:solidFill>
+                  <a:schemeClr val="accent2">
+                    <a:lumMod val="75000"/>
+                  </a:schemeClr>
+                </a:solidFill>
+                <a:latin typeface="Consolas" panose="020B0609020204030204" pitchFamily="49" charset="0"/>
+              </a:rPr>
+              <a:t>plt.plot</a:t>
+            </a:r>
+            <a:r>
+              <a:rPr lang="en-US" dirty="0" smtClean="0">
+                <a:solidFill>
+                  <a:schemeClr val="accent2">
+                    <a:lumMod val="75000"/>
+                  </a:schemeClr>
+                </a:solidFill>
+                <a:latin typeface="Consolas" panose="020B0609020204030204" pitchFamily="49" charset="0"/>
+              </a:rPr>
+              <a:t>([1,2,3],[4,5,6]) plots a graph</a:t>
+            </a:r>
+          </a:p>
+          <a:p>
+            <a:endParaRPr lang="en-US" dirty="0" smtClean="0">
+              <a:latin typeface="Consolas" panose="020B0609020204030204" pitchFamily="49" charset="0"/>
+            </a:endParaRPr>
+          </a:p>
+        </p:txBody>
+      </p:sp>
+    </p:spTree>
+    <p:extLst>
+      <p:ext uri="{BB962C8B-B14F-4D97-AF65-F5344CB8AC3E}">
+        <p14:creationId xmlns:p14="http://schemas.microsoft.com/office/powerpoint/2010/main" val="2092088250"/>
+      </p:ext>
+    </p:extLst>
+  </p:cSld>
+  <p:clrMapOvr>
+    <a:masterClrMapping/>
+  </p:clrMapOvr>
+  <p:timing>
+    <p:tnLst>
+      <p:par>
+        <p:cTn id="1" dur="indefinite" restart="never" nodeType="tmRoot"/>
+      </p:par>
+    </p:tnLst>
+  </p:timing>
+</p:sld>
+</file>
+
+<file path=ppt/slides/slide21.xml><?xml version="1.0" encoding="utf-8"?>
+<p:sld xmlns:a="http://schemas.openxmlformats.org/drawingml/2006/main" xmlns:r="http://schemas.openxmlformats.org/officeDocument/2006/relationships" xmlns:p="http://schemas.openxmlformats.org/presentationml/2006/main">
+  <p:cSld>
+    <p:spTree>
+      <p:nvGrpSpPr>
+        <p:cNvPr id="1" name=""/>
+        <p:cNvGrpSpPr/>
+        <p:nvPr/>
+      </p:nvGrpSpPr>
+      <p:grpSpPr>
+        <a:xfrm>
+          <a:off x="0" y="0"/>
+          <a:ext cx="0" cy="0"/>
+          <a:chOff x="0" y="0"/>
+          <a:chExt cx="0" cy="0"/>
+        </a:xfrm>
+      </p:grpSpPr>
+      <p:sp>
+        <p:nvSpPr>
+          <p:cNvPr id="2" name="Title 1"/>
+          <p:cNvSpPr>
+            <a:spLocks noGrp="1"/>
+          </p:cNvSpPr>
+          <p:nvPr>
+            <p:ph type="title"/>
+          </p:nvPr>
+        </p:nvSpPr>
+        <p:spPr/>
+        <p:txBody>
+          <a:bodyPr/>
+          <a:lstStyle/>
+          <a:p>
+            <a:r>
+              <a:rPr lang="en-US" dirty="0" smtClean="0"/>
+              <a:t>Typical Python Program</a:t>
+            </a:r>
+            <a:endParaRPr lang="en-US" dirty="0"/>
+          </a:p>
+        </p:txBody>
+      </p:sp>
+      <p:sp>
+        <p:nvSpPr>
+          <p:cNvPr id="3" name="Content Placeholder 2"/>
+          <p:cNvSpPr>
+            <a:spLocks noGrp="1"/>
+          </p:cNvSpPr>
+          <p:nvPr>
+            <p:ph sz="half" idx="1"/>
+          </p:nvPr>
+        </p:nvSpPr>
+        <p:spPr>
+          <a:xfrm>
+            <a:off x="838200" y="1825625"/>
+            <a:ext cx="4376651" cy="4351338"/>
+          </a:xfrm>
+        </p:spPr>
+        <p:txBody>
+          <a:bodyPr/>
+          <a:lstStyle/>
+          <a:p>
+            <a:r>
+              <a:rPr lang="en-US" dirty="0"/>
+              <a:t>Import </a:t>
+            </a:r>
+            <a:r>
+              <a:rPr lang="en-US" dirty="0" smtClean="0"/>
+              <a:t>modules </a:t>
+            </a:r>
+            <a:endParaRPr lang="en-US" dirty="0"/>
+          </a:p>
+          <a:p>
+            <a:r>
+              <a:rPr lang="en-US" dirty="0"/>
+              <a:t>Define global variables</a:t>
+            </a:r>
+          </a:p>
+          <a:p>
+            <a:r>
+              <a:rPr lang="en-US" dirty="0" smtClean="0"/>
+              <a:t>(Define </a:t>
+            </a:r>
+            <a:r>
+              <a:rPr lang="en-US" dirty="0"/>
+              <a:t>functions or </a:t>
+            </a:r>
+            <a:r>
+              <a:rPr lang="en-US" dirty="0" smtClean="0"/>
+              <a:t>classes)</a:t>
+            </a:r>
+            <a:endParaRPr lang="en-US" dirty="0"/>
+          </a:p>
+          <a:p>
+            <a:r>
+              <a:rPr lang="en-US" dirty="0"/>
+              <a:t>Run the program</a:t>
+            </a:r>
+          </a:p>
+          <a:p>
+            <a:pPr marL="0" indent="0">
+              <a:buNone/>
+            </a:pPr>
+            <a:endParaRPr lang="en-US" dirty="0"/>
+          </a:p>
+        </p:txBody>
+      </p:sp>
+      <p:sp>
+        <p:nvSpPr>
+          <p:cNvPr id="4" name="Content Placeholder 3"/>
+          <p:cNvSpPr>
+            <a:spLocks noGrp="1"/>
+          </p:cNvSpPr>
+          <p:nvPr>
+            <p:ph sz="half" idx="2"/>
+          </p:nvPr>
+        </p:nvSpPr>
+        <p:spPr>
+          <a:xfrm>
+            <a:off x="4921135" y="1825625"/>
+            <a:ext cx="6432665" cy="4351338"/>
+          </a:xfrm>
+        </p:spPr>
+        <p:txBody>
+          <a:bodyPr>
+            <a:normAutofit/>
+          </a:bodyPr>
+          <a:lstStyle/>
+          <a:p>
+            <a:pPr marL="0" indent="0">
+              <a:buNone/>
+            </a:pPr>
+            <a:r>
+              <a:rPr lang="en-US" sz="2000" dirty="0" smtClean="0">
+                <a:latin typeface="Consolas" panose="020B0609020204030204" pitchFamily="49" charset="0"/>
+              </a:rPr>
+              <a:t>import pandas as </a:t>
+            </a:r>
+            <a:r>
+              <a:rPr lang="en-US" sz="2000" dirty="0" err="1" smtClean="0">
+                <a:latin typeface="Consolas" panose="020B0609020204030204" pitchFamily="49" charset="0"/>
+              </a:rPr>
+              <a:t>pd</a:t>
+            </a:r>
+            <a:endParaRPr lang="en-US" sz="2000" dirty="0" smtClean="0">
+              <a:latin typeface="Consolas" panose="020B0609020204030204" pitchFamily="49" charset="0"/>
+            </a:endParaRPr>
+          </a:p>
+          <a:p>
+            <a:pPr marL="0" indent="0">
+              <a:buNone/>
+            </a:pPr>
+            <a:endParaRPr lang="en-US" sz="2000" dirty="0">
+              <a:latin typeface="Consolas" panose="020B0609020204030204" pitchFamily="49" charset="0"/>
+            </a:endParaRPr>
+          </a:p>
+          <a:p>
+            <a:pPr marL="0" indent="0">
+              <a:buNone/>
+            </a:pPr>
+            <a:r>
+              <a:rPr lang="en-US" sz="2000" dirty="0" smtClean="0">
+                <a:latin typeface="Consolas" panose="020B0609020204030204" pitchFamily="49" charset="0"/>
+              </a:rPr>
+              <a:t>file = ‘samplefile.xls’</a:t>
+            </a:r>
+          </a:p>
+          <a:p>
+            <a:pPr marL="0" indent="0">
+              <a:buNone/>
+            </a:pPr>
+            <a:endParaRPr lang="en-US" sz="2000" dirty="0">
+              <a:latin typeface="Consolas" panose="020B0609020204030204" pitchFamily="49" charset="0"/>
+            </a:endParaRPr>
+          </a:p>
+          <a:p>
+            <a:pPr marL="0" indent="0">
+              <a:buNone/>
+            </a:pPr>
+            <a:r>
+              <a:rPr lang="en-US" sz="2000" dirty="0" err="1" smtClean="0">
+                <a:latin typeface="Consolas" panose="020B0609020204030204" pitchFamily="49" charset="0"/>
+              </a:rPr>
+              <a:t>dataframe</a:t>
+            </a:r>
+            <a:r>
+              <a:rPr lang="en-US" sz="2000" dirty="0" smtClean="0">
+                <a:latin typeface="Consolas" panose="020B0609020204030204" pitchFamily="49" charset="0"/>
+              </a:rPr>
+              <a:t> = </a:t>
+            </a:r>
+            <a:r>
+              <a:rPr lang="en-US" sz="2000" dirty="0" err="1" smtClean="0">
+                <a:latin typeface="Consolas" panose="020B0609020204030204" pitchFamily="49" charset="0"/>
+              </a:rPr>
+              <a:t>pd.read_excel</a:t>
+            </a:r>
+            <a:r>
+              <a:rPr lang="en-US" sz="2000" dirty="0" smtClean="0">
+                <a:latin typeface="Consolas" panose="020B0609020204030204" pitchFamily="49" charset="0"/>
+              </a:rPr>
+              <a:t>(file)</a:t>
+            </a:r>
+          </a:p>
+          <a:p>
+            <a:pPr marL="0" indent="0">
+              <a:buNone/>
+            </a:pPr>
+            <a:endParaRPr lang="en-US" sz="2000" dirty="0">
+              <a:latin typeface="Consolas" panose="020B0609020204030204" pitchFamily="49" charset="0"/>
+            </a:endParaRPr>
+          </a:p>
+          <a:p>
+            <a:pPr marL="0" indent="0">
+              <a:buNone/>
+            </a:pPr>
+            <a:r>
+              <a:rPr lang="en-US" sz="2000" dirty="0" err="1" smtClean="0">
+                <a:latin typeface="Consolas" panose="020B0609020204030204" pitchFamily="49" charset="0"/>
+              </a:rPr>
+              <a:t>dataframe.plot</a:t>
+            </a:r>
+            <a:r>
+              <a:rPr lang="en-US" sz="2000" dirty="0" smtClean="0">
+                <a:latin typeface="Consolas" panose="020B0609020204030204" pitchFamily="49" charset="0"/>
+              </a:rPr>
+              <a:t>()</a:t>
+            </a:r>
+            <a:endParaRPr lang="en-US" sz="2000" dirty="0">
+              <a:latin typeface="Consolas" panose="020B0609020204030204" pitchFamily="49" charset="0"/>
+            </a:endParaRPr>
+          </a:p>
+        </p:txBody>
+      </p:sp>
+    </p:spTree>
+    <p:extLst>
+      <p:ext uri="{BB962C8B-B14F-4D97-AF65-F5344CB8AC3E}">
+        <p14:creationId xmlns:p14="http://schemas.microsoft.com/office/powerpoint/2010/main" val="2210882442"/>
+      </p:ext>
+    </p:extLst>
+  </p:cSld>
+  <p:clrMapOvr>
+    <a:masterClrMapping/>
+  </p:clrMapOvr>
+  <p:timing>
+    <p:tnLst>
+      <p:par>
+        <p:cTn id="1" dur="indefinite" restart="never" nodeType="tmRoot"/>
+      </p:par>
+    </p:tnLst>
+  </p:timing>
+</p:sld>
+</file>
+
+<file path=ppt/slides/slide22.xml><?xml version="1.0" encoding="utf-8"?>
+<p:sld xmlns:a="http://schemas.openxmlformats.org/drawingml/2006/main" xmlns:r="http://schemas.openxmlformats.org/officeDocument/2006/relationships" xmlns:p="http://schemas.openxmlformats.org/presentationml/2006/main">
+  <p:cSld>
+    <p:spTree>
+      <p:nvGrpSpPr>
+        <p:cNvPr id="1" name=""/>
+        <p:cNvGrpSpPr/>
+        <p:nvPr/>
+      </p:nvGrpSpPr>
+      <p:grpSpPr>
+        <a:xfrm>
+          <a:off x="0" y="0"/>
+          <a:ext cx="0" cy="0"/>
+          <a:chOff x="0" y="0"/>
+          <a:chExt cx="0" cy="0"/>
+        </a:xfrm>
+      </p:grpSpPr>
+      <p:sp>
+        <p:nvSpPr>
+          <p:cNvPr id="2" name="Title 1"/>
+          <p:cNvSpPr>
+            <a:spLocks noGrp="1"/>
+          </p:cNvSpPr>
+          <p:nvPr>
+            <p:ph type="title"/>
+          </p:nvPr>
+        </p:nvSpPr>
+        <p:spPr>
+          <a:xfrm>
+            <a:off x="688063" y="193109"/>
+            <a:ext cx="10515600" cy="1325563"/>
+          </a:xfrm>
+        </p:spPr>
+        <p:txBody>
+          <a:bodyPr/>
+          <a:lstStyle/>
+          <a:p>
+            <a:r>
+              <a:rPr lang="en-US" dirty="0" smtClean="0"/>
+              <a:t>Behind the Scenes</a:t>
+            </a:r>
+            <a:endParaRPr lang="en-US" dirty="0"/>
+          </a:p>
+        </p:txBody>
+      </p:sp>
+      <p:sp>
+        <p:nvSpPr>
+          <p:cNvPr id="4" name="TextBox 3"/>
+          <p:cNvSpPr txBox="1"/>
+          <p:nvPr/>
+        </p:nvSpPr>
+        <p:spPr>
+          <a:xfrm>
+            <a:off x="914400" y="1518672"/>
+            <a:ext cx="4418092" cy="923330"/>
+          </a:xfrm>
+          <a:prstGeom prst="rect">
+            <a:avLst/>
+          </a:prstGeom>
+          <a:ln w="28575"/>
+        </p:spPr>
+        <p:style>
+          <a:lnRef idx="2">
+            <a:schemeClr val="accent1"/>
+          </a:lnRef>
+          <a:fillRef idx="1">
+            <a:schemeClr val="lt1"/>
+          </a:fillRef>
+          <a:effectRef idx="0">
+            <a:schemeClr val="accent1"/>
+          </a:effectRef>
+          <a:fontRef idx="minor">
+            <a:schemeClr val="dk1"/>
+          </a:fontRef>
+        </p:style>
+        <p:txBody>
+          <a:bodyPr wrap="square" rtlCol="0">
+            <a:spAutoFit/>
+          </a:bodyPr>
+          <a:lstStyle/>
+          <a:p>
+            <a:r>
+              <a:rPr lang="en-US" b="1" u="sng" dirty="0" smtClean="0">
+                <a:latin typeface="Consolas" panose="020B0609020204030204" pitchFamily="49" charset="0"/>
+              </a:rPr>
+              <a:t>monkeybusiness.py</a:t>
+            </a:r>
+          </a:p>
+          <a:p>
+            <a:r>
+              <a:rPr lang="en-US" dirty="0" smtClean="0">
+                <a:latin typeface="Consolas" panose="020B0609020204030204" pitchFamily="49" charset="0"/>
+              </a:rPr>
+              <a:t>print(“</a:t>
+            </a:r>
+            <a:r>
+              <a:rPr lang="en-US" dirty="0" err="1" smtClean="0">
+                <a:latin typeface="Consolas" panose="020B0609020204030204" pitchFamily="49" charset="0"/>
+              </a:rPr>
+              <a:t>Hola</a:t>
+            </a:r>
+            <a:r>
+              <a:rPr lang="en-US" dirty="0" smtClean="0">
+                <a:latin typeface="Consolas" panose="020B0609020204030204" pitchFamily="49" charset="0"/>
+              </a:rPr>
+              <a:t>!”)</a:t>
+            </a:r>
+          </a:p>
+          <a:p>
+            <a:r>
+              <a:rPr lang="en-US" dirty="0" smtClean="0">
+                <a:latin typeface="Consolas" panose="020B0609020204030204" pitchFamily="49" charset="0"/>
+              </a:rPr>
+              <a:t>print(“el mono come la </a:t>
+            </a:r>
+            <a:r>
+              <a:rPr lang="en-US" dirty="0" err="1" smtClean="0">
+                <a:latin typeface="Consolas" panose="020B0609020204030204" pitchFamily="49" charset="0"/>
+              </a:rPr>
+              <a:t>manzana</a:t>
+            </a:r>
+            <a:r>
+              <a:rPr lang="en-US" dirty="0" smtClean="0">
+                <a:latin typeface="Consolas" panose="020B0609020204030204" pitchFamily="49" charset="0"/>
+              </a:rPr>
+              <a:t>”)</a:t>
+            </a:r>
+            <a:endParaRPr lang="en-US" dirty="0">
+              <a:latin typeface="Consolas" panose="020B0609020204030204" pitchFamily="49" charset="0"/>
+            </a:endParaRPr>
+          </a:p>
+        </p:txBody>
+      </p:sp>
+      <p:sp>
+        <p:nvSpPr>
+          <p:cNvPr id="6" name="TextBox 5"/>
+          <p:cNvSpPr txBox="1"/>
+          <p:nvPr/>
+        </p:nvSpPr>
+        <p:spPr>
+          <a:xfrm>
+            <a:off x="914400" y="2854735"/>
+            <a:ext cx="4418092" cy="369332"/>
+          </a:xfrm>
+          <a:prstGeom prst="rect">
+            <a:avLst/>
+          </a:prstGeom>
+          <a:ln w="28575"/>
+        </p:spPr>
+        <p:style>
+          <a:lnRef idx="2">
+            <a:schemeClr val="accent1"/>
+          </a:lnRef>
+          <a:fillRef idx="1">
+            <a:schemeClr val="lt1"/>
+          </a:fillRef>
+          <a:effectRef idx="0">
+            <a:schemeClr val="accent1"/>
+          </a:effectRef>
+          <a:fontRef idx="minor">
+            <a:schemeClr val="dk1"/>
+          </a:fontRef>
+        </p:style>
+        <p:txBody>
+          <a:bodyPr wrap="square" rtlCol="0">
+            <a:spAutoFit/>
+          </a:bodyPr>
+          <a:lstStyle/>
+          <a:p>
+            <a:r>
+              <a:rPr lang="en-US" dirty="0" smtClean="0">
+                <a:latin typeface="Consolas" panose="020B0609020204030204" pitchFamily="49" charset="0"/>
+              </a:rPr>
+              <a:t>C:\&gt; python monkeybusiness.py</a:t>
+            </a:r>
+            <a:endParaRPr lang="en-US" dirty="0">
+              <a:latin typeface="Consolas" panose="020B0609020204030204" pitchFamily="49" charset="0"/>
+            </a:endParaRPr>
+          </a:p>
+        </p:txBody>
+      </p:sp>
+      <p:sp>
+        <p:nvSpPr>
+          <p:cNvPr id="7" name="TextBox 6"/>
+          <p:cNvSpPr txBox="1"/>
+          <p:nvPr/>
+        </p:nvSpPr>
+        <p:spPr>
+          <a:xfrm>
+            <a:off x="5785164" y="2854735"/>
+            <a:ext cx="5792098" cy="369332"/>
+          </a:xfrm>
+          <a:prstGeom prst="rect">
+            <a:avLst/>
+          </a:prstGeom>
+          <a:noFill/>
+        </p:spPr>
+        <p:txBody>
+          <a:bodyPr wrap="none" rtlCol="0">
+            <a:spAutoFit/>
+          </a:bodyPr>
+          <a:lstStyle/>
+          <a:p>
+            <a:r>
+              <a:rPr lang="en-US" dirty="0" smtClean="0"/>
+              <a:t>If you installed Anaconda correctly, this will work anywhere</a:t>
+            </a:r>
+            <a:endParaRPr lang="en-US" dirty="0"/>
+          </a:p>
+        </p:txBody>
+      </p:sp>
+      <p:sp>
+        <p:nvSpPr>
+          <p:cNvPr id="8" name="TextBox 7"/>
+          <p:cNvSpPr txBox="1"/>
+          <p:nvPr/>
+        </p:nvSpPr>
+        <p:spPr>
+          <a:xfrm>
+            <a:off x="840463" y="3582899"/>
+            <a:ext cx="9370770" cy="369332"/>
+          </a:xfrm>
+          <a:prstGeom prst="rect">
+            <a:avLst/>
+          </a:prstGeom>
+          <a:noFill/>
+        </p:spPr>
+        <p:txBody>
+          <a:bodyPr wrap="none" rtlCol="0">
+            <a:spAutoFit/>
+          </a:bodyPr>
+          <a:lstStyle/>
+          <a:p>
+            <a:r>
+              <a:rPr lang="en-US" dirty="0" smtClean="0"/>
+              <a:t>Python checks your file for obvious mistakes and compiles it to bytecode, then immediately runs it.</a:t>
+            </a:r>
+            <a:endParaRPr lang="en-US" dirty="0"/>
+          </a:p>
+        </p:txBody>
+      </p:sp>
+      <p:sp>
+        <p:nvSpPr>
+          <p:cNvPr id="11" name="TextBox 10"/>
+          <p:cNvSpPr txBox="1"/>
+          <p:nvPr/>
+        </p:nvSpPr>
+        <p:spPr>
+          <a:xfrm>
+            <a:off x="5785164" y="1443931"/>
+            <a:ext cx="3506409" cy="646331"/>
+          </a:xfrm>
+          <a:prstGeom prst="rect">
+            <a:avLst/>
+          </a:prstGeom>
+          <a:noFill/>
+        </p:spPr>
+        <p:txBody>
+          <a:bodyPr wrap="none" rtlCol="0">
+            <a:spAutoFit/>
+          </a:bodyPr>
+          <a:lstStyle/>
+          <a:p>
+            <a:r>
+              <a:rPr lang="en-US" dirty="0" smtClean="0"/>
+              <a:t>You can type this in any text editor. </a:t>
+            </a:r>
+            <a:br>
+              <a:rPr lang="en-US" dirty="0" smtClean="0"/>
+            </a:br>
+            <a:r>
+              <a:rPr lang="en-US" dirty="0" smtClean="0"/>
+              <a:t>Some are more helpful than others</a:t>
+            </a:r>
+            <a:endParaRPr lang="en-US" dirty="0"/>
+          </a:p>
+        </p:txBody>
+      </p:sp>
+      <p:pic>
+        <p:nvPicPr>
+          <p:cNvPr id="12" name="Picture 11"/>
+          <p:cNvPicPr>
+            <a:picLocks noChangeAspect="1"/>
+          </p:cNvPicPr>
+          <p:nvPr/>
+        </p:nvPicPr>
+        <p:blipFill>
+          <a:blip r:embed="rId2"/>
+          <a:stretch>
+            <a:fillRect/>
+          </a:stretch>
+        </p:blipFill>
+        <p:spPr>
+          <a:xfrm>
+            <a:off x="914400" y="4287638"/>
+            <a:ext cx="5593126" cy="1824987"/>
+          </a:xfrm>
+          <a:prstGeom prst="rect">
+            <a:avLst/>
+          </a:prstGeom>
+        </p:spPr>
+      </p:pic>
+    </p:spTree>
+    <p:extLst>
+      <p:ext uri="{BB962C8B-B14F-4D97-AF65-F5344CB8AC3E}">
+        <p14:creationId xmlns:p14="http://schemas.microsoft.com/office/powerpoint/2010/main" val="2256355320"/>
+      </p:ext>
+    </p:extLst>
+  </p:cSld>
+  <p:clrMapOvr>
+    <a:masterClrMapping/>
+  </p:clrMapOvr>
+  <p:timing>
+    <p:tnLst>
+      <p:par>
+        <p:cTn id="1" dur="indefinite" restart="never" nodeType="tmRoot"/>
+      </p:par>
+    </p:tnLst>
+  </p:timing>
+</p:sld>
+</file>
+
+<file path=ppt/slides/slide23.xml><?xml version="1.0" encoding="utf-8"?>
+<p:sld xmlns:a="http://schemas.openxmlformats.org/drawingml/2006/main" xmlns:r="http://schemas.openxmlformats.org/officeDocument/2006/relationships" xmlns:p="http://schemas.openxmlformats.org/presentationml/2006/main">
+  <p:cSld>
+    <p:spTree>
+      <p:nvGrpSpPr>
+        <p:cNvPr id="1" name=""/>
+        <p:cNvGrpSpPr/>
+        <p:nvPr/>
+      </p:nvGrpSpPr>
+      <p:grpSpPr>
+        <a:xfrm>
+          <a:off x="0" y="0"/>
+          <a:ext cx="0" cy="0"/>
+          <a:chOff x="0" y="0"/>
+          <a:chExt cx="0" cy="0"/>
+        </a:xfrm>
+      </p:grpSpPr>
+      <p:sp>
+        <p:nvSpPr>
+          <p:cNvPr id="2" name="Title 1"/>
+          <p:cNvSpPr>
+            <a:spLocks noGrp="1"/>
+          </p:cNvSpPr>
+          <p:nvPr>
+            <p:ph type="title"/>
+          </p:nvPr>
+        </p:nvSpPr>
+        <p:spPr/>
+        <p:txBody>
+          <a:bodyPr/>
+          <a:lstStyle/>
+          <a:p>
+            <a:r>
+              <a:rPr lang="en-US" dirty="0" smtClean="0"/>
+              <a:t>Behind the Scenes</a:t>
+            </a:r>
+            <a:endParaRPr lang="en-US" dirty="0"/>
+          </a:p>
+        </p:txBody>
+      </p:sp>
+      <p:sp>
+        <p:nvSpPr>
+          <p:cNvPr id="3" name="Content Placeholder 2"/>
+          <p:cNvSpPr>
+            <a:spLocks noGrp="1"/>
+          </p:cNvSpPr>
+          <p:nvPr>
+            <p:ph idx="1"/>
+          </p:nvPr>
+        </p:nvSpPr>
+        <p:spPr/>
+        <p:txBody>
+          <a:bodyPr/>
+          <a:lstStyle/>
+          <a:p>
+            <a:r>
+              <a:rPr lang="en-US" dirty="0" smtClean="0"/>
+              <a:t>Anaconda installs a completely separate Python installation</a:t>
+            </a:r>
+          </a:p>
+          <a:p>
+            <a:r>
+              <a:rPr lang="en-US" dirty="0" smtClean="0"/>
+              <a:t>Adds PATH to point “python” to Anaconda instead of system installation</a:t>
+            </a:r>
+          </a:p>
+          <a:p>
+            <a:r>
+              <a:rPr lang="en-US" dirty="0" smtClean="0"/>
+              <a:t>Can also invoke Anaconda python by starting “anaconda prompt” from Windows start menu.</a:t>
+            </a:r>
+          </a:p>
+        </p:txBody>
+      </p:sp>
+    </p:spTree>
+    <p:extLst>
+      <p:ext uri="{BB962C8B-B14F-4D97-AF65-F5344CB8AC3E}">
+        <p14:creationId xmlns:p14="http://schemas.microsoft.com/office/powerpoint/2010/main" val="2222527745"/>
+      </p:ext>
+    </p:extLst>
+  </p:cSld>
+  <p:clrMapOvr>
+    <a:masterClrMapping/>
+  </p:clrMapOvr>
+  <p:timing>
+    <p:tnLst>
+      <p:par>
+        <p:cTn id="1" dur="indefinite" restart="never" nodeType="tmRoot"/>
+      </p:par>
+    </p:tnLst>
+  </p:timing>
+</p:sld>
+</file>
+
+<file path=ppt/slides/slide24.xml><?xml version="1.0" encoding="utf-8"?>
+<p:sld xmlns:a="http://schemas.openxmlformats.org/drawingml/2006/main" xmlns:r="http://schemas.openxmlformats.org/officeDocument/2006/relationships" xmlns:p="http://schemas.openxmlformats.org/presentationml/2006/main">
+  <p:cSld>
+    <p:spTree>
+      <p:nvGrpSpPr>
+        <p:cNvPr id="1" name=""/>
+        <p:cNvGrpSpPr/>
+        <p:nvPr/>
+      </p:nvGrpSpPr>
+      <p:grpSpPr>
+        <a:xfrm>
+          <a:off x="0" y="0"/>
+          <a:ext cx="0" cy="0"/>
+          <a:chOff x="0" y="0"/>
+          <a:chExt cx="0" cy="0"/>
+        </a:xfrm>
+      </p:grpSpPr>
+      <p:sp>
+        <p:nvSpPr>
+          <p:cNvPr id="2" name="Title 1"/>
+          <p:cNvSpPr>
+            <a:spLocks noGrp="1"/>
+          </p:cNvSpPr>
+          <p:nvPr>
+            <p:ph type="title"/>
+          </p:nvPr>
+        </p:nvSpPr>
+        <p:spPr/>
+        <p:txBody>
+          <a:bodyPr/>
+          <a:lstStyle/>
+          <a:p>
+            <a:r>
+              <a:rPr lang="en-US" dirty="0" smtClean="0"/>
+              <a:t>Why Anaconda?</a:t>
+            </a:r>
+            <a:endParaRPr lang="en-US" dirty="0"/>
+          </a:p>
+        </p:txBody>
+      </p:sp>
+      <p:sp>
+        <p:nvSpPr>
+          <p:cNvPr id="3" name="Content Placeholder 2"/>
+          <p:cNvSpPr>
+            <a:spLocks noGrp="1"/>
+          </p:cNvSpPr>
+          <p:nvPr>
+            <p:ph idx="1"/>
+          </p:nvPr>
+        </p:nvSpPr>
+        <p:spPr/>
+        <p:txBody>
+          <a:bodyPr/>
+          <a:lstStyle/>
+          <a:p>
+            <a:r>
+              <a:rPr lang="en-US" dirty="0" smtClean="0"/>
+              <a:t>Package management</a:t>
+            </a:r>
+          </a:p>
+          <a:p>
+            <a:pPr lvl="1"/>
+            <a:r>
+              <a:rPr lang="en-US" dirty="0" smtClean="0"/>
+              <a:t>Keep packages and dependencies working together</a:t>
+            </a:r>
+          </a:p>
+          <a:p>
+            <a:pPr lvl="1"/>
+            <a:r>
+              <a:rPr lang="en-US" dirty="0" smtClean="0"/>
+              <a:t>Easily update packages</a:t>
+            </a:r>
+          </a:p>
+          <a:p>
+            <a:r>
+              <a:rPr lang="en-US" dirty="0" smtClean="0"/>
+              <a:t>Separate from system python</a:t>
+            </a:r>
+          </a:p>
+          <a:p>
+            <a:r>
+              <a:rPr lang="en-US" dirty="0" smtClean="0"/>
+              <a:t>Isolated</a:t>
+            </a:r>
+          </a:p>
+          <a:p>
+            <a:r>
+              <a:rPr lang="en-US" dirty="0" smtClean="0"/>
+              <a:t>Distribute programs</a:t>
+            </a:r>
+            <a:endParaRPr lang="en-US" dirty="0"/>
+          </a:p>
+          <a:p>
+            <a:r>
+              <a:rPr lang="en-US" dirty="0" smtClean="0"/>
+              <a:t>Without Anaconda, package management nightmare</a:t>
+            </a:r>
+          </a:p>
+        </p:txBody>
+      </p:sp>
+    </p:spTree>
+    <p:extLst>
+      <p:ext uri="{BB962C8B-B14F-4D97-AF65-F5344CB8AC3E}">
+        <p14:creationId xmlns:p14="http://schemas.microsoft.com/office/powerpoint/2010/main" val="120159513"/>
+      </p:ext>
+    </p:extLst>
+  </p:cSld>
+  <p:clrMapOvr>
+    <a:masterClrMapping/>
+  </p:clrMapOvr>
+  <p:timing>
+    <p:tnLst>
+      <p:par>
+        <p:cTn id="1" dur="indefinite" restart="never" nodeType="tmRoot"/>
+      </p:par>
+    </p:tnLst>
+  </p:timing>
+</p:sld>
+</file>
+
+<file path=ppt/slides/slide25.xml><?xml version="1.0" encoding="utf-8"?>
+<p:sld xmlns:a="http://schemas.openxmlformats.org/drawingml/2006/main" xmlns:r="http://schemas.openxmlformats.org/officeDocument/2006/relationships" xmlns:p="http://schemas.openxmlformats.org/presentationml/2006/main">
+  <p:cSld>
+    <p:spTree>
+      <p:nvGrpSpPr>
+        <p:cNvPr id="1" name=""/>
+        <p:cNvGrpSpPr/>
+        <p:nvPr/>
+      </p:nvGrpSpPr>
+      <p:grpSpPr>
+        <a:xfrm>
+          <a:off x="0" y="0"/>
+          <a:ext cx="0" cy="0"/>
+          <a:chOff x="0" y="0"/>
+          <a:chExt cx="0" cy="0"/>
+        </a:xfrm>
+      </p:grpSpPr>
+      <p:sp>
+        <p:nvSpPr>
+          <p:cNvPr id="2" name="Title 1"/>
+          <p:cNvSpPr>
+            <a:spLocks noGrp="1"/>
+          </p:cNvSpPr>
+          <p:nvPr>
+            <p:ph type="title"/>
+          </p:nvPr>
+        </p:nvSpPr>
+        <p:spPr/>
+        <p:txBody>
+          <a:bodyPr/>
+          <a:lstStyle/>
+          <a:p>
+            <a:r>
+              <a:rPr lang="en-US" dirty="0" smtClean="0"/>
+              <a:t>How can I use Python?</a:t>
+            </a:r>
+            <a:endParaRPr lang="en-US" dirty="0"/>
+          </a:p>
+        </p:txBody>
+      </p:sp>
+      <p:sp>
+        <p:nvSpPr>
+          <p:cNvPr id="3" name="Content Placeholder 2"/>
+          <p:cNvSpPr>
+            <a:spLocks noGrp="1"/>
+          </p:cNvSpPr>
+          <p:nvPr>
+            <p:ph idx="1"/>
+          </p:nvPr>
+        </p:nvSpPr>
+        <p:spPr/>
+        <p:txBody>
+          <a:bodyPr/>
+          <a:lstStyle/>
+          <a:p>
+            <a:r>
+              <a:rPr lang="en-US" dirty="0" smtClean="0"/>
+              <a:t>type </a:t>
+            </a:r>
+            <a:r>
+              <a:rPr lang="en-US" dirty="0" smtClean="0">
+                <a:latin typeface="Consolas" panose="020B0609020204030204" pitchFamily="49" charset="0"/>
+              </a:rPr>
+              <a:t>python</a:t>
+            </a:r>
+            <a:r>
+              <a:rPr lang="en-US" dirty="0" smtClean="0"/>
+              <a:t> at command prompt to bring up an interactive shell</a:t>
+            </a:r>
+          </a:p>
+          <a:p>
+            <a:r>
+              <a:rPr lang="en-US" dirty="0" smtClean="0"/>
+              <a:t>type </a:t>
+            </a:r>
+            <a:r>
+              <a:rPr lang="en-US" dirty="0" err="1" smtClean="0">
+                <a:latin typeface="Consolas" panose="020B0609020204030204" pitchFamily="49" charset="0"/>
+              </a:rPr>
+              <a:t>ipython</a:t>
+            </a:r>
+            <a:r>
+              <a:rPr lang="en-US" dirty="0" smtClean="0"/>
+              <a:t> at the command prompt to bring up a more helpful interactive shell!</a:t>
+            </a:r>
+          </a:p>
+          <a:p>
+            <a:r>
+              <a:rPr lang="en-US" dirty="0" smtClean="0"/>
+              <a:t>Write a program and save it as a </a:t>
+            </a:r>
+            <a:r>
+              <a:rPr lang="en-US" dirty="0" smtClean="0">
+                <a:latin typeface="Consolas" panose="020B0609020204030204" pitchFamily="49" charset="0"/>
+              </a:rPr>
+              <a:t>*.</a:t>
+            </a:r>
+            <a:r>
+              <a:rPr lang="en-US" dirty="0" err="1" smtClean="0">
+                <a:latin typeface="Consolas" panose="020B0609020204030204" pitchFamily="49" charset="0"/>
+              </a:rPr>
+              <a:t>py</a:t>
+            </a:r>
+            <a:r>
+              <a:rPr lang="en-US" dirty="0" smtClean="0">
+                <a:latin typeface="Consolas" panose="020B0609020204030204" pitchFamily="49" charset="0"/>
+              </a:rPr>
+              <a:t> </a:t>
+            </a:r>
+            <a:r>
+              <a:rPr lang="en-US" dirty="0" smtClean="0"/>
+              <a:t>file. Run it on the command prompt by typing </a:t>
+            </a:r>
+            <a:r>
+              <a:rPr lang="en-US" dirty="0" smtClean="0">
+                <a:latin typeface="Consolas" panose="020B0609020204030204" pitchFamily="49" charset="0"/>
+              </a:rPr>
+              <a:t>python *.</a:t>
+            </a:r>
+            <a:r>
+              <a:rPr lang="en-US" dirty="0" err="1" smtClean="0">
+                <a:latin typeface="Consolas" panose="020B0609020204030204" pitchFamily="49" charset="0"/>
+              </a:rPr>
+              <a:t>py</a:t>
+            </a:r>
+            <a:endParaRPr lang="en-US" dirty="0" smtClean="0">
+              <a:latin typeface="Consolas" panose="020B0609020204030204" pitchFamily="49" charset="0"/>
+            </a:endParaRPr>
+          </a:p>
+          <a:p>
+            <a:r>
+              <a:rPr lang="en-US" dirty="0" smtClean="0"/>
+              <a:t>Use an editor with python integrated into it, such as </a:t>
+            </a:r>
+            <a:r>
+              <a:rPr lang="en-US" dirty="0" err="1" smtClean="0"/>
+              <a:t>PyCharm</a:t>
+            </a:r>
+            <a:r>
+              <a:rPr lang="en-US" dirty="0" smtClean="0"/>
+              <a:t>, </a:t>
+            </a:r>
+            <a:r>
+              <a:rPr lang="en-US" dirty="0" err="1" smtClean="0"/>
+              <a:t>Spyder</a:t>
+            </a:r>
+            <a:r>
+              <a:rPr lang="en-US" dirty="0" smtClean="0"/>
+              <a:t>, Microsoft Visual Code, etc. IDLE is not recommended.</a:t>
+            </a:r>
+          </a:p>
+          <a:p>
+            <a:r>
+              <a:rPr lang="en-US" dirty="0" smtClean="0"/>
+              <a:t>Use </a:t>
+            </a:r>
+            <a:r>
+              <a:rPr lang="en-US" dirty="0" err="1" smtClean="0"/>
+              <a:t>jupyter</a:t>
+            </a:r>
+            <a:r>
+              <a:rPr lang="en-US" dirty="0" smtClean="0"/>
+              <a:t> notebooks. Type </a:t>
+            </a:r>
+            <a:r>
+              <a:rPr lang="en-US" dirty="0" err="1" smtClean="0">
+                <a:latin typeface="Consolas" panose="020B0609020204030204" pitchFamily="49" charset="0"/>
+              </a:rPr>
+              <a:t>jupyter</a:t>
+            </a:r>
+            <a:r>
+              <a:rPr lang="en-US" dirty="0" smtClean="0">
+                <a:latin typeface="Consolas" panose="020B0609020204030204" pitchFamily="49" charset="0"/>
+              </a:rPr>
+              <a:t> notebook </a:t>
+            </a:r>
+            <a:r>
+              <a:rPr lang="en-US" dirty="0" smtClean="0"/>
+              <a:t>to begin.</a:t>
+            </a:r>
+            <a:endParaRPr lang="en-US" dirty="0"/>
+          </a:p>
+        </p:txBody>
+      </p:sp>
+    </p:spTree>
+    <p:extLst>
+      <p:ext uri="{BB962C8B-B14F-4D97-AF65-F5344CB8AC3E}">
+        <p14:creationId xmlns:p14="http://schemas.microsoft.com/office/powerpoint/2010/main" val="2442070205"/>
+      </p:ext>
+    </p:extLst>
+  </p:cSld>
+  <p:clrMapOvr>
+    <a:masterClrMapping/>
+  </p:clrMapOvr>
+  <p:timing>
+    <p:tnLst>
+      <p:par>
+        <p:cTn id="1" dur="indefinite" restart="never" nodeType="tmRoot">
+          <p:childTnLst>
+            <p:seq concurrent="1" nextAc="seek">
+              <p:cTn id="2" dur="indefinite" nodeType="mainSeq">
+                <p:childTnLst>
+                  <p:par>
+                    <p:cTn id="3" fill="hold">
+                      <p:stCondLst>
+                        <p:cond delay="indefinite"/>
+                      </p:stCondLst>
+                      <p:childTnLst>
+                        <p:par>
+                          <p:cTn id="4" fill="hold">
+                            <p:stCondLst>
+                              <p:cond delay="0"/>
+                            </p:stCondLst>
+                            <p:childTnLst>
+                              <p:par>
+                                <p:cTn id="5" presetID="9" presetClass="emph" presetSubtype="0" nodeType="clickEffect">
+                                  <p:stCondLst>
+                                    <p:cond delay="0"/>
+                                  </p:stCondLst>
+                                  <p:childTnLst>
+                                    <p:set>
+                                      <p:cBhvr rctx="PPT">
+                                        <p:cTn id="6" dur="indefinite"/>
+                                        <p:tgtEl>
+                                          <p:spTgt spid="3">
+                                            <p:txEl>
+                                              <p:pRg st="0" end="0"/>
+                                            </p:txEl>
+                                          </p:spTgt>
+                                        </p:tgtEl>
+                                        <p:attrNameLst>
+                                          <p:attrName>style.opacity</p:attrName>
+                                        </p:attrNameLst>
+                                      </p:cBhvr>
+                                      <p:to>
+                                        <p:strVal val="0.5"/>
+                                      </p:to>
+                                    </p:set>
+                                    <p:animEffect filter="image" prLst="opacity: 0.5">
+                                      <p:cBhvr rctx="IE">
+                                        <p:cTn id="7" dur="indefinite"/>
+                                        <p:tgtEl>
+                                          <p:spTgt spid="3">
+                                            <p:txEl>
+                                              <p:pRg st="0" end="0"/>
+                                            </p:txEl>
+                                          </p:spTgt>
+                                        </p:tgtEl>
+                                      </p:cBhvr>
+                                    </p:animEffect>
+                                  </p:childTnLst>
+                                </p:cTn>
+                              </p:par>
+                              <p:par>
+                                <p:cTn id="8" presetID="9" presetClass="emph" presetSubtype="0" nodeType="withEffect">
+                                  <p:stCondLst>
+                                    <p:cond delay="0"/>
+                                  </p:stCondLst>
+                                  <p:childTnLst>
+                                    <p:set>
+                                      <p:cBhvr rctx="PPT">
+                                        <p:cTn id="9" dur="indefinite"/>
+                                        <p:tgtEl>
+                                          <p:spTgt spid="3">
+                                            <p:txEl>
+                                              <p:pRg st="1" end="1"/>
+                                            </p:txEl>
+                                          </p:spTgt>
+                                        </p:tgtEl>
+                                        <p:attrNameLst>
+                                          <p:attrName>style.opacity</p:attrName>
+                                        </p:attrNameLst>
+                                      </p:cBhvr>
+                                      <p:to>
+                                        <p:strVal val="0.5"/>
+                                      </p:to>
+                                    </p:set>
+                                    <p:animEffect filter="image" prLst="opacity: 0.5">
+                                      <p:cBhvr rctx="IE">
+                                        <p:cTn id="10" dur="indefinite"/>
+                                        <p:tgtEl>
+                                          <p:spTgt spid="3">
+                                            <p:txEl>
+                                              <p:pRg st="1" end="1"/>
+                                            </p:txEl>
+                                          </p:spTgt>
+                                        </p:tgtEl>
+                                      </p:cBhvr>
+                                    </p:animEffect>
+                                  </p:childTnLst>
+                                </p:cTn>
+                              </p:par>
+                              <p:par>
+                                <p:cTn id="11" presetID="9" presetClass="emph" presetSubtype="0" nodeType="withEffect">
+                                  <p:stCondLst>
+                                    <p:cond delay="0"/>
+                                  </p:stCondLst>
+                                  <p:childTnLst>
+                                    <p:set>
+                                      <p:cBhvr rctx="PPT">
+                                        <p:cTn id="12" dur="indefinite"/>
+                                        <p:tgtEl>
+                                          <p:spTgt spid="3">
+                                            <p:txEl>
+                                              <p:pRg st="2" end="2"/>
+                                            </p:txEl>
+                                          </p:spTgt>
+                                        </p:tgtEl>
+                                        <p:attrNameLst>
+                                          <p:attrName>style.opacity</p:attrName>
+                                        </p:attrNameLst>
+                                      </p:cBhvr>
+                                      <p:to>
+                                        <p:strVal val="0.5"/>
+                                      </p:to>
+                                    </p:set>
+                                    <p:animEffect filter="image" prLst="opacity: 0.5">
+                                      <p:cBhvr rctx="IE">
+                                        <p:cTn id="13" dur="indefinite"/>
+                                        <p:tgtEl>
+                                          <p:spTgt spid="3">
+                                            <p:txEl>
+                                              <p:pRg st="2" end="2"/>
+                                            </p:txEl>
+                                          </p:spTgt>
+                                        </p:tgtEl>
+                                      </p:cBhvr>
+                                    </p:animEffect>
+                                  </p:childTnLst>
+                                </p:cTn>
+                              </p:par>
+                            </p:childTnLst>
+                          </p:cTn>
+                        </p:par>
+                      </p:childTnLst>
+                    </p:cTn>
+                  </p:par>
+                </p:childTnLst>
+              </p:cTn>
+              <p:prevCondLst>
+                <p:cond evt="onPrev" delay="0">
+                  <p:tgtEl>
+                    <p:sldTgt/>
+                  </p:tgtEl>
+                </p:cond>
+              </p:prevCondLst>
+              <p:nextCondLst>
+                <p:cond evt="onNext" delay="0">
+                  <p:tgtEl>
+                    <p:sldTgt/>
+                  </p:tgtEl>
+                </p:cond>
+              </p:nextCondLst>
+            </p:seq>
+          </p:childTnLst>
+        </p:cTn>
+      </p:par>
+    </p:tnLst>
+  </p:timing>
+</p:sld>
+</file>
+
+<file path=ppt/slides/slide26.xml><?xml version="1.0" encoding="utf-8"?>
+<p:sld xmlns:a="http://schemas.openxmlformats.org/drawingml/2006/main" xmlns:r="http://schemas.openxmlformats.org/officeDocument/2006/relationships" xmlns:p="http://schemas.openxmlformats.org/presentationml/2006/main">
+  <p:cSld>
+    <p:spTree>
+      <p:nvGrpSpPr>
+        <p:cNvPr id="1" name=""/>
+        <p:cNvGrpSpPr/>
+        <p:nvPr/>
+      </p:nvGrpSpPr>
+      <p:grpSpPr>
+        <a:xfrm>
+          <a:off x="0" y="0"/>
+          <a:ext cx="0" cy="0"/>
+          <a:chOff x="0" y="0"/>
+          <a:chExt cx="0" cy="0"/>
+        </a:xfrm>
+      </p:grpSpPr>
+      <p:sp>
+        <p:nvSpPr>
+          <p:cNvPr id="2" name="Title 1"/>
+          <p:cNvSpPr>
+            <a:spLocks noGrp="1"/>
+          </p:cNvSpPr>
+          <p:nvPr>
+            <p:ph type="title"/>
+          </p:nvPr>
+        </p:nvSpPr>
+        <p:spPr/>
+        <p:txBody>
+          <a:bodyPr/>
+          <a:lstStyle/>
+          <a:p>
+            <a:r>
+              <a:rPr lang="en-US" dirty="0" smtClean="0"/>
+              <a:t>What do I use?</a:t>
+            </a:r>
+            <a:endParaRPr lang="en-US" dirty="0"/>
+          </a:p>
+        </p:txBody>
+      </p:sp>
+      <p:graphicFrame>
+        <p:nvGraphicFramePr>
+          <p:cNvPr id="5" name="Diagram 4"/>
+          <p:cNvGraphicFramePr/>
+          <p:nvPr>
+            <p:extLst>
+              <p:ext uri="{D42A27DB-BD31-4B8C-83A1-F6EECF244321}">
+                <p14:modId xmlns:p14="http://schemas.microsoft.com/office/powerpoint/2010/main" val="901158227"/>
+              </p:ext>
+            </p:extLst>
+          </p:nvPr>
+        </p:nvGraphicFramePr>
+        <p:xfrm>
+          <a:off x="2032000" y="1690688"/>
+          <a:ext cx="7763850" cy="5027067"/>
+        </p:xfrm>
+        <a:graphic>
+          <a:graphicData uri="http://schemas.openxmlformats.org/drawingml/2006/diagram">
+            <dgm:relIds xmlns:dgm="http://schemas.openxmlformats.org/drawingml/2006/diagram" xmlns:r="http://schemas.openxmlformats.org/officeDocument/2006/relationships" r:dm="rId2" r:lo="rId3" r:qs="rId4" r:cs="rId5"/>
+          </a:graphicData>
+        </a:graphic>
+      </p:graphicFrame>
+    </p:spTree>
+    <p:extLst>
+      <p:ext uri="{BB962C8B-B14F-4D97-AF65-F5344CB8AC3E}">
+        <p14:creationId xmlns:p14="http://schemas.microsoft.com/office/powerpoint/2010/main" val="2416235332"/>
+      </p:ext>
+    </p:extLst>
+  </p:cSld>
+  <p:clrMapOvr>
+    <a:masterClrMapping/>
+  </p:clrMapOvr>
+  <p:timing>
+    <p:tnLst>
+      <p:par>
+        <p:cTn id="1" dur="indefinite" restart="never" nodeType="tmRoot"/>
+      </p:par>
+    </p:tnLst>
+  </p:timing>
+</p:sld>
+</file>
+
+<file path=ppt/slides/slide27.xml><?xml version="1.0" encoding="utf-8"?>
+<p:sld xmlns:a="http://schemas.openxmlformats.org/drawingml/2006/main" xmlns:r="http://schemas.openxmlformats.org/officeDocument/2006/relationships" xmlns:p="http://schemas.openxmlformats.org/presentationml/2006/main">
+  <p:cSld>
+    <p:spTree>
+      <p:nvGrpSpPr>
+        <p:cNvPr id="1" name=""/>
+        <p:cNvGrpSpPr/>
+        <p:nvPr/>
+      </p:nvGrpSpPr>
+      <p:grpSpPr>
+        <a:xfrm>
+          <a:off x="0" y="0"/>
+          <a:ext cx="0" cy="0"/>
+          <a:chOff x="0" y="0"/>
+          <a:chExt cx="0" cy="0"/>
+        </a:xfrm>
+      </p:grpSpPr>
+      <p:sp>
+        <p:nvSpPr>
+          <p:cNvPr id="2" name="Title 1"/>
+          <p:cNvSpPr>
+            <a:spLocks noGrp="1"/>
+          </p:cNvSpPr>
+          <p:nvPr>
+            <p:ph type="title"/>
+          </p:nvPr>
+        </p:nvSpPr>
+        <p:spPr/>
+        <p:txBody>
+          <a:bodyPr/>
+          <a:lstStyle/>
+          <a:p>
+            <a:r>
+              <a:rPr lang="en-US" dirty="0" smtClean="0"/>
+              <a:t>Demo of ways to interact with Python</a:t>
+            </a:r>
+            <a:endParaRPr lang="en-US" dirty="0"/>
+          </a:p>
+        </p:txBody>
+      </p:sp>
+      <p:sp>
+        <p:nvSpPr>
+          <p:cNvPr id="3" name="Content Placeholder 2"/>
+          <p:cNvSpPr>
+            <a:spLocks noGrp="1"/>
+          </p:cNvSpPr>
+          <p:nvPr>
+            <p:ph idx="1"/>
+          </p:nvPr>
+        </p:nvSpPr>
+        <p:spPr/>
+        <p:txBody>
+          <a:bodyPr/>
+          <a:lstStyle/>
+          <a:p>
+            <a:r>
+              <a:rPr lang="en-US" dirty="0" smtClean="0"/>
+              <a:t>Shell demonstration</a:t>
+            </a:r>
+          </a:p>
+          <a:p>
+            <a:r>
+              <a:rPr lang="en-US" dirty="0" err="1" smtClean="0"/>
+              <a:t>Spyder</a:t>
+            </a:r>
+            <a:r>
+              <a:rPr lang="en-US" dirty="0" smtClean="0"/>
+              <a:t> demo</a:t>
+            </a:r>
+          </a:p>
+          <a:p>
+            <a:r>
+              <a:rPr lang="en-US" dirty="0" err="1" smtClean="0"/>
+              <a:t>PyCharm</a:t>
+            </a:r>
+            <a:r>
+              <a:rPr lang="en-US" dirty="0" smtClean="0"/>
+              <a:t> demo</a:t>
+            </a:r>
+          </a:p>
+          <a:p>
+            <a:endParaRPr lang="en-US" dirty="0"/>
+          </a:p>
+        </p:txBody>
+      </p:sp>
+    </p:spTree>
+    <p:extLst>
+      <p:ext uri="{BB962C8B-B14F-4D97-AF65-F5344CB8AC3E}">
+        <p14:creationId xmlns:p14="http://schemas.microsoft.com/office/powerpoint/2010/main" val="1374341804"/>
+      </p:ext>
+    </p:extLst>
+  </p:cSld>
+  <p:clrMapOvr>
+    <a:masterClrMapping/>
+  </p:clrMapOvr>
+  <p:timing>
+    <p:tnLst>
+      <p:par>
+        <p:cTn id="1" dur="indefinite" restart="never" nodeType="tmRoot"/>
+      </p:par>
+    </p:tnLst>
+  </p:timing>
+</p:sld>
+</file>
+
+<file path=ppt/slides/slide28.xml><?xml version="1.0" encoding="utf-8"?>
+<p:sld xmlns:a="http://schemas.openxmlformats.org/drawingml/2006/main" xmlns:r="http://schemas.openxmlformats.org/officeDocument/2006/relationships" xmlns:p="http://schemas.openxmlformats.org/presentationml/2006/main">
+  <p:cSld>
+    <p:spTree>
+      <p:nvGrpSpPr>
+        <p:cNvPr id="1" name=""/>
+        <p:cNvGrpSpPr/>
+        <p:nvPr/>
+      </p:nvGrpSpPr>
+      <p:grpSpPr>
+        <a:xfrm>
+          <a:off x="0" y="0"/>
+          <a:ext cx="0" cy="0"/>
+          <a:chOff x="0" y="0"/>
+          <a:chExt cx="0" cy="0"/>
+        </a:xfrm>
+      </p:grpSpPr>
+      <p:sp>
+        <p:nvSpPr>
+          <p:cNvPr id="2" name="Title 1"/>
+          <p:cNvSpPr>
+            <a:spLocks noGrp="1"/>
+          </p:cNvSpPr>
+          <p:nvPr>
+            <p:ph type="title"/>
+          </p:nvPr>
+        </p:nvSpPr>
+        <p:spPr/>
+        <p:txBody>
+          <a:bodyPr/>
+          <a:lstStyle/>
+          <a:p>
+            <a:r>
+              <a:rPr lang="en-US" dirty="0" err="1" smtClean="0"/>
+              <a:t>Jupyter</a:t>
+            </a:r>
+            <a:r>
+              <a:rPr lang="en-US" dirty="0" smtClean="0"/>
+              <a:t> Notebook</a:t>
+            </a:r>
+            <a:endParaRPr lang="en-US" dirty="0"/>
+          </a:p>
+        </p:txBody>
+      </p:sp>
+      <p:sp>
+        <p:nvSpPr>
+          <p:cNvPr id="3" name="Content Placeholder 2"/>
+          <p:cNvSpPr>
+            <a:spLocks noGrp="1"/>
+          </p:cNvSpPr>
+          <p:nvPr>
+            <p:ph idx="1"/>
+          </p:nvPr>
+        </p:nvSpPr>
+        <p:spPr/>
+        <p:txBody>
+          <a:bodyPr/>
+          <a:lstStyle/>
+          <a:p>
+            <a:r>
+              <a:rPr lang="en-US" dirty="0" smtClean="0"/>
+              <a:t>A web-based python editor</a:t>
+            </a:r>
+          </a:p>
+          <a:p>
+            <a:pPr lvl="1"/>
+            <a:r>
+              <a:rPr lang="en-US" dirty="0" smtClean="0"/>
+              <a:t>Automatic syntax highlighting, indentation, and tab completion</a:t>
+            </a:r>
+          </a:p>
+          <a:p>
+            <a:r>
+              <a:rPr lang="en-US" dirty="0" smtClean="0"/>
+              <a:t>Shows inputs and outputs</a:t>
+            </a:r>
+          </a:p>
+          <a:p>
+            <a:r>
+              <a:rPr lang="en-US" dirty="0"/>
+              <a:t>C</a:t>
+            </a:r>
+            <a:r>
+              <a:rPr lang="en-US" dirty="0" smtClean="0"/>
+              <a:t>an be used to document an entire project</a:t>
+            </a:r>
+          </a:p>
+          <a:p>
+            <a:r>
+              <a:rPr lang="en-US" dirty="0" smtClean="0"/>
+              <a:t>Go to any directory and type </a:t>
+            </a:r>
+            <a:r>
+              <a:rPr lang="en-US" dirty="0" err="1" smtClean="0">
+                <a:latin typeface="Consolas" panose="020B0609020204030204" pitchFamily="49" charset="0"/>
+              </a:rPr>
+              <a:t>jupyter</a:t>
+            </a:r>
+            <a:r>
+              <a:rPr lang="en-US" dirty="0" smtClean="0">
+                <a:latin typeface="Consolas" panose="020B0609020204030204" pitchFamily="49" charset="0"/>
+              </a:rPr>
+              <a:t> notebook</a:t>
+            </a:r>
+            <a:endParaRPr lang="en-US" dirty="0" smtClean="0"/>
+          </a:p>
+        </p:txBody>
+      </p:sp>
+    </p:spTree>
+    <p:extLst>
+      <p:ext uri="{BB962C8B-B14F-4D97-AF65-F5344CB8AC3E}">
+        <p14:creationId xmlns:p14="http://schemas.microsoft.com/office/powerpoint/2010/main" val="1483925451"/>
+      </p:ext>
+    </p:extLst>
+  </p:cSld>
+  <p:clrMapOvr>
+    <a:masterClrMapping/>
+  </p:clrMapOvr>
+  <p:timing>
+    <p:tnLst>
+      <p:par>
+        <p:cTn id="1" dur="indefinite" restart="never" nodeType="tmRoot"/>
+      </p:par>
+    </p:tnLst>
+  </p:timing>
+</p:sld>
+</file>
+
+<file path=ppt/slides/slide29.xml><?xml version="1.0" encoding="utf-8"?>
+<p:sld xmlns:a="http://schemas.openxmlformats.org/drawingml/2006/main" xmlns:r="http://schemas.openxmlformats.org/officeDocument/2006/relationships" xmlns:p="http://schemas.openxmlformats.org/presentationml/2006/main">
+  <p:cSld>
+    <p:spTree>
+      <p:nvGrpSpPr>
+        <p:cNvPr id="1" name=""/>
+        <p:cNvGrpSpPr/>
+        <p:nvPr/>
+      </p:nvGrpSpPr>
+      <p:grpSpPr>
+        <a:xfrm>
+          <a:off x="0" y="0"/>
+          <a:ext cx="0" cy="0"/>
+          <a:chOff x="0" y="0"/>
+          <a:chExt cx="0" cy="0"/>
+        </a:xfrm>
+      </p:grpSpPr>
+      <p:sp>
+        <p:nvSpPr>
+          <p:cNvPr id="2" name="Title 1"/>
+          <p:cNvSpPr>
+            <a:spLocks noGrp="1"/>
+          </p:cNvSpPr>
+          <p:nvPr>
+            <p:ph type="title"/>
+          </p:nvPr>
+        </p:nvSpPr>
+        <p:spPr/>
+        <p:txBody>
+          <a:bodyPr/>
+          <a:lstStyle/>
+          <a:p>
+            <a:r>
+              <a:rPr lang="en-US" dirty="0" smtClean="0"/>
+              <a:t>Try out </a:t>
+            </a:r>
+            <a:r>
+              <a:rPr lang="en-US" dirty="0" err="1" smtClean="0"/>
+              <a:t>Jupyter</a:t>
+            </a:r>
+            <a:r>
+              <a:rPr lang="en-US" dirty="0" smtClean="0"/>
+              <a:t> Notebooks</a:t>
+            </a:r>
+            <a:endParaRPr lang="en-US" dirty="0"/>
+          </a:p>
+        </p:txBody>
+      </p:sp>
+      <p:sp>
+        <p:nvSpPr>
+          <p:cNvPr id="3" name="Content Placeholder 2"/>
+          <p:cNvSpPr>
+            <a:spLocks noGrp="1"/>
+          </p:cNvSpPr>
+          <p:nvPr>
+            <p:ph idx="1"/>
+          </p:nvPr>
+        </p:nvSpPr>
+        <p:spPr/>
+        <p:txBody>
+          <a:bodyPr/>
+          <a:lstStyle/>
+          <a:p>
+            <a:r>
+              <a:rPr lang="en-US" dirty="0" smtClean="0"/>
+              <a:t>Go to the </a:t>
+            </a:r>
+            <a:r>
+              <a:rPr lang="en-US" dirty="0" err="1" smtClean="0"/>
+              <a:t>Github</a:t>
+            </a:r>
+            <a:r>
+              <a:rPr lang="en-US" dirty="0" smtClean="0"/>
+              <a:t> folder on your computer</a:t>
+            </a:r>
+            <a:endParaRPr lang="en-US" dirty="0"/>
+          </a:p>
+        </p:txBody>
+      </p:sp>
+    </p:spTree>
+    <p:extLst>
+      <p:ext uri="{BB962C8B-B14F-4D97-AF65-F5344CB8AC3E}">
+        <p14:creationId xmlns:p14="http://schemas.microsoft.com/office/powerpoint/2010/main" val="977969788"/>
+      </p:ext>
+    </p:extLst>
+  </p:cSld>
+  <p:clrMapOvr>
+    <a:masterClrMapping/>
+  </p:clrMapOvr>
+  <p:timing>
+    <p:tnLst>
+      <p:par>
+        <p:cTn id="1" dur="indefinite" restart="never" nodeType="tmRoot"/>
+      </p:par>
+    </p:tnLst>
+  </p:timing>
+</p:sld>
+</file>
+
+<file path=ppt/slides/slide3.xml><?xml version="1.0" encoding="utf-8"?>
+<p:sld xmlns:a="http://schemas.openxmlformats.org/drawingml/2006/main" xmlns:r="http://schemas.openxmlformats.org/officeDocument/2006/relationships" xmlns:p="http://schemas.openxmlformats.org/presentationml/2006/main">
+  <p:cSld>
+    <p:spTree>
+      <p:nvGrpSpPr>
+        <p:cNvPr id="1" name=""/>
+        <p:cNvGrpSpPr/>
+        <p:nvPr/>
+      </p:nvGrpSpPr>
+      <p:grpSpPr>
+        <a:xfrm>
+          <a:off x="0" y="0"/>
+          <a:ext cx="0" cy="0"/>
+          <a:chOff x="0" y="0"/>
+          <a:chExt cx="0" cy="0"/>
+        </a:xfrm>
+      </p:grpSpPr>
+      <p:sp>
+        <p:nvSpPr>
+          <p:cNvPr id="2" name="Title 1"/>
+          <p:cNvSpPr>
+            <a:spLocks noGrp="1"/>
+          </p:cNvSpPr>
+          <p:nvPr>
+            <p:ph type="title"/>
+          </p:nvPr>
+        </p:nvSpPr>
+        <p:spPr/>
+        <p:txBody>
+          <a:bodyPr/>
+          <a:lstStyle/>
+          <a:p>
+            <a:r>
+              <a:rPr lang="en-US" dirty="0" smtClean="0"/>
+              <a:t>Setting Expectations</a:t>
+            </a:r>
+            <a:endParaRPr lang="en-US" dirty="0"/>
+          </a:p>
+        </p:txBody>
+      </p:sp>
+      <p:sp>
+        <p:nvSpPr>
+          <p:cNvPr id="3" name="Content Placeholder 2"/>
+          <p:cNvSpPr>
+            <a:spLocks noGrp="1"/>
+          </p:cNvSpPr>
+          <p:nvPr>
+            <p:ph idx="1"/>
+          </p:nvPr>
+        </p:nvSpPr>
+        <p:spPr/>
+        <p:txBody>
+          <a:bodyPr/>
+          <a:lstStyle/>
+          <a:p>
+            <a:r>
+              <a:rPr lang="en-US" dirty="0" smtClean="0"/>
+              <a:t>We have 3 hours</a:t>
+            </a:r>
+          </a:p>
+          <a:p>
+            <a:r>
+              <a:rPr lang="en-US" dirty="0" smtClean="0"/>
+              <a:t>I am not an expert</a:t>
+            </a:r>
+          </a:p>
+          <a:p>
+            <a:r>
+              <a:rPr lang="en-US" dirty="0" smtClean="0"/>
+              <a:t>Most of this is based on my personal experience</a:t>
+            </a:r>
+          </a:p>
+          <a:p>
+            <a:r>
+              <a:rPr lang="en-US" dirty="0" smtClean="0"/>
+              <a:t>Learning and retaining requires additional work</a:t>
+            </a:r>
+          </a:p>
+          <a:p>
+            <a:pPr lvl="1"/>
+            <a:r>
+              <a:rPr lang="en-US" dirty="0" smtClean="0"/>
+              <a:t>Create excuses to use what you’ve learned</a:t>
+            </a:r>
+          </a:p>
+          <a:p>
+            <a:r>
+              <a:rPr lang="en-US" dirty="0" smtClean="0"/>
+              <a:t>There is a WIDE range of backgrounds and experience levels here. Please participate!</a:t>
+            </a:r>
+          </a:p>
+        </p:txBody>
+      </p:sp>
+    </p:spTree>
+    <p:extLst>
+      <p:ext uri="{BB962C8B-B14F-4D97-AF65-F5344CB8AC3E}">
+        <p14:creationId xmlns:p14="http://schemas.microsoft.com/office/powerpoint/2010/main" val="3022489031"/>
+      </p:ext>
+    </p:extLst>
+  </p:cSld>
+  <p:clrMapOvr>
+    <a:masterClrMapping/>
+  </p:clrMapOvr>
+  <p:timing>
+    <p:tnLst>
+      <p:par>
+        <p:cTn id="1" dur="indefinite" restart="never" nodeType="tmRoot"/>
+      </p:par>
+    </p:tnLst>
+  </p:timing>
+</p:sld>
+</file>
+
+<file path=ppt/slides/slide30.xml><?xml version="1.0" encoding="utf-8"?>
+<p:sld xmlns:a="http://schemas.openxmlformats.org/drawingml/2006/main" xmlns:r="http://schemas.openxmlformats.org/officeDocument/2006/relationships" xmlns:p="http://schemas.openxmlformats.org/presentationml/2006/main">
+  <p:cSld>
+    <p:spTree>
+      <p:nvGrpSpPr>
+        <p:cNvPr id="1" name=""/>
+        <p:cNvGrpSpPr/>
+        <p:nvPr/>
+      </p:nvGrpSpPr>
+      <p:grpSpPr>
+        <a:xfrm>
+          <a:off x="0" y="0"/>
+          <a:ext cx="0" cy="0"/>
+          <a:chOff x="0" y="0"/>
+          <a:chExt cx="0" cy="0"/>
+        </a:xfrm>
+      </p:grpSpPr>
+      <p:sp>
+        <p:nvSpPr>
+          <p:cNvPr id="2" name="Title 1"/>
+          <p:cNvSpPr>
+            <a:spLocks noGrp="1"/>
+          </p:cNvSpPr>
+          <p:nvPr>
+            <p:ph type="title"/>
+          </p:nvPr>
+        </p:nvSpPr>
+        <p:spPr/>
+        <p:txBody>
+          <a:bodyPr/>
+          <a:lstStyle/>
+          <a:p>
+            <a:r>
+              <a:rPr lang="en-US" dirty="0" smtClean="0"/>
+              <a:t>Data Analysis Gateway Drug</a:t>
+            </a:r>
+            <a:endParaRPr lang="en-US" dirty="0"/>
+          </a:p>
+        </p:txBody>
+      </p:sp>
+      <p:sp>
+        <p:nvSpPr>
+          <p:cNvPr id="3" name="Content Placeholder 2"/>
+          <p:cNvSpPr>
+            <a:spLocks noGrp="1"/>
+          </p:cNvSpPr>
+          <p:nvPr>
+            <p:ph idx="1"/>
+          </p:nvPr>
+        </p:nvSpPr>
+        <p:spPr/>
+        <p:txBody>
+          <a:bodyPr/>
+          <a:lstStyle/>
+          <a:p>
+            <a:pPr marL="0" indent="0">
+              <a:buNone/>
+            </a:pPr>
+            <a:r>
+              <a:rPr lang="en-US" dirty="0" smtClean="0"/>
+              <a:t>Step 1) Become familiar with python</a:t>
+            </a:r>
+          </a:p>
+          <a:p>
+            <a:pPr marL="0" indent="0">
+              <a:buNone/>
+            </a:pPr>
+            <a:r>
+              <a:rPr lang="en-US" dirty="0" smtClean="0"/>
+              <a:t>Step 2) Be comfortable using it </a:t>
+            </a:r>
+            <a:endParaRPr lang="en-US" dirty="0"/>
+          </a:p>
+        </p:txBody>
+      </p:sp>
+    </p:spTree>
+    <p:extLst>
+      <p:ext uri="{BB962C8B-B14F-4D97-AF65-F5344CB8AC3E}">
+        <p14:creationId xmlns:p14="http://schemas.microsoft.com/office/powerpoint/2010/main" val="2782468503"/>
+      </p:ext>
+    </p:extLst>
+  </p:cSld>
+  <p:clrMapOvr>
+    <a:masterClrMapping/>
+  </p:clrMapOvr>
+  <p:timing>
+    <p:tnLst>
+      <p:par>
+        <p:cTn id="1" dur="indefinite" restart="never" nodeType="tmRoot"/>
+      </p:par>
+    </p:tnLst>
+  </p:timing>
+</p:sld>
+</file>
+
+<file path=ppt/slides/slide31.xml><?xml version="1.0" encoding="utf-8"?>
+<p:sld xmlns:a="http://schemas.openxmlformats.org/drawingml/2006/main" xmlns:r="http://schemas.openxmlformats.org/officeDocument/2006/relationships" xmlns:p="http://schemas.openxmlformats.org/presentationml/2006/main">
+  <p:cSld>
+    <p:spTree>
+      <p:nvGrpSpPr>
+        <p:cNvPr id="1" name=""/>
+        <p:cNvGrpSpPr/>
+        <p:nvPr/>
+      </p:nvGrpSpPr>
+      <p:grpSpPr>
+        <a:xfrm>
+          <a:off x="0" y="0"/>
+          <a:ext cx="0" cy="0"/>
+          <a:chOff x="0" y="0"/>
+          <a:chExt cx="0" cy="0"/>
+        </a:xfrm>
+      </p:grpSpPr>
+      <p:sp>
+        <p:nvSpPr>
+          <p:cNvPr id="2" name="Title 1"/>
+          <p:cNvSpPr>
+            <a:spLocks noGrp="1"/>
+          </p:cNvSpPr>
+          <p:nvPr>
+            <p:ph type="title"/>
+          </p:nvPr>
+        </p:nvSpPr>
+        <p:spPr/>
+        <p:txBody>
+          <a:bodyPr/>
+          <a:lstStyle/>
+          <a:p>
+            <a:r>
+              <a:rPr lang="en-US" dirty="0" smtClean="0"/>
+              <a:t>“You’re going to need a bigger weapon”</a:t>
+            </a:r>
+            <a:endParaRPr lang="en-US" dirty="0"/>
+          </a:p>
+        </p:txBody>
+      </p:sp>
+      <p:sp>
+        <p:nvSpPr>
+          <p:cNvPr id="3" name="Content Placeholder 2"/>
+          <p:cNvSpPr>
+            <a:spLocks noGrp="1"/>
+          </p:cNvSpPr>
+          <p:nvPr>
+            <p:ph idx="1"/>
+          </p:nvPr>
+        </p:nvSpPr>
+        <p:spPr/>
+        <p:txBody>
+          <a:bodyPr/>
+          <a:lstStyle/>
+          <a:p>
+            <a:endParaRPr lang="en-US" dirty="0"/>
+          </a:p>
+        </p:txBody>
+      </p:sp>
+    </p:spTree>
+    <p:extLst>
+      <p:ext uri="{BB962C8B-B14F-4D97-AF65-F5344CB8AC3E}">
+        <p14:creationId xmlns:p14="http://schemas.microsoft.com/office/powerpoint/2010/main" val="1027691194"/>
+      </p:ext>
+    </p:extLst>
+  </p:cSld>
+  <p:clrMapOvr>
+    <a:masterClrMapping/>
+  </p:clrMapOvr>
+  <p:timing>
+    <p:tnLst>
+      <p:par>
+        <p:cTn id="1" dur="indefinite" restart="never" nodeType="tmRoot"/>
+      </p:par>
+    </p:tnLst>
+  </p:timing>
+</p:sld>
+</file>
+
+<file path=ppt/slides/slide32.xml><?xml version="1.0" encoding="utf-8"?>
 <p:sld xmlns:a="http://schemas.openxmlformats.org/drawingml/2006/main" xmlns:r="http://schemas.openxmlformats.org/officeDocument/2006/relationships" xmlns:p="http://schemas.openxmlformats.org/presentationml/2006/main">
   <p:cSld>
     <p:spTree>
@@ -7333,7 +11653,12 @@
               <a:rPr lang="en-US" dirty="0" smtClean="0"/>
               <a:t>What do you do with it?</a:t>
             </a:r>
-            <a:endParaRPr lang="en-US" dirty="0" smtClean="0"/>
+          </a:p>
+          <a:p>
+            <a:r>
+              <a:rPr lang="en-US" dirty="0" smtClean="0"/>
+              <a:t>What’s different if you are expecting the same batch of data every month?</a:t>
+            </a:r>
           </a:p>
         </p:txBody>
       </p:sp>
@@ -7563,7 +11888,7 @@
 </p:sld>
 </file>
 
-<file path=ppt/slides/slide16.xml><?xml version="1.0" encoding="utf-8"?>
+<file path=ppt/slides/slide33.xml><?xml version="1.0" encoding="utf-8"?>
 <p:sld xmlns:a="http://schemas.openxmlformats.org/drawingml/2006/main" xmlns:r="http://schemas.openxmlformats.org/officeDocument/2006/relationships" xmlns:p="http://schemas.openxmlformats.org/presentationml/2006/main">
   <p:cSld>
     <p:spTree>
@@ -7590,336 +11915,14 @@
             <p:ph type="title"/>
           </p:nvPr>
         </p:nvSpPr>
-        <p:spPr>
-          <a:xfrm>
-            <a:off x="688063" y="193109"/>
-            <a:ext cx="10515600" cy="1325563"/>
-          </a:xfrm>
-        </p:spPr>
+        <p:spPr/>
         <p:txBody>
           <a:bodyPr/>
           <a:lstStyle/>
           <a:p>
             <a:r>
               <a:rPr lang="en-US" dirty="0" smtClean="0"/>
-              <a:t>Behind the Scenes</a:t>
-            </a:r>
-            <a:endParaRPr lang="en-US" dirty="0"/>
-          </a:p>
-        </p:txBody>
-      </p:sp>
-      <p:sp>
-        <p:nvSpPr>
-          <p:cNvPr id="4" name="TextBox 3"/>
-          <p:cNvSpPr txBox="1"/>
-          <p:nvPr/>
-        </p:nvSpPr>
-        <p:spPr>
-          <a:xfrm>
-            <a:off x="914400" y="1518672"/>
-            <a:ext cx="4418092" cy="923330"/>
-          </a:xfrm>
-          <a:prstGeom prst="rect">
-            <a:avLst/>
-          </a:prstGeom>
-          <a:ln w="28575"/>
-        </p:spPr>
-        <p:style>
-          <a:lnRef idx="2">
-            <a:schemeClr val="accent1"/>
-          </a:lnRef>
-          <a:fillRef idx="1">
-            <a:schemeClr val="lt1"/>
-          </a:fillRef>
-          <a:effectRef idx="0">
-            <a:schemeClr val="accent1"/>
-          </a:effectRef>
-          <a:fontRef idx="minor">
-            <a:schemeClr val="dk1"/>
-          </a:fontRef>
-        </p:style>
-        <p:txBody>
-          <a:bodyPr wrap="square" rtlCol="0">
-            <a:spAutoFit/>
-          </a:bodyPr>
-          <a:lstStyle/>
-          <a:p>
-            <a:r>
-              <a:rPr lang="en-US" b="1" u="sng" dirty="0" smtClean="0">
-                <a:latin typeface="Consolas" panose="020B0609020204030204" pitchFamily="49" charset="0"/>
-              </a:rPr>
-              <a:t>monkeybusiness.py</a:t>
-            </a:r>
-          </a:p>
-          <a:p>
-            <a:r>
-              <a:rPr lang="en-US" dirty="0" smtClean="0">
-                <a:latin typeface="Consolas" panose="020B0609020204030204" pitchFamily="49" charset="0"/>
-              </a:rPr>
-              <a:t>print(“</a:t>
-            </a:r>
-            <a:r>
-              <a:rPr lang="en-US" dirty="0" err="1" smtClean="0">
-                <a:latin typeface="Consolas" panose="020B0609020204030204" pitchFamily="49" charset="0"/>
-              </a:rPr>
-              <a:t>Hola</a:t>
-            </a:r>
-            <a:r>
-              <a:rPr lang="en-US" dirty="0" smtClean="0">
-                <a:latin typeface="Consolas" panose="020B0609020204030204" pitchFamily="49" charset="0"/>
-              </a:rPr>
-              <a:t>!”)</a:t>
-            </a:r>
-          </a:p>
-          <a:p>
-            <a:r>
-              <a:rPr lang="en-US" dirty="0" smtClean="0">
-                <a:latin typeface="Consolas" panose="020B0609020204030204" pitchFamily="49" charset="0"/>
-              </a:rPr>
-              <a:t>print(“el mono come la </a:t>
-            </a:r>
-            <a:r>
-              <a:rPr lang="en-US" dirty="0" err="1" smtClean="0">
-                <a:latin typeface="Consolas" panose="020B0609020204030204" pitchFamily="49" charset="0"/>
-              </a:rPr>
-              <a:t>manzana</a:t>
-            </a:r>
-            <a:r>
-              <a:rPr lang="en-US" dirty="0" smtClean="0">
-                <a:latin typeface="Consolas" panose="020B0609020204030204" pitchFamily="49" charset="0"/>
-              </a:rPr>
-              <a:t>”)</a:t>
-            </a:r>
-            <a:endParaRPr lang="en-US" dirty="0">
-              <a:latin typeface="Consolas" panose="020B0609020204030204" pitchFamily="49" charset="0"/>
-            </a:endParaRPr>
-          </a:p>
-        </p:txBody>
-      </p:sp>
-      <p:sp>
-        <p:nvSpPr>
-          <p:cNvPr id="6" name="TextBox 5"/>
-          <p:cNvSpPr txBox="1"/>
-          <p:nvPr/>
-        </p:nvSpPr>
-        <p:spPr>
-          <a:xfrm>
-            <a:off x="914400" y="2854735"/>
-            <a:ext cx="4418092" cy="369332"/>
-          </a:xfrm>
-          <a:prstGeom prst="rect">
-            <a:avLst/>
-          </a:prstGeom>
-          <a:ln w="28575"/>
-        </p:spPr>
-        <p:style>
-          <a:lnRef idx="2">
-            <a:schemeClr val="accent1"/>
-          </a:lnRef>
-          <a:fillRef idx="1">
-            <a:schemeClr val="lt1"/>
-          </a:fillRef>
-          <a:effectRef idx="0">
-            <a:schemeClr val="accent1"/>
-          </a:effectRef>
-          <a:fontRef idx="minor">
-            <a:schemeClr val="dk1"/>
-          </a:fontRef>
-        </p:style>
-        <p:txBody>
-          <a:bodyPr wrap="square" rtlCol="0">
-            <a:spAutoFit/>
-          </a:bodyPr>
-          <a:lstStyle/>
-          <a:p>
-            <a:r>
-              <a:rPr lang="en-US" dirty="0" smtClean="0">
-                <a:latin typeface="Consolas" panose="020B0609020204030204" pitchFamily="49" charset="0"/>
-              </a:rPr>
-              <a:t>C:\&gt; python monkeybusiness.py</a:t>
-            </a:r>
-            <a:endParaRPr lang="en-US" dirty="0">
-              <a:latin typeface="Consolas" panose="020B0609020204030204" pitchFamily="49" charset="0"/>
-            </a:endParaRPr>
-          </a:p>
-        </p:txBody>
-      </p:sp>
-      <p:sp>
-        <p:nvSpPr>
-          <p:cNvPr id="7" name="TextBox 6"/>
-          <p:cNvSpPr txBox="1"/>
-          <p:nvPr/>
-        </p:nvSpPr>
-        <p:spPr>
-          <a:xfrm>
-            <a:off x="5785164" y="2854735"/>
-            <a:ext cx="5792098" cy="369332"/>
-          </a:xfrm>
-          <a:prstGeom prst="rect">
-            <a:avLst/>
-          </a:prstGeom>
-          <a:noFill/>
-        </p:spPr>
-        <p:txBody>
-          <a:bodyPr wrap="none" rtlCol="0">
-            <a:spAutoFit/>
-          </a:bodyPr>
-          <a:lstStyle/>
-          <a:p>
-            <a:r>
-              <a:rPr lang="en-US" dirty="0" smtClean="0"/>
-              <a:t>If you installed Anaconda correctly, this will work anywhere</a:t>
-            </a:r>
-            <a:endParaRPr lang="en-US" dirty="0"/>
-          </a:p>
-        </p:txBody>
-      </p:sp>
-      <p:sp>
-        <p:nvSpPr>
-          <p:cNvPr id="8" name="TextBox 7"/>
-          <p:cNvSpPr txBox="1"/>
-          <p:nvPr/>
-        </p:nvSpPr>
-        <p:spPr>
-          <a:xfrm>
-            <a:off x="840463" y="3582899"/>
-            <a:ext cx="9370770" cy="369332"/>
-          </a:xfrm>
-          <a:prstGeom prst="rect">
-            <a:avLst/>
-          </a:prstGeom>
-          <a:noFill/>
-        </p:spPr>
-        <p:txBody>
-          <a:bodyPr wrap="none" rtlCol="0">
-            <a:spAutoFit/>
-          </a:bodyPr>
-          <a:lstStyle/>
-          <a:p>
-            <a:r>
-              <a:rPr lang="en-US" dirty="0" smtClean="0"/>
-              <a:t>Python checks your file for obvious mistakes and compiles it to bytecode, then immediately runs it.</a:t>
-            </a:r>
-            <a:endParaRPr lang="en-US" dirty="0"/>
-          </a:p>
-        </p:txBody>
-      </p:sp>
-      <p:sp>
-        <p:nvSpPr>
-          <p:cNvPr id="11" name="TextBox 10"/>
-          <p:cNvSpPr txBox="1"/>
-          <p:nvPr/>
-        </p:nvSpPr>
-        <p:spPr>
-          <a:xfrm>
-            <a:off x="5785164" y="1443931"/>
-            <a:ext cx="3506409" cy="646331"/>
-          </a:xfrm>
-          <a:prstGeom prst="rect">
-            <a:avLst/>
-          </a:prstGeom>
-          <a:noFill/>
-        </p:spPr>
-        <p:txBody>
-          <a:bodyPr wrap="none" rtlCol="0">
-            <a:spAutoFit/>
-          </a:bodyPr>
-          <a:lstStyle/>
-          <a:p>
-            <a:r>
-              <a:rPr lang="en-US" dirty="0" smtClean="0"/>
-              <a:t>You can type this in any text editor. </a:t>
-            </a:r>
-            <a:br>
-              <a:rPr lang="en-US" dirty="0" smtClean="0"/>
-            </a:br>
-            <a:r>
-              <a:rPr lang="en-US" dirty="0" smtClean="0"/>
-              <a:t>Some are more helpful than others</a:t>
-            </a:r>
-            <a:endParaRPr lang="en-US" dirty="0"/>
-          </a:p>
-        </p:txBody>
-      </p:sp>
-      <p:pic>
-        <p:nvPicPr>
-          <p:cNvPr id="12" name="Picture 11"/>
-          <p:cNvPicPr>
-            <a:picLocks noChangeAspect="1"/>
-          </p:cNvPicPr>
-          <p:nvPr/>
-        </p:nvPicPr>
-        <p:blipFill>
-          <a:blip r:embed="rId2"/>
-          <a:stretch>
-            <a:fillRect/>
-          </a:stretch>
-        </p:blipFill>
-        <p:spPr>
-          <a:xfrm>
-            <a:off x="914400" y="4287638"/>
-            <a:ext cx="4057650" cy="1323975"/>
-          </a:xfrm>
-          <a:prstGeom prst="rect">
-            <a:avLst/>
-          </a:prstGeom>
-        </p:spPr>
-      </p:pic>
-    </p:spTree>
-    <p:extLst>
-      <p:ext uri="{BB962C8B-B14F-4D97-AF65-F5344CB8AC3E}">
-        <p14:creationId xmlns:p14="http://schemas.microsoft.com/office/powerpoint/2010/main" val="2256355320"/>
-      </p:ext>
-    </p:extLst>
-  </p:cSld>
-  <p:clrMapOvr>
-    <a:masterClrMapping/>
-  </p:clrMapOvr>
-  <p:timing>
-    <p:tnLst>
-      <p:par>
-        <p:cTn id="1" dur="indefinite" restart="never" nodeType="tmRoot"/>
-      </p:par>
-    </p:tnLst>
-  </p:timing>
-</p:sld>
-</file>
-
-<file path=ppt/slides/slide17.xml><?xml version="1.0" encoding="utf-8"?>
-<p:sld xmlns:a="http://schemas.openxmlformats.org/drawingml/2006/main" xmlns:r="http://schemas.openxmlformats.org/officeDocument/2006/relationships" xmlns:p="http://schemas.openxmlformats.org/presentationml/2006/main">
-  <p:cSld>
-    <p:spTree>
-      <p:nvGrpSpPr>
-        <p:cNvPr id="1" name=""/>
-        <p:cNvGrpSpPr/>
-        <p:nvPr/>
-      </p:nvGrpSpPr>
-      <p:grpSpPr>
-        <a:xfrm>
-          <a:off x="0" y="0"/>
-          <a:ext cx="0" cy="0"/>
-          <a:chOff x="0" y="0"/>
-          <a:chExt cx="0" cy="0"/>
-        </a:xfrm>
-      </p:grpSpPr>
-      <p:sp>
-        <p:nvSpPr>
-          <p:cNvPr id="2" name="Title 1"/>
-          <p:cNvSpPr>
-            <a:spLocks noGrp="1"/>
-          </p:cNvSpPr>
-          <p:nvPr>
-            <p:ph type="title"/>
-          </p:nvPr>
-        </p:nvSpPr>
-        <p:spPr/>
-        <p:txBody>
-          <a:bodyPr/>
-          <a:lstStyle/>
-          <a:p>
-            <a:r>
-              <a:rPr lang="en-US" dirty="0" smtClean="0"/>
-              <a:t>How can I use Python?</a:t>
+              <a:t>What tools do we have?</a:t>
             </a:r>
             <a:endParaRPr lang="en-US" dirty="0"/>
           </a:p>
@@ -7942,129 +11945,31 @@
           <a:p>
             <a:r>
               <a:rPr lang="en-US" dirty="0" smtClean="0"/>
-              <a:t>type </a:t>
-            </a:r>
-            <a:r>
-              <a:rPr lang="en-US" dirty="0" smtClean="0">
-                <a:latin typeface="Consolas" panose="020B0609020204030204" pitchFamily="49" charset="0"/>
-              </a:rPr>
-              <a:t>python</a:t>
-            </a:r>
-            <a:r>
-              <a:rPr lang="en-US" dirty="0" smtClean="0"/>
-              <a:t> at command prompt to bring up an interactive shell</a:t>
-            </a:r>
-          </a:p>
-          <a:p>
-            <a:r>
-              <a:rPr lang="en-US" dirty="0" smtClean="0"/>
-              <a:t>type </a:t>
-            </a:r>
-            <a:r>
-              <a:rPr lang="en-US" dirty="0" err="1" smtClean="0">
-                <a:latin typeface="Consolas" panose="020B0609020204030204" pitchFamily="49" charset="0"/>
-              </a:rPr>
-              <a:t>ipython</a:t>
-            </a:r>
-            <a:r>
-              <a:rPr lang="en-US" dirty="0" smtClean="0"/>
-              <a:t> at the command prompt to bring up a more helpful interactive shell!</a:t>
-            </a:r>
-          </a:p>
-          <a:p>
-            <a:r>
-              <a:rPr lang="en-US" dirty="0" smtClean="0"/>
-              <a:t>Write a program and save it as a </a:t>
-            </a:r>
-            <a:r>
-              <a:rPr lang="en-US" dirty="0" smtClean="0">
-                <a:latin typeface="Consolas" panose="020B0609020204030204" pitchFamily="49" charset="0"/>
-              </a:rPr>
-              <a:t>*.</a:t>
-            </a:r>
-            <a:r>
-              <a:rPr lang="en-US" dirty="0" err="1" smtClean="0">
-                <a:latin typeface="Consolas" panose="020B0609020204030204" pitchFamily="49" charset="0"/>
-              </a:rPr>
-              <a:t>py</a:t>
-            </a:r>
-            <a:r>
-              <a:rPr lang="en-US" dirty="0" smtClean="0">
-                <a:latin typeface="Consolas" panose="020B0609020204030204" pitchFamily="49" charset="0"/>
-              </a:rPr>
-              <a:t> </a:t>
-            </a:r>
-            <a:r>
-              <a:rPr lang="en-US" dirty="0" smtClean="0"/>
-              <a:t>file. Run it on the command prompt by typing </a:t>
-            </a:r>
-            <a:r>
-              <a:rPr lang="en-US" dirty="0" smtClean="0">
-                <a:latin typeface="Consolas" panose="020B0609020204030204" pitchFamily="49" charset="0"/>
-              </a:rPr>
-              <a:t>python *.</a:t>
-            </a:r>
-            <a:r>
-              <a:rPr lang="en-US" dirty="0" err="1" smtClean="0">
-                <a:latin typeface="Consolas" panose="020B0609020204030204" pitchFamily="49" charset="0"/>
-              </a:rPr>
-              <a:t>py</a:t>
-            </a:r>
-            <a:endParaRPr lang="en-US" dirty="0" smtClean="0">
-              <a:latin typeface="Consolas" panose="020B0609020204030204" pitchFamily="49" charset="0"/>
-            </a:endParaRPr>
-          </a:p>
-          <a:p>
-            <a:r>
-              <a:rPr lang="en-US" dirty="0" smtClean="0"/>
-              <a:t>Use an editor with python integrated into it, such as </a:t>
-            </a:r>
-            <a:r>
-              <a:rPr lang="en-US" dirty="0" err="1" smtClean="0"/>
-              <a:t>PyCharm</a:t>
-            </a:r>
-            <a:r>
-              <a:rPr lang="en-US" dirty="0" smtClean="0"/>
-              <a:t>, </a:t>
-            </a:r>
-            <a:r>
-              <a:rPr lang="en-US" dirty="0" err="1" smtClean="0"/>
-              <a:t>Spyder</a:t>
-            </a:r>
-            <a:r>
-              <a:rPr lang="en-US" dirty="0" smtClean="0"/>
-              <a:t>, Microsoft Visual Code, etc. IDLE is not recommended.</a:t>
-            </a:r>
-          </a:p>
-          <a:p>
-            <a:r>
-              <a:rPr lang="en-US" dirty="0" smtClean="0"/>
-              <a:t>Use </a:t>
-            </a:r>
-            <a:r>
-              <a:rPr lang="en-US" dirty="0" err="1" smtClean="0"/>
-              <a:t>jupyter</a:t>
-            </a:r>
-            <a:r>
-              <a:rPr lang="en-US" dirty="0" smtClean="0"/>
-              <a:t> notebooks. Type </a:t>
-            </a:r>
-            <a:r>
-              <a:rPr lang="en-US" dirty="0" err="1" smtClean="0">
-                <a:latin typeface="Consolas" panose="020B0609020204030204" pitchFamily="49" charset="0"/>
-              </a:rPr>
-              <a:t>jupyter</a:t>
-            </a:r>
-            <a:r>
-              <a:rPr lang="en-US" dirty="0" smtClean="0">
-                <a:latin typeface="Consolas" panose="020B0609020204030204" pitchFamily="49" charset="0"/>
-              </a:rPr>
-              <a:t> notebook </a:t>
-            </a:r>
-            <a:r>
-              <a:rPr lang="en-US" dirty="0" smtClean="0"/>
-              <a:t>to begin.</a:t>
-            </a:r>
+              <a:t>Excel</a:t>
+            </a:r>
+          </a:p>
+          <a:p>
+            <a:pPr lvl="1"/>
+            <a:r>
+              <a:rPr lang="en-US" dirty="0" smtClean="0"/>
+              <a:t>Organize messy data</a:t>
+            </a:r>
+          </a:p>
+          <a:p>
+            <a:pPr lvl="1"/>
+            <a:r>
+              <a:rPr lang="en-US" dirty="0" smtClean="0"/>
+              <a:t>Flexible</a:t>
+            </a:r>
+          </a:p>
+          <a:p>
+            <a:pPr lvl="1"/>
+            <a:endParaRPr lang="en-US" dirty="0" smtClean="0"/>
+          </a:p>
+          <a:p>
+            <a:endParaRPr lang="en-US" dirty="0" smtClean="0"/>
+          </a:p>
+          <a:p>
             <a:endParaRPr lang="en-US" dirty="0"/>
           </a:p>
         </p:txBody>
@@ -8072,1945 +11977,7 @@
     </p:spTree>
     <p:extLst>
       <p:ext uri="{BB962C8B-B14F-4D97-AF65-F5344CB8AC3E}">
-        <p14:creationId xmlns:p14="http://schemas.microsoft.com/office/powerpoint/2010/main" val="2442070205"/>
-      </p:ext>
-    </p:extLst>
-  </p:cSld>
-  <p:clrMapOvr>
-    <a:masterClrMapping/>
-  </p:clrMapOvr>
-  <p:timing>
-    <p:tnLst>
-      <p:par>
-        <p:cTn id="1" dur="indefinite" restart="never" nodeType="tmRoot">
-          <p:childTnLst>
-            <p:seq concurrent="1" nextAc="seek">
-              <p:cTn id="2" dur="indefinite" nodeType="mainSeq">
-                <p:childTnLst>
-                  <p:par>
-                    <p:cTn id="3" fill="hold">
-                      <p:stCondLst>
-                        <p:cond delay="indefinite"/>
-                      </p:stCondLst>
-                      <p:childTnLst>
-                        <p:par>
-                          <p:cTn id="4" fill="hold">
-                            <p:stCondLst>
-                              <p:cond delay="0"/>
-                            </p:stCondLst>
-                            <p:childTnLst>
-                              <p:par>
-                                <p:cTn id="5" presetID="9" presetClass="emph" presetSubtype="0" nodeType="clickEffect">
-                                  <p:stCondLst>
-                                    <p:cond delay="0"/>
-                                  </p:stCondLst>
-                                  <p:childTnLst>
-                                    <p:set>
-                                      <p:cBhvr rctx="PPT">
-                                        <p:cTn id="6" dur="indefinite"/>
-                                        <p:tgtEl>
-                                          <p:spTgt spid="3">
-                                            <p:txEl>
-                                              <p:pRg st="0" end="0"/>
-                                            </p:txEl>
-                                          </p:spTgt>
-                                        </p:tgtEl>
-                                        <p:attrNameLst>
-                                          <p:attrName>style.opacity</p:attrName>
-                                        </p:attrNameLst>
-                                      </p:cBhvr>
-                                      <p:to>
-                                        <p:strVal val="0.5"/>
-                                      </p:to>
-                                    </p:set>
-                                    <p:animEffect filter="image" prLst="opacity: 0.5">
-                                      <p:cBhvr rctx="IE">
-                                        <p:cTn id="7" dur="indefinite"/>
-                                        <p:tgtEl>
-                                          <p:spTgt spid="3">
-                                            <p:txEl>
-                                              <p:pRg st="0" end="0"/>
-                                            </p:txEl>
-                                          </p:spTgt>
-                                        </p:tgtEl>
-                                      </p:cBhvr>
-                                    </p:animEffect>
-                                  </p:childTnLst>
-                                </p:cTn>
-                              </p:par>
-                              <p:par>
-                                <p:cTn id="8" presetID="9" presetClass="emph" presetSubtype="0" nodeType="withEffect">
-                                  <p:stCondLst>
-                                    <p:cond delay="0"/>
-                                  </p:stCondLst>
-                                  <p:childTnLst>
-                                    <p:set>
-                                      <p:cBhvr rctx="PPT">
-                                        <p:cTn id="9" dur="indefinite"/>
-                                        <p:tgtEl>
-                                          <p:spTgt spid="3">
-                                            <p:txEl>
-                                              <p:pRg st="1" end="1"/>
-                                            </p:txEl>
-                                          </p:spTgt>
-                                        </p:tgtEl>
-                                        <p:attrNameLst>
-                                          <p:attrName>style.opacity</p:attrName>
-                                        </p:attrNameLst>
-                                      </p:cBhvr>
-                                      <p:to>
-                                        <p:strVal val="0.5"/>
-                                      </p:to>
-                                    </p:set>
-                                    <p:animEffect filter="image" prLst="opacity: 0.5">
-                                      <p:cBhvr rctx="IE">
-                                        <p:cTn id="10" dur="indefinite"/>
-                                        <p:tgtEl>
-                                          <p:spTgt spid="3">
-                                            <p:txEl>
-                                              <p:pRg st="1" end="1"/>
-                                            </p:txEl>
-                                          </p:spTgt>
-                                        </p:tgtEl>
-                                      </p:cBhvr>
-                                    </p:animEffect>
-                                  </p:childTnLst>
-                                </p:cTn>
-                              </p:par>
-                              <p:par>
-                                <p:cTn id="11" presetID="9" presetClass="emph" presetSubtype="0" nodeType="withEffect">
-                                  <p:stCondLst>
-                                    <p:cond delay="0"/>
-                                  </p:stCondLst>
-                                  <p:childTnLst>
-                                    <p:set>
-                                      <p:cBhvr rctx="PPT">
-                                        <p:cTn id="12" dur="indefinite"/>
-                                        <p:tgtEl>
-                                          <p:spTgt spid="3">
-                                            <p:txEl>
-                                              <p:pRg st="2" end="2"/>
-                                            </p:txEl>
-                                          </p:spTgt>
-                                        </p:tgtEl>
-                                        <p:attrNameLst>
-                                          <p:attrName>style.opacity</p:attrName>
-                                        </p:attrNameLst>
-                                      </p:cBhvr>
-                                      <p:to>
-                                        <p:strVal val="0.5"/>
-                                      </p:to>
-                                    </p:set>
-                                    <p:animEffect filter="image" prLst="opacity: 0.5">
-                                      <p:cBhvr rctx="IE">
-                                        <p:cTn id="13" dur="indefinite"/>
-                                        <p:tgtEl>
-                                          <p:spTgt spid="3">
-                                            <p:txEl>
-                                              <p:pRg st="2" end="2"/>
-                                            </p:txEl>
-                                          </p:spTgt>
-                                        </p:tgtEl>
-                                      </p:cBhvr>
-                                    </p:animEffect>
-                                  </p:childTnLst>
-                                </p:cTn>
-                              </p:par>
-                            </p:childTnLst>
-                          </p:cTn>
-                        </p:par>
-                      </p:childTnLst>
-                    </p:cTn>
-                  </p:par>
-                </p:childTnLst>
-              </p:cTn>
-              <p:prevCondLst>
-                <p:cond evt="onPrev" delay="0">
-                  <p:tgtEl>
-                    <p:sldTgt/>
-                  </p:tgtEl>
-                </p:cond>
-              </p:prevCondLst>
-              <p:nextCondLst>
-                <p:cond evt="onNext" delay="0">
-                  <p:tgtEl>
-                    <p:sldTgt/>
-                  </p:tgtEl>
-                </p:cond>
-              </p:nextCondLst>
-            </p:seq>
-          </p:childTnLst>
-        </p:cTn>
-      </p:par>
-    </p:tnLst>
-  </p:timing>
-</p:sld>
-</file>
-
-<file path=ppt/slides/slide18.xml><?xml version="1.0" encoding="utf-8"?>
-<p:sld xmlns:a="http://schemas.openxmlformats.org/drawingml/2006/main" xmlns:r="http://schemas.openxmlformats.org/officeDocument/2006/relationships" xmlns:p="http://schemas.openxmlformats.org/presentationml/2006/main">
-  <p:cSld>
-    <p:spTree>
-      <p:nvGrpSpPr>
-        <p:cNvPr id="1" name=""/>
-        <p:cNvGrpSpPr/>
-        <p:nvPr/>
-      </p:nvGrpSpPr>
-      <p:grpSpPr>
-        <a:xfrm>
-          <a:off x="0" y="0"/>
-          <a:ext cx="0" cy="0"/>
-          <a:chOff x="0" y="0"/>
-          <a:chExt cx="0" cy="0"/>
-        </a:xfrm>
-      </p:grpSpPr>
-      <p:sp>
-        <p:nvSpPr>
-          <p:cNvPr id="2" name="Title 1"/>
-          <p:cNvSpPr>
-            <a:spLocks noGrp="1"/>
-          </p:cNvSpPr>
-          <p:nvPr>
-            <p:ph type="title"/>
-          </p:nvPr>
-        </p:nvSpPr>
-        <p:spPr/>
-        <p:txBody>
-          <a:bodyPr/>
-          <a:lstStyle/>
-          <a:p>
-            <a:r>
-              <a:rPr lang="en-US" dirty="0" smtClean="0"/>
-              <a:t>What do I use?</a:t>
-            </a:r>
-            <a:endParaRPr lang="en-US" dirty="0"/>
-          </a:p>
-        </p:txBody>
-      </p:sp>
-      <p:graphicFrame>
-        <p:nvGraphicFramePr>
-          <p:cNvPr id="5" name="Diagram 4"/>
-          <p:cNvGraphicFramePr/>
-          <p:nvPr>
-            <p:extLst>
-              <p:ext uri="{D42A27DB-BD31-4B8C-83A1-F6EECF244321}">
-                <p14:modId xmlns:p14="http://schemas.microsoft.com/office/powerpoint/2010/main" val="901158227"/>
-              </p:ext>
-            </p:extLst>
-          </p:nvPr>
-        </p:nvGraphicFramePr>
-        <p:xfrm>
-          <a:off x="2032000" y="1690688"/>
-          <a:ext cx="7763850" cy="5027067"/>
-        </p:xfrm>
-        <a:graphic>
-          <a:graphicData uri="http://schemas.openxmlformats.org/drawingml/2006/diagram">
-            <dgm:relIds xmlns:dgm="http://schemas.openxmlformats.org/drawingml/2006/diagram" xmlns:r="http://schemas.openxmlformats.org/officeDocument/2006/relationships" r:dm="rId2" r:lo="rId3" r:qs="rId4" r:cs="rId5"/>
-          </a:graphicData>
-        </a:graphic>
-      </p:graphicFrame>
-    </p:spTree>
-    <p:extLst>
-      <p:ext uri="{BB962C8B-B14F-4D97-AF65-F5344CB8AC3E}">
-        <p14:creationId xmlns:p14="http://schemas.microsoft.com/office/powerpoint/2010/main" val="2416235332"/>
-      </p:ext>
-    </p:extLst>
-  </p:cSld>
-  <p:clrMapOvr>
-    <a:masterClrMapping/>
-  </p:clrMapOvr>
-  <p:timing>
-    <p:tnLst>
-      <p:par>
-        <p:cTn id="1" dur="indefinite" restart="never" nodeType="tmRoot"/>
-      </p:par>
-    </p:tnLst>
-  </p:timing>
-</p:sld>
-</file>
-
-<file path=ppt/slides/slide19.xml><?xml version="1.0" encoding="utf-8"?>
-<p:sld xmlns:a="http://schemas.openxmlformats.org/drawingml/2006/main" xmlns:r="http://schemas.openxmlformats.org/officeDocument/2006/relationships" xmlns:p="http://schemas.openxmlformats.org/presentationml/2006/main">
-  <p:cSld>
-    <p:spTree>
-      <p:nvGrpSpPr>
-        <p:cNvPr id="1" name=""/>
-        <p:cNvGrpSpPr/>
-        <p:nvPr/>
-      </p:nvGrpSpPr>
-      <p:grpSpPr>
-        <a:xfrm>
-          <a:off x="0" y="0"/>
-          <a:ext cx="0" cy="0"/>
-          <a:chOff x="0" y="0"/>
-          <a:chExt cx="0" cy="0"/>
-        </a:xfrm>
-      </p:grpSpPr>
-      <p:sp>
-        <p:nvSpPr>
-          <p:cNvPr id="2" name="Title 1"/>
-          <p:cNvSpPr>
-            <a:spLocks noGrp="1"/>
-          </p:cNvSpPr>
-          <p:nvPr>
-            <p:ph type="title"/>
-          </p:nvPr>
-        </p:nvSpPr>
-        <p:spPr/>
-        <p:txBody>
-          <a:bodyPr/>
-          <a:lstStyle/>
-          <a:p>
-            <a:r>
-              <a:rPr lang="en-US" dirty="0" smtClean="0"/>
-              <a:t>Demo of ways to interact with Python</a:t>
-            </a:r>
-            <a:endParaRPr lang="en-US" dirty="0"/>
-          </a:p>
-        </p:txBody>
-      </p:sp>
-      <p:sp>
-        <p:nvSpPr>
-          <p:cNvPr id="3" name="Content Placeholder 2"/>
-          <p:cNvSpPr>
-            <a:spLocks noGrp="1"/>
-          </p:cNvSpPr>
-          <p:nvPr>
-            <p:ph idx="1"/>
-          </p:nvPr>
-        </p:nvSpPr>
-        <p:spPr/>
-        <p:txBody>
-          <a:bodyPr/>
-          <a:lstStyle/>
-          <a:p>
-            <a:r>
-              <a:rPr lang="en-US" dirty="0" smtClean="0"/>
-              <a:t>Shell demonstration</a:t>
-            </a:r>
-          </a:p>
-          <a:p>
-            <a:r>
-              <a:rPr lang="en-US" dirty="0" err="1" smtClean="0"/>
-              <a:t>Spyder</a:t>
-            </a:r>
-            <a:r>
-              <a:rPr lang="en-US" dirty="0" smtClean="0"/>
-              <a:t> demo</a:t>
-            </a:r>
-          </a:p>
-          <a:p>
-            <a:r>
-              <a:rPr lang="en-US" dirty="0" err="1" smtClean="0"/>
-              <a:t>PyCharm</a:t>
-            </a:r>
-            <a:r>
-              <a:rPr lang="en-US" dirty="0" smtClean="0"/>
-              <a:t> demo</a:t>
-            </a:r>
-          </a:p>
-          <a:p>
-            <a:endParaRPr lang="en-US" dirty="0"/>
-          </a:p>
-        </p:txBody>
-      </p:sp>
-    </p:spTree>
-    <p:extLst>
-      <p:ext uri="{BB962C8B-B14F-4D97-AF65-F5344CB8AC3E}">
-        <p14:creationId xmlns:p14="http://schemas.microsoft.com/office/powerpoint/2010/main" val="1374341804"/>
-      </p:ext>
-    </p:extLst>
-  </p:cSld>
-  <p:clrMapOvr>
-    <a:masterClrMapping/>
-  </p:clrMapOvr>
-  <p:timing>
-    <p:tnLst>
-      <p:par>
-        <p:cTn id="1" dur="indefinite" restart="never" nodeType="tmRoot"/>
-      </p:par>
-    </p:tnLst>
-  </p:timing>
-</p:sld>
-</file>
-
-<file path=ppt/slides/slide2.xml><?xml version="1.0" encoding="utf-8"?>
-<p:sld xmlns:a="http://schemas.openxmlformats.org/drawingml/2006/main" xmlns:r="http://schemas.openxmlformats.org/officeDocument/2006/relationships" xmlns:p="http://schemas.openxmlformats.org/presentationml/2006/main">
-  <p:cSld>
-    <p:spTree>
-      <p:nvGrpSpPr>
-        <p:cNvPr id="1" name=""/>
-        <p:cNvGrpSpPr/>
-        <p:nvPr/>
-      </p:nvGrpSpPr>
-      <p:grpSpPr>
-        <a:xfrm>
-          <a:off x="0" y="0"/>
-          <a:ext cx="0" cy="0"/>
-          <a:chOff x="0" y="0"/>
-          <a:chExt cx="0" cy="0"/>
-        </a:xfrm>
-      </p:grpSpPr>
-      <p:sp>
-        <p:nvSpPr>
-          <p:cNvPr id="2" name="Title 1"/>
-          <p:cNvSpPr>
-            <a:spLocks noGrp="1"/>
-          </p:cNvSpPr>
-          <p:nvPr>
-            <p:ph type="title"/>
-          </p:nvPr>
-        </p:nvSpPr>
-        <p:spPr/>
-        <p:txBody>
-          <a:bodyPr/>
-          <a:lstStyle/>
-          <a:p>
-            <a:r>
-              <a:rPr lang="en-US" dirty="0" smtClean="0"/>
-              <a:t>agenda</a:t>
-            </a:r>
-            <a:endParaRPr lang="en-US" dirty="0"/>
-          </a:p>
-        </p:txBody>
-      </p:sp>
-      <p:sp>
-        <p:nvSpPr>
-          <p:cNvPr id="3" name="Content Placeholder 2"/>
-          <p:cNvSpPr>
-            <a:spLocks noGrp="1"/>
-          </p:cNvSpPr>
-          <p:nvPr>
-            <p:ph idx="1"/>
-          </p:nvPr>
-        </p:nvSpPr>
-        <p:spPr/>
-        <p:txBody>
-          <a:bodyPr/>
-          <a:lstStyle/>
-          <a:p>
-            <a:endParaRPr lang="en-US"/>
-          </a:p>
-        </p:txBody>
-      </p:sp>
-    </p:spTree>
-    <p:extLst>
-      <p:ext uri="{BB962C8B-B14F-4D97-AF65-F5344CB8AC3E}">
-        <p14:creationId xmlns:p14="http://schemas.microsoft.com/office/powerpoint/2010/main" val="1469757644"/>
-      </p:ext>
-    </p:extLst>
-  </p:cSld>
-  <p:clrMapOvr>
-    <a:masterClrMapping/>
-  </p:clrMapOvr>
-</p:sld>
-</file>
-
-<file path=ppt/slides/slide20.xml><?xml version="1.0" encoding="utf-8"?>
-<p:sld xmlns:a="http://schemas.openxmlformats.org/drawingml/2006/main" xmlns:r="http://schemas.openxmlformats.org/officeDocument/2006/relationships" xmlns:p="http://schemas.openxmlformats.org/presentationml/2006/main">
-  <p:cSld>
-    <p:spTree>
-      <p:nvGrpSpPr>
-        <p:cNvPr id="1" name=""/>
-        <p:cNvGrpSpPr/>
-        <p:nvPr/>
-      </p:nvGrpSpPr>
-      <p:grpSpPr>
-        <a:xfrm>
-          <a:off x="0" y="0"/>
-          <a:ext cx="0" cy="0"/>
-          <a:chOff x="0" y="0"/>
-          <a:chExt cx="0" cy="0"/>
-        </a:xfrm>
-      </p:grpSpPr>
-      <p:sp>
-        <p:nvSpPr>
-          <p:cNvPr id="2" name="Title 1"/>
-          <p:cNvSpPr>
-            <a:spLocks noGrp="1"/>
-          </p:cNvSpPr>
-          <p:nvPr>
-            <p:ph type="title"/>
-          </p:nvPr>
-        </p:nvSpPr>
-        <p:spPr/>
-        <p:txBody>
-          <a:bodyPr/>
-          <a:lstStyle/>
-          <a:p>
-            <a:r>
-              <a:rPr lang="en-US" dirty="0" err="1" smtClean="0"/>
-              <a:t>Jupyter</a:t>
-            </a:r>
-            <a:r>
-              <a:rPr lang="en-US" dirty="0" smtClean="0"/>
-              <a:t> Notebook</a:t>
-            </a:r>
-            <a:endParaRPr lang="en-US" dirty="0"/>
-          </a:p>
-        </p:txBody>
-      </p:sp>
-      <p:sp>
-        <p:nvSpPr>
-          <p:cNvPr id="3" name="Content Placeholder 2"/>
-          <p:cNvSpPr>
-            <a:spLocks noGrp="1"/>
-          </p:cNvSpPr>
-          <p:nvPr>
-            <p:ph idx="1"/>
-          </p:nvPr>
-        </p:nvSpPr>
-        <p:spPr/>
-        <p:txBody>
-          <a:bodyPr/>
-          <a:lstStyle/>
-          <a:p>
-            <a:r>
-              <a:rPr lang="en-US" dirty="0" smtClean="0"/>
-              <a:t>A web-based python editor</a:t>
-            </a:r>
-          </a:p>
-          <a:p>
-            <a:pPr lvl="1"/>
-            <a:r>
-              <a:rPr lang="en-US" dirty="0" smtClean="0"/>
-              <a:t>Automatic syntax highlighting, indentation, and tab completion</a:t>
-            </a:r>
-          </a:p>
-          <a:p>
-            <a:r>
-              <a:rPr lang="en-US" dirty="0" smtClean="0"/>
-              <a:t>Shows inputs and outputs</a:t>
-            </a:r>
-          </a:p>
-          <a:p>
-            <a:r>
-              <a:rPr lang="en-US" dirty="0"/>
-              <a:t>C</a:t>
-            </a:r>
-            <a:r>
-              <a:rPr lang="en-US" dirty="0" smtClean="0"/>
-              <a:t>an be used to document an entire project</a:t>
-            </a:r>
-          </a:p>
-          <a:p>
-            <a:r>
-              <a:rPr lang="en-US" dirty="0" smtClean="0"/>
-              <a:t>Go to any directory and type </a:t>
-            </a:r>
-            <a:r>
-              <a:rPr lang="en-US" dirty="0" err="1" smtClean="0">
-                <a:latin typeface="Consolas" panose="020B0609020204030204" pitchFamily="49" charset="0"/>
-              </a:rPr>
-              <a:t>jupyter</a:t>
-            </a:r>
-            <a:r>
-              <a:rPr lang="en-US" dirty="0" smtClean="0">
-                <a:latin typeface="Consolas" panose="020B0609020204030204" pitchFamily="49" charset="0"/>
-              </a:rPr>
-              <a:t> notebook</a:t>
-            </a:r>
-            <a:endParaRPr lang="en-US" dirty="0" smtClean="0"/>
-          </a:p>
-        </p:txBody>
-      </p:sp>
-    </p:spTree>
-    <p:extLst>
-      <p:ext uri="{BB962C8B-B14F-4D97-AF65-F5344CB8AC3E}">
-        <p14:creationId xmlns:p14="http://schemas.microsoft.com/office/powerpoint/2010/main" val="1483925451"/>
-      </p:ext>
-    </p:extLst>
-  </p:cSld>
-  <p:clrMapOvr>
-    <a:masterClrMapping/>
-  </p:clrMapOvr>
-  <p:timing>
-    <p:tnLst>
-      <p:par>
-        <p:cTn id="1" dur="indefinite" restart="never" nodeType="tmRoot"/>
-      </p:par>
-    </p:tnLst>
-  </p:timing>
-</p:sld>
-</file>
-
-<file path=ppt/slides/slide21.xml><?xml version="1.0" encoding="utf-8"?>
-<p:sld xmlns:a="http://schemas.openxmlformats.org/drawingml/2006/main" xmlns:r="http://schemas.openxmlformats.org/officeDocument/2006/relationships" xmlns:p="http://schemas.openxmlformats.org/presentationml/2006/main">
-  <p:cSld>
-    <p:spTree>
-      <p:nvGrpSpPr>
-        <p:cNvPr id="1" name=""/>
-        <p:cNvGrpSpPr/>
-        <p:nvPr/>
-      </p:nvGrpSpPr>
-      <p:grpSpPr>
-        <a:xfrm>
-          <a:off x="0" y="0"/>
-          <a:ext cx="0" cy="0"/>
-          <a:chOff x="0" y="0"/>
-          <a:chExt cx="0" cy="0"/>
-        </a:xfrm>
-      </p:grpSpPr>
-      <p:sp>
-        <p:nvSpPr>
-          <p:cNvPr id="2" name="Title 1"/>
-          <p:cNvSpPr>
-            <a:spLocks noGrp="1"/>
-          </p:cNvSpPr>
-          <p:nvPr>
-            <p:ph type="title"/>
-          </p:nvPr>
-        </p:nvSpPr>
-        <p:spPr/>
-        <p:txBody>
-          <a:bodyPr/>
-          <a:lstStyle/>
-          <a:p>
-            <a:r>
-              <a:rPr lang="en-US" dirty="0" smtClean="0"/>
-              <a:t>“You’re going to need a bigger weapon”</a:t>
-            </a:r>
-            <a:endParaRPr lang="en-US" dirty="0"/>
-          </a:p>
-        </p:txBody>
-      </p:sp>
-      <p:sp>
-        <p:nvSpPr>
-          <p:cNvPr id="3" name="Content Placeholder 2"/>
-          <p:cNvSpPr>
-            <a:spLocks noGrp="1"/>
-          </p:cNvSpPr>
-          <p:nvPr>
-            <p:ph idx="1"/>
-          </p:nvPr>
-        </p:nvSpPr>
-        <p:spPr/>
-        <p:txBody>
-          <a:bodyPr/>
-          <a:lstStyle/>
-          <a:p>
-            <a:endParaRPr lang="en-US" dirty="0"/>
-          </a:p>
-        </p:txBody>
-      </p:sp>
-    </p:spTree>
-    <p:extLst>
-      <p:ext uri="{BB962C8B-B14F-4D97-AF65-F5344CB8AC3E}">
-        <p14:creationId xmlns:p14="http://schemas.microsoft.com/office/powerpoint/2010/main" val="1027691194"/>
-      </p:ext>
-    </p:extLst>
-  </p:cSld>
-  <p:clrMapOvr>
-    <a:masterClrMapping/>
-  </p:clrMapOvr>
-  <p:timing>
-    <p:tnLst>
-      <p:par>
-        <p:cTn id="1" dur="indefinite" restart="never" nodeType="tmRoot"/>
-      </p:par>
-    </p:tnLst>
-  </p:timing>
-</p:sld>
-</file>
-
-<file path=ppt/slides/slide22.xml><?xml version="1.0" encoding="utf-8"?>
-<p:sld xmlns:a="http://schemas.openxmlformats.org/drawingml/2006/main" xmlns:r="http://schemas.openxmlformats.org/officeDocument/2006/relationships" xmlns:p="http://schemas.openxmlformats.org/presentationml/2006/main">
-  <p:cSld>
-    <p:spTree>
-      <p:nvGrpSpPr>
-        <p:cNvPr id="1" name=""/>
-        <p:cNvGrpSpPr/>
-        <p:nvPr/>
-      </p:nvGrpSpPr>
-      <p:grpSpPr>
-        <a:xfrm>
-          <a:off x="0" y="0"/>
-          <a:ext cx="0" cy="0"/>
-          <a:chOff x="0" y="0"/>
-          <a:chExt cx="0" cy="0"/>
-        </a:xfrm>
-      </p:grpSpPr>
-      <p:sp>
-        <p:nvSpPr>
-          <p:cNvPr id="2" name="Title 1"/>
-          <p:cNvSpPr>
-            <a:spLocks noGrp="1"/>
-          </p:cNvSpPr>
-          <p:nvPr>
-            <p:ph type="title"/>
-          </p:nvPr>
-        </p:nvSpPr>
-        <p:spPr/>
-        <p:txBody>
-          <a:bodyPr/>
-          <a:lstStyle/>
-          <a:p>
-            <a:r>
-              <a:rPr lang="en-US" dirty="0" smtClean="0"/>
-              <a:t>Python syntax in 5 minutes</a:t>
-            </a:r>
-            <a:endParaRPr lang="en-US" dirty="0"/>
-          </a:p>
-        </p:txBody>
-      </p:sp>
-      <p:sp>
-        <p:nvSpPr>
-          <p:cNvPr id="3" name="Content Placeholder 2"/>
-          <p:cNvSpPr>
-            <a:spLocks noGrp="1"/>
-          </p:cNvSpPr>
-          <p:nvPr>
-            <p:ph idx="1"/>
-          </p:nvPr>
-        </p:nvSpPr>
-        <p:spPr/>
-        <p:txBody>
-          <a:bodyPr/>
-          <a:lstStyle/>
-          <a:p>
-            <a:r>
-              <a:rPr lang="en-US" dirty="0" smtClean="0"/>
-              <a:t>No time to go into detail – check out </a:t>
-            </a:r>
-            <a:r>
-              <a:rPr lang="en-US" dirty="0" smtClean="0">
-                <a:hlinkClick r:id="rId2"/>
-              </a:rPr>
-              <a:t>https://learnxinyminutes.com/docs/python3/</a:t>
-            </a:r>
-            <a:endParaRPr lang="en-US" dirty="0" smtClean="0"/>
-          </a:p>
-        </p:txBody>
-      </p:sp>
-    </p:spTree>
-    <p:extLst>
-      <p:ext uri="{BB962C8B-B14F-4D97-AF65-F5344CB8AC3E}">
-        <p14:creationId xmlns:p14="http://schemas.microsoft.com/office/powerpoint/2010/main" val="1005761542"/>
-      </p:ext>
-    </p:extLst>
-  </p:cSld>
-  <p:clrMapOvr>
-    <a:masterClrMapping/>
-  </p:clrMapOvr>
-  <p:timing>
-    <p:tnLst>
-      <p:par>
-        <p:cTn id="1" dur="indefinite" restart="never" nodeType="tmRoot"/>
-      </p:par>
-    </p:tnLst>
-  </p:timing>
-</p:sld>
-</file>
-
-<file path=ppt/slides/slide23.xml><?xml version="1.0" encoding="utf-8"?>
-<p:sld xmlns:a="http://schemas.openxmlformats.org/drawingml/2006/main" xmlns:r="http://schemas.openxmlformats.org/officeDocument/2006/relationships" xmlns:p="http://schemas.openxmlformats.org/presentationml/2006/main">
-  <p:cSld>
-    <p:spTree>
-      <p:nvGrpSpPr>
-        <p:cNvPr id="1" name=""/>
-        <p:cNvGrpSpPr/>
-        <p:nvPr/>
-      </p:nvGrpSpPr>
-      <p:grpSpPr>
-        <a:xfrm>
-          <a:off x="0" y="0"/>
-          <a:ext cx="0" cy="0"/>
-          <a:chOff x="0" y="0"/>
-          <a:chExt cx="0" cy="0"/>
-        </a:xfrm>
-      </p:grpSpPr>
-      <p:sp>
-        <p:nvSpPr>
-          <p:cNvPr id="2" name="Title 1"/>
-          <p:cNvSpPr>
-            <a:spLocks noGrp="1"/>
-          </p:cNvSpPr>
-          <p:nvPr>
-            <p:ph type="title"/>
-          </p:nvPr>
-        </p:nvSpPr>
-        <p:spPr/>
-        <p:txBody>
-          <a:bodyPr/>
-          <a:lstStyle/>
-          <a:p>
-            <a:r>
-              <a:rPr lang="en-US" dirty="0" smtClean="0"/>
-              <a:t>Python syntax in 5 minutes</a:t>
-            </a:r>
-            <a:endParaRPr lang="en-US" dirty="0"/>
-          </a:p>
-        </p:txBody>
-      </p:sp>
-      <p:sp>
-        <p:nvSpPr>
-          <p:cNvPr id="3" name="Content Placeholder 2"/>
-          <p:cNvSpPr>
-            <a:spLocks noGrp="1"/>
-          </p:cNvSpPr>
-          <p:nvPr>
-            <p:ph idx="1"/>
-          </p:nvPr>
-        </p:nvSpPr>
-        <p:spPr/>
-        <p:txBody>
-          <a:bodyPr>
-            <a:normAutofit fontScale="92500" lnSpcReduction="10000"/>
-          </a:bodyPr>
-          <a:lstStyle/>
-          <a:p>
-            <a:r>
-              <a:rPr lang="en-US" dirty="0" smtClean="0"/>
-              <a:t>No ; at the end of a line. Indentation is important. Use 4 spaces, NOT TABS. Set your editor to turn the tab key into 4 spaces.</a:t>
-            </a:r>
-          </a:p>
-          <a:p>
-            <a:r>
-              <a:rPr lang="en-US" dirty="0" err="1" smtClean="0"/>
-              <a:t>Asignment</a:t>
-            </a:r>
-            <a:r>
-              <a:rPr lang="en-US" dirty="0" smtClean="0"/>
-              <a:t> uses </a:t>
-            </a:r>
-            <a:r>
-              <a:rPr lang="en-US" dirty="0" smtClean="0">
-                <a:solidFill>
-                  <a:schemeClr val="accent2">
-                    <a:lumMod val="75000"/>
-                  </a:schemeClr>
-                </a:solidFill>
-              </a:rPr>
-              <a:t>=</a:t>
-            </a:r>
-            <a:r>
-              <a:rPr lang="en-US" dirty="0" smtClean="0"/>
-              <a:t> and comparison uses </a:t>
-            </a:r>
-            <a:r>
-              <a:rPr lang="en-US" dirty="0">
-                <a:solidFill>
-                  <a:schemeClr val="accent2">
-                    <a:lumMod val="75000"/>
-                  </a:schemeClr>
-                </a:solidFill>
-              </a:rPr>
-              <a:t>==</a:t>
-            </a:r>
-          </a:p>
-          <a:p>
-            <a:pPr lvl="1"/>
-            <a:r>
-              <a:rPr lang="en-US" dirty="0">
-                <a:solidFill>
-                  <a:schemeClr val="accent2">
-                    <a:lumMod val="75000"/>
-                  </a:schemeClr>
-                </a:solidFill>
-              </a:rPr>
-              <a:t>a = 4</a:t>
-            </a:r>
-          </a:p>
-          <a:p>
-            <a:pPr lvl="1"/>
-            <a:r>
-              <a:rPr lang="en-US" dirty="0">
-                <a:solidFill>
-                  <a:schemeClr val="accent2">
-                    <a:lumMod val="75000"/>
-                  </a:schemeClr>
-                </a:solidFill>
-              </a:rPr>
-              <a:t>if a==True</a:t>
-            </a:r>
-            <a:r>
-              <a:rPr lang="en-US" dirty="0" smtClean="0"/>
-              <a:t>: Do Something</a:t>
-            </a:r>
-          </a:p>
-          <a:p>
-            <a:r>
-              <a:rPr lang="en-US" dirty="0">
-                <a:solidFill>
-                  <a:schemeClr val="accent2">
-                    <a:lumMod val="75000"/>
-                  </a:schemeClr>
-                </a:solidFill>
-              </a:rPr>
-              <a:t>+ - * / % </a:t>
-            </a:r>
-            <a:r>
-              <a:rPr lang="en-US" dirty="0" smtClean="0"/>
-              <a:t>are as expected</a:t>
-            </a:r>
-            <a:endParaRPr lang="en-US" dirty="0"/>
-          </a:p>
-          <a:p>
-            <a:pPr lvl="1"/>
-            <a:r>
-              <a:rPr lang="en-US" dirty="0">
-                <a:solidFill>
-                  <a:schemeClr val="accent2">
-                    <a:lumMod val="75000"/>
-                  </a:schemeClr>
-                </a:solidFill>
-              </a:rPr>
-              <a:t>+</a:t>
-            </a:r>
-            <a:r>
-              <a:rPr lang="en-US" dirty="0" smtClean="0"/>
-              <a:t> also used to concatenate strings </a:t>
-            </a:r>
-            <a:r>
-              <a:rPr lang="en-US" dirty="0">
-                <a:solidFill>
-                  <a:schemeClr val="accent2">
-                    <a:lumMod val="75000"/>
-                  </a:schemeClr>
-                </a:solidFill>
-              </a:rPr>
-              <a:t>“he” + “</a:t>
-            </a:r>
-            <a:r>
-              <a:rPr lang="en-US" dirty="0" err="1">
-                <a:solidFill>
-                  <a:schemeClr val="accent2">
-                    <a:lumMod val="75000"/>
-                  </a:schemeClr>
-                </a:solidFill>
-              </a:rPr>
-              <a:t>llo</a:t>
-            </a:r>
-            <a:r>
-              <a:rPr lang="en-US" dirty="0">
-                <a:solidFill>
-                  <a:schemeClr val="accent2">
-                    <a:lumMod val="75000"/>
-                  </a:schemeClr>
-                </a:solidFill>
-              </a:rPr>
-              <a:t>” = “hello</a:t>
-            </a:r>
-            <a:r>
-              <a:rPr lang="en-US" dirty="0" smtClean="0">
-                <a:solidFill>
-                  <a:schemeClr val="accent2">
-                    <a:lumMod val="75000"/>
-                  </a:schemeClr>
-                </a:solidFill>
-              </a:rPr>
-              <a:t>”</a:t>
-            </a:r>
-          </a:p>
-          <a:p>
-            <a:pPr lvl="1"/>
-            <a:r>
-              <a:rPr lang="en-US" dirty="0" smtClean="0">
-                <a:solidFill>
-                  <a:schemeClr val="accent2">
-                    <a:lumMod val="75000"/>
-                  </a:schemeClr>
-                </a:solidFill>
-              </a:rPr>
-              <a:t>/ </a:t>
-            </a:r>
-            <a:r>
-              <a:rPr lang="en-US" dirty="0" smtClean="0"/>
-              <a:t>assumes </a:t>
-            </a:r>
-            <a:r>
-              <a:rPr lang="en-US" b="1" dirty="0" smtClean="0"/>
-              <a:t>integer division</a:t>
-            </a:r>
-            <a:r>
-              <a:rPr lang="en-US" dirty="0" smtClean="0"/>
-              <a:t> unless there is a decimal. </a:t>
-            </a:r>
-          </a:p>
-          <a:p>
-            <a:pPr lvl="2"/>
-            <a:r>
-              <a:rPr lang="en-US" dirty="0" smtClean="0">
-                <a:solidFill>
-                  <a:schemeClr val="accent2">
-                    <a:lumMod val="75000"/>
-                  </a:schemeClr>
-                </a:solidFill>
-              </a:rPr>
-              <a:t>5/2 = 2</a:t>
-            </a:r>
-          </a:p>
-          <a:p>
-            <a:pPr lvl="2"/>
-            <a:r>
-              <a:rPr lang="en-US" dirty="0" smtClean="0">
-                <a:solidFill>
-                  <a:schemeClr val="accent2">
-                    <a:lumMod val="75000"/>
-                  </a:schemeClr>
-                </a:solidFill>
-              </a:rPr>
-              <a:t>5/2.0 = 2.5</a:t>
-            </a:r>
-          </a:p>
-          <a:p>
-            <a:r>
-              <a:rPr lang="en-US" dirty="0" smtClean="0"/>
-              <a:t>Basic printing uses </a:t>
-            </a:r>
-            <a:r>
-              <a:rPr lang="en-US" dirty="0" smtClean="0">
-                <a:solidFill>
-                  <a:schemeClr val="accent2">
-                    <a:lumMod val="75000"/>
-                  </a:schemeClr>
-                </a:solidFill>
-              </a:rPr>
-              <a:t>print()</a:t>
-            </a:r>
-          </a:p>
-        </p:txBody>
-      </p:sp>
-    </p:spTree>
-    <p:extLst>
-      <p:ext uri="{BB962C8B-B14F-4D97-AF65-F5344CB8AC3E}">
-        <p14:creationId xmlns:p14="http://schemas.microsoft.com/office/powerpoint/2010/main" val="2728632066"/>
-      </p:ext>
-    </p:extLst>
-  </p:cSld>
-  <p:clrMapOvr>
-    <a:masterClrMapping/>
-  </p:clrMapOvr>
-  <p:timing>
-    <p:tnLst>
-      <p:par>
-        <p:cTn id="1" dur="indefinite" restart="never" nodeType="tmRoot"/>
-      </p:par>
-    </p:tnLst>
-  </p:timing>
-</p:sld>
-</file>
-
-<file path=ppt/slides/slide24.xml><?xml version="1.0" encoding="utf-8"?>
-<p:sld xmlns:a="http://schemas.openxmlformats.org/drawingml/2006/main" xmlns:r="http://schemas.openxmlformats.org/officeDocument/2006/relationships" xmlns:p="http://schemas.openxmlformats.org/presentationml/2006/main">
-  <p:cSld>
-    <p:spTree>
-      <p:nvGrpSpPr>
-        <p:cNvPr id="1" name=""/>
-        <p:cNvGrpSpPr/>
-        <p:nvPr/>
-      </p:nvGrpSpPr>
-      <p:grpSpPr>
-        <a:xfrm>
-          <a:off x="0" y="0"/>
-          <a:ext cx="0" cy="0"/>
-          <a:chOff x="0" y="0"/>
-          <a:chExt cx="0" cy="0"/>
-        </a:xfrm>
-      </p:grpSpPr>
-      <p:sp>
-        <p:nvSpPr>
-          <p:cNvPr id="2" name="Title 1"/>
-          <p:cNvSpPr>
-            <a:spLocks noGrp="1"/>
-          </p:cNvSpPr>
-          <p:nvPr>
-            <p:ph type="title"/>
-          </p:nvPr>
-        </p:nvSpPr>
-        <p:spPr/>
-        <p:txBody>
-          <a:bodyPr/>
-          <a:lstStyle/>
-          <a:p>
-            <a:r>
-              <a:rPr lang="en-US" dirty="0" smtClean="0"/>
-              <a:t>Python syntax in 5 minutes</a:t>
-            </a:r>
-            <a:endParaRPr lang="en-US" dirty="0"/>
-          </a:p>
-        </p:txBody>
-      </p:sp>
-      <p:sp>
-        <p:nvSpPr>
-          <p:cNvPr id="3" name="Content Placeholder 2"/>
-          <p:cNvSpPr>
-            <a:spLocks noGrp="1"/>
-          </p:cNvSpPr>
-          <p:nvPr>
-            <p:ph idx="1"/>
-          </p:nvPr>
-        </p:nvSpPr>
-        <p:spPr/>
-        <p:txBody>
-          <a:bodyPr/>
-          <a:lstStyle/>
-          <a:p>
-            <a:r>
-              <a:rPr lang="en-US" dirty="0" smtClean="0"/>
-              <a:t>Variables don’t need to be declared</a:t>
-            </a:r>
-          </a:p>
-          <a:p>
-            <a:r>
-              <a:rPr lang="en-US" dirty="0" smtClean="0"/>
-              <a:t>Python figures out the variable types on its own</a:t>
-            </a:r>
-          </a:p>
-          <a:p>
-            <a:r>
-              <a:rPr lang="en-US" dirty="0" smtClean="0"/>
-              <a:t>Strings can use </a:t>
-            </a:r>
-            <a:r>
-              <a:rPr lang="en-US" dirty="0">
-                <a:solidFill>
-                  <a:schemeClr val="accent2">
-                    <a:lumMod val="75000"/>
-                  </a:schemeClr>
-                </a:solidFill>
-              </a:rPr>
-              <a:t>“</a:t>
-            </a:r>
-            <a:r>
-              <a:rPr lang="en-US" dirty="0" smtClean="0"/>
-              <a:t>hello</a:t>
-            </a:r>
-            <a:r>
-              <a:rPr lang="en-US" dirty="0">
-                <a:solidFill>
-                  <a:schemeClr val="accent2">
-                    <a:lumMod val="75000"/>
-                  </a:schemeClr>
-                </a:solidFill>
-              </a:rPr>
-              <a:t>”</a:t>
-            </a:r>
-            <a:r>
-              <a:rPr lang="en-US" dirty="0" smtClean="0"/>
-              <a:t> or </a:t>
-            </a:r>
-            <a:r>
-              <a:rPr lang="en-US" dirty="0">
-                <a:solidFill>
-                  <a:schemeClr val="accent2">
-                    <a:lumMod val="75000"/>
-                  </a:schemeClr>
-                </a:solidFill>
-              </a:rPr>
-              <a:t>‘</a:t>
-            </a:r>
-            <a:r>
-              <a:rPr lang="en-US" dirty="0" smtClean="0"/>
-              <a:t>hello</a:t>
-            </a:r>
-            <a:r>
-              <a:rPr lang="en-US" dirty="0">
-                <a:solidFill>
-                  <a:schemeClr val="accent2">
-                    <a:lumMod val="75000"/>
-                  </a:schemeClr>
-                </a:solidFill>
-              </a:rPr>
-              <a:t>’</a:t>
-            </a:r>
-          </a:p>
-          <a:p>
-            <a:r>
-              <a:rPr lang="en-US" dirty="0" smtClean="0">
-                <a:solidFill>
-                  <a:schemeClr val="accent2">
-                    <a:lumMod val="75000"/>
-                  </a:schemeClr>
-                </a:solidFill>
-              </a:rPr>
-              <a:t>“</a:t>
-            </a:r>
-            <a:r>
-              <a:rPr lang="en-US" dirty="0" smtClean="0"/>
-              <a:t>Mr. </a:t>
-            </a:r>
-            <a:r>
-              <a:rPr lang="en-US" dirty="0" err="1" smtClean="0"/>
-              <a:t>O</a:t>
-            </a:r>
-            <a:r>
-              <a:rPr lang="en-US" dirty="0" err="1" smtClean="0">
-                <a:solidFill>
-                  <a:schemeClr val="accent2">
-                    <a:lumMod val="75000"/>
-                  </a:schemeClr>
-                </a:solidFill>
-              </a:rPr>
-              <a:t>’</a:t>
-            </a:r>
-            <a:r>
-              <a:rPr lang="en-US" dirty="0" err="1" smtClean="0"/>
-              <a:t>neill</a:t>
-            </a:r>
-            <a:r>
-              <a:rPr lang="en-US" dirty="0" smtClean="0"/>
-              <a:t> went to the store</a:t>
-            </a:r>
-            <a:r>
-              <a:rPr lang="en-US" dirty="0">
-                <a:solidFill>
-                  <a:schemeClr val="accent2">
-                    <a:lumMod val="75000"/>
-                  </a:schemeClr>
-                </a:solidFill>
-              </a:rPr>
-              <a:t>”</a:t>
-            </a:r>
-            <a:r>
-              <a:rPr lang="en-US" dirty="0" smtClean="0"/>
-              <a:t> is OK</a:t>
-            </a:r>
-          </a:p>
-          <a:p>
-            <a:r>
-              <a:rPr lang="en-US" dirty="0" smtClean="0"/>
-              <a:t>Comments start with </a:t>
-            </a:r>
-            <a:r>
-              <a:rPr lang="en-US" dirty="0" smtClean="0">
-                <a:solidFill>
-                  <a:schemeClr val="accent2">
-                    <a:lumMod val="75000"/>
-                  </a:schemeClr>
-                </a:solidFill>
-              </a:rPr>
-              <a:t>#</a:t>
-            </a:r>
-          </a:p>
-          <a:p>
-            <a:r>
-              <a:rPr lang="en-US" dirty="0" smtClean="0"/>
-              <a:t>Names are case sensitive and cannot start with a number</a:t>
-            </a:r>
-          </a:p>
-          <a:p>
-            <a:pPr marL="0" indent="0">
-              <a:buNone/>
-            </a:pPr>
-            <a:endParaRPr lang="en-US" dirty="0" smtClean="0"/>
-          </a:p>
-          <a:p>
-            <a:pPr marL="0" indent="0">
-              <a:buNone/>
-            </a:pPr>
-            <a:endParaRPr lang="en-US" dirty="0"/>
-          </a:p>
-        </p:txBody>
-      </p:sp>
-    </p:spTree>
-    <p:extLst>
-      <p:ext uri="{BB962C8B-B14F-4D97-AF65-F5344CB8AC3E}">
-        <p14:creationId xmlns:p14="http://schemas.microsoft.com/office/powerpoint/2010/main" val="274851132"/>
-      </p:ext>
-    </p:extLst>
-  </p:cSld>
-  <p:clrMapOvr>
-    <a:masterClrMapping/>
-  </p:clrMapOvr>
-  <p:timing>
-    <p:tnLst>
-      <p:par>
-        <p:cTn id="1" dur="indefinite" restart="never" nodeType="tmRoot"/>
-      </p:par>
-    </p:tnLst>
-  </p:timing>
-</p:sld>
-</file>
-
-<file path=ppt/slides/slide25.xml><?xml version="1.0" encoding="utf-8"?>
-<p:sld xmlns:a="http://schemas.openxmlformats.org/drawingml/2006/main" xmlns:r="http://schemas.openxmlformats.org/officeDocument/2006/relationships" xmlns:p="http://schemas.openxmlformats.org/presentationml/2006/main">
-  <p:cSld>
-    <p:spTree>
-      <p:nvGrpSpPr>
-        <p:cNvPr id="1" name=""/>
-        <p:cNvGrpSpPr/>
-        <p:nvPr/>
-      </p:nvGrpSpPr>
-      <p:grpSpPr>
-        <a:xfrm>
-          <a:off x="0" y="0"/>
-          <a:ext cx="0" cy="0"/>
-          <a:chOff x="0" y="0"/>
-          <a:chExt cx="0" cy="0"/>
-        </a:xfrm>
-      </p:grpSpPr>
-      <p:sp>
-        <p:nvSpPr>
-          <p:cNvPr id="2" name="Title 1"/>
-          <p:cNvSpPr>
-            <a:spLocks noGrp="1"/>
-          </p:cNvSpPr>
-          <p:nvPr>
-            <p:ph type="title"/>
-          </p:nvPr>
-        </p:nvSpPr>
-        <p:spPr/>
-        <p:txBody>
-          <a:bodyPr/>
-          <a:lstStyle/>
-          <a:p>
-            <a:r>
-              <a:rPr lang="en-US" dirty="0" smtClean="0"/>
-              <a:t>Python in 5 minutes</a:t>
-            </a:r>
-            <a:endParaRPr lang="en-US" dirty="0"/>
-          </a:p>
-        </p:txBody>
-      </p:sp>
-      <p:sp>
-        <p:nvSpPr>
-          <p:cNvPr id="3" name="Content Placeholder 2"/>
-          <p:cNvSpPr>
-            <a:spLocks noGrp="1"/>
-          </p:cNvSpPr>
-          <p:nvPr>
-            <p:ph idx="1"/>
-          </p:nvPr>
-        </p:nvSpPr>
-        <p:spPr/>
-        <p:txBody>
-          <a:bodyPr>
-            <a:normAutofit fontScale="77500" lnSpcReduction="20000"/>
-          </a:bodyPr>
-          <a:lstStyle/>
-          <a:p>
-            <a:r>
-              <a:rPr lang="en-US" dirty="0" smtClean="0"/>
-              <a:t>Number</a:t>
-            </a:r>
-          </a:p>
-          <a:p>
-            <a:pPr lvl="1"/>
-            <a:r>
-              <a:rPr lang="en-US" dirty="0" smtClean="0">
-                <a:latin typeface="Consolas" panose="020B0609020204030204" pitchFamily="49" charset="0"/>
-              </a:rPr>
-              <a:t>5</a:t>
-            </a:r>
-          </a:p>
-          <a:p>
-            <a:pPr lvl="1"/>
-            <a:r>
-              <a:rPr lang="en-US" dirty="0" smtClean="0">
-                <a:latin typeface="Consolas" panose="020B0609020204030204" pitchFamily="49" charset="0"/>
-              </a:rPr>
-              <a:t>3.4</a:t>
-            </a:r>
-          </a:p>
-          <a:p>
-            <a:r>
-              <a:rPr lang="en-US" dirty="0" smtClean="0"/>
-              <a:t>String</a:t>
-            </a:r>
-          </a:p>
-          <a:p>
-            <a:pPr lvl="1"/>
-            <a:r>
-              <a:rPr lang="en-US" dirty="0" smtClean="0">
-                <a:latin typeface="Consolas" panose="020B0609020204030204" pitchFamily="49" charset="0"/>
-              </a:rPr>
-              <a:t>“Hello”</a:t>
-            </a:r>
-          </a:p>
-          <a:p>
-            <a:r>
-              <a:rPr lang="en-US" dirty="0" smtClean="0"/>
-              <a:t>List</a:t>
-            </a:r>
-          </a:p>
-          <a:p>
-            <a:pPr lvl="1"/>
-            <a:r>
-              <a:rPr lang="en-US" dirty="0" smtClean="0">
-                <a:latin typeface="Consolas" panose="020B0609020204030204" pitchFamily="49" charset="0"/>
-              </a:rPr>
-              <a:t>a = [4,5,6,’apple’,3,2]</a:t>
-            </a:r>
-          </a:p>
-          <a:p>
-            <a:pPr lvl="1"/>
-            <a:r>
-              <a:rPr lang="en-US" dirty="0" smtClean="0">
-                <a:latin typeface="Consolas" panose="020B0609020204030204" pitchFamily="49" charset="0"/>
-              </a:rPr>
-              <a:t>a[1] = 5</a:t>
-            </a:r>
-          </a:p>
-          <a:p>
-            <a:r>
-              <a:rPr lang="en-US" dirty="0" smtClean="0"/>
-              <a:t>Tuple – a list that can’t be changed</a:t>
-            </a:r>
-          </a:p>
-          <a:p>
-            <a:pPr lvl="1"/>
-            <a:r>
-              <a:rPr lang="en-US" dirty="0" smtClean="0">
-                <a:latin typeface="Consolas" panose="020B0609020204030204" pitchFamily="49" charset="0"/>
-              </a:rPr>
-              <a:t>a = (4,5,6,7,’a’,’pizza’)</a:t>
-            </a:r>
-          </a:p>
-          <a:p>
-            <a:pPr lvl="1"/>
-            <a:r>
-              <a:rPr lang="en-US" dirty="0" smtClean="0">
-                <a:latin typeface="Consolas" panose="020B0609020204030204" pitchFamily="49" charset="0"/>
-              </a:rPr>
-              <a:t>a[2] = 6</a:t>
-            </a:r>
-          </a:p>
-          <a:p>
-            <a:r>
-              <a:rPr lang="en-US" dirty="0" smtClean="0"/>
-              <a:t>Dictionary</a:t>
-            </a:r>
-          </a:p>
-          <a:p>
-            <a:pPr lvl="1"/>
-            <a:r>
-              <a:rPr lang="en-US" dirty="0" err="1" smtClean="0"/>
-              <a:t>room_num</a:t>
-            </a:r>
-            <a:r>
-              <a:rPr lang="en-US" dirty="0" smtClean="0"/>
-              <a:t> = {‘john’: 425, ‘tom’:212}</a:t>
-            </a:r>
-          </a:p>
-          <a:p>
-            <a:pPr lvl="1"/>
-            <a:r>
-              <a:rPr lang="en-US" dirty="0" err="1" smtClean="0"/>
-              <a:t>room_num</a:t>
-            </a:r>
-            <a:r>
-              <a:rPr lang="en-US" dirty="0" smtClean="0"/>
-              <a:t>[‘john’] returns 425</a:t>
-            </a:r>
-            <a:endParaRPr lang="en-US" dirty="0"/>
-          </a:p>
-        </p:txBody>
-      </p:sp>
-    </p:spTree>
-    <p:extLst>
-      <p:ext uri="{BB962C8B-B14F-4D97-AF65-F5344CB8AC3E}">
-        <p14:creationId xmlns:p14="http://schemas.microsoft.com/office/powerpoint/2010/main" val="344768339"/>
-      </p:ext>
-    </p:extLst>
-  </p:cSld>
-  <p:clrMapOvr>
-    <a:masterClrMapping/>
-  </p:clrMapOvr>
-  <p:timing>
-    <p:tnLst>
-      <p:par>
-        <p:cTn id="1" dur="indefinite" restart="never" nodeType="tmRoot"/>
-      </p:par>
-    </p:tnLst>
-  </p:timing>
-</p:sld>
-</file>
-
-<file path=ppt/slides/slide26.xml><?xml version="1.0" encoding="utf-8"?>
-<p:sld xmlns:a="http://schemas.openxmlformats.org/drawingml/2006/main" xmlns:r="http://schemas.openxmlformats.org/officeDocument/2006/relationships" xmlns:p="http://schemas.openxmlformats.org/presentationml/2006/main">
-  <p:cSld>
-    <p:spTree>
-      <p:nvGrpSpPr>
-        <p:cNvPr id="1" name=""/>
-        <p:cNvGrpSpPr/>
-        <p:nvPr/>
-      </p:nvGrpSpPr>
-      <p:grpSpPr>
-        <a:xfrm>
-          <a:off x="0" y="0"/>
-          <a:ext cx="0" cy="0"/>
-          <a:chOff x="0" y="0"/>
-          <a:chExt cx="0" cy="0"/>
-        </a:xfrm>
-      </p:grpSpPr>
-      <p:sp>
-        <p:nvSpPr>
-          <p:cNvPr id="2" name="Title 1"/>
-          <p:cNvSpPr>
-            <a:spLocks noGrp="1"/>
-          </p:cNvSpPr>
-          <p:nvPr>
-            <p:ph type="title"/>
-          </p:nvPr>
-        </p:nvSpPr>
-        <p:spPr/>
-        <p:txBody>
-          <a:bodyPr/>
-          <a:lstStyle/>
-          <a:p>
-            <a:r>
-              <a:rPr lang="en-US" dirty="0" smtClean="0"/>
-              <a:t>Python in 5 Minutes</a:t>
-            </a:r>
-            <a:endParaRPr lang="en-US" dirty="0"/>
-          </a:p>
-        </p:txBody>
-      </p:sp>
-      <p:sp>
-        <p:nvSpPr>
-          <p:cNvPr id="3" name="Content Placeholder 2"/>
-          <p:cNvSpPr>
-            <a:spLocks noGrp="1"/>
-          </p:cNvSpPr>
-          <p:nvPr>
-            <p:ph idx="1"/>
-          </p:nvPr>
-        </p:nvSpPr>
-        <p:spPr/>
-        <p:txBody>
-          <a:bodyPr>
-            <a:normAutofit fontScale="92500" lnSpcReduction="20000"/>
-          </a:bodyPr>
-          <a:lstStyle/>
-          <a:p>
-            <a:r>
-              <a:rPr lang="en-US" dirty="0" smtClean="0"/>
-              <a:t>Modules are added at the beginning of a script.</a:t>
-            </a:r>
-          </a:p>
-          <a:p>
-            <a:r>
-              <a:rPr lang="en-US" dirty="0" smtClean="0"/>
-              <a:t>We’ll be using pandas, </a:t>
-            </a:r>
-            <a:r>
-              <a:rPr lang="en-US" dirty="0" err="1" smtClean="0"/>
-              <a:t>matplotlib</a:t>
-            </a:r>
-            <a:r>
-              <a:rPr lang="en-US" dirty="0" smtClean="0"/>
-              <a:t>, </a:t>
-            </a:r>
-            <a:r>
-              <a:rPr lang="en-US" dirty="0" err="1" smtClean="0"/>
-              <a:t>numpy</a:t>
-            </a:r>
-            <a:r>
-              <a:rPr lang="en-US" dirty="0" smtClean="0"/>
-              <a:t>, and some other packages</a:t>
-            </a:r>
-          </a:p>
-          <a:p>
-            <a:r>
-              <a:rPr lang="en-US" dirty="0" smtClean="0"/>
-              <a:t>You can name them something convenient to type less</a:t>
-            </a:r>
-          </a:p>
-          <a:p>
-            <a:pPr marL="0" indent="0">
-              <a:buNone/>
-            </a:pPr>
-            <a:r>
-              <a:rPr lang="en-US" dirty="0" smtClean="0">
-                <a:solidFill>
-                  <a:schemeClr val="accent2">
-                    <a:lumMod val="75000"/>
-                  </a:schemeClr>
-                </a:solidFill>
-                <a:latin typeface="Consolas" panose="020B0609020204030204" pitchFamily="49" charset="0"/>
-              </a:rPr>
-              <a:t>import pandas as </a:t>
-            </a:r>
-            <a:r>
-              <a:rPr lang="en-US" dirty="0" err="1" smtClean="0">
-                <a:solidFill>
-                  <a:schemeClr val="accent2">
-                    <a:lumMod val="75000"/>
-                  </a:schemeClr>
-                </a:solidFill>
-                <a:latin typeface="Consolas" panose="020B0609020204030204" pitchFamily="49" charset="0"/>
-              </a:rPr>
-              <a:t>pd</a:t>
-            </a:r>
-            <a:endParaRPr lang="en-US" dirty="0" smtClean="0">
-              <a:solidFill>
-                <a:schemeClr val="accent2">
-                  <a:lumMod val="75000"/>
-                </a:schemeClr>
-              </a:solidFill>
-              <a:latin typeface="Consolas" panose="020B0609020204030204" pitchFamily="49" charset="0"/>
-            </a:endParaRPr>
-          </a:p>
-          <a:p>
-            <a:pPr marL="0" indent="0">
-              <a:buNone/>
-            </a:pPr>
-            <a:r>
-              <a:rPr lang="en-US" dirty="0" smtClean="0">
-                <a:solidFill>
-                  <a:schemeClr val="accent2">
-                    <a:lumMod val="75000"/>
-                  </a:schemeClr>
-                </a:solidFill>
-                <a:latin typeface="Consolas" panose="020B0609020204030204" pitchFamily="49" charset="0"/>
-              </a:rPr>
-              <a:t>import </a:t>
-            </a:r>
-            <a:r>
-              <a:rPr lang="en-US" dirty="0" err="1" smtClean="0">
-                <a:solidFill>
-                  <a:schemeClr val="accent2">
-                    <a:lumMod val="75000"/>
-                  </a:schemeClr>
-                </a:solidFill>
-                <a:latin typeface="Consolas" panose="020B0609020204030204" pitchFamily="49" charset="0"/>
-              </a:rPr>
-              <a:t>matplotlib.pyplot</a:t>
-            </a:r>
-            <a:r>
-              <a:rPr lang="en-US" dirty="0">
-                <a:solidFill>
-                  <a:schemeClr val="accent2">
-                    <a:lumMod val="75000"/>
-                  </a:schemeClr>
-                </a:solidFill>
-                <a:latin typeface="Consolas" panose="020B0609020204030204" pitchFamily="49" charset="0"/>
-              </a:rPr>
-              <a:t> </a:t>
-            </a:r>
-            <a:r>
-              <a:rPr lang="en-US" dirty="0" smtClean="0">
-                <a:solidFill>
-                  <a:schemeClr val="accent2">
-                    <a:lumMod val="75000"/>
-                  </a:schemeClr>
-                </a:solidFill>
-                <a:latin typeface="Consolas" panose="020B0609020204030204" pitchFamily="49" charset="0"/>
-              </a:rPr>
-              <a:t>as </a:t>
-            </a:r>
-            <a:r>
-              <a:rPr lang="en-US" dirty="0" err="1" smtClean="0">
-                <a:solidFill>
-                  <a:schemeClr val="accent2">
-                    <a:lumMod val="75000"/>
-                  </a:schemeClr>
-                </a:solidFill>
-                <a:latin typeface="Consolas" panose="020B0609020204030204" pitchFamily="49" charset="0"/>
-              </a:rPr>
-              <a:t>plt</a:t>
-            </a:r>
-            <a:endParaRPr lang="en-US" dirty="0" smtClean="0">
-              <a:solidFill>
-                <a:schemeClr val="accent2">
-                  <a:lumMod val="75000"/>
-                </a:schemeClr>
-              </a:solidFill>
-              <a:latin typeface="Consolas" panose="020B0609020204030204" pitchFamily="49" charset="0"/>
-            </a:endParaRPr>
-          </a:p>
-          <a:p>
-            <a:pPr marL="0" indent="0">
-              <a:buNone/>
-            </a:pPr>
-            <a:r>
-              <a:rPr lang="en-US" dirty="0" smtClean="0">
-                <a:solidFill>
-                  <a:schemeClr val="accent2">
-                    <a:lumMod val="75000"/>
-                  </a:schemeClr>
-                </a:solidFill>
-                <a:latin typeface="Consolas" panose="020B0609020204030204" pitchFamily="49" charset="0"/>
-              </a:rPr>
-              <a:t>import </a:t>
-            </a:r>
-            <a:r>
-              <a:rPr lang="en-US" dirty="0" err="1" smtClean="0">
-                <a:solidFill>
-                  <a:schemeClr val="accent2">
-                    <a:lumMod val="75000"/>
-                  </a:schemeClr>
-                </a:solidFill>
-                <a:latin typeface="Consolas" panose="020B0609020204030204" pitchFamily="49" charset="0"/>
-              </a:rPr>
-              <a:t>numpy</a:t>
-            </a:r>
-            <a:r>
-              <a:rPr lang="en-US" dirty="0" smtClean="0">
-                <a:solidFill>
-                  <a:schemeClr val="accent2">
-                    <a:lumMod val="75000"/>
-                  </a:schemeClr>
-                </a:solidFill>
-                <a:latin typeface="Consolas" panose="020B0609020204030204" pitchFamily="49" charset="0"/>
-              </a:rPr>
-              <a:t> as np</a:t>
-            </a:r>
-          </a:p>
-          <a:p>
-            <a:pPr marL="0" indent="0">
-              <a:buNone/>
-            </a:pPr>
-            <a:r>
-              <a:rPr lang="en-US" dirty="0" smtClean="0">
-                <a:solidFill>
-                  <a:schemeClr val="accent2">
-                    <a:lumMod val="75000"/>
-                  </a:schemeClr>
-                </a:solidFill>
-                <a:latin typeface="Consolas" panose="020B0609020204030204" pitchFamily="49" charset="0"/>
-              </a:rPr>
-              <a:t>from </a:t>
-            </a:r>
-            <a:r>
-              <a:rPr lang="en-US" dirty="0" err="1" smtClean="0">
-                <a:solidFill>
-                  <a:schemeClr val="accent2">
-                    <a:lumMod val="75000"/>
-                  </a:schemeClr>
-                </a:solidFill>
-                <a:latin typeface="Consolas" panose="020B0609020204030204" pitchFamily="49" charset="0"/>
-              </a:rPr>
-              <a:t>datetime</a:t>
-            </a:r>
-            <a:r>
-              <a:rPr lang="en-US" dirty="0" smtClean="0">
-                <a:solidFill>
-                  <a:schemeClr val="accent2">
-                    <a:lumMod val="75000"/>
-                  </a:schemeClr>
-                </a:solidFill>
-                <a:latin typeface="Consolas" panose="020B0609020204030204" pitchFamily="49" charset="0"/>
-              </a:rPr>
-              <a:t> import </a:t>
-            </a:r>
-            <a:r>
-              <a:rPr lang="en-US" dirty="0" err="1" smtClean="0">
-                <a:solidFill>
-                  <a:schemeClr val="accent2">
-                    <a:lumMod val="75000"/>
-                  </a:schemeClr>
-                </a:solidFill>
-                <a:latin typeface="Consolas" panose="020B0609020204030204" pitchFamily="49" charset="0"/>
-              </a:rPr>
-              <a:t>datetime</a:t>
-            </a:r>
-            <a:r>
-              <a:rPr lang="en-US" dirty="0" smtClean="0">
-                <a:solidFill>
-                  <a:schemeClr val="accent2">
-                    <a:lumMod val="75000"/>
-                  </a:schemeClr>
-                </a:solidFill>
-                <a:latin typeface="Consolas" panose="020B0609020204030204" pitchFamily="49" charset="0"/>
-              </a:rPr>
-              <a:t> as </a:t>
-            </a:r>
-            <a:r>
-              <a:rPr lang="en-US" dirty="0" err="1" smtClean="0">
-                <a:solidFill>
-                  <a:schemeClr val="accent2">
-                    <a:lumMod val="75000"/>
-                  </a:schemeClr>
-                </a:solidFill>
-                <a:latin typeface="Consolas" panose="020B0609020204030204" pitchFamily="49" charset="0"/>
-              </a:rPr>
-              <a:t>dt</a:t>
-            </a:r>
-            <a:endParaRPr lang="en-US" dirty="0" smtClean="0">
-              <a:solidFill>
-                <a:schemeClr val="accent2">
-                  <a:lumMod val="75000"/>
-                </a:schemeClr>
-              </a:solidFill>
-              <a:latin typeface="Consolas" panose="020B0609020204030204" pitchFamily="49" charset="0"/>
-            </a:endParaRPr>
-          </a:p>
-          <a:p>
-            <a:r>
-              <a:rPr lang="en-US" dirty="0" smtClean="0"/>
-              <a:t>To use a function or method from an imported module, append it with a dot.</a:t>
-            </a:r>
-          </a:p>
-          <a:p>
-            <a:pPr marL="0" indent="0">
-              <a:buNone/>
-            </a:pPr>
-            <a:r>
-              <a:rPr lang="en-US" dirty="0" err="1" smtClean="0">
-                <a:solidFill>
-                  <a:schemeClr val="accent2">
-                    <a:lumMod val="75000"/>
-                  </a:schemeClr>
-                </a:solidFill>
-                <a:latin typeface="Consolas" panose="020B0609020204030204" pitchFamily="49" charset="0"/>
-              </a:rPr>
-              <a:t>np.pi</a:t>
-            </a:r>
-            <a:r>
-              <a:rPr lang="en-US" dirty="0" smtClean="0">
-                <a:solidFill>
-                  <a:schemeClr val="accent2">
-                    <a:lumMod val="75000"/>
-                  </a:schemeClr>
-                </a:solidFill>
-                <a:latin typeface="Consolas" panose="020B0609020204030204" pitchFamily="49" charset="0"/>
-              </a:rPr>
-              <a:t>() = 3.1415…</a:t>
-            </a:r>
-          </a:p>
-          <a:p>
-            <a:pPr marL="0" indent="0">
-              <a:buNone/>
-            </a:pPr>
-            <a:r>
-              <a:rPr lang="en-US" dirty="0" err="1" smtClean="0">
-                <a:solidFill>
-                  <a:schemeClr val="accent2">
-                    <a:lumMod val="75000"/>
-                  </a:schemeClr>
-                </a:solidFill>
-                <a:latin typeface="Consolas" panose="020B0609020204030204" pitchFamily="49" charset="0"/>
-              </a:rPr>
-              <a:t>plt.plot</a:t>
-            </a:r>
-            <a:r>
-              <a:rPr lang="en-US" dirty="0" smtClean="0">
-                <a:solidFill>
-                  <a:schemeClr val="accent2">
-                    <a:lumMod val="75000"/>
-                  </a:schemeClr>
-                </a:solidFill>
-                <a:latin typeface="Consolas" panose="020B0609020204030204" pitchFamily="49" charset="0"/>
-              </a:rPr>
-              <a:t>([1,2,3],[4,5,6]) plots a graph</a:t>
-            </a:r>
-          </a:p>
-          <a:p>
-            <a:endParaRPr lang="en-US" dirty="0" smtClean="0">
-              <a:latin typeface="Consolas" panose="020B0609020204030204" pitchFamily="49" charset="0"/>
-            </a:endParaRPr>
-          </a:p>
-        </p:txBody>
-      </p:sp>
-    </p:spTree>
-    <p:extLst>
-      <p:ext uri="{BB962C8B-B14F-4D97-AF65-F5344CB8AC3E}">
-        <p14:creationId xmlns:p14="http://schemas.microsoft.com/office/powerpoint/2010/main" val="2092088250"/>
-      </p:ext>
-    </p:extLst>
-  </p:cSld>
-  <p:clrMapOvr>
-    <a:masterClrMapping/>
-  </p:clrMapOvr>
-  <p:timing>
-    <p:tnLst>
-      <p:par>
-        <p:cTn id="1" dur="indefinite" restart="never" nodeType="tmRoot"/>
-      </p:par>
-    </p:tnLst>
-  </p:timing>
-</p:sld>
-</file>
-
-<file path=ppt/slides/slide3.xml><?xml version="1.0" encoding="utf-8"?>
-<p:sld xmlns:a="http://schemas.openxmlformats.org/drawingml/2006/main" xmlns:r="http://schemas.openxmlformats.org/officeDocument/2006/relationships" xmlns:p="http://schemas.openxmlformats.org/presentationml/2006/main">
-  <p:cSld>
-    <p:spTree>
-      <p:nvGrpSpPr>
-        <p:cNvPr id="1" name=""/>
-        <p:cNvGrpSpPr/>
-        <p:nvPr/>
-      </p:nvGrpSpPr>
-      <p:grpSpPr>
-        <a:xfrm>
-          <a:off x="0" y="0"/>
-          <a:ext cx="0" cy="0"/>
-          <a:chOff x="0" y="0"/>
-          <a:chExt cx="0" cy="0"/>
-        </a:xfrm>
-      </p:grpSpPr>
-      <p:sp>
-        <p:nvSpPr>
-          <p:cNvPr id="2" name="Title 1"/>
-          <p:cNvSpPr>
-            <a:spLocks noGrp="1"/>
-          </p:cNvSpPr>
-          <p:nvPr>
-            <p:ph type="title"/>
-          </p:nvPr>
-        </p:nvSpPr>
-        <p:spPr/>
-        <p:txBody>
-          <a:bodyPr/>
-          <a:lstStyle/>
-          <a:p>
-            <a:r>
-              <a:rPr lang="en-US" dirty="0" smtClean="0"/>
-              <a:t>Setting Expectations</a:t>
-            </a:r>
-            <a:endParaRPr lang="en-US" dirty="0"/>
-          </a:p>
-        </p:txBody>
-      </p:sp>
-      <p:sp>
-        <p:nvSpPr>
-          <p:cNvPr id="3" name="Content Placeholder 2"/>
-          <p:cNvSpPr>
-            <a:spLocks noGrp="1"/>
-          </p:cNvSpPr>
-          <p:nvPr>
-            <p:ph idx="1"/>
-          </p:nvPr>
-        </p:nvSpPr>
-        <p:spPr/>
-        <p:txBody>
-          <a:bodyPr/>
-          <a:lstStyle/>
-          <a:p>
-            <a:r>
-              <a:rPr lang="en-US" dirty="0" smtClean="0"/>
-              <a:t>We have 3 hours</a:t>
-            </a:r>
-          </a:p>
-          <a:p>
-            <a:r>
-              <a:rPr lang="en-US" dirty="0" smtClean="0"/>
-              <a:t>I am not an expert</a:t>
-            </a:r>
-          </a:p>
-          <a:p>
-            <a:r>
-              <a:rPr lang="en-US" dirty="0" smtClean="0"/>
-              <a:t>Most of this is based on my personal experience</a:t>
-            </a:r>
-          </a:p>
-          <a:p>
-            <a:r>
-              <a:rPr lang="en-US" dirty="0" smtClean="0"/>
-              <a:t>Learning and retaining requires additional work</a:t>
-            </a:r>
-          </a:p>
-          <a:p>
-            <a:pPr lvl="1"/>
-            <a:r>
-              <a:rPr lang="en-US" dirty="0" smtClean="0"/>
-              <a:t>Create excuses to use what you’ve learned</a:t>
-            </a:r>
-          </a:p>
-          <a:p>
-            <a:r>
-              <a:rPr lang="en-US" dirty="0" smtClean="0"/>
-              <a:t>There is a WIDE range of backgrounds and experience levels here. Please participate!</a:t>
-            </a:r>
-          </a:p>
-        </p:txBody>
-      </p:sp>
-    </p:spTree>
-    <p:extLst>
-      <p:ext uri="{BB962C8B-B14F-4D97-AF65-F5344CB8AC3E}">
-        <p14:creationId xmlns:p14="http://schemas.microsoft.com/office/powerpoint/2010/main" val="3022489031"/>
+        <p14:creationId xmlns:p14="http://schemas.microsoft.com/office/powerpoint/2010/main" val="2649493265"/>
       </p:ext>
     </p:extLst>
   </p:cSld>
@@ -10061,73 +12028,16 @@
           <a:p>
             <a:r>
               <a:rPr lang="en-US" dirty="0" smtClean="0"/>
-              <a:t>My Goals</a:t>
+              <a:t>Intros</a:t>
             </a:r>
             <a:endParaRPr lang="en-US" dirty="0"/>
-          </a:p>
-        </p:txBody>
-      </p:sp>
-      <p:sp>
-        <p:nvSpPr>
-          <p:cNvPr id="3" name="Content Placeholder 2"/>
-          <p:cNvSpPr>
-            <a:spLocks noGrp="1"/>
-          </p:cNvSpPr>
-          <p:nvPr>
-            <p:ph idx="1"/>
-          </p:nvPr>
-        </p:nvSpPr>
-        <p:spPr/>
-        <p:txBody>
-          <a:bodyPr/>
-          <a:lstStyle/>
-          <a:p>
-            <a:r>
-              <a:rPr lang="en-US" dirty="0" smtClean="0"/>
-              <a:t>Give you the tools you need to fearlessly decide to use Python, </a:t>
-            </a:r>
-            <a:r>
-              <a:rPr lang="en-US" b="1" dirty="0" smtClean="0"/>
-              <a:t>if appropriate</a:t>
-            </a:r>
-            <a:r>
-              <a:rPr lang="en-US" dirty="0" smtClean="0"/>
-              <a:t>, and get started on a project.</a:t>
-            </a:r>
-          </a:p>
-          <a:p>
-            <a:r>
-              <a:rPr lang="en-US" dirty="0" smtClean="0"/>
-              <a:t>Show you where to look for or who to ask for more information</a:t>
-            </a:r>
-          </a:p>
-          <a:p>
-            <a:r>
-              <a:rPr lang="en-US" dirty="0" smtClean="0"/>
-              <a:t>Make sure the tools we choose aren’t limiting our ability</a:t>
-            </a:r>
-          </a:p>
-          <a:p>
-            <a:r>
-              <a:rPr lang="en-US" b="1" dirty="0" smtClean="0"/>
-              <a:t>Keep the community going after this course</a:t>
-            </a:r>
-          </a:p>
-          <a:p>
-            <a:endParaRPr lang="en-US" b="1" dirty="0"/>
-          </a:p>
-          <a:p>
-            <a:r>
-              <a:rPr lang="en-US" dirty="0" smtClean="0"/>
-              <a:t>Any others?</a:t>
-            </a:r>
           </a:p>
         </p:txBody>
       </p:sp>
     </p:spTree>
     <p:extLst>
       <p:ext uri="{BB962C8B-B14F-4D97-AF65-F5344CB8AC3E}">
-        <p14:creationId xmlns:p14="http://schemas.microsoft.com/office/powerpoint/2010/main" val="1375510224"/>
+        <p14:creationId xmlns:p14="http://schemas.microsoft.com/office/powerpoint/2010/main" val="606513356"/>
       </p:ext>
     </p:extLst>
   </p:cSld>
@@ -10176,6 +12086,10 @@
           <a:bodyPr/>
           <a:lstStyle/>
           <a:p>
+            <a:r>
+              <a:rPr lang="en-US" dirty="0" smtClean="0"/>
+              <a:t>My Goals</a:t>
+            </a:r>
             <a:endParaRPr lang="en-US" dirty="0"/>
           </a:p>
         </p:txBody>
@@ -10195,14 +12109,52 @@
           <a:bodyPr/>
           <a:lstStyle/>
           <a:p>
-            <a:endParaRPr lang="en-US"/>
+            <a:r>
+              <a:rPr lang="en-US" dirty="0" smtClean="0"/>
+              <a:t>Give you the tools you need to fearlessly decide to use Python, </a:t>
+            </a:r>
+            <a:r>
+              <a:rPr lang="en-US" b="1" dirty="0" smtClean="0"/>
+              <a:t>if appropriate</a:t>
+            </a:r>
+            <a:r>
+              <a:rPr lang="en-US" dirty="0" smtClean="0"/>
+              <a:t>, and get started on a project.</a:t>
+            </a:r>
+          </a:p>
+          <a:p>
+            <a:r>
+              <a:rPr lang="en-US" dirty="0" smtClean="0"/>
+              <a:t>Show you where to look for or who to ask for more information</a:t>
+            </a:r>
+          </a:p>
+          <a:p>
+            <a:r>
+              <a:rPr lang="en-US" dirty="0" smtClean="0"/>
+              <a:t>Make sure the tools we choose aren’t limiting our ability</a:t>
+            </a:r>
+          </a:p>
+          <a:p>
+            <a:r>
+              <a:rPr lang="en-US" b="1" dirty="0" smtClean="0"/>
+              <a:t>Keep the community going after this course</a:t>
+            </a:r>
+          </a:p>
+          <a:p>
+            <a:endParaRPr lang="en-US" b="1" dirty="0"/>
+          </a:p>
+          <a:p>
+            <a:r>
+              <a:rPr lang="en-US" dirty="0" smtClean="0"/>
+              <a:t>Any others?</a:t>
+            </a:r>
           </a:p>
         </p:txBody>
       </p:sp>
     </p:spTree>
     <p:extLst>
       <p:ext uri="{BB962C8B-B14F-4D97-AF65-F5344CB8AC3E}">
-        <p14:creationId xmlns:p14="http://schemas.microsoft.com/office/powerpoint/2010/main" val="3967448087"/>
+        <p14:creationId xmlns:p14="http://schemas.microsoft.com/office/powerpoint/2010/main" val="1375510224"/>
       </p:ext>
     </p:extLst>
   </p:cSld>
@@ -10251,7 +12203,15 @@
           <a:bodyPr/>
           <a:lstStyle/>
           <a:p>
-            <a:endParaRPr lang="en-US"/>
+            <a:r>
+              <a:rPr lang="en-US" dirty="0" smtClean="0"/>
+              <a:t>Get </a:t>
+            </a:r>
+            <a:r>
+              <a:rPr lang="en-US" smtClean="0"/>
+              <a:t>GitHub Repository</a:t>
+            </a:r>
+            <a:endParaRPr lang="en-US" dirty="0"/>
           </a:p>
         </p:txBody>
       </p:sp>
@@ -10277,7 +12237,7 @@
     </p:spTree>
     <p:extLst>
       <p:ext uri="{BB962C8B-B14F-4D97-AF65-F5344CB8AC3E}">
-        <p14:creationId xmlns:p14="http://schemas.microsoft.com/office/powerpoint/2010/main" val="1383795838"/>
+        <p14:creationId xmlns:p14="http://schemas.microsoft.com/office/powerpoint/2010/main" val="3967448087"/>
       </p:ext>
     </p:extLst>
   </p:cSld>
@@ -10326,11 +12286,7 @@
           <a:bodyPr/>
           <a:lstStyle/>
           <a:p>
-            <a:r>
-              <a:rPr lang="en-US" dirty="0" smtClean="0"/>
-              <a:t>What is Python?</a:t>
-            </a:r>
-            <a:endParaRPr lang="en-US" dirty="0"/>
+            <a:endParaRPr lang="en-US"/>
           </a:p>
         </p:txBody>
       </p:sp>
@@ -10349,42 +12305,14 @@
           <a:bodyPr/>
           <a:lstStyle/>
           <a:p>
-            <a:r>
-              <a:rPr lang="en-US" dirty="0" smtClean="0"/>
-              <a:t>Open source general-purpose programming language</a:t>
-            </a:r>
-          </a:p>
-          <a:p>
-            <a:r>
-              <a:rPr lang="en-US" dirty="0" smtClean="0"/>
-              <a:t>Object oriented or functional</a:t>
-            </a:r>
-          </a:p>
-          <a:p>
-            <a:r>
-              <a:rPr lang="en-US" dirty="0" smtClean="0"/>
-              <a:t>Easy to interface with other programming languages</a:t>
-            </a:r>
-          </a:p>
-          <a:p>
-            <a:r>
-              <a:rPr lang="en-US" dirty="0" smtClean="0"/>
-              <a:t>Great interactive environment</a:t>
-            </a:r>
-          </a:p>
-          <a:p>
-            <a:r>
-              <a:rPr lang="en-US" dirty="0" smtClean="0"/>
-              <a:t>Kitchen Sink</a:t>
-            </a:r>
-            <a:endParaRPr lang="en-US" dirty="0"/>
+            <a:endParaRPr lang="en-US"/>
           </a:p>
         </p:txBody>
       </p:sp>
     </p:spTree>
     <p:extLst>
       <p:ext uri="{BB962C8B-B14F-4D97-AF65-F5344CB8AC3E}">
-        <p14:creationId xmlns:p14="http://schemas.microsoft.com/office/powerpoint/2010/main" val="2657244366"/>
+        <p14:creationId xmlns:p14="http://schemas.microsoft.com/office/powerpoint/2010/main" val="1383795838"/>
       </p:ext>
     </p:extLst>
   </p:cSld>
@@ -10435,7 +12363,7 @@
           <a:p>
             <a:r>
               <a:rPr lang="en-US" dirty="0" smtClean="0"/>
-              <a:t>Programming Language Stereotypes</a:t>
+              <a:t>What is Python?</a:t>
             </a:r>
             <a:endParaRPr lang="en-US" dirty="0"/>
           </a:p>
@@ -10451,60 +12379,47 @@
             <p:ph idx="1"/>
           </p:nvPr>
         </p:nvSpPr>
-        <p:spPr>
-          <a:xfrm>
-            <a:off x="838200" y="1825625"/>
-            <a:ext cx="2281844" cy="4351338"/>
-          </a:xfrm>
-        </p:spPr>
+        <p:spPr/>
         <p:txBody>
           <a:bodyPr/>
           <a:lstStyle/>
           <a:p>
             <a:r>
               <a:rPr lang="en-US" dirty="0" smtClean="0"/>
-              <a:t>FORTRAN</a:t>
-            </a:r>
-          </a:p>
-          <a:p>
-            <a:r>
-              <a:rPr lang="en-US" dirty="0" smtClean="0"/>
-              <a:t>C++</a:t>
-            </a:r>
-          </a:p>
-          <a:p>
-            <a:r>
-              <a:rPr lang="en-US" dirty="0" smtClean="0"/>
-              <a:t>Java</a:t>
-            </a:r>
-          </a:p>
-          <a:p>
-            <a:r>
-              <a:rPr lang="en-US" dirty="0" smtClean="0"/>
-              <a:t>Visual Basic</a:t>
-            </a:r>
-          </a:p>
-          <a:p>
-            <a:r>
-              <a:rPr lang="en-US" dirty="0" smtClean="0"/>
-              <a:t>R</a:t>
-            </a:r>
-          </a:p>
-          <a:p>
-            <a:r>
-              <a:rPr lang="en-US" dirty="0" smtClean="0"/>
-              <a:t>Python</a:t>
-            </a:r>
-          </a:p>
-          <a:p>
-            <a:endParaRPr lang="en-US" dirty="0" smtClean="0"/>
+              <a:t>Open source general-purpose programming language</a:t>
+            </a:r>
+          </a:p>
+          <a:p>
+            <a:r>
+              <a:rPr lang="en-US" dirty="0" smtClean="0"/>
+              <a:t>Object oriented or functional</a:t>
+            </a:r>
+          </a:p>
+          <a:p>
+            <a:r>
+              <a:rPr lang="en-US" dirty="0" smtClean="0"/>
+              <a:t>Easy to interface with other programming languages</a:t>
+            </a:r>
+          </a:p>
+          <a:p>
+            <a:r>
+              <a:rPr lang="en-US" dirty="0" smtClean="0"/>
+              <a:t>Great interactive environment</a:t>
+            </a:r>
+          </a:p>
+          <a:p>
+            <a:r>
+              <a:rPr lang="en-US" dirty="0" smtClean="0"/>
+              <a:t>Kitchen Sink</a:t>
+            </a:r>
+            <a:endParaRPr lang="en-US" dirty="0"/>
           </a:p>
         </p:txBody>
       </p:sp>
     </p:spTree>
     <p:extLst>
       <p:ext uri="{BB962C8B-B14F-4D97-AF65-F5344CB8AC3E}">
-        <p14:creationId xmlns:p14="http://schemas.microsoft.com/office/powerpoint/2010/main" val="471568199"/>
+        <p14:creationId xmlns:p14="http://schemas.microsoft.com/office/powerpoint/2010/main" val="2657244366"/>
       </p:ext>
     </p:extLst>
   </p:cSld>
@@ -10555,7 +12470,7 @@
           <a:p>
             <a:r>
               <a:rPr lang="en-US" dirty="0" smtClean="0"/>
-              <a:t>Where does Python fit?</a:t>
+              <a:t>Programming Language Stereotypes</a:t>
             </a:r>
             <a:endParaRPr lang="en-US" dirty="0"/>
           </a:p>
@@ -10571,60 +12486,60 @@
             <p:ph idx="1"/>
           </p:nvPr>
         </p:nvSpPr>
-        <p:spPr/>
+        <p:spPr>
+          <a:xfrm>
+            <a:off x="838200" y="1825625"/>
+            <a:ext cx="2281844" cy="4351338"/>
+          </a:xfrm>
+        </p:spPr>
         <p:txBody>
           <a:bodyPr/>
           <a:lstStyle/>
           <a:p>
             <a:r>
               <a:rPr lang="en-US" dirty="0" smtClean="0"/>
-              <a:t>Not as fast as a fully compiled language</a:t>
-            </a:r>
-          </a:p>
-          <a:p>
-            <a:r>
-              <a:rPr lang="en-US" dirty="0" smtClean="0"/>
-              <a:t>Dynamically typed</a:t>
-            </a:r>
-          </a:p>
-          <a:p>
-            <a:pPr lvl="1"/>
-            <a:r>
-              <a:rPr lang="en-US" dirty="0" smtClean="0"/>
-              <a:t>No need to define variables or types</a:t>
-            </a:r>
-          </a:p>
-          <a:p>
-            <a:pPr lvl="1"/>
-            <a:r>
-              <a:rPr lang="en-US" dirty="0" smtClean="0"/>
-              <a:t>Python guesses, and is usually right</a:t>
-            </a:r>
-          </a:p>
-          <a:p>
-            <a:r>
-              <a:rPr lang="en-US" dirty="0" smtClean="0"/>
-              <a:t>Object Oriented</a:t>
-            </a:r>
-          </a:p>
-          <a:p>
-            <a:r>
-              <a:rPr lang="en-US" dirty="0" smtClean="0"/>
-              <a:t>Functional</a:t>
-            </a:r>
-          </a:p>
-          <a:p>
-            <a:r>
-              <a:rPr lang="en-US" dirty="0" smtClean="0"/>
-              <a:t>A HUGE user community and library support</a:t>
-            </a:r>
+              <a:t>FORTRAN</a:t>
+            </a:r>
+          </a:p>
+          <a:p>
+            <a:r>
+              <a:rPr lang="en-US" dirty="0" smtClean="0"/>
+              <a:t>C++</a:t>
+            </a:r>
+          </a:p>
+          <a:p>
+            <a:r>
+              <a:rPr lang="en-US" dirty="0" smtClean="0"/>
+              <a:t>Java</a:t>
+            </a:r>
+          </a:p>
+          <a:p>
+            <a:r>
+              <a:rPr lang="en-US" dirty="0" smtClean="0"/>
+              <a:t>Visual Basic</a:t>
+            </a:r>
+          </a:p>
+          <a:p>
+            <a:r>
+              <a:rPr lang="en-US" dirty="0" smtClean="0"/>
+              <a:t>R</a:t>
+            </a:r>
+          </a:p>
+          <a:p>
+            <a:r>
+              <a:rPr lang="en-US" dirty="0" smtClean="0"/>
+              <a:t>Python</a:t>
+            </a:r>
+          </a:p>
+          <a:p>
+            <a:endParaRPr lang="en-US" dirty="0" smtClean="0"/>
           </a:p>
         </p:txBody>
       </p:sp>
     </p:spTree>
     <p:extLst>
       <p:ext uri="{BB962C8B-B14F-4D97-AF65-F5344CB8AC3E}">
-        <p14:creationId xmlns:p14="http://schemas.microsoft.com/office/powerpoint/2010/main" val="2782029393"/>
+        <p14:creationId xmlns:p14="http://schemas.microsoft.com/office/powerpoint/2010/main" val="471568199"/>
       </p:ext>
     </p:extLst>
   </p:cSld>

--- a/Day1/IntroToPython/IntroToPython.pptx
+++ b/Day1/IntroToPython/IntroToPython.pptx
@@ -4,6 +4,9 @@
   <p:sldMasterIdLst>
     <p:sldMasterId id="2147483648" r:id="rId1"/>
   </p:sldMasterIdLst>
+  <p:notesMasterIdLst>
+    <p:notesMasterId r:id="rId42"/>
+  </p:notesMasterIdLst>
   <p:sldIdLst>
     <p:sldId id="256" r:id="rId2"/>
     <p:sldId id="280" r:id="rId3"/>
@@ -32,12 +35,19 @@
     <p:sldId id="258" r:id="rId26"/>
     <p:sldId id="262" r:id="rId27"/>
     <p:sldId id="260" r:id="rId28"/>
-    <p:sldId id="261" r:id="rId29"/>
-    <p:sldId id="291" r:id="rId30"/>
-    <p:sldId id="273" r:id="rId31"/>
-    <p:sldId id="275" r:id="rId32"/>
-    <p:sldId id="274" r:id="rId33"/>
-    <p:sldId id="282" r:id="rId34"/>
+    <p:sldId id="292" r:id="rId29"/>
+    <p:sldId id="261" r:id="rId30"/>
+    <p:sldId id="291" r:id="rId31"/>
+    <p:sldId id="273" r:id="rId32"/>
+    <p:sldId id="294" r:id="rId33"/>
+    <p:sldId id="293" r:id="rId34"/>
+    <p:sldId id="274" r:id="rId35"/>
+    <p:sldId id="275" r:id="rId36"/>
+    <p:sldId id="295" r:id="rId37"/>
+    <p:sldId id="282" r:id="rId38"/>
+    <p:sldId id="297" r:id="rId39"/>
+    <p:sldId id="296" r:id="rId40"/>
+    <p:sldId id="298" r:id="rId41"/>
   </p:sldIdLst>
   <p:sldSz cx="12192000" cy="6858000"/>
   <p:notesSz cx="6858000" cy="9144000"/>
@@ -3406,6 +3416,558 @@
 </dgm:styleDef>
 </file>
 
+<file path=ppt/notesMasters/notesMaster1.xml><?xml version="1.0" encoding="utf-8"?>
+<p:notesMaster xmlns:a="http://schemas.openxmlformats.org/drawingml/2006/main" xmlns:r="http://schemas.openxmlformats.org/officeDocument/2006/relationships" xmlns:p="http://schemas.openxmlformats.org/presentationml/2006/main">
+  <p:cSld>
+    <p:bg>
+      <p:bgRef idx="1001">
+        <a:schemeClr val="bg1"/>
+      </p:bgRef>
+    </p:bg>
+    <p:spTree>
+      <p:nvGrpSpPr>
+        <p:cNvPr id="1" name=""/>
+        <p:cNvGrpSpPr/>
+        <p:nvPr/>
+      </p:nvGrpSpPr>
+      <p:grpSpPr>
+        <a:xfrm>
+          <a:off x="0" y="0"/>
+          <a:ext cx="0" cy="0"/>
+          <a:chOff x="0" y="0"/>
+          <a:chExt cx="0" cy="0"/>
+        </a:xfrm>
+      </p:grpSpPr>
+      <p:sp>
+        <p:nvSpPr>
+          <p:cNvPr id="2" name="Header Placeholder 1"/>
+          <p:cNvSpPr>
+            <a:spLocks noGrp="1"/>
+          </p:cNvSpPr>
+          <p:nvPr>
+            <p:ph type="hdr" sz="quarter"/>
+          </p:nvPr>
+        </p:nvSpPr>
+        <p:spPr>
+          <a:xfrm>
+            <a:off x="0" y="0"/>
+            <a:ext cx="2971800" cy="458788"/>
+          </a:xfrm>
+          <a:prstGeom prst="rect">
+            <a:avLst/>
+          </a:prstGeom>
+        </p:spPr>
+        <p:txBody>
+          <a:bodyPr vert="horz" lIns="91440" tIns="45720" rIns="91440" bIns="45720" rtlCol="0"/>
+          <a:lstStyle>
+            <a:lvl1pPr algn="l">
+              <a:defRPr sz="1200"/>
+            </a:lvl1pPr>
+          </a:lstStyle>
+          <a:p>
+            <a:endParaRPr lang="en-US"/>
+          </a:p>
+        </p:txBody>
+      </p:sp>
+      <p:sp>
+        <p:nvSpPr>
+          <p:cNvPr id="3" name="Date Placeholder 2"/>
+          <p:cNvSpPr>
+            <a:spLocks noGrp="1"/>
+          </p:cNvSpPr>
+          <p:nvPr>
+            <p:ph type="dt" idx="1"/>
+          </p:nvPr>
+        </p:nvSpPr>
+        <p:spPr>
+          <a:xfrm>
+            <a:off x="3884613" y="0"/>
+            <a:ext cx="2971800" cy="458788"/>
+          </a:xfrm>
+          <a:prstGeom prst="rect">
+            <a:avLst/>
+          </a:prstGeom>
+        </p:spPr>
+        <p:txBody>
+          <a:bodyPr vert="horz" lIns="91440" tIns="45720" rIns="91440" bIns="45720" rtlCol="0"/>
+          <a:lstStyle>
+            <a:lvl1pPr algn="r">
+              <a:defRPr sz="1200"/>
+            </a:lvl1pPr>
+          </a:lstStyle>
+          <a:p>
+            <a:fld id="{8531E502-61DD-464E-9C65-3E48C6000E37}" type="datetimeFigureOut">
+              <a:rPr lang="en-US" smtClean="0"/>
+              <a:t>4/21/2018</a:t>
+            </a:fld>
+            <a:endParaRPr lang="en-US"/>
+          </a:p>
+        </p:txBody>
+      </p:sp>
+      <p:sp>
+        <p:nvSpPr>
+          <p:cNvPr id="4" name="Slide Image Placeholder 3"/>
+          <p:cNvSpPr>
+            <a:spLocks noGrp="1" noRot="1" noChangeAspect="1"/>
+          </p:cNvSpPr>
+          <p:nvPr>
+            <p:ph type="sldImg" idx="2"/>
+          </p:nvPr>
+        </p:nvSpPr>
+        <p:spPr>
+          <a:xfrm>
+            <a:off x="685800" y="1143000"/>
+            <a:ext cx="5486400" cy="3086100"/>
+          </a:xfrm>
+          <a:prstGeom prst="rect">
+            <a:avLst/>
+          </a:prstGeom>
+          <a:noFill/>
+          <a:ln w="12700">
+            <a:solidFill>
+              <a:prstClr val="black"/>
+            </a:solidFill>
+          </a:ln>
+        </p:spPr>
+        <p:txBody>
+          <a:bodyPr vert="horz" lIns="91440" tIns="45720" rIns="91440" bIns="45720" rtlCol="0" anchor="ctr"/>
+          <a:lstStyle/>
+          <a:p>
+            <a:endParaRPr lang="en-US"/>
+          </a:p>
+        </p:txBody>
+      </p:sp>
+      <p:sp>
+        <p:nvSpPr>
+          <p:cNvPr id="5" name="Notes Placeholder 4"/>
+          <p:cNvSpPr>
+            <a:spLocks noGrp="1"/>
+          </p:cNvSpPr>
+          <p:nvPr>
+            <p:ph type="body" sz="quarter" idx="3"/>
+          </p:nvPr>
+        </p:nvSpPr>
+        <p:spPr>
+          <a:xfrm>
+            <a:off x="685800" y="4400550"/>
+            <a:ext cx="5486400" cy="3600450"/>
+          </a:xfrm>
+          <a:prstGeom prst="rect">
+            <a:avLst/>
+          </a:prstGeom>
+        </p:spPr>
+        <p:txBody>
+          <a:bodyPr vert="horz" lIns="91440" tIns="45720" rIns="91440" bIns="45720" rtlCol="0"/>
+          <a:lstStyle/>
+          <a:p>
+            <a:pPr lvl="0"/>
+            <a:r>
+              <a:rPr lang="en-US" smtClean="0"/>
+              <a:t>Click to edit Master text styles</a:t>
+            </a:r>
+          </a:p>
+          <a:p>
+            <a:pPr lvl="1"/>
+            <a:r>
+              <a:rPr lang="en-US" smtClean="0"/>
+              <a:t>Second level</a:t>
+            </a:r>
+          </a:p>
+          <a:p>
+            <a:pPr lvl="2"/>
+            <a:r>
+              <a:rPr lang="en-US" smtClean="0"/>
+              <a:t>Third level</a:t>
+            </a:r>
+          </a:p>
+          <a:p>
+            <a:pPr lvl="3"/>
+            <a:r>
+              <a:rPr lang="en-US" smtClean="0"/>
+              <a:t>Fourth level</a:t>
+            </a:r>
+          </a:p>
+          <a:p>
+            <a:pPr lvl="4"/>
+            <a:r>
+              <a:rPr lang="en-US" smtClean="0"/>
+              <a:t>Fifth level</a:t>
+            </a:r>
+            <a:endParaRPr lang="en-US"/>
+          </a:p>
+        </p:txBody>
+      </p:sp>
+      <p:sp>
+        <p:nvSpPr>
+          <p:cNvPr id="6" name="Footer Placeholder 5"/>
+          <p:cNvSpPr>
+            <a:spLocks noGrp="1"/>
+          </p:cNvSpPr>
+          <p:nvPr>
+            <p:ph type="ftr" sz="quarter" idx="4"/>
+          </p:nvPr>
+        </p:nvSpPr>
+        <p:spPr>
+          <a:xfrm>
+            <a:off x="0" y="8685213"/>
+            <a:ext cx="2971800" cy="458787"/>
+          </a:xfrm>
+          <a:prstGeom prst="rect">
+            <a:avLst/>
+          </a:prstGeom>
+        </p:spPr>
+        <p:txBody>
+          <a:bodyPr vert="horz" lIns="91440" tIns="45720" rIns="91440" bIns="45720" rtlCol="0" anchor="b"/>
+          <a:lstStyle>
+            <a:lvl1pPr algn="l">
+              <a:defRPr sz="1200"/>
+            </a:lvl1pPr>
+          </a:lstStyle>
+          <a:p>
+            <a:endParaRPr lang="en-US"/>
+          </a:p>
+        </p:txBody>
+      </p:sp>
+      <p:sp>
+        <p:nvSpPr>
+          <p:cNvPr id="7" name="Slide Number Placeholder 6"/>
+          <p:cNvSpPr>
+            <a:spLocks noGrp="1"/>
+          </p:cNvSpPr>
+          <p:nvPr>
+            <p:ph type="sldNum" sz="quarter" idx="5"/>
+          </p:nvPr>
+        </p:nvSpPr>
+        <p:spPr>
+          <a:xfrm>
+            <a:off x="3884613" y="8685213"/>
+            <a:ext cx="2971800" cy="458787"/>
+          </a:xfrm>
+          <a:prstGeom prst="rect">
+            <a:avLst/>
+          </a:prstGeom>
+        </p:spPr>
+        <p:txBody>
+          <a:bodyPr vert="horz" lIns="91440" tIns="45720" rIns="91440" bIns="45720" rtlCol="0" anchor="b"/>
+          <a:lstStyle>
+            <a:lvl1pPr algn="r">
+              <a:defRPr sz="1200"/>
+            </a:lvl1pPr>
+          </a:lstStyle>
+          <a:p>
+            <a:fld id="{B0A1274D-414F-42E0-A064-336568F39F74}" type="slidenum">
+              <a:rPr lang="en-US" smtClean="0"/>
+              <a:t>‹#›</a:t>
+            </a:fld>
+            <a:endParaRPr lang="en-US"/>
+          </a:p>
+        </p:txBody>
+      </p:sp>
+    </p:spTree>
+    <p:extLst>
+      <p:ext uri="{BB962C8B-B14F-4D97-AF65-F5344CB8AC3E}">
+        <p14:creationId xmlns:p14="http://schemas.microsoft.com/office/powerpoint/2010/main" val="2905936414"/>
+      </p:ext>
+    </p:extLst>
+  </p:cSld>
+  <p:clrMap bg1="lt1" tx1="dk1" bg2="lt2" tx2="dk2" accent1="accent1" accent2="accent2" accent3="accent3" accent4="accent4" accent5="accent5" accent6="accent6" hlink="hlink" folHlink="folHlink"/>
+  <p:notesStyle>
+    <a:lvl1pPr marL="0" algn="l" defTabSz="914400" rtl="0" eaLnBrk="1" latinLnBrk="0" hangingPunct="1">
+      <a:defRPr sz="1200" kern="1200">
+        <a:solidFill>
+          <a:schemeClr val="tx1"/>
+        </a:solidFill>
+        <a:latin typeface="+mn-lt"/>
+        <a:ea typeface="+mn-ea"/>
+        <a:cs typeface="+mn-cs"/>
+      </a:defRPr>
+    </a:lvl1pPr>
+    <a:lvl2pPr marL="457200" algn="l" defTabSz="914400" rtl="0" eaLnBrk="1" latinLnBrk="0" hangingPunct="1">
+      <a:defRPr sz="1200" kern="1200">
+        <a:solidFill>
+          <a:schemeClr val="tx1"/>
+        </a:solidFill>
+        <a:latin typeface="+mn-lt"/>
+        <a:ea typeface="+mn-ea"/>
+        <a:cs typeface="+mn-cs"/>
+      </a:defRPr>
+    </a:lvl2pPr>
+    <a:lvl3pPr marL="914400" algn="l" defTabSz="914400" rtl="0" eaLnBrk="1" latinLnBrk="0" hangingPunct="1">
+      <a:defRPr sz="1200" kern="1200">
+        <a:solidFill>
+          <a:schemeClr val="tx1"/>
+        </a:solidFill>
+        <a:latin typeface="+mn-lt"/>
+        <a:ea typeface="+mn-ea"/>
+        <a:cs typeface="+mn-cs"/>
+      </a:defRPr>
+    </a:lvl3pPr>
+    <a:lvl4pPr marL="1371600" algn="l" defTabSz="914400" rtl="0" eaLnBrk="1" latinLnBrk="0" hangingPunct="1">
+      <a:defRPr sz="1200" kern="1200">
+        <a:solidFill>
+          <a:schemeClr val="tx1"/>
+        </a:solidFill>
+        <a:latin typeface="+mn-lt"/>
+        <a:ea typeface="+mn-ea"/>
+        <a:cs typeface="+mn-cs"/>
+      </a:defRPr>
+    </a:lvl4pPr>
+    <a:lvl5pPr marL="1828800" algn="l" defTabSz="914400" rtl="0" eaLnBrk="1" latinLnBrk="0" hangingPunct="1">
+      <a:defRPr sz="1200" kern="1200">
+        <a:solidFill>
+          <a:schemeClr val="tx1"/>
+        </a:solidFill>
+        <a:latin typeface="+mn-lt"/>
+        <a:ea typeface="+mn-ea"/>
+        <a:cs typeface="+mn-cs"/>
+      </a:defRPr>
+    </a:lvl5pPr>
+    <a:lvl6pPr marL="2286000" algn="l" defTabSz="914400" rtl="0" eaLnBrk="1" latinLnBrk="0" hangingPunct="1">
+      <a:defRPr sz="1200" kern="1200">
+        <a:solidFill>
+          <a:schemeClr val="tx1"/>
+        </a:solidFill>
+        <a:latin typeface="+mn-lt"/>
+        <a:ea typeface="+mn-ea"/>
+        <a:cs typeface="+mn-cs"/>
+      </a:defRPr>
+    </a:lvl6pPr>
+    <a:lvl7pPr marL="2743200" algn="l" defTabSz="914400" rtl="0" eaLnBrk="1" latinLnBrk="0" hangingPunct="1">
+      <a:defRPr sz="1200" kern="1200">
+        <a:solidFill>
+          <a:schemeClr val="tx1"/>
+        </a:solidFill>
+        <a:latin typeface="+mn-lt"/>
+        <a:ea typeface="+mn-ea"/>
+        <a:cs typeface="+mn-cs"/>
+      </a:defRPr>
+    </a:lvl7pPr>
+    <a:lvl8pPr marL="3200400" algn="l" defTabSz="914400" rtl="0" eaLnBrk="1" latinLnBrk="0" hangingPunct="1">
+      <a:defRPr sz="1200" kern="1200">
+        <a:solidFill>
+          <a:schemeClr val="tx1"/>
+        </a:solidFill>
+        <a:latin typeface="+mn-lt"/>
+        <a:ea typeface="+mn-ea"/>
+        <a:cs typeface="+mn-cs"/>
+      </a:defRPr>
+    </a:lvl8pPr>
+    <a:lvl9pPr marL="3657600" algn="l" defTabSz="914400" rtl="0" eaLnBrk="1" latinLnBrk="0" hangingPunct="1">
+      <a:defRPr sz="1200" kern="1200">
+        <a:solidFill>
+          <a:schemeClr val="tx1"/>
+        </a:solidFill>
+        <a:latin typeface="+mn-lt"/>
+        <a:ea typeface="+mn-ea"/>
+        <a:cs typeface="+mn-cs"/>
+      </a:defRPr>
+    </a:lvl9pPr>
+  </p:notesStyle>
+</p:notesMaster>
+</file>
+
+<file path=ppt/notesSlides/notesSlide1.xml><?xml version="1.0" encoding="utf-8"?>
+<p:notes xmlns:a="http://schemas.openxmlformats.org/drawingml/2006/main" xmlns:r="http://schemas.openxmlformats.org/officeDocument/2006/relationships" xmlns:p="http://schemas.openxmlformats.org/presentationml/2006/main">
+  <p:cSld>
+    <p:spTree>
+      <p:nvGrpSpPr>
+        <p:cNvPr id="1" name=""/>
+        <p:cNvGrpSpPr/>
+        <p:nvPr/>
+      </p:nvGrpSpPr>
+      <p:grpSpPr>
+        <a:xfrm>
+          <a:off x="0" y="0"/>
+          <a:ext cx="0" cy="0"/>
+          <a:chOff x="0" y="0"/>
+          <a:chExt cx="0" cy="0"/>
+        </a:xfrm>
+      </p:grpSpPr>
+      <p:sp>
+        <p:nvSpPr>
+          <p:cNvPr id="2" name="Slide Image Placeholder 1"/>
+          <p:cNvSpPr>
+            <a:spLocks noGrp="1" noRot="1" noChangeAspect="1"/>
+          </p:cNvSpPr>
+          <p:nvPr>
+            <p:ph type="sldImg"/>
+          </p:nvPr>
+        </p:nvSpPr>
+        <p:spPr/>
+      </p:sp>
+      <p:sp>
+        <p:nvSpPr>
+          <p:cNvPr id="3" name="Notes Placeholder 2"/>
+          <p:cNvSpPr>
+            <a:spLocks noGrp="1"/>
+          </p:cNvSpPr>
+          <p:nvPr>
+            <p:ph type="body" idx="1"/>
+          </p:nvPr>
+        </p:nvSpPr>
+        <p:spPr/>
+        <p:txBody>
+          <a:bodyPr/>
+          <a:lstStyle/>
+          <a:p>
+            <a:r>
+              <a:rPr lang="en-US" dirty="0" smtClean="0"/>
+              <a:t>Any new methodology requires</a:t>
+            </a:r>
+            <a:r>
+              <a:rPr lang="en-US" baseline="0" dirty="0" smtClean="0"/>
+              <a:t> activation energy. Our goal is to only have this activation energy take place once, as a company. </a:t>
+            </a:r>
+          </a:p>
+          <a:p>
+            <a:endParaRPr lang="en-US" baseline="0" dirty="0" smtClean="0"/>
+          </a:p>
+          <a:p>
+            <a:r>
+              <a:rPr lang="en-US" baseline="0" dirty="0" smtClean="0"/>
+              <a:t>Dividends will pay off down the road</a:t>
+            </a:r>
+            <a:endParaRPr lang="en-US" dirty="0"/>
+          </a:p>
+        </p:txBody>
+      </p:sp>
+      <p:sp>
+        <p:nvSpPr>
+          <p:cNvPr id="4" name="Slide Number Placeholder 3"/>
+          <p:cNvSpPr>
+            <a:spLocks noGrp="1"/>
+          </p:cNvSpPr>
+          <p:nvPr>
+            <p:ph type="sldNum" sz="quarter" idx="10"/>
+          </p:nvPr>
+        </p:nvSpPr>
+        <p:spPr/>
+        <p:txBody>
+          <a:bodyPr/>
+          <a:lstStyle/>
+          <a:p>
+            <a:fld id="{BB6189AB-52EC-49B8-B495-010E12EA520B}" type="slidenum">
+              <a:rPr lang="en-US" smtClean="0"/>
+              <a:t>33</a:t>
+            </a:fld>
+            <a:endParaRPr lang="en-US"/>
+          </a:p>
+        </p:txBody>
+      </p:sp>
+    </p:spTree>
+    <p:extLst>
+      <p:ext uri="{BB962C8B-B14F-4D97-AF65-F5344CB8AC3E}">
+        <p14:creationId xmlns:p14="http://schemas.microsoft.com/office/powerpoint/2010/main" val="3392741994"/>
+      </p:ext>
+    </p:extLst>
+  </p:cSld>
+  <p:clrMapOvr>
+    <a:masterClrMapping/>
+  </p:clrMapOvr>
+</p:notes>
+</file>
+
+<file path=ppt/notesSlides/notesSlide2.xml><?xml version="1.0" encoding="utf-8"?>
+<p:notes xmlns:a="http://schemas.openxmlformats.org/drawingml/2006/main" xmlns:r="http://schemas.openxmlformats.org/officeDocument/2006/relationships" xmlns:p="http://schemas.openxmlformats.org/presentationml/2006/main">
+  <p:cSld>
+    <p:spTree>
+      <p:nvGrpSpPr>
+        <p:cNvPr id="1" name=""/>
+        <p:cNvGrpSpPr/>
+        <p:nvPr/>
+      </p:nvGrpSpPr>
+      <p:grpSpPr>
+        <a:xfrm>
+          <a:off x="0" y="0"/>
+          <a:ext cx="0" cy="0"/>
+          <a:chOff x="0" y="0"/>
+          <a:chExt cx="0" cy="0"/>
+        </a:xfrm>
+      </p:grpSpPr>
+      <p:sp>
+        <p:nvSpPr>
+          <p:cNvPr id="2" name="Slide Image Placeholder 1"/>
+          <p:cNvSpPr>
+            <a:spLocks noGrp="1" noRot="1" noChangeAspect="1"/>
+          </p:cNvSpPr>
+          <p:nvPr>
+            <p:ph type="sldImg"/>
+          </p:nvPr>
+        </p:nvSpPr>
+        <p:spPr/>
+      </p:sp>
+      <p:sp>
+        <p:nvSpPr>
+          <p:cNvPr id="3" name="Notes Placeholder 2"/>
+          <p:cNvSpPr>
+            <a:spLocks noGrp="1"/>
+          </p:cNvSpPr>
+          <p:nvPr>
+            <p:ph type="body" idx="1"/>
+          </p:nvPr>
+        </p:nvSpPr>
+        <p:spPr/>
+        <p:txBody>
+          <a:bodyPr/>
+          <a:lstStyle/>
+          <a:p>
+            <a:r>
+              <a:rPr lang="en-US" dirty="0" smtClean="0"/>
+              <a:t>Any new methodology requires</a:t>
+            </a:r>
+            <a:r>
+              <a:rPr lang="en-US" baseline="0" dirty="0" smtClean="0"/>
+              <a:t> activation energy. Our goal is to only have this activation energy take place once, as a company. </a:t>
+            </a:r>
+          </a:p>
+          <a:p>
+            <a:endParaRPr lang="en-US" baseline="0" dirty="0" smtClean="0"/>
+          </a:p>
+          <a:p>
+            <a:r>
+              <a:rPr lang="en-US" baseline="0" dirty="0" smtClean="0"/>
+              <a:t>Dividends will pay off down the road</a:t>
+            </a:r>
+            <a:endParaRPr lang="en-US" dirty="0"/>
+          </a:p>
+        </p:txBody>
+      </p:sp>
+      <p:sp>
+        <p:nvSpPr>
+          <p:cNvPr id="4" name="Slide Number Placeholder 3"/>
+          <p:cNvSpPr>
+            <a:spLocks noGrp="1"/>
+          </p:cNvSpPr>
+          <p:nvPr>
+            <p:ph type="sldNum" sz="quarter" idx="10"/>
+          </p:nvPr>
+        </p:nvSpPr>
+        <p:spPr/>
+        <p:txBody>
+          <a:bodyPr/>
+          <a:lstStyle/>
+          <a:p>
+            <a:fld id="{BB6189AB-52EC-49B8-B495-010E12EA520B}" type="slidenum">
+              <a:rPr lang="en-US" smtClean="0"/>
+              <a:t>38</a:t>
+            </a:fld>
+            <a:endParaRPr lang="en-US"/>
+          </a:p>
+        </p:txBody>
+      </p:sp>
+    </p:spTree>
+    <p:extLst>
+      <p:ext uri="{BB962C8B-B14F-4D97-AF65-F5344CB8AC3E}">
+        <p14:creationId xmlns:p14="http://schemas.microsoft.com/office/powerpoint/2010/main" val="2851616102"/>
+      </p:ext>
+    </p:extLst>
+  </p:cSld>
+  <p:clrMapOvr>
+    <a:masterClrMapping/>
+  </p:clrMapOvr>
+</p:notes>
+</file>
+
 <file path=ppt/slideLayouts/slideLayout1.xml><?xml version="1.0" encoding="utf-8"?>
 <p:sldLayout xmlns:a="http://schemas.openxmlformats.org/drawingml/2006/main" xmlns:r="http://schemas.openxmlformats.org/officeDocument/2006/relationships" xmlns:p="http://schemas.openxmlformats.org/presentationml/2006/main" type="title" preserve="1">
   <p:cSld name="Title Slide">
@@ -7145,6 +7707,13 @@
   <p:clrMapOvr>
     <a:masterClrMapping/>
   </p:clrMapOvr>
+  <p:timing>
+    <p:tnLst>
+      <p:par>
+        <p:cTn id="1" dur="indefinite" restart="never" nodeType="tmRoot"/>
+      </p:par>
+    </p:tnLst>
+  </p:timing>
 </p:sld>
 </file>
 
@@ -10746,7 +11315,7 @@
           <a:p>
             <a:r>
               <a:rPr lang="en-US" dirty="0" smtClean="0"/>
-              <a:t>Demo of ways to interact with Python</a:t>
+              <a:t>Suggested Editors</a:t>
             </a:r>
             <a:endParaRPr lang="en-US" dirty="0"/>
           </a:p>
@@ -10769,28 +11338,92 @@
           <a:p>
             <a:r>
               <a:rPr lang="en-US" dirty="0" smtClean="0"/>
-              <a:t>Shell demonstration</a:t>
-            </a:r>
-          </a:p>
-          <a:p>
+              <a:t>Lightweight</a:t>
+            </a:r>
+          </a:p>
+          <a:p>
+            <a:pPr lvl="1"/>
+            <a:r>
+              <a:rPr lang="en-US" dirty="0" smtClean="0"/>
+              <a:t>Microsoft Visual Code</a:t>
+            </a:r>
+          </a:p>
+          <a:p>
+            <a:pPr lvl="1"/>
+            <a:r>
+              <a:rPr lang="en-US" dirty="0" smtClean="0"/>
+              <a:t>Sublime Text</a:t>
+            </a:r>
+          </a:p>
+          <a:p>
+            <a:pPr lvl="1"/>
+            <a:r>
+              <a:rPr lang="en-US" dirty="0" smtClean="0"/>
+              <a:t>Notepad++</a:t>
+            </a:r>
+          </a:p>
+          <a:p>
+            <a:pPr lvl="1"/>
+            <a:r>
+              <a:rPr lang="en-US" dirty="0" smtClean="0"/>
+              <a:t>Atom</a:t>
+            </a:r>
+            <a:endParaRPr lang="en-US" dirty="0" smtClean="0"/>
+          </a:p>
+          <a:p>
+            <a:r>
+              <a:rPr lang="en-US" dirty="0" smtClean="0"/>
+              <a:t>Full IDE</a:t>
+            </a:r>
+          </a:p>
+          <a:p>
+            <a:pPr lvl="1"/>
+            <a:r>
+              <a:rPr lang="en-US" dirty="0" err="1" smtClean="0"/>
+              <a:t>PyCharm</a:t>
+            </a:r>
+            <a:r>
+              <a:rPr lang="en-US" dirty="0" smtClean="0"/>
+              <a:t> – full development IDE</a:t>
+            </a:r>
+          </a:p>
+          <a:p>
+            <a:pPr lvl="1"/>
             <a:r>
               <a:rPr lang="en-US" dirty="0" err="1" smtClean="0"/>
               <a:t>Spyder</a:t>
             </a:r>
             <a:r>
               <a:rPr lang="en-US" dirty="0" smtClean="0"/>
-              <a:t> demo</a:t>
-            </a:r>
-          </a:p>
-          <a:p>
+              <a:t> – like MATLAB or </a:t>
+            </a:r>
             <a:r>
               <a:rPr lang="en-US" dirty="0" err="1" smtClean="0"/>
-              <a:t>PyCharm</a:t>
-            </a:r>
-            <a:r>
-              <a:rPr lang="en-US" dirty="0" smtClean="0"/>
-              <a:t> demo</a:t>
-            </a:r>
+              <a:t>Rstudio</a:t>
+            </a:r>
+            <a:endParaRPr lang="en-US" dirty="0" smtClean="0"/>
+          </a:p>
+          <a:p>
+            <a:r>
+              <a:rPr lang="en-US" dirty="0" smtClean="0"/>
+              <a:t>Unique</a:t>
+            </a:r>
+          </a:p>
+          <a:p>
+            <a:pPr lvl="1"/>
+            <a:r>
+              <a:rPr lang="en-US" dirty="0" err="1" smtClean="0"/>
+              <a:t>Jupyter</a:t>
+            </a:r>
+            <a:r>
+              <a:rPr lang="en-US" dirty="0" smtClean="0"/>
+              <a:t> Notebook</a:t>
+            </a:r>
+            <a:endParaRPr lang="en-US" dirty="0" smtClean="0"/>
+          </a:p>
+          <a:p>
+            <a:pPr lvl="1"/>
+            <a:endParaRPr lang="en-US" dirty="0" smtClean="0"/>
           </a:p>
           <a:p>
             <a:endParaRPr lang="en-US" dirty="0"/>
@@ -10850,12 +11483,8 @@
           <a:lstStyle/>
           <a:p>
             <a:r>
-              <a:rPr lang="en-US" dirty="0" err="1" smtClean="0"/>
-              <a:t>Jupyter</a:t>
-            </a:r>
-            <a:r>
-              <a:rPr lang="en-US" dirty="0" smtClean="0"/>
-              <a:t> Notebook</a:t>
+              <a:rPr lang="en-US" dirty="0" smtClean="0"/>
+              <a:t>What to look for</a:t>
             </a:r>
             <a:endParaRPr lang="en-US" dirty="0"/>
           </a:p>
@@ -10878,57 +11507,35 @@
           <a:p>
             <a:r>
               <a:rPr lang="en-US" dirty="0" smtClean="0"/>
-              <a:t>A web-based python editor</a:t>
+              <a:t>Syntax highlighting</a:t>
+            </a:r>
+          </a:p>
+          <a:p>
+            <a:r>
+              <a:rPr lang="en-US" dirty="0" smtClean="0"/>
+              <a:t>Auto-indentation</a:t>
             </a:r>
           </a:p>
           <a:p>
             <a:pPr lvl="1"/>
             <a:r>
               <a:rPr lang="en-US" dirty="0" smtClean="0"/>
-              <a:t>Automatic syntax highlighting, indentation, and tab completion</a:t>
-            </a:r>
-          </a:p>
-          <a:p>
-            <a:r>
-              <a:rPr lang="en-US" dirty="0" smtClean="0"/>
-              <a:t>Shows inputs and outputs</a:t>
-            </a:r>
-          </a:p>
-          <a:p>
-            <a:r>
-              <a:rPr lang="en-US" dirty="0"/>
-              <a:t>C</a:t>
-            </a:r>
-            <a:r>
-              <a:rPr lang="en-US" dirty="0" smtClean="0"/>
-              <a:t>an be used to document an entire project</a:t>
-            </a:r>
-          </a:p>
-          <a:p>
-            <a:r>
-              <a:rPr lang="en-US" dirty="0" smtClean="0"/>
-              <a:t>Go to any directory and type </a:t>
-            </a:r>
-            <a:r>
-              <a:rPr lang="en-US" dirty="0" err="1" smtClean="0">
-                <a:latin typeface="Consolas" panose="020B0609020204030204" pitchFamily="49" charset="0"/>
-              </a:rPr>
-              <a:t>jupyter</a:t>
-            </a:r>
-            <a:r>
-              <a:rPr lang="en-US" dirty="0" smtClean="0">
-                <a:latin typeface="Consolas" panose="020B0609020204030204" pitchFamily="49" charset="0"/>
-              </a:rPr>
-              <a:t> notebook</a:t>
-            </a:r>
-            <a:endParaRPr lang="en-US" dirty="0" smtClean="0"/>
+              <a:t>4 spaces! No tabs!</a:t>
+            </a:r>
+          </a:p>
+          <a:p>
+            <a:r>
+              <a:rPr lang="en-US" dirty="0" smtClean="0"/>
+              <a:t>Auto completion</a:t>
+            </a:r>
+            <a:endParaRPr lang="en-US" dirty="0"/>
           </a:p>
         </p:txBody>
       </p:sp>
     </p:spTree>
     <p:extLst>
       <p:ext uri="{BB962C8B-B14F-4D97-AF65-F5344CB8AC3E}">
-        <p14:creationId xmlns:p14="http://schemas.microsoft.com/office/powerpoint/2010/main" val="1483925451"/>
+        <p14:creationId xmlns:p14="http://schemas.microsoft.com/office/powerpoint/2010/main" val="2141340772"/>
       </p:ext>
     </p:extLst>
   </p:cSld>
@@ -10978,16 +11585,12 @@
           <a:lstStyle/>
           <a:p>
             <a:r>
-              <a:rPr lang="en-US" dirty="0" smtClean="0"/>
-              <a:t>Try out </a:t>
-            </a:r>
-            <a:r>
               <a:rPr lang="en-US" dirty="0" err="1" smtClean="0"/>
               <a:t>Jupyter</a:t>
             </a:r>
             <a:r>
               <a:rPr lang="en-US" dirty="0" smtClean="0"/>
-              <a:t> Notebooks</a:t>
+              <a:t> Notebook</a:t>
             </a:r>
             <a:endParaRPr lang="en-US" dirty="0"/>
           </a:p>
@@ -11010,24 +11613,57 @@
           <a:p>
             <a:r>
               <a:rPr lang="en-US" dirty="0" smtClean="0"/>
-              <a:t>Go to the </a:t>
-            </a:r>
-            <a:r>
-              <a:rPr lang="en-US" dirty="0" err="1" smtClean="0"/>
-              <a:t>Github</a:t>
-            </a:r>
-            <a:r>
-              <a:rPr lang="en-US" dirty="0" smtClean="0"/>
-              <a:t> folder on your computer</a:t>
-            </a:r>
-            <a:endParaRPr lang="en-US" dirty="0"/>
+              <a:t>A web-based python editor</a:t>
+            </a:r>
+          </a:p>
+          <a:p>
+            <a:pPr lvl="1"/>
+            <a:r>
+              <a:rPr lang="en-US" dirty="0" smtClean="0"/>
+              <a:t>Automatic syntax highlighting, indentation, and tab completion</a:t>
+            </a:r>
+          </a:p>
+          <a:p>
+            <a:r>
+              <a:rPr lang="en-US" dirty="0" smtClean="0"/>
+              <a:t>Shows inputs and outputs</a:t>
+            </a:r>
+          </a:p>
+          <a:p>
+            <a:r>
+              <a:rPr lang="en-US" dirty="0"/>
+              <a:t>C</a:t>
+            </a:r>
+            <a:r>
+              <a:rPr lang="en-US" dirty="0" smtClean="0"/>
+              <a:t>an be used to document an entire project</a:t>
+            </a:r>
+          </a:p>
+          <a:p>
+            <a:r>
+              <a:rPr lang="en-US" dirty="0" smtClean="0"/>
+              <a:t>Go to any directory and type </a:t>
+            </a:r>
+            <a:r>
+              <a:rPr lang="en-US" dirty="0" err="1" smtClean="0">
+                <a:latin typeface="Consolas" panose="020B0609020204030204" pitchFamily="49" charset="0"/>
+              </a:rPr>
+              <a:t>jupyter</a:t>
+            </a:r>
+            <a:r>
+              <a:rPr lang="en-US" dirty="0" smtClean="0">
+                <a:latin typeface="Consolas" panose="020B0609020204030204" pitchFamily="49" charset="0"/>
+              </a:rPr>
+              <a:t> notebook</a:t>
+            </a:r>
+            <a:endParaRPr lang="en-US" dirty="0" smtClean="0"/>
           </a:p>
         </p:txBody>
       </p:sp>
     </p:spTree>
     <p:extLst>
       <p:ext uri="{BB962C8B-B14F-4D97-AF65-F5344CB8AC3E}">
-        <p14:creationId xmlns:p14="http://schemas.microsoft.com/office/powerpoint/2010/main" val="977969788"/>
+        <p14:creationId xmlns:p14="http://schemas.microsoft.com/office/powerpoint/2010/main" val="1483925451"/>
       </p:ext>
     </p:extLst>
   </p:cSld>
@@ -11191,7 +11827,15 @@
           <a:p>
             <a:r>
               <a:rPr lang="en-US" dirty="0" smtClean="0"/>
-              <a:t>Data Analysis Gateway Drug</a:t>
+              <a:t>Try out </a:t>
+            </a:r>
+            <a:r>
+              <a:rPr lang="en-US" dirty="0" err="1" smtClean="0"/>
+              <a:t>Jupyter</a:t>
+            </a:r>
+            <a:r>
+              <a:rPr lang="en-US" dirty="0" smtClean="0"/>
+              <a:t> Notebooks</a:t>
             </a:r>
             <a:endParaRPr lang="en-US" dirty="0"/>
           </a:p>
@@ -11212,21 +11856,17 @@
           <a:bodyPr/>
           <a:lstStyle/>
           <a:p>
-            <a:pPr marL="0" indent="0">
-              <a:buNone/>
-            </a:pPr>
-            <a:r>
-              <a:rPr lang="en-US" dirty="0" smtClean="0"/>
-              <a:t>Step 1) Become familiar with python</a:t>
-            </a:r>
-          </a:p>
-          <a:p>
-            <a:pPr marL="0" indent="0">
-              <a:buNone/>
-            </a:pPr>
-            <a:r>
-              <a:rPr lang="en-US" dirty="0" smtClean="0"/>
-              <a:t>Step 2) Be comfortable using it </a:t>
+            <a:r>
+              <a:rPr lang="en-US" dirty="0" smtClean="0"/>
+              <a:t>Go to the </a:t>
+            </a:r>
+            <a:r>
+              <a:rPr lang="en-US" dirty="0" err="1" smtClean="0"/>
+              <a:t>Github</a:t>
+            </a:r>
+            <a:r>
+              <a:rPr lang="en-US" dirty="0" smtClean="0"/>
+              <a:t> folder on your computer</a:t>
             </a:r>
             <a:endParaRPr lang="en-US" dirty="0"/>
           </a:p>
@@ -11235,7 +11875,7 @@
     </p:spTree>
     <p:extLst>
       <p:ext uri="{BB962C8B-B14F-4D97-AF65-F5344CB8AC3E}">
-        <p14:creationId xmlns:p14="http://schemas.microsoft.com/office/powerpoint/2010/main" val="2782468503"/>
+        <p14:creationId xmlns:p14="http://schemas.microsoft.com/office/powerpoint/2010/main" val="977969788"/>
       </p:ext>
     </p:extLst>
   </p:cSld>
@@ -11286,7 +11926,7 @@
           <a:p>
             <a:r>
               <a:rPr lang="en-US" dirty="0" smtClean="0"/>
-              <a:t>“You’re going to need a bigger weapon”</a:t>
+              <a:t>What do we mean by data analysis?</a:t>
             </a:r>
             <a:endParaRPr lang="en-US" dirty="0"/>
           </a:p>
@@ -11307,6 +11947,35 @@
           <a:bodyPr/>
           <a:lstStyle/>
           <a:p>
+            <a:r>
+              <a:rPr lang="en-US" dirty="0" smtClean="0"/>
+              <a:t>Monitoring data</a:t>
+            </a:r>
+          </a:p>
+          <a:p>
+            <a:r>
+              <a:rPr lang="en-US" dirty="0" smtClean="0"/>
+              <a:t>Model pre- and post- processing</a:t>
+            </a:r>
+          </a:p>
+          <a:p>
+            <a:r>
+              <a:rPr lang="en-US" dirty="0" smtClean="0"/>
+              <a:t>Streaming data streams</a:t>
+            </a:r>
+          </a:p>
+          <a:p>
+            <a:r>
+              <a:rPr lang="en-US" dirty="0" smtClean="0"/>
+              <a:t>Time series data</a:t>
+            </a:r>
+            <a:endParaRPr lang="en-US" dirty="0" smtClean="0"/>
+          </a:p>
+          <a:p>
+            <a:r>
+              <a:rPr lang="en-US" dirty="0" smtClean="0"/>
+              <a:t>What else?</a:t>
+            </a:r>
             <a:endParaRPr lang="en-US" dirty="0"/>
           </a:p>
         </p:txBody>
@@ -11314,7 +11983,7 @@
     </p:spTree>
     <p:extLst>
       <p:ext uri="{BB962C8B-B14F-4D97-AF65-F5344CB8AC3E}">
-        <p14:creationId xmlns:p14="http://schemas.microsoft.com/office/powerpoint/2010/main" val="1027691194"/>
+        <p14:creationId xmlns:p14="http://schemas.microsoft.com/office/powerpoint/2010/main" val="2782468503"/>
       </p:ext>
     </p:extLst>
   </p:cSld>
@@ -11332,6 +12001,936 @@
 </file>
 
 <file path=ppt/slides/slide32.xml><?xml version="1.0" encoding="utf-8"?>
+<p:sld xmlns:a="http://schemas.openxmlformats.org/drawingml/2006/main" xmlns:r="http://schemas.openxmlformats.org/officeDocument/2006/relationships" xmlns:p="http://schemas.openxmlformats.org/presentationml/2006/main">
+  <p:cSld>
+    <p:spTree>
+      <p:nvGrpSpPr>
+        <p:cNvPr id="1" name=""/>
+        <p:cNvGrpSpPr/>
+        <p:nvPr/>
+      </p:nvGrpSpPr>
+      <p:grpSpPr>
+        <a:xfrm>
+          <a:off x="0" y="0"/>
+          <a:ext cx="0" cy="0"/>
+          <a:chOff x="0" y="0"/>
+          <a:chExt cx="0" cy="0"/>
+        </a:xfrm>
+      </p:grpSpPr>
+      <p:sp>
+        <p:nvSpPr>
+          <p:cNvPr id="2" name="Title 1"/>
+          <p:cNvSpPr>
+            <a:spLocks noGrp="1"/>
+          </p:cNvSpPr>
+          <p:nvPr>
+            <p:ph type="title"/>
+          </p:nvPr>
+        </p:nvSpPr>
+        <p:spPr/>
+        <p:txBody>
+          <a:bodyPr/>
+          <a:lstStyle/>
+          <a:p>
+            <a:r>
+              <a:rPr lang="en-US" dirty="0" smtClean="0"/>
+              <a:t>What tools do we use to do this?	</a:t>
+            </a:r>
+            <a:endParaRPr lang="en-US" dirty="0"/>
+          </a:p>
+        </p:txBody>
+      </p:sp>
+      <p:sp>
+        <p:nvSpPr>
+          <p:cNvPr id="3" name="Content Placeholder 2"/>
+          <p:cNvSpPr>
+            <a:spLocks noGrp="1"/>
+          </p:cNvSpPr>
+          <p:nvPr>
+            <p:ph idx="1"/>
+          </p:nvPr>
+        </p:nvSpPr>
+        <p:spPr/>
+        <p:txBody>
+          <a:bodyPr/>
+          <a:lstStyle/>
+          <a:p>
+            <a:r>
+              <a:rPr lang="en-US" dirty="0" smtClean="0"/>
+              <a:t>Excel </a:t>
+            </a:r>
+          </a:p>
+          <a:p>
+            <a:r>
+              <a:rPr lang="en-US" dirty="0" smtClean="0"/>
+              <a:t>Access</a:t>
+            </a:r>
+          </a:p>
+          <a:p>
+            <a:r>
+              <a:rPr lang="en-US" dirty="0" smtClean="0"/>
+              <a:t>Custom programs</a:t>
+            </a:r>
+          </a:p>
+          <a:p>
+            <a:r>
+              <a:rPr lang="en-US" dirty="0" smtClean="0"/>
+              <a:t>Other databases</a:t>
+            </a:r>
+          </a:p>
+          <a:p>
+            <a:r>
+              <a:rPr lang="en-US" dirty="0" smtClean="0"/>
+              <a:t>R</a:t>
+            </a:r>
+          </a:p>
+          <a:p>
+            <a:r>
+              <a:rPr lang="en-US" dirty="0" smtClean="0"/>
+              <a:t>Python</a:t>
+            </a:r>
+          </a:p>
+        </p:txBody>
+      </p:sp>
+    </p:spTree>
+    <p:extLst>
+      <p:ext uri="{BB962C8B-B14F-4D97-AF65-F5344CB8AC3E}">
+        <p14:creationId xmlns:p14="http://schemas.microsoft.com/office/powerpoint/2010/main" val="151402327"/>
+      </p:ext>
+    </p:extLst>
+  </p:cSld>
+  <p:clrMapOvr>
+    <a:masterClrMapping/>
+  </p:clrMapOvr>
+  <p:timing>
+    <p:tnLst>
+      <p:par>
+        <p:cTn id="1" dur="indefinite" restart="never" nodeType="tmRoot"/>
+      </p:par>
+    </p:tnLst>
+  </p:timing>
+</p:sld>
+</file>
+
+<file path=ppt/slides/slide33.xml><?xml version="1.0" encoding="utf-8"?>
+<p:sld xmlns:a="http://schemas.openxmlformats.org/drawingml/2006/main" xmlns:r="http://schemas.openxmlformats.org/officeDocument/2006/relationships" xmlns:p="http://schemas.openxmlformats.org/presentationml/2006/main">
+  <p:cSld>
+    <p:spTree>
+      <p:nvGrpSpPr>
+        <p:cNvPr id="1" name=""/>
+        <p:cNvGrpSpPr/>
+        <p:nvPr/>
+      </p:nvGrpSpPr>
+      <p:grpSpPr>
+        <a:xfrm>
+          <a:off x="0" y="0"/>
+          <a:ext cx="0" cy="0"/>
+          <a:chOff x="0" y="0"/>
+          <a:chExt cx="0" cy="0"/>
+        </a:xfrm>
+      </p:grpSpPr>
+      <p:cxnSp>
+        <p:nvCxnSpPr>
+          <p:cNvPr id="6" name="Straight Arrow Connector 5"/>
+          <p:cNvCxnSpPr/>
+          <p:nvPr/>
+        </p:nvCxnSpPr>
+        <p:spPr>
+          <a:xfrm flipV="1">
+            <a:off x="1016000" y="745067"/>
+            <a:ext cx="0" cy="4656666"/>
+          </a:xfrm>
+          <a:prstGeom prst="straightConnector1">
+            <a:avLst/>
+          </a:prstGeom>
+          <a:ln>
+            <a:tailEnd type="triangle"/>
+          </a:ln>
+        </p:spPr>
+        <p:style>
+          <a:lnRef idx="1">
+            <a:schemeClr val="accent1"/>
+          </a:lnRef>
+          <a:fillRef idx="0">
+            <a:schemeClr val="accent1"/>
+          </a:fillRef>
+          <a:effectRef idx="0">
+            <a:schemeClr val="accent1"/>
+          </a:effectRef>
+          <a:fontRef idx="minor">
+            <a:schemeClr val="tx1"/>
+          </a:fontRef>
+        </p:style>
+      </p:cxnSp>
+      <p:cxnSp>
+        <p:nvCxnSpPr>
+          <p:cNvPr id="8" name="Straight Arrow Connector 7"/>
+          <p:cNvCxnSpPr/>
+          <p:nvPr/>
+        </p:nvCxnSpPr>
+        <p:spPr>
+          <a:xfrm>
+            <a:off x="1016000" y="5401733"/>
+            <a:ext cx="9237133" cy="0"/>
+          </a:xfrm>
+          <a:prstGeom prst="straightConnector1">
+            <a:avLst/>
+          </a:prstGeom>
+          <a:ln>
+            <a:tailEnd type="triangle"/>
+          </a:ln>
+        </p:spPr>
+        <p:style>
+          <a:lnRef idx="1">
+            <a:schemeClr val="accent1"/>
+          </a:lnRef>
+          <a:fillRef idx="0">
+            <a:schemeClr val="accent1"/>
+          </a:fillRef>
+          <a:effectRef idx="0">
+            <a:schemeClr val="accent1"/>
+          </a:effectRef>
+          <a:fontRef idx="minor">
+            <a:schemeClr val="tx1"/>
+          </a:fontRef>
+        </p:style>
+      </p:cxnSp>
+      <p:sp>
+        <p:nvSpPr>
+          <p:cNvPr id="9" name="Freeform 8"/>
+          <p:cNvSpPr/>
+          <p:nvPr/>
+        </p:nvSpPr>
+        <p:spPr>
+          <a:xfrm>
+            <a:off x="1032933" y="2324274"/>
+            <a:ext cx="9033934" cy="3077459"/>
+          </a:xfrm>
+          <a:custGeom>
+            <a:avLst/>
+            <a:gdLst>
+              <a:gd name="connsiteX0" fmla="*/ 0 w 9033934"/>
+              <a:gd name="connsiteY0" fmla="*/ 3077459 h 3077459"/>
+              <a:gd name="connsiteX1" fmla="*/ 397934 w 9033934"/>
+              <a:gd name="connsiteY1" fmla="*/ 2781126 h 3077459"/>
+              <a:gd name="connsiteX2" fmla="*/ 914400 w 9033934"/>
+              <a:gd name="connsiteY2" fmla="*/ 1824393 h 3077459"/>
+              <a:gd name="connsiteX3" fmla="*/ 1524000 w 9033934"/>
+              <a:gd name="connsiteY3" fmla="*/ 181859 h 3077459"/>
+              <a:gd name="connsiteX4" fmla="*/ 2429934 w 9033934"/>
+              <a:gd name="connsiteY4" fmla="*/ 266526 h 3077459"/>
+              <a:gd name="connsiteX5" fmla="*/ 3183467 w 9033934"/>
+              <a:gd name="connsiteY5" fmla="*/ 2188459 h 3077459"/>
+              <a:gd name="connsiteX6" fmla="*/ 5799667 w 9033934"/>
+              <a:gd name="connsiteY6" fmla="*/ 2798059 h 3077459"/>
+              <a:gd name="connsiteX7" fmla="*/ 9033934 w 9033934"/>
+              <a:gd name="connsiteY7" fmla="*/ 2933526 h 3077459"/>
+            </a:gdLst>
+            <a:ahLst/>
+            <a:cxnLst>
+              <a:cxn ang="0">
+                <a:pos x="connsiteX0" y="connsiteY0"/>
+              </a:cxn>
+              <a:cxn ang="0">
+                <a:pos x="connsiteX1" y="connsiteY1"/>
+              </a:cxn>
+              <a:cxn ang="0">
+                <a:pos x="connsiteX2" y="connsiteY2"/>
+              </a:cxn>
+              <a:cxn ang="0">
+                <a:pos x="connsiteX3" y="connsiteY3"/>
+              </a:cxn>
+              <a:cxn ang="0">
+                <a:pos x="connsiteX4" y="connsiteY4"/>
+              </a:cxn>
+              <a:cxn ang="0">
+                <a:pos x="connsiteX5" y="connsiteY5"/>
+              </a:cxn>
+              <a:cxn ang="0">
+                <a:pos x="connsiteX6" y="connsiteY6"/>
+              </a:cxn>
+              <a:cxn ang="0">
+                <a:pos x="connsiteX7" y="connsiteY7"/>
+              </a:cxn>
+            </a:cxnLst>
+            <a:rect l="l" t="t" r="r" b="b"/>
+            <a:pathLst>
+              <a:path w="9033934" h="3077459">
+                <a:moveTo>
+                  <a:pt x="0" y="3077459"/>
+                </a:moveTo>
+                <a:cubicBezTo>
+                  <a:pt x="122767" y="3033714"/>
+                  <a:pt x="245534" y="2989970"/>
+                  <a:pt x="397934" y="2781126"/>
+                </a:cubicBezTo>
+                <a:cubicBezTo>
+                  <a:pt x="550334" y="2572282"/>
+                  <a:pt x="726722" y="2257604"/>
+                  <a:pt x="914400" y="1824393"/>
+                </a:cubicBezTo>
+                <a:cubicBezTo>
+                  <a:pt x="1102078" y="1391182"/>
+                  <a:pt x="1271411" y="441503"/>
+                  <a:pt x="1524000" y="181859"/>
+                </a:cubicBezTo>
+                <a:cubicBezTo>
+                  <a:pt x="1776589" y="-77785"/>
+                  <a:pt x="2153356" y="-67907"/>
+                  <a:pt x="2429934" y="266526"/>
+                </a:cubicBezTo>
+                <a:cubicBezTo>
+                  <a:pt x="2706512" y="600959"/>
+                  <a:pt x="2621845" y="1766537"/>
+                  <a:pt x="3183467" y="2188459"/>
+                </a:cubicBezTo>
+                <a:cubicBezTo>
+                  <a:pt x="3745089" y="2610381"/>
+                  <a:pt x="4824589" y="2673881"/>
+                  <a:pt x="5799667" y="2798059"/>
+                </a:cubicBezTo>
+                <a:cubicBezTo>
+                  <a:pt x="6774745" y="2922237"/>
+                  <a:pt x="7904339" y="2927881"/>
+                  <a:pt x="9033934" y="2933526"/>
+                </a:cubicBezTo>
+              </a:path>
+            </a:pathLst>
+          </a:custGeom>
+          <a:noFill/>
+          <a:ln w="38100"/>
+        </p:spPr>
+        <p:style>
+          <a:lnRef idx="2">
+            <a:schemeClr val="accent1">
+              <a:shade val="50000"/>
+            </a:schemeClr>
+          </a:lnRef>
+          <a:fillRef idx="1">
+            <a:schemeClr val="accent1"/>
+          </a:fillRef>
+          <a:effectRef idx="0">
+            <a:schemeClr val="accent1"/>
+          </a:effectRef>
+          <a:fontRef idx="minor">
+            <a:schemeClr val="lt1"/>
+          </a:fontRef>
+        </p:style>
+        <p:txBody>
+          <a:bodyPr rtlCol="0" anchor="ctr"/>
+          <a:lstStyle/>
+          <a:p>
+            <a:pPr algn="ctr"/>
+            <a:endParaRPr lang="en-US"/>
+          </a:p>
+        </p:txBody>
+      </p:sp>
+      <p:sp>
+        <p:nvSpPr>
+          <p:cNvPr id="10" name="Freeform 9"/>
+          <p:cNvSpPr/>
+          <p:nvPr/>
+        </p:nvSpPr>
+        <p:spPr>
+          <a:xfrm>
+            <a:off x="1100667" y="4100252"/>
+            <a:ext cx="8864600" cy="1309948"/>
+          </a:xfrm>
+          <a:custGeom>
+            <a:avLst/>
+            <a:gdLst>
+              <a:gd name="connsiteX0" fmla="*/ 0 w 8940800"/>
+              <a:gd name="connsiteY0" fmla="*/ 1309948 h 1309948"/>
+              <a:gd name="connsiteX1" fmla="*/ 482600 w 8940800"/>
+              <a:gd name="connsiteY1" fmla="*/ 912015 h 1309948"/>
+              <a:gd name="connsiteX2" fmla="*/ 948266 w 8940800"/>
+              <a:gd name="connsiteY2" fmla="*/ 166948 h 1309948"/>
+              <a:gd name="connsiteX3" fmla="*/ 2438400 w 8940800"/>
+              <a:gd name="connsiteY3" fmla="*/ 14548 h 1309948"/>
+              <a:gd name="connsiteX4" fmla="*/ 4360333 w 8940800"/>
+              <a:gd name="connsiteY4" fmla="*/ 412481 h 1309948"/>
+              <a:gd name="connsiteX5" fmla="*/ 8940800 w 8940800"/>
+              <a:gd name="connsiteY5" fmla="*/ 564881 h 1309948"/>
+            </a:gdLst>
+            <a:ahLst/>
+            <a:cxnLst>
+              <a:cxn ang="0">
+                <a:pos x="connsiteX0" y="connsiteY0"/>
+              </a:cxn>
+              <a:cxn ang="0">
+                <a:pos x="connsiteX1" y="connsiteY1"/>
+              </a:cxn>
+              <a:cxn ang="0">
+                <a:pos x="connsiteX2" y="connsiteY2"/>
+              </a:cxn>
+              <a:cxn ang="0">
+                <a:pos x="connsiteX3" y="connsiteY3"/>
+              </a:cxn>
+              <a:cxn ang="0">
+                <a:pos x="connsiteX4" y="connsiteY4"/>
+              </a:cxn>
+              <a:cxn ang="0">
+                <a:pos x="connsiteX5" y="connsiteY5"/>
+              </a:cxn>
+            </a:cxnLst>
+            <a:rect l="l" t="t" r="r" b="b"/>
+            <a:pathLst>
+              <a:path w="8940800" h="1309948">
+                <a:moveTo>
+                  <a:pt x="0" y="1309948"/>
+                </a:moveTo>
+                <a:cubicBezTo>
+                  <a:pt x="162278" y="1206231"/>
+                  <a:pt x="324556" y="1102515"/>
+                  <a:pt x="482600" y="912015"/>
+                </a:cubicBezTo>
+                <a:cubicBezTo>
+                  <a:pt x="640644" y="721515"/>
+                  <a:pt x="622299" y="316526"/>
+                  <a:pt x="948266" y="166948"/>
+                </a:cubicBezTo>
+                <a:cubicBezTo>
+                  <a:pt x="1274233" y="17370"/>
+                  <a:pt x="1869722" y="-26374"/>
+                  <a:pt x="2438400" y="14548"/>
+                </a:cubicBezTo>
+                <a:cubicBezTo>
+                  <a:pt x="3007078" y="55470"/>
+                  <a:pt x="3276600" y="320759"/>
+                  <a:pt x="4360333" y="412481"/>
+                </a:cubicBezTo>
+                <a:cubicBezTo>
+                  <a:pt x="5444066" y="504203"/>
+                  <a:pt x="7192433" y="534542"/>
+                  <a:pt x="8940800" y="564881"/>
+                </a:cubicBezTo>
+              </a:path>
+            </a:pathLst>
+          </a:custGeom>
+          <a:noFill/>
+          <a:ln w="38100">
+            <a:solidFill>
+              <a:schemeClr val="accent2">
+                <a:lumMod val="75000"/>
+              </a:schemeClr>
+            </a:solidFill>
+          </a:ln>
+        </p:spPr>
+        <p:style>
+          <a:lnRef idx="2">
+            <a:schemeClr val="accent1">
+              <a:shade val="50000"/>
+            </a:schemeClr>
+          </a:lnRef>
+          <a:fillRef idx="1">
+            <a:schemeClr val="accent1"/>
+          </a:fillRef>
+          <a:effectRef idx="0">
+            <a:schemeClr val="accent1"/>
+          </a:effectRef>
+          <a:fontRef idx="minor">
+            <a:schemeClr val="lt1"/>
+          </a:fontRef>
+        </p:style>
+        <p:txBody>
+          <a:bodyPr rtlCol="0" anchor="ctr"/>
+          <a:lstStyle/>
+          <a:p>
+            <a:pPr algn="ctr"/>
+            <a:endParaRPr lang="en-US"/>
+          </a:p>
+        </p:txBody>
+      </p:sp>
+      <p:sp>
+        <p:nvSpPr>
+          <p:cNvPr id="11" name="TextBox 10"/>
+          <p:cNvSpPr txBox="1"/>
+          <p:nvPr/>
+        </p:nvSpPr>
+        <p:spPr>
+          <a:xfrm rot="16200000">
+            <a:off x="323689" y="2743200"/>
+            <a:ext cx="981423" cy="369332"/>
+          </a:xfrm>
+          <a:prstGeom prst="rect">
+            <a:avLst/>
+          </a:prstGeom>
+          <a:noFill/>
+        </p:spPr>
+        <p:txBody>
+          <a:bodyPr wrap="none" rtlCol="0">
+            <a:spAutoFit/>
+          </a:bodyPr>
+          <a:lstStyle/>
+          <a:p>
+            <a:r>
+              <a:rPr lang="en-US" dirty="0" smtClean="0"/>
+              <a:t>Effort </a:t>
+            </a:r>
+            <a:r>
+              <a:rPr lang="en-US" dirty="0" smtClean="0">
+                <a:sym typeface="Wingdings" panose="05000000000000000000" pitchFamily="2" charset="2"/>
+              </a:rPr>
+              <a:t></a:t>
+            </a:r>
+            <a:endParaRPr lang="en-US" dirty="0"/>
+          </a:p>
+        </p:txBody>
+      </p:sp>
+      <p:sp>
+        <p:nvSpPr>
+          <p:cNvPr id="12" name="TextBox 11"/>
+          <p:cNvSpPr txBox="1"/>
+          <p:nvPr/>
+        </p:nvSpPr>
+        <p:spPr>
+          <a:xfrm>
+            <a:off x="4455423" y="5477934"/>
+            <a:ext cx="2517805" cy="369332"/>
+          </a:xfrm>
+          <a:prstGeom prst="rect">
+            <a:avLst/>
+          </a:prstGeom>
+          <a:noFill/>
+        </p:spPr>
+        <p:txBody>
+          <a:bodyPr wrap="none" rtlCol="0">
+            <a:spAutoFit/>
+          </a:bodyPr>
+          <a:lstStyle/>
+          <a:p>
+            <a:r>
+              <a:rPr lang="en-US" dirty="0" smtClean="0"/>
+              <a:t>Progression of Project </a:t>
+            </a:r>
+            <a:r>
+              <a:rPr lang="en-US" dirty="0" smtClean="0">
+                <a:sym typeface="Wingdings" panose="05000000000000000000" pitchFamily="2" charset="2"/>
+              </a:rPr>
+              <a:t></a:t>
+            </a:r>
+            <a:endParaRPr lang="en-US" dirty="0"/>
+          </a:p>
+        </p:txBody>
+      </p:sp>
+      <p:sp>
+        <p:nvSpPr>
+          <p:cNvPr id="13" name="Oval 12"/>
+          <p:cNvSpPr/>
+          <p:nvPr/>
+        </p:nvSpPr>
+        <p:spPr>
+          <a:xfrm>
+            <a:off x="1930399" y="1327310"/>
+            <a:ext cx="2040467" cy="3911601"/>
+          </a:xfrm>
+          <a:prstGeom prst="ellipse">
+            <a:avLst/>
+          </a:prstGeom>
+          <a:noFill/>
+          <a:ln w="38100">
+            <a:solidFill>
+              <a:schemeClr val="bg1">
+                <a:lumMod val="65000"/>
+              </a:schemeClr>
+            </a:solidFill>
+            <a:prstDash val="sysDash"/>
+          </a:ln>
+        </p:spPr>
+        <p:style>
+          <a:lnRef idx="2">
+            <a:schemeClr val="accent1">
+              <a:shade val="50000"/>
+            </a:schemeClr>
+          </a:lnRef>
+          <a:fillRef idx="1">
+            <a:schemeClr val="accent1"/>
+          </a:fillRef>
+          <a:effectRef idx="0">
+            <a:schemeClr val="accent1"/>
+          </a:effectRef>
+          <a:fontRef idx="minor">
+            <a:schemeClr val="lt1"/>
+          </a:fontRef>
+        </p:style>
+        <p:txBody>
+          <a:bodyPr rtlCol="0" anchor="ctr"/>
+          <a:lstStyle/>
+          <a:p>
+            <a:pPr algn="ctr"/>
+            <a:endParaRPr lang="en-US"/>
+          </a:p>
+        </p:txBody>
+      </p:sp>
+      <p:sp>
+        <p:nvSpPr>
+          <p:cNvPr id="14" name="TextBox 13"/>
+          <p:cNvSpPr txBox="1"/>
+          <p:nvPr/>
+        </p:nvSpPr>
+        <p:spPr>
+          <a:xfrm>
+            <a:off x="2422795" y="949512"/>
+            <a:ext cx="1055674" cy="369332"/>
+          </a:xfrm>
+          <a:prstGeom prst="rect">
+            <a:avLst/>
+          </a:prstGeom>
+          <a:noFill/>
+        </p:spPr>
+        <p:txBody>
+          <a:bodyPr wrap="none" rtlCol="0">
+            <a:spAutoFit/>
+          </a:bodyPr>
+          <a:lstStyle/>
+          <a:p>
+            <a:r>
+              <a:rPr lang="en-US" dirty="0" smtClean="0"/>
+              <a:t>Adoption</a:t>
+            </a:r>
+            <a:endParaRPr lang="en-US" dirty="0"/>
+          </a:p>
+        </p:txBody>
+      </p:sp>
+      <p:sp>
+        <p:nvSpPr>
+          <p:cNvPr id="15" name="Oval 14"/>
+          <p:cNvSpPr/>
+          <p:nvPr/>
+        </p:nvSpPr>
+        <p:spPr>
+          <a:xfrm>
+            <a:off x="4944532" y="4334934"/>
+            <a:ext cx="6019801" cy="1109134"/>
+          </a:xfrm>
+          <a:prstGeom prst="ellipse">
+            <a:avLst/>
+          </a:prstGeom>
+          <a:noFill/>
+          <a:ln w="38100">
+            <a:solidFill>
+              <a:schemeClr val="bg1">
+                <a:lumMod val="65000"/>
+              </a:schemeClr>
+            </a:solidFill>
+            <a:prstDash val="sysDash"/>
+          </a:ln>
+        </p:spPr>
+        <p:style>
+          <a:lnRef idx="2">
+            <a:schemeClr val="accent1">
+              <a:shade val="50000"/>
+            </a:schemeClr>
+          </a:lnRef>
+          <a:fillRef idx="1">
+            <a:schemeClr val="accent1"/>
+          </a:fillRef>
+          <a:effectRef idx="0">
+            <a:schemeClr val="accent1"/>
+          </a:effectRef>
+          <a:fontRef idx="minor">
+            <a:schemeClr val="lt1"/>
+          </a:fontRef>
+        </p:style>
+        <p:txBody>
+          <a:bodyPr rtlCol="0" anchor="ctr"/>
+          <a:lstStyle/>
+          <a:p>
+            <a:pPr algn="ctr"/>
+            <a:endParaRPr lang="en-US"/>
+          </a:p>
+        </p:txBody>
+      </p:sp>
+      <p:sp>
+        <p:nvSpPr>
+          <p:cNvPr id="16" name="TextBox 15"/>
+          <p:cNvSpPr txBox="1"/>
+          <p:nvPr/>
+        </p:nvSpPr>
+        <p:spPr>
+          <a:xfrm>
+            <a:off x="7853510" y="3863003"/>
+            <a:ext cx="755015" cy="369332"/>
+          </a:xfrm>
+          <a:prstGeom prst="rect">
+            <a:avLst/>
+          </a:prstGeom>
+          <a:noFill/>
+        </p:spPr>
+        <p:txBody>
+          <a:bodyPr wrap="none" rtlCol="0">
+            <a:spAutoFit/>
+          </a:bodyPr>
+          <a:lstStyle/>
+          <a:p>
+            <a:r>
+              <a:rPr lang="en-US" dirty="0" smtClean="0"/>
+              <a:t>Usage</a:t>
+            </a:r>
+            <a:endParaRPr lang="en-US" dirty="0"/>
+          </a:p>
+        </p:txBody>
+      </p:sp>
+      <p:sp>
+        <p:nvSpPr>
+          <p:cNvPr id="17" name="TextBox 16"/>
+          <p:cNvSpPr txBox="1"/>
+          <p:nvPr/>
+        </p:nvSpPr>
+        <p:spPr>
+          <a:xfrm>
+            <a:off x="6426200" y="1370244"/>
+            <a:ext cx="2652586" cy="369332"/>
+          </a:xfrm>
+          <a:prstGeom prst="rect">
+            <a:avLst/>
+          </a:prstGeom>
+          <a:noFill/>
+        </p:spPr>
+        <p:txBody>
+          <a:bodyPr wrap="none" rtlCol="0">
+            <a:spAutoFit/>
+          </a:bodyPr>
+          <a:lstStyle/>
+          <a:p>
+            <a:r>
+              <a:rPr lang="en-US" dirty="0" smtClean="0">
+                <a:solidFill>
+                  <a:schemeClr val="accent2">
+                    <a:lumMod val="75000"/>
+                  </a:schemeClr>
+                </a:solidFill>
+              </a:rPr>
+              <a:t>Doing what you’re used to</a:t>
+            </a:r>
+            <a:endParaRPr lang="en-US" dirty="0">
+              <a:solidFill>
+                <a:schemeClr val="accent2">
+                  <a:lumMod val="75000"/>
+                </a:schemeClr>
+              </a:solidFill>
+            </a:endParaRPr>
+          </a:p>
+        </p:txBody>
+      </p:sp>
+      <p:sp>
+        <p:nvSpPr>
+          <p:cNvPr id="18" name="TextBox 17"/>
+          <p:cNvSpPr txBox="1"/>
+          <p:nvPr/>
+        </p:nvSpPr>
+        <p:spPr>
+          <a:xfrm>
+            <a:off x="6426200" y="1688865"/>
+            <a:ext cx="2232534" cy="369332"/>
+          </a:xfrm>
+          <a:prstGeom prst="rect">
+            <a:avLst/>
+          </a:prstGeom>
+          <a:noFill/>
+        </p:spPr>
+        <p:txBody>
+          <a:bodyPr wrap="none" rtlCol="0">
+            <a:spAutoFit/>
+          </a:bodyPr>
+          <a:lstStyle/>
+          <a:p>
+            <a:r>
+              <a:rPr lang="en-US" dirty="0" smtClean="0">
+                <a:solidFill>
+                  <a:schemeClr val="accent1">
+                    <a:lumMod val="75000"/>
+                  </a:schemeClr>
+                </a:solidFill>
+              </a:rPr>
+              <a:t>Doing something new</a:t>
+            </a:r>
+            <a:endParaRPr lang="en-US" dirty="0">
+              <a:solidFill>
+                <a:schemeClr val="accent1">
+                  <a:lumMod val="75000"/>
+                </a:schemeClr>
+              </a:solidFill>
+            </a:endParaRPr>
+          </a:p>
+        </p:txBody>
+      </p:sp>
+    </p:spTree>
+    <p:extLst>
+      <p:ext uri="{BB962C8B-B14F-4D97-AF65-F5344CB8AC3E}">
+        <p14:creationId xmlns:p14="http://schemas.microsoft.com/office/powerpoint/2010/main" val="735943579"/>
+      </p:ext>
+    </p:extLst>
+  </p:cSld>
+  <p:clrMapOvr>
+    <a:masterClrMapping/>
+  </p:clrMapOvr>
+  <p:timing>
+    <p:tnLst>
+      <p:par>
+        <p:cTn id="1" dur="indefinite" restart="never" nodeType="tmRoot">
+          <p:childTnLst>
+            <p:seq concurrent="1" nextAc="seek">
+              <p:cTn id="2" dur="indefinite" nodeType="mainSeq">
+                <p:childTnLst>
+                  <p:par>
+                    <p:cTn id="3" fill="hold">
+                      <p:stCondLst>
+                        <p:cond delay="indefinite"/>
+                      </p:stCondLst>
+                      <p:childTnLst>
+                        <p:par>
+                          <p:cTn id="4" fill="hold">
+                            <p:stCondLst>
+                              <p:cond delay="0"/>
+                            </p:stCondLst>
+                            <p:childTnLst>
+                              <p:par>
+                                <p:cTn id="5" presetID="1" presetClass="entr" presetSubtype="0" fill="hold" grpId="0" nodeType="clickEffect">
+                                  <p:stCondLst>
+                                    <p:cond delay="0"/>
+                                  </p:stCondLst>
+                                  <p:childTnLst>
+                                    <p:set>
+                                      <p:cBhvr>
+                                        <p:cTn id="6" dur="1" fill="hold">
+                                          <p:stCondLst>
+                                            <p:cond delay="0"/>
+                                          </p:stCondLst>
+                                        </p:cTn>
+                                        <p:tgtEl>
+                                          <p:spTgt spid="13"/>
+                                        </p:tgtEl>
+                                        <p:attrNameLst>
+                                          <p:attrName>style.visibility</p:attrName>
+                                        </p:attrNameLst>
+                                      </p:cBhvr>
+                                      <p:to>
+                                        <p:strVal val="visible"/>
+                                      </p:to>
+                                    </p:set>
+                                  </p:childTnLst>
+                                </p:cTn>
+                              </p:par>
+                              <p:par>
+                                <p:cTn id="7" presetID="1" presetClass="entr" presetSubtype="0" fill="hold" grpId="0" nodeType="withEffect">
+                                  <p:stCondLst>
+                                    <p:cond delay="0"/>
+                                  </p:stCondLst>
+                                  <p:childTnLst>
+                                    <p:set>
+                                      <p:cBhvr>
+                                        <p:cTn id="8" dur="1" fill="hold">
+                                          <p:stCondLst>
+                                            <p:cond delay="0"/>
+                                          </p:stCondLst>
+                                        </p:cTn>
+                                        <p:tgtEl>
+                                          <p:spTgt spid="14"/>
+                                        </p:tgtEl>
+                                        <p:attrNameLst>
+                                          <p:attrName>style.visibility</p:attrName>
+                                        </p:attrNameLst>
+                                      </p:cBhvr>
+                                      <p:to>
+                                        <p:strVal val="visible"/>
+                                      </p:to>
+                                    </p:set>
+                                  </p:childTnLst>
+                                </p:cTn>
+                              </p:par>
+                              <p:par>
+                                <p:cTn id="9" presetID="1" presetClass="entr" presetSubtype="0" fill="hold" grpId="0" nodeType="withEffect">
+                                  <p:stCondLst>
+                                    <p:cond delay="0"/>
+                                  </p:stCondLst>
+                                  <p:childTnLst>
+                                    <p:set>
+                                      <p:cBhvr>
+                                        <p:cTn id="10" dur="1" fill="hold">
+                                          <p:stCondLst>
+                                            <p:cond delay="0"/>
+                                          </p:stCondLst>
+                                        </p:cTn>
+                                        <p:tgtEl>
+                                          <p:spTgt spid="15"/>
+                                        </p:tgtEl>
+                                        <p:attrNameLst>
+                                          <p:attrName>style.visibility</p:attrName>
+                                        </p:attrNameLst>
+                                      </p:cBhvr>
+                                      <p:to>
+                                        <p:strVal val="visible"/>
+                                      </p:to>
+                                    </p:set>
+                                  </p:childTnLst>
+                                </p:cTn>
+                              </p:par>
+                              <p:par>
+                                <p:cTn id="11" presetID="1" presetClass="entr" presetSubtype="0" fill="hold" grpId="0" nodeType="withEffect">
+                                  <p:stCondLst>
+                                    <p:cond delay="0"/>
+                                  </p:stCondLst>
+                                  <p:childTnLst>
+                                    <p:set>
+                                      <p:cBhvr>
+                                        <p:cTn id="12" dur="1" fill="hold">
+                                          <p:stCondLst>
+                                            <p:cond delay="0"/>
+                                          </p:stCondLst>
+                                        </p:cTn>
+                                        <p:tgtEl>
+                                          <p:spTgt spid="16"/>
+                                        </p:tgtEl>
+                                        <p:attrNameLst>
+                                          <p:attrName>style.visibility</p:attrName>
+                                        </p:attrNameLst>
+                                      </p:cBhvr>
+                                      <p:to>
+                                        <p:strVal val="visible"/>
+                                      </p:to>
+                                    </p:set>
+                                  </p:childTnLst>
+                                </p:cTn>
+                              </p:par>
+                            </p:childTnLst>
+                          </p:cTn>
+                        </p:par>
+                      </p:childTnLst>
+                    </p:cTn>
+                  </p:par>
+                </p:childTnLst>
+              </p:cTn>
+              <p:prevCondLst>
+                <p:cond evt="onPrev" delay="0">
+                  <p:tgtEl>
+                    <p:sldTgt/>
+                  </p:tgtEl>
+                </p:cond>
+              </p:prevCondLst>
+              <p:nextCondLst>
+                <p:cond evt="onNext" delay="0">
+                  <p:tgtEl>
+                    <p:sldTgt/>
+                  </p:tgtEl>
+                </p:cond>
+              </p:nextCondLst>
+            </p:seq>
+          </p:childTnLst>
+        </p:cTn>
+      </p:par>
+    </p:tnLst>
+    <p:bldLst>
+      <p:bldP spid="13" grpId="0" animBg="1"/>
+      <p:bldP spid="14" grpId="0"/>
+      <p:bldP spid="15" grpId="0" animBg="1"/>
+      <p:bldP spid="16" grpId="0"/>
+    </p:bldLst>
+  </p:timing>
+</p:sld>
+</file>
+
+<file path=ppt/slides/slide34.xml><?xml version="1.0" encoding="utf-8"?>
 <p:sld xmlns:a="http://schemas.openxmlformats.org/drawingml/2006/main" xmlns:r="http://schemas.openxmlformats.org/officeDocument/2006/relationships" xmlns:p="http://schemas.openxmlformats.org/presentationml/2006/main">
   <p:cSld>
     <p:spTree>
@@ -11888,7 +13487,7 @@
 </p:sld>
 </file>
 
-<file path=ppt/slides/slide33.xml><?xml version="1.0" encoding="utf-8"?>
+<file path=ppt/slides/slide35.xml><?xml version="1.0" encoding="utf-8"?>
 <p:sld xmlns:a="http://schemas.openxmlformats.org/drawingml/2006/main" xmlns:r="http://schemas.openxmlformats.org/officeDocument/2006/relationships" xmlns:p="http://schemas.openxmlformats.org/presentationml/2006/main">
   <p:cSld>
     <p:spTree>
@@ -11905,6 +13504,226 @@
           <a:chExt cx="0" cy="0"/>
         </a:xfrm>
       </p:grpSpPr>
+      <p:pic>
+        <p:nvPicPr>
+          <p:cNvPr id="1026" name="Picture 2" descr="Image result for python vs. r"/>
+          <p:cNvPicPr>
+            <a:picLocks noGrp="1" noChangeAspect="1" noChangeArrowheads="1"/>
+          </p:cNvPicPr>
+          <p:nvPr>
+            <p:ph idx="1"/>
+          </p:nvPr>
+        </p:nvPicPr>
+        <p:blipFill>
+          <a:blip r:embed="rId2">
+            <a:extLst>
+              <a:ext uri="{28A0092B-C50C-407E-A947-70E740481C1C}">
+                <a14:useLocalDpi xmlns:a14="http://schemas.microsoft.com/office/drawing/2010/main" val="0"/>
+              </a:ext>
+            </a:extLst>
+          </a:blip>
+          <a:srcRect/>
+          <a:stretch>
+            <a:fillRect/>
+          </a:stretch>
+        </p:blipFill>
+        <p:spPr bwMode="auto">
+          <a:xfrm>
+            <a:off x="1429586" y="925483"/>
+            <a:ext cx="9451774" cy="4725887"/>
+          </a:xfrm>
+          <a:prstGeom prst="rect">
+            <a:avLst/>
+          </a:prstGeom>
+          <a:noFill/>
+          <a:extLst>
+            <a:ext uri="{909E8E84-426E-40DD-AFC4-6F175D3DCCD1}">
+              <a14:hiddenFill xmlns:a14="http://schemas.microsoft.com/office/drawing/2010/main">
+                <a:solidFill>
+                  <a:srgbClr val="FFFFFF"/>
+                </a:solidFill>
+              </a14:hiddenFill>
+            </a:ext>
+          </a:extLst>
+        </p:spPr>
+      </p:pic>
+    </p:spTree>
+    <p:extLst>
+      <p:ext uri="{BB962C8B-B14F-4D97-AF65-F5344CB8AC3E}">
+        <p14:creationId xmlns:p14="http://schemas.microsoft.com/office/powerpoint/2010/main" val="1027691194"/>
+      </p:ext>
+    </p:extLst>
+  </p:cSld>
+  <p:clrMapOvr>
+    <a:masterClrMapping/>
+  </p:clrMapOvr>
+  <p:timing>
+    <p:tnLst>
+      <p:par>
+        <p:cTn id="1" dur="indefinite" restart="never" nodeType="tmRoot"/>
+      </p:par>
+    </p:tnLst>
+  </p:timing>
+</p:sld>
+</file>
+
+<file path=ppt/slides/slide36.xml><?xml version="1.0" encoding="utf-8"?>
+<p:sld xmlns:a="http://schemas.openxmlformats.org/drawingml/2006/main" xmlns:r="http://schemas.openxmlformats.org/officeDocument/2006/relationships" xmlns:p="http://schemas.openxmlformats.org/presentationml/2006/main">
+  <p:cSld>
+    <p:spTree>
+      <p:nvGrpSpPr>
+        <p:cNvPr id="1" name=""/>
+        <p:cNvGrpSpPr/>
+        <p:nvPr/>
+      </p:nvGrpSpPr>
+      <p:grpSpPr>
+        <a:xfrm>
+          <a:off x="0" y="0"/>
+          <a:ext cx="0" cy="0"/>
+          <a:chOff x="0" y="0"/>
+          <a:chExt cx="0" cy="0"/>
+        </a:xfrm>
+      </p:grpSpPr>
+      <p:sp>
+        <p:nvSpPr>
+          <p:cNvPr id="3" name="Content Placeholder 2"/>
+          <p:cNvSpPr>
+            <a:spLocks noGrp="1"/>
+          </p:cNvSpPr>
+          <p:nvPr>
+            <p:ph idx="1"/>
+          </p:nvPr>
+        </p:nvSpPr>
+        <p:spPr>
+          <a:xfrm>
+            <a:off x="838200" y="853440"/>
+            <a:ext cx="10515600" cy="5323523"/>
+          </a:xfrm>
+        </p:spPr>
+        <p:txBody>
+          <a:bodyPr/>
+          <a:lstStyle/>
+          <a:p>
+            <a:r>
+              <a:rPr lang="en-US" dirty="0" smtClean="0"/>
+              <a:t>R</a:t>
+            </a:r>
+          </a:p>
+          <a:p>
+            <a:pPr lvl="1"/>
+            <a:r>
+              <a:rPr lang="en-US" dirty="0" smtClean="0"/>
+              <a:t>Programming language created by statisticians and mathematicians</a:t>
+            </a:r>
+          </a:p>
+          <a:p>
+            <a:pPr lvl="1"/>
+            <a:r>
+              <a:rPr lang="en-US" dirty="0" smtClean="0"/>
+              <a:t>Huge library of statistical and modeling functions</a:t>
+            </a:r>
+          </a:p>
+          <a:p>
+            <a:pPr lvl="1"/>
+            <a:r>
+              <a:rPr lang="en-US" dirty="0" smtClean="0"/>
+              <a:t>Great graphics support</a:t>
+            </a:r>
+          </a:p>
+          <a:p>
+            <a:pPr lvl="1"/>
+            <a:r>
+              <a:rPr lang="en-US" dirty="0" smtClean="0"/>
+              <a:t>Wide user community</a:t>
+            </a:r>
+          </a:p>
+          <a:p>
+            <a:r>
+              <a:rPr lang="en-US" dirty="0" smtClean="0"/>
+              <a:t>Python</a:t>
+            </a:r>
+          </a:p>
+          <a:p>
+            <a:pPr lvl="1"/>
+            <a:r>
+              <a:rPr lang="en-US" dirty="0" smtClean="0"/>
+              <a:t>Programming language named after Monty Python</a:t>
+            </a:r>
+          </a:p>
+          <a:p>
+            <a:pPr lvl="1"/>
+            <a:r>
+              <a:rPr lang="en-US" dirty="0" smtClean="0"/>
+              <a:t>More general purpose than R</a:t>
+            </a:r>
+          </a:p>
+          <a:p>
+            <a:pPr lvl="1"/>
+            <a:r>
+              <a:rPr lang="en-US" dirty="0" smtClean="0"/>
+              <a:t>Can be used for much more than data analysis</a:t>
+            </a:r>
+          </a:p>
+          <a:p>
+            <a:pPr lvl="1"/>
+            <a:r>
+              <a:rPr lang="en-US" dirty="0" smtClean="0"/>
+              <a:t>Great graphics support</a:t>
+            </a:r>
+          </a:p>
+          <a:p>
+            <a:pPr lvl="1"/>
+            <a:r>
+              <a:rPr lang="en-US" dirty="0" smtClean="0"/>
+              <a:t>With Pandas, puts it on a level playing field with R for data analysis</a:t>
+            </a:r>
+          </a:p>
+          <a:p>
+            <a:pPr lvl="1"/>
+            <a:r>
+              <a:rPr lang="en-US" dirty="0" smtClean="0"/>
+              <a:t>Wide user community</a:t>
+            </a:r>
+          </a:p>
+        </p:txBody>
+      </p:sp>
+    </p:spTree>
+    <p:extLst>
+      <p:ext uri="{BB962C8B-B14F-4D97-AF65-F5344CB8AC3E}">
+        <p14:creationId xmlns:p14="http://schemas.microsoft.com/office/powerpoint/2010/main" val="255219874"/>
+      </p:ext>
+    </p:extLst>
+  </p:cSld>
+  <p:clrMapOvr>
+    <a:masterClrMapping/>
+  </p:clrMapOvr>
+  <p:timing>
+    <p:tnLst>
+      <p:par>
+        <p:cTn id="1" dur="indefinite" restart="never" nodeType="tmRoot"/>
+      </p:par>
+    </p:tnLst>
+  </p:timing>
+</p:sld>
+</file>
+
+<file path=ppt/slides/slide37.xml><?xml version="1.0" encoding="utf-8"?>
+<p:sld xmlns:a="http://schemas.openxmlformats.org/drawingml/2006/main" xmlns:r="http://schemas.openxmlformats.org/officeDocument/2006/relationships" xmlns:p="http://schemas.openxmlformats.org/presentationml/2006/main">
+  <p:cSld>
+    <p:spTree>
+      <p:nvGrpSpPr>
+        <p:cNvPr id="1" name=""/>
+        <p:cNvGrpSpPr/>
+        <p:nvPr/>
+      </p:nvGrpSpPr>
+      <p:grpSpPr>
+        <a:xfrm>
+          <a:off x="0" y="0"/>
+          <a:ext cx="0" cy="0"/>
+          <a:chOff x="0" y="0"/>
+          <a:chExt cx="0" cy="0"/>
+        </a:xfrm>
+      </p:grpSpPr>
       <p:sp>
         <p:nvSpPr>
           <p:cNvPr id="2" name="Title 1"/>
@@ -11922,7 +13741,7 @@
           <a:p>
             <a:r>
               <a:rPr lang="en-US" dirty="0" smtClean="0"/>
-              <a:t>What tools do we have?</a:t>
+              <a:t>The other tool…Excel</a:t>
             </a:r>
             <a:endParaRPr lang="en-US" dirty="0"/>
           </a:p>
@@ -11945,22 +13764,271 @@
           <a:p>
             <a:r>
               <a:rPr lang="en-US" dirty="0" smtClean="0"/>
-              <a:t>Excel</a:t>
-            </a:r>
+              <a:t>Used by consultants</a:t>
+            </a:r>
+          </a:p>
+          <a:p>
+            <a:r>
+              <a:rPr lang="en-US" dirty="0" smtClean="0"/>
+              <a:t>Great user interface</a:t>
+            </a:r>
+          </a:p>
+          <a:p>
+            <a:r>
+              <a:rPr lang="en-US" dirty="0" smtClean="0"/>
+              <a:t>Everybody has it</a:t>
+            </a:r>
+          </a:p>
+          <a:p>
+            <a:r>
+              <a:rPr lang="en-US" dirty="0" smtClean="0"/>
+              <a:t>Shallow learning curve</a:t>
+            </a:r>
+          </a:p>
+          <a:p>
+            <a:r>
+              <a:rPr lang="en-US" dirty="0" smtClean="0"/>
+              <a:t>Unstructured</a:t>
+            </a:r>
+          </a:p>
+          <a:p>
+            <a:pPr marL="457200" lvl="1" indent="0">
+              <a:buNone/>
+            </a:pPr>
+            <a:endParaRPr lang="en-US" dirty="0" smtClean="0"/>
           </a:p>
           <a:p>
             <a:pPr lvl="1"/>
-            <a:r>
-              <a:rPr lang="en-US" dirty="0" smtClean="0"/>
-              <a:t>Organize messy data</a:t>
-            </a:r>
-          </a:p>
-          <a:p>
-            <a:pPr lvl="1"/>
-            <a:r>
-              <a:rPr lang="en-US" dirty="0" smtClean="0"/>
-              <a:t>Flexible</a:t>
-            </a:r>
+            <a:endParaRPr lang="en-US" dirty="0" smtClean="0"/>
+          </a:p>
+          <a:p>
+            <a:endParaRPr lang="en-US" dirty="0" smtClean="0"/>
+          </a:p>
+          <a:p>
+            <a:endParaRPr lang="en-US" dirty="0"/>
+          </a:p>
+        </p:txBody>
+      </p:sp>
+      <p:sp>
+        <p:nvSpPr>
+          <p:cNvPr id="4" name="Content Placeholder 2"/>
+          <p:cNvSpPr txBox="1">
+            <a:spLocks/>
+          </p:cNvSpPr>
+          <p:nvPr/>
+        </p:nvSpPr>
+        <p:spPr>
+          <a:xfrm>
+            <a:off x="5285509" y="1825625"/>
+            <a:ext cx="10515600" cy="4351338"/>
+          </a:xfrm>
+          <a:prstGeom prst="rect">
+            <a:avLst/>
+          </a:prstGeom>
+        </p:spPr>
+        <p:txBody>
+          <a:bodyPr vert="horz" lIns="91440" tIns="45720" rIns="91440" bIns="45720" rtlCol="0">
+            <a:normAutofit/>
+          </a:bodyPr>
+          <a:lstStyle>
+            <a:lvl1pPr marL="228600" indent="-228600" algn="l" defTabSz="914400" rtl="0" eaLnBrk="1" latinLnBrk="0" hangingPunct="1">
+              <a:lnSpc>
+                <a:spcPct val="90000"/>
+              </a:lnSpc>
+              <a:spcBef>
+                <a:spcPts val="1000"/>
+              </a:spcBef>
+              <a:buFont typeface="Arial" panose="020B0604020202020204" pitchFamily="34" charset="0"/>
+              <a:buChar char="•"/>
+              <a:defRPr sz="2800" kern="1200">
+                <a:solidFill>
+                  <a:schemeClr val="tx1"/>
+                </a:solidFill>
+                <a:latin typeface="+mn-lt"/>
+                <a:ea typeface="+mn-ea"/>
+                <a:cs typeface="+mn-cs"/>
+              </a:defRPr>
+            </a:lvl1pPr>
+            <a:lvl2pPr marL="685800" indent="-228600" algn="l" defTabSz="914400" rtl="0" eaLnBrk="1" latinLnBrk="0" hangingPunct="1">
+              <a:lnSpc>
+                <a:spcPct val="90000"/>
+              </a:lnSpc>
+              <a:spcBef>
+                <a:spcPts val="500"/>
+              </a:spcBef>
+              <a:buFont typeface="Arial" panose="020B0604020202020204" pitchFamily="34" charset="0"/>
+              <a:buChar char="•"/>
+              <a:defRPr sz="2400" kern="1200">
+                <a:solidFill>
+                  <a:schemeClr val="tx1"/>
+                </a:solidFill>
+                <a:latin typeface="+mn-lt"/>
+                <a:ea typeface="+mn-ea"/>
+                <a:cs typeface="+mn-cs"/>
+              </a:defRPr>
+            </a:lvl2pPr>
+            <a:lvl3pPr marL="1143000" indent="-228600" algn="l" defTabSz="914400" rtl="0" eaLnBrk="1" latinLnBrk="0" hangingPunct="1">
+              <a:lnSpc>
+                <a:spcPct val="90000"/>
+              </a:lnSpc>
+              <a:spcBef>
+                <a:spcPts val="500"/>
+              </a:spcBef>
+              <a:buFont typeface="Arial" panose="020B0604020202020204" pitchFamily="34" charset="0"/>
+              <a:buChar char="•"/>
+              <a:defRPr sz="2000" kern="1200">
+                <a:solidFill>
+                  <a:schemeClr val="tx1"/>
+                </a:solidFill>
+                <a:latin typeface="+mn-lt"/>
+                <a:ea typeface="+mn-ea"/>
+                <a:cs typeface="+mn-cs"/>
+              </a:defRPr>
+            </a:lvl3pPr>
+            <a:lvl4pPr marL="1600200" indent="-228600" algn="l" defTabSz="914400" rtl="0" eaLnBrk="1" latinLnBrk="0" hangingPunct="1">
+              <a:lnSpc>
+                <a:spcPct val="90000"/>
+              </a:lnSpc>
+              <a:spcBef>
+                <a:spcPts val="500"/>
+              </a:spcBef>
+              <a:buFont typeface="Arial" panose="020B0604020202020204" pitchFamily="34" charset="0"/>
+              <a:buChar char="•"/>
+              <a:defRPr sz="1800" kern="1200">
+                <a:solidFill>
+                  <a:schemeClr val="tx1"/>
+                </a:solidFill>
+                <a:latin typeface="+mn-lt"/>
+                <a:ea typeface="+mn-ea"/>
+                <a:cs typeface="+mn-cs"/>
+              </a:defRPr>
+            </a:lvl4pPr>
+            <a:lvl5pPr marL="2057400" indent="-228600" algn="l" defTabSz="914400" rtl="0" eaLnBrk="1" latinLnBrk="0" hangingPunct="1">
+              <a:lnSpc>
+                <a:spcPct val="90000"/>
+              </a:lnSpc>
+              <a:spcBef>
+                <a:spcPts val="500"/>
+              </a:spcBef>
+              <a:buFont typeface="Arial" panose="020B0604020202020204" pitchFamily="34" charset="0"/>
+              <a:buChar char="•"/>
+              <a:defRPr sz="1800" kern="1200">
+                <a:solidFill>
+                  <a:schemeClr val="tx1"/>
+                </a:solidFill>
+                <a:latin typeface="+mn-lt"/>
+                <a:ea typeface="+mn-ea"/>
+                <a:cs typeface="+mn-cs"/>
+              </a:defRPr>
+            </a:lvl5pPr>
+            <a:lvl6pPr marL="2514600" indent="-228600" algn="l" defTabSz="914400" rtl="0" eaLnBrk="1" latinLnBrk="0" hangingPunct="1">
+              <a:lnSpc>
+                <a:spcPct val="90000"/>
+              </a:lnSpc>
+              <a:spcBef>
+                <a:spcPts val="500"/>
+              </a:spcBef>
+              <a:buFont typeface="Arial" panose="020B0604020202020204" pitchFamily="34" charset="0"/>
+              <a:buChar char="•"/>
+              <a:defRPr sz="1800" kern="1200">
+                <a:solidFill>
+                  <a:schemeClr val="tx1"/>
+                </a:solidFill>
+                <a:latin typeface="+mn-lt"/>
+                <a:ea typeface="+mn-ea"/>
+                <a:cs typeface="+mn-cs"/>
+              </a:defRPr>
+            </a:lvl6pPr>
+            <a:lvl7pPr marL="2971800" indent="-228600" algn="l" defTabSz="914400" rtl="0" eaLnBrk="1" latinLnBrk="0" hangingPunct="1">
+              <a:lnSpc>
+                <a:spcPct val="90000"/>
+              </a:lnSpc>
+              <a:spcBef>
+                <a:spcPts val="500"/>
+              </a:spcBef>
+              <a:buFont typeface="Arial" panose="020B0604020202020204" pitchFamily="34" charset="0"/>
+              <a:buChar char="•"/>
+              <a:defRPr sz="1800" kern="1200">
+                <a:solidFill>
+                  <a:schemeClr val="tx1"/>
+                </a:solidFill>
+                <a:latin typeface="+mn-lt"/>
+                <a:ea typeface="+mn-ea"/>
+                <a:cs typeface="+mn-cs"/>
+              </a:defRPr>
+            </a:lvl7pPr>
+            <a:lvl8pPr marL="3429000" indent="-228600" algn="l" defTabSz="914400" rtl="0" eaLnBrk="1" latinLnBrk="0" hangingPunct="1">
+              <a:lnSpc>
+                <a:spcPct val="90000"/>
+              </a:lnSpc>
+              <a:spcBef>
+                <a:spcPts val="500"/>
+              </a:spcBef>
+              <a:buFont typeface="Arial" panose="020B0604020202020204" pitchFamily="34" charset="0"/>
+              <a:buChar char="•"/>
+              <a:defRPr sz="1800" kern="1200">
+                <a:solidFill>
+                  <a:schemeClr val="tx1"/>
+                </a:solidFill>
+                <a:latin typeface="+mn-lt"/>
+                <a:ea typeface="+mn-ea"/>
+                <a:cs typeface="+mn-cs"/>
+              </a:defRPr>
+            </a:lvl8pPr>
+            <a:lvl9pPr marL="3886200" indent="-228600" algn="l" defTabSz="914400" rtl="0" eaLnBrk="1" latinLnBrk="0" hangingPunct="1">
+              <a:lnSpc>
+                <a:spcPct val="90000"/>
+              </a:lnSpc>
+              <a:spcBef>
+                <a:spcPts val="500"/>
+              </a:spcBef>
+              <a:buFont typeface="Arial" panose="020B0604020202020204" pitchFamily="34" charset="0"/>
+              <a:buChar char="•"/>
+              <a:defRPr sz="1800" kern="1200">
+                <a:solidFill>
+                  <a:schemeClr val="tx1"/>
+                </a:solidFill>
+                <a:latin typeface="+mn-lt"/>
+                <a:ea typeface="+mn-ea"/>
+                <a:cs typeface="+mn-cs"/>
+              </a:defRPr>
+            </a:lvl9pPr>
+          </a:lstStyle>
+          <a:p>
+            <a:r>
+              <a:rPr lang="en-US" dirty="0" smtClean="0"/>
+              <a:t>Non-linear setup</a:t>
+            </a:r>
+          </a:p>
+          <a:p>
+            <a:r>
+              <a:rPr lang="en-US" dirty="0" smtClean="0"/>
+              <a:t>Great for prototyping and one-off </a:t>
+            </a:r>
+            <a:r>
+              <a:rPr lang="en-US" dirty="0" err="1" smtClean="0"/>
+              <a:t>calcs</a:t>
+            </a:r>
+            <a:endParaRPr lang="en-US" dirty="0" smtClean="0"/>
+          </a:p>
+          <a:p>
+            <a:r>
+              <a:rPr lang="en-US" dirty="0" smtClean="0"/>
+              <a:t>Not most efficient for repetitive work</a:t>
+            </a:r>
+          </a:p>
+          <a:p>
+            <a:r>
+              <a:rPr lang="en-US" dirty="0" smtClean="0"/>
+              <a:t>Limited graphical capabilities</a:t>
+            </a:r>
+          </a:p>
+          <a:p>
+            <a:pPr marL="457200" lvl="1" indent="0">
+              <a:buFont typeface="Arial" panose="020B0604020202020204" pitchFamily="34" charset="0"/>
+              <a:buNone/>
+            </a:pPr>
+            <a:endParaRPr lang="en-US" dirty="0" smtClean="0"/>
           </a:p>
           <a:p>
             <a:pPr lvl="1"/>
@@ -11978,6 +14046,1027 @@
     <p:extLst>
       <p:ext uri="{BB962C8B-B14F-4D97-AF65-F5344CB8AC3E}">
         <p14:creationId xmlns:p14="http://schemas.microsoft.com/office/powerpoint/2010/main" val="2649493265"/>
+      </p:ext>
+    </p:extLst>
+  </p:cSld>
+  <p:clrMapOvr>
+    <a:masterClrMapping/>
+  </p:clrMapOvr>
+  <p:timing>
+    <p:tnLst>
+      <p:par>
+        <p:cTn id="1" dur="indefinite" restart="never" nodeType="tmRoot"/>
+      </p:par>
+    </p:tnLst>
+  </p:timing>
+</p:sld>
+</file>
+
+<file path=ppt/slides/slide38.xml><?xml version="1.0" encoding="utf-8"?>
+<p:sld xmlns:a="http://schemas.openxmlformats.org/drawingml/2006/main" xmlns:r="http://schemas.openxmlformats.org/officeDocument/2006/relationships" xmlns:p="http://schemas.openxmlformats.org/presentationml/2006/main">
+  <p:cSld>
+    <p:spTree>
+      <p:nvGrpSpPr>
+        <p:cNvPr id="1" name=""/>
+        <p:cNvGrpSpPr/>
+        <p:nvPr/>
+      </p:nvGrpSpPr>
+      <p:grpSpPr>
+        <a:xfrm>
+          <a:off x="0" y="0"/>
+          <a:ext cx="0" cy="0"/>
+          <a:chOff x="0" y="0"/>
+          <a:chExt cx="0" cy="0"/>
+        </a:xfrm>
+      </p:grpSpPr>
+      <p:cxnSp>
+        <p:nvCxnSpPr>
+          <p:cNvPr id="6" name="Straight Arrow Connector 5"/>
+          <p:cNvCxnSpPr/>
+          <p:nvPr/>
+        </p:nvCxnSpPr>
+        <p:spPr>
+          <a:xfrm flipV="1">
+            <a:off x="1016000" y="745067"/>
+            <a:ext cx="0" cy="4656666"/>
+          </a:xfrm>
+          <a:prstGeom prst="straightConnector1">
+            <a:avLst/>
+          </a:prstGeom>
+          <a:ln>
+            <a:tailEnd type="triangle"/>
+          </a:ln>
+        </p:spPr>
+        <p:style>
+          <a:lnRef idx="1">
+            <a:schemeClr val="accent1"/>
+          </a:lnRef>
+          <a:fillRef idx="0">
+            <a:schemeClr val="accent1"/>
+          </a:fillRef>
+          <a:effectRef idx="0">
+            <a:schemeClr val="accent1"/>
+          </a:effectRef>
+          <a:fontRef idx="minor">
+            <a:schemeClr val="tx1"/>
+          </a:fontRef>
+        </p:style>
+      </p:cxnSp>
+      <p:cxnSp>
+        <p:nvCxnSpPr>
+          <p:cNvPr id="8" name="Straight Arrow Connector 7"/>
+          <p:cNvCxnSpPr/>
+          <p:nvPr/>
+        </p:nvCxnSpPr>
+        <p:spPr>
+          <a:xfrm>
+            <a:off x="1016000" y="5401733"/>
+            <a:ext cx="9237133" cy="0"/>
+          </a:xfrm>
+          <a:prstGeom prst="straightConnector1">
+            <a:avLst/>
+          </a:prstGeom>
+          <a:ln>
+            <a:tailEnd type="triangle"/>
+          </a:ln>
+        </p:spPr>
+        <p:style>
+          <a:lnRef idx="1">
+            <a:schemeClr val="accent1"/>
+          </a:lnRef>
+          <a:fillRef idx="0">
+            <a:schemeClr val="accent1"/>
+          </a:fillRef>
+          <a:effectRef idx="0">
+            <a:schemeClr val="accent1"/>
+          </a:effectRef>
+          <a:fontRef idx="minor">
+            <a:schemeClr val="tx1"/>
+          </a:fontRef>
+        </p:style>
+      </p:cxnSp>
+      <p:sp>
+        <p:nvSpPr>
+          <p:cNvPr id="9" name="Freeform 8"/>
+          <p:cNvSpPr/>
+          <p:nvPr/>
+        </p:nvSpPr>
+        <p:spPr>
+          <a:xfrm>
+            <a:off x="1032933" y="2324274"/>
+            <a:ext cx="9033934" cy="3077459"/>
+          </a:xfrm>
+          <a:custGeom>
+            <a:avLst/>
+            <a:gdLst>
+              <a:gd name="connsiteX0" fmla="*/ 0 w 9033934"/>
+              <a:gd name="connsiteY0" fmla="*/ 3077459 h 3077459"/>
+              <a:gd name="connsiteX1" fmla="*/ 397934 w 9033934"/>
+              <a:gd name="connsiteY1" fmla="*/ 2781126 h 3077459"/>
+              <a:gd name="connsiteX2" fmla="*/ 914400 w 9033934"/>
+              <a:gd name="connsiteY2" fmla="*/ 1824393 h 3077459"/>
+              <a:gd name="connsiteX3" fmla="*/ 1524000 w 9033934"/>
+              <a:gd name="connsiteY3" fmla="*/ 181859 h 3077459"/>
+              <a:gd name="connsiteX4" fmla="*/ 2429934 w 9033934"/>
+              <a:gd name="connsiteY4" fmla="*/ 266526 h 3077459"/>
+              <a:gd name="connsiteX5" fmla="*/ 3183467 w 9033934"/>
+              <a:gd name="connsiteY5" fmla="*/ 2188459 h 3077459"/>
+              <a:gd name="connsiteX6" fmla="*/ 5799667 w 9033934"/>
+              <a:gd name="connsiteY6" fmla="*/ 2798059 h 3077459"/>
+              <a:gd name="connsiteX7" fmla="*/ 9033934 w 9033934"/>
+              <a:gd name="connsiteY7" fmla="*/ 2933526 h 3077459"/>
+            </a:gdLst>
+            <a:ahLst/>
+            <a:cxnLst>
+              <a:cxn ang="0">
+                <a:pos x="connsiteX0" y="connsiteY0"/>
+              </a:cxn>
+              <a:cxn ang="0">
+                <a:pos x="connsiteX1" y="connsiteY1"/>
+              </a:cxn>
+              <a:cxn ang="0">
+                <a:pos x="connsiteX2" y="connsiteY2"/>
+              </a:cxn>
+              <a:cxn ang="0">
+                <a:pos x="connsiteX3" y="connsiteY3"/>
+              </a:cxn>
+              <a:cxn ang="0">
+                <a:pos x="connsiteX4" y="connsiteY4"/>
+              </a:cxn>
+              <a:cxn ang="0">
+                <a:pos x="connsiteX5" y="connsiteY5"/>
+              </a:cxn>
+              <a:cxn ang="0">
+                <a:pos x="connsiteX6" y="connsiteY6"/>
+              </a:cxn>
+              <a:cxn ang="0">
+                <a:pos x="connsiteX7" y="connsiteY7"/>
+              </a:cxn>
+            </a:cxnLst>
+            <a:rect l="l" t="t" r="r" b="b"/>
+            <a:pathLst>
+              <a:path w="9033934" h="3077459">
+                <a:moveTo>
+                  <a:pt x="0" y="3077459"/>
+                </a:moveTo>
+                <a:cubicBezTo>
+                  <a:pt x="122767" y="3033714"/>
+                  <a:pt x="245534" y="2989970"/>
+                  <a:pt x="397934" y="2781126"/>
+                </a:cubicBezTo>
+                <a:cubicBezTo>
+                  <a:pt x="550334" y="2572282"/>
+                  <a:pt x="726722" y="2257604"/>
+                  <a:pt x="914400" y="1824393"/>
+                </a:cubicBezTo>
+                <a:cubicBezTo>
+                  <a:pt x="1102078" y="1391182"/>
+                  <a:pt x="1271411" y="441503"/>
+                  <a:pt x="1524000" y="181859"/>
+                </a:cubicBezTo>
+                <a:cubicBezTo>
+                  <a:pt x="1776589" y="-77785"/>
+                  <a:pt x="2153356" y="-67907"/>
+                  <a:pt x="2429934" y="266526"/>
+                </a:cubicBezTo>
+                <a:cubicBezTo>
+                  <a:pt x="2706512" y="600959"/>
+                  <a:pt x="2621845" y="1766537"/>
+                  <a:pt x="3183467" y="2188459"/>
+                </a:cubicBezTo>
+                <a:cubicBezTo>
+                  <a:pt x="3745089" y="2610381"/>
+                  <a:pt x="4824589" y="2673881"/>
+                  <a:pt x="5799667" y="2798059"/>
+                </a:cubicBezTo>
+                <a:cubicBezTo>
+                  <a:pt x="6774745" y="2922237"/>
+                  <a:pt x="7904339" y="2927881"/>
+                  <a:pt x="9033934" y="2933526"/>
+                </a:cubicBezTo>
+              </a:path>
+            </a:pathLst>
+          </a:custGeom>
+          <a:noFill/>
+          <a:ln w="38100"/>
+        </p:spPr>
+        <p:style>
+          <a:lnRef idx="2">
+            <a:schemeClr val="accent1">
+              <a:shade val="50000"/>
+            </a:schemeClr>
+          </a:lnRef>
+          <a:fillRef idx="1">
+            <a:schemeClr val="accent1"/>
+          </a:fillRef>
+          <a:effectRef idx="0">
+            <a:schemeClr val="accent1"/>
+          </a:effectRef>
+          <a:fontRef idx="minor">
+            <a:schemeClr val="lt1"/>
+          </a:fontRef>
+        </p:style>
+        <p:txBody>
+          <a:bodyPr rtlCol="0" anchor="ctr"/>
+          <a:lstStyle/>
+          <a:p>
+            <a:pPr algn="ctr"/>
+            <a:endParaRPr lang="en-US"/>
+          </a:p>
+        </p:txBody>
+      </p:sp>
+      <p:sp>
+        <p:nvSpPr>
+          <p:cNvPr id="10" name="Freeform 9"/>
+          <p:cNvSpPr/>
+          <p:nvPr/>
+        </p:nvSpPr>
+        <p:spPr>
+          <a:xfrm>
+            <a:off x="1100667" y="4100252"/>
+            <a:ext cx="8864600" cy="1309948"/>
+          </a:xfrm>
+          <a:custGeom>
+            <a:avLst/>
+            <a:gdLst>
+              <a:gd name="connsiteX0" fmla="*/ 0 w 8940800"/>
+              <a:gd name="connsiteY0" fmla="*/ 1309948 h 1309948"/>
+              <a:gd name="connsiteX1" fmla="*/ 482600 w 8940800"/>
+              <a:gd name="connsiteY1" fmla="*/ 912015 h 1309948"/>
+              <a:gd name="connsiteX2" fmla="*/ 948266 w 8940800"/>
+              <a:gd name="connsiteY2" fmla="*/ 166948 h 1309948"/>
+              <a:gd name="connsiteX3" fmla="*/ 2438400 w 8940800"/>
+              <a:gd name="connsiteY3" fmla="*/ 14548 h 1309948"/>
+              <a:gd name="connsiteX4" fmla="*/ 4360333 w 8940800"/>
+              <a:gd name="connsiteY4" fmla="*/ 412481 h 1309948"/>
+              <a:gd name="connsiteX5" fmla="*/ 8940800 w 8940800"/>
+              <a:gd name="connsiteY5" fmla="*/ 564881 h 1309948"/>
+            </a:gdLst>
+            <a:ahLst/>
+            <a:cxnLst>
+              <a:cxn ang="0">
+                <a:pos x="connsiteX0" y="connsiteY0"/>
+              </a:cxn>
+              <a:cxn ang="0">
+                <a:pos x="connsiteX1" y="connsiteY1"/>
+              </a:cxn>
+              <a:cxn ang="0">
+                <a:pos x="connsiteX2" y="connsiteY2"/>
+              </a:cxn>
+              <a:cxn ang="0">
+                <a:pos x="connsiteX3" y="connsiteY3"/>
+              </a:cxn>
+              <a:cxn ang="0">
+                <a:pos x="connsiteX4" y="connsiteY4"/>
+              </a:cxn>
+              <a:cxn ang="0">
+                <a:pos x="connsiteX5" y="connsiteY5"/>
+              </a:cxn>
+            </a:cxnLst>
+            <a:rect l="l" t="t" r="r" b="b"/>
+            <a:pathLst>
+              <a:path w="8940800" h="1309948">
+                <a:moveTo>
+                  <a:pt x="0" y="1309948"/>
+                </a:moveTo>
+                <a:cubicBezTo>
+                  <a:pt x="162278" y="1206231"/>
+                  <a:pt x="324556" y="1102515"/>
+                  <a:pt x="482600" y="912015"/>
+                </a:cubicBezTo>
+                <a:cubicBezTo>
+                  <a:pt x="640644" y="721515"/>
+                  <a:pt x="622299" y="316526"/>
+                  <a:pt x="948266" y="166948"/>
+                </a:cubicBezTo>
+                <a:cubicBezTo>
+                  <a:pt x="1274233" y="17370"/>
+                  <a:pt x="1869722" y="-26374"/>
+                  <a:pt x="2438400" y="14548"/>
+                </a:cubicBezTo>
+                <a:cubicBezTo>
+                  <a:pt x="3007078" y="55470"/>
+                  <a:pt x="3276600" y="320759"/>
+                  <a:pt x="4360333" y="412481"/>
+                </a:cubicBezTo>
+                <a:cubicBezTo>
+                  <a:pt x="5444066" y="504203"/>
+                  <a:pt x="7192433" y="534542"/>
+                  <a:pt x="8940800" y="564881"/>
+                </a:cubicBezTo>
+              </a:path>
+            </a:pathLst>
+          </a:custGeom>
+          <a:noFill/>
+          <a:ln w="38100">
+            <a:solidFill>
+              <a:schemeClr val="accent2">
+                <a:lumMod val="75000"/>
+              </a:schemeClr>
+            </a:solidFill>
+          </a:ln>
+        </p:spPr>
+        <p:style>
+          <a:lnRef idx="2">
+            <a:schemeClr val="accent1">
+              <a:shade val="50000"/>
+            </a:schemeClr>
+          </a:lnRef>
+          <a:fillRef idx="1">
+            <a:schemeClr val="accent1"/>
+          </a:fillRef>
+          <a:effectRef idx="0">
+            <a:schemeClr val="accent1"/>
+          </a:effectRef>
+          <a:fontRef idx="minor">
+            <a:schemeClr val="lt1"/>
+          </a:fontRef>
+        </p:style>
+        <p:txBody>
+          <a:bodyPr rtlCol="0" anchor="ctr"/>
+          <a:lstStyle/>
+          <a:p>
+            <a:pPr algn="ctr"/>
+            <a:endParaRPr lang="en-US"/>
+          </a:p>
+        </p:txBody>
+      </p:sp>
+      <p:sp>
+        <p:nvSpPr>
+          <p:cNvPr id="11" name="TextBox 10"/>
+          <p:cNvSpPr txBox="1"/>
+          <p:nvPr/>
+        </p:nvSpPr>
+        <p:spPr>
+          <a:xfrm rot="16200000">
+            <a:off x="323689" y="2743200"/>
+            <a:ext cx="981423" cy="369332"/>
+          </a:xfrm>
+          <a:prstGeom prst="rect">
+            <a:avLst/>
+          </a:prstGeom>
+          <a:noFill/>
+        </p:spPr>
+        <p:txBody>
+          <a:bodyPr wrap="none" rtlCol="0">
+            <a:spAutoFit/>
+          </a:bodyPr>
+          <a:lstStyle/>
+          <a:p>
+            <a:r>
+              <a:rPr lang="en-US" dirty="0" smtClean="0"/>
+              <a:t>Effort </a:t>
+            </a:r>
+            <a:r>
+              <a:rPr lang="en-US" dirty="0" smtClean="0">
+                <a:sym typeface="Wingdings" panose="05000000000000000000" pitchFamily="2" charset="2"/>
+              </a:rPr>
+              <a:t></a:t>
+            </a:r>
+            <a:endParaRPr lang="en-US" dirty="0"/>
+          </a:p>
+        </p:txBody>
+      </p:sp>
+      <p:sp>
+        <p:nvSpPr>
+          <p:cNvPr id="12" name="TextBox 11"/>
+          <p:cNvSpPr txBox="1"/>
+          <p:nvPr/>
+        </p:nvSpPr>
+        <p:spPr>
+          <a:xfrm>
+            <a:off x="4455423" y="5477934"/>
+            <a:ext cx="2517805" cy="369332"/>
+          </a:xfrm>
+          <a:prstGeom prst="rect">
+            <a:avLst/>
+          </a:prstGeom>
+          <a:noFill/>
+        </p:spPr>
+        <p:txBody>
+          <a:bodyPr wrap="none" rtlCol="0">
+            <a:spAutoFit/>
+          </a:bodyPr>
+          <a:lstStyle/>
+          <a:p>
+            <a:r>
+              <a:rPr lang="en-US" dirty="0" smtClean="0"/>
+              <a:t>Progression of Project </a:t>
+            </a:r>
+            <a:r>
+              <a:rPr lang="en-US" dirty="0" smtClean="0">
+                <a:sym typeface="Wingdings" panose="05000000000000000000" pitchFamily="2" charset="2"/>
+              </a:rPr>
+              <a:t></a:t>
+            </a:r>
+            <a:endParaRPr lang="en-US" dirty="0"/>
+          </a:p>
+        </p:txBody>
+      </p:sp>
+      <p:sp>
+        <p:nvSpPr>
+          <p:cNvPr id="13" name="Oval 12"/>
+          <p:cNvSpPr/>
+          <p:nvPr/>
+        </p:nvSpPr>
+        <p:spPr>
+          <a:xfrm>
+            <a:off x="1930399" y="1327310"/>
+            <a:ext cx="2040467" cy="3911601"/>
+          </a:xfrm>
+          <a:prstGeom prst="ellipse">
+            <a:avLst/>
+          </a:prstGeom>
+          <a:noFill/>
+          <a:ln w="38100">
+            <a:solidFill>
+              <a:schemeClr val="bg1">
+                <a:lumMod val="65000"/>
+              </a:schemeClr>
+            </a:solidFill>
+            <a:prstDash val="sysDash"/>
+          </a:ln>
+        </p:spPr>
+        <p:style>
+          <a:lnRef idx="2">
+            <a:schemeClr val="accent1">
+              <a:shade val="50000"/>
+            </a:schemeClr>
+          </a:lnRef>
+          <a:fillRef idx="1">
+            <a:schemeClr val="accent1"/>
+          </a:fillRef>
+          <a:effectRef idx="0">
+            <a:schemeClr val="accent1"/>
+          </a:effectRef>
+          <a:fontRef idx="minor">
+            <a:schemeClr val="lt1"/>
+          </a:fontRef>
+        </p:style>
+        <p:txBody>
+          <a:bodyPr rtlCol="0" anchor="ctr"/>
+          <a:lstStyle/>
+          <a:p>
+            <a:pPr algn="ctr"/>
+            <a:endParaRPr lang="en-US"/>
+          </a:p>
+        </p:txBody>
+      </p:sp>
+      <p:sp>
+        <p:nvSpPr>
+          <p:cNvPr id="14" name="TextBox 13"/>
+          <p:cNvSpPr txBox="1"/>
+          <p:nvPr/>
+        </p:nvSpPr>
+        <p:spPr>
+          <a:xfrm>
+            <a:off x="2422795" y="949512"/>
+            <a:ext cx="1055674" cy="369332"/>
+          </a:xfrm>
+          <a:prstGeom prst="rect">
+            <a:avLst/>
+          </a:prstGeom>
+          <a:noFill/>
+        </p:spPr>
+        <p:txBody>
+          <a:bodyPr wrap="none" rtlCol="0">
+            <a:spAutoFit/>
+          </a:bodyPr>
+          <a:lstStyle/>
+          <a:p>
+            <a:r>
+              <a:rPr lang="en-US" dirty="0" smtClean="0"/>
+              <a:t>Adoption</a:t>
+            </a:r>
+            <a:endParaRPr lang="en-US" dirty="0"/>
+          </a:p>
+        </p:txBody>
+      </p:sp>
+      <p:sp>
+        <p:nvSpPr>
+          <p:cNvPr id="15" name="Oval 14"/>
+          <p:cNvSpPr/>
+          <p:nvPr/>
+        </p:nvSpPr>
+        <p:spPr>
+          <a:xfrm>
+            <a:off x="4944532" y="4334934"/>
+            <a:ext cx="6019801" cy="1109134"/>
+          </a:xfrm>
+          <a:prstGeom prst="ellipse">
+            <a:avLst/>
+          </a:prstGeom>
+          <a:noFill/>
+          <a:ln w="38100">
+            <a:solidFill>
+              <a:schemeClr val="bg1">
+                <a:lumMod val="65000"/>
+              </a:schemeClr>
+            </a:solidFill>
+            <a:prstDash val="sysDash"/>
+          </a:ln>
+        </p:spPr>
+        <p:style>
+          <a:lnRef idx="2">
+            <a:schemeClr val="accent1">
+              <a:shade val="50000"/>
+            </a:schemeClr>
+          </a:lnRef>
+          <a:fillRef idx="1">
+            <a:schemeClr val="accent1"/>
+          </a:fillRef>
+          <a:effectRef idx="0">
+            <a:schemeClr val="accent1"/>
+          </a:effectRef>
+          <a:fontRef idx="minor">
+            <a:schemeClr val="lt1"/>
+          </a:fontRef>
+        </p:style>
+        <p:txBody>
+          <a:bodyPr rtlCol="0" anchor="ctr"/>
+          <a:lstStyle/>
+          <a:p>
+            <a:pPr algn="ctr"/>
+            <a:endParaRPr lang="en-US"/>
+          </a:p>
+        </p:txBody>
+      </p:sp>
+      <p:sp>
+        <p:nvSpPr>
+          <p:cNvPr id="16" name="TextBox 15"/>
+          <p:cNvSpPr txBox="1"/>
+          <p:nvPr/>
+        </p:nvSpPr>
+        <p:spPr>
+          <a:xfrm>
+            <a:off x="7853510" y="3863003"/>
+            <a:ext cx="755015" cy="369332"/>
+          </a:xfrm>
+          <a:prstGeom prst="rect">
+            <a:avLst/>
+          </a:prstGeom>
+          <a:noFill/>
+        </p:spPr>
+        <p:txBody>
+          <a:bodyPr wrap="none" rtlCol="0">
+            <a:spAutoFit/>
+          </a:bodyPr>
+          <a:lstStyle/>
+          <a:p>
+            <a:r>
+              <a:rPr lang="en-US" dirty="0" smtClean="0"/>
+              <a:t>Usage</a:t>
+            </a:r>
+            <a:endParaRPr lang="en-US" dirty="0"/>
+          </a:p>
+        </p:txBody>
+      </p:sp>
+      <p:sp>
+        <p:nvSpPr>
+          <p:cNvPr id="17" name="TextBox 16"/>
+          <p:cNvSpPr txBox="1"/>
+          <p:nvPr/>
+        </p:nvSpPr>
+        <p:spPr>
+          <a:xfrm>
+            <a:off x="6426200" y="1370244"/>
+            <a:ext cx="2652586" cy="369332"/>
+          </a:xfrm>
+          <a:prstGeom prst="rect">
+            <a:avLst/>
+          </a:prstGeom>
+          <a:noFill/>
+        </p:spPr>
+        <p:txBody>
+          <a:bodyPr wrap="none" rtlCol="0">
+            <a:spAutoFit/>
+          </a:bodyPr>
+          <a:lstStyle/>
+          <a:p>
+            <a:r>
+              <a:rPr lang="en-US" dirty="0" smtClean="0">
+                <a:solidFill>
+                  <a:schemeClr val="accent2">
+                    <a:lumMod val="75000"/>
+                  </a:schemeClr>
+                </a:solidFill>
+              </a:rPr>
+              <a:t>Doing what you’re used to</a:t>
+            </a:r>
+            <a:endParaRPr lang="en-US" dirty="0">
+              <a:solidFill>
+                <a:schemeClr val="accent2">
+                  <a:lumMod val="75000"/>
+                </a:schemeClr>
+              </a:solidFill>
+            </a:endParaRPr>
+          </a:p>
+        </p:txBody>
+      </p:sp>
+      <p:sp>
+        <p:nvSpPr>
+          <p:cNvPr id="18" name="TextBox 17"/>
+          <p:cNvSpPr txBox="1"/>
+          <p:nvPr/>
+        </p:nvSpPr>
+        <p:spPr>
+          <a:xfrm>
+            <a:off x="6426200" y="1688865"/>
+            <a:ext cx="2232534" cy="369332"/>
+          </a:xfrm>
+          <a:prstGeom prst="rect">
+            <a:avLst/>
+          </a:prstGeom>
+          <a:noFill/>
+        </p:spPr>
+        <p:txBody>
+          <a:bodyPr wrap="none" rtlCol="0">
+            <a:spAutoFit/>
+          </a:bodyPr>
+          <a:lstStyle/>
+          <a:p>
+            <a:r>
+              <a:rPr lang="en-US" dirty="0" smtClean="0">
+                <a:solidFill>
+                  <a:schemeClr val="accent1">
+                    <a:lumMod val="75000"/>
+                  </a:schemeClr>
+                </a:solidFill>
+              </a:rPr>
+              <a:t>Doing something new</a:t>
+            </a:r>
+            <a:endParaRPr lang="en-US" dirty="0">
+              <a:solidFill>
+                <a:schemeClr val="accent1">
+                  <a:lumMod val="75000"/>
+                </a:schemeClr>
+              </a:solidFill>
+            </a:endParaRPr>
+          </a:p>
+        </p:txBody>
+      </p:sp>
+    </p:spTree>
+    <p:extLst>
+      <p:ext uri="{BB962C8B-B14F-4D97-AF65-F5344CB8AC3E}">
+        <p14:creationId xmlns:p14="http://schemas.microsoft.com/office/powerpoint/2010/main" val="375938767"/>
+      </p:ext>
+    </p:extLst>
+  </p:cSld>
+  <p:clrMapOvr>
+    <a:masterClrMapping/>
+  </p:clrMapOvr>
+  <p:timing>
+    <p:tnLst>
+      <p:par>
+        <p:cTn id="1" dur="indefinite" restart="never" nodeType="tmRoot">
+          <p:childTnLst>
+            <p:seq concurrent="1" nextAc="seek">
+              <p:cTn id="2" dur="indefinite" nodeType="mainSeq">
+                <p:childTnLst>
+                  <p:par>
+                    <p:cTn id="3" fill="hold">
+                      <p:stCondLst>
+                        <p:cond delay="indefinite"/>
+                      </p:stCondLst>
+                      <p:childTnLst>
+                        <p:par>
+                          <p:cTn id="4" fill="hold">
+                            <p:stCondLst>
+                              <p:cond delay="0"/>
+                            </p:stCondLst>
+                            <p:childTnLst>
+                              <p:par>
+                                <p:cTn id="5" presetID="1" presetClass="entr" presetSubtype="0" fill="hold" grpId="0" nodeType="clickEffect">
+                                  <p:stCondLst>
+                                    <p:cond delay="0"/>
+                                  </p:stCondLst>
+                                  <p:childTnLst>
+                                    <p:set>
+                                      <p:cBhvr>
+                                        <p:cTn id="6" dur="1" fill="hold">
+                                          <p:stCondLst>
+                                            <p:cond delay="0"/>
+                                          </p:stCondLst>
+                                        </p:cTn>
+                                        <p:tgtEl>
+                                          <p:spTgt spid="13"/>
+                                        </p:tgtEl>
+                                        <p:attrNameLst>
+                                          <p:attrName>style.visibility</p:attrName>
+                                        </p:attrNameLst>
+                                      </p:cBhvr>
+                                      <p:to>
+                                        <p:strVal val="visible"/>
+                                      </p:to>
+                                    </p:set>
+                                  </p:childTnLst>
+                                </p:cTn>
+                              </p:par>
+                              <p:par>
+                                <p:cTn id="7" presetID="1" presetClass="entr" presetSubtype="0" fill="hold" grpId="0" nodeType="withEffect">
+                                  <p:stCondLst>
+                                    <p:cond delay="0"/>
+                                  </p:stCondLst>
+                                  <p:childTnLst>
+                                    <p:set>
+                                      <p:cBhvr>
+                                        <p:cTn id="8" dur="1" fill="hold">
+                                          <p:stCondLst>
+                                            <p:cond delay="0"/>
+                                          </p:stCondLst>
+                                        </p:cTn>
+                                        <p:tgtEl>
+                                          <p:spTgt spid="14"/>
+                                        </p:tgtEl>
+                                        <p:attrNameLst>
+                                          <p:attrName>style.visibility</p:attrName>
+                                        </p:attrNameLst>
+                                      </p:cBhvr>
+                                      <p:to>
+                                        <p:strVal val="visible"/>
+                                      </p:to>
+                                    </p:set>
+                                  </p:childTnLst>
+                                </p:cTn>
+                              </p:par>
+                              <p:par>
+                                <p:cTn id="9" presetID="1" presetClass="entr" presetSubtype="0" fill="hold" grpId="0" nodeType="withEffect">
+                                  <p:stCondLst>
+                                    <p:cond delay="0"/>
+                                  </p:stCondLst>
+                                  <p:childTnLst>
+                                    <p:set>
+                                      <p:cBhvr>
+                                        <p:cTn id="10" dur="1" fill="hold">
+                                          <p:stCondLst>
+                                            <p:cond delay="0"/>
+                                          </p:stCondLst>
+                                        </p:cTn>
+                                        <p:tgtEl>
+                                          <p:spTgt spid="15"/>
+                                        </p:tgtEl>
+                                        <p:attrNameLst>
+                                          <p:attrName>style.visibility</p:attrName>
+                                        </p:attrNameLst>
+                                      </p:cBhvr>
+                                      <p:to>
+                                        <p:strVal val="visible"/>
+                                      </p:to>
+                                    </p:set>
+                                  </p:childTnLst>
+                                </p:cTn>
+                              </p:par>
+                              <p:par>
+                                <p:cTn id="11" presetID="1" presetClass="entr" presetSubtype="0" fill="hold" grpId="0" nodeType="withEffect">
+                                  <p:stCondLst>
+                                    <p:cond delay="0"/>
+                                  </p:stCondLst>
+                                  <p:childTnLst>
+                                    <p:set>
+                                      <p:cBhvr>
+                                        <p:cTn id="12" dur="1" fill="hold">
+                                          <p:stCondLst>
+                                            <p:cond delay="0"/>
+                                          </p:stCondLst>
+                                        </p:cTn>
+                                        <p:tgtEl>
+                                          <p:spTgt spid="16"/>
+                                        </p:tgtEl>
+                                        <p:attrNameLst>
+                                          <p:attrName>style.visibility</p:attrName>
+                                        </p:attrNameLst>
+                                      </p:cBhvr>
+                                      <p:to>
+                                        <p:strVal val="visible"/>
+                                      </p:to>
+                                    </p:set>
+                                  </p:childTnLst>
+                                </p:cTn>
+                              </p:par>
+                            </p:childTnLst>
+                          </p:cTn>
+                        </p:par>
+                      </p:childTnLst>
+                    </p:cTn>
+                  </p:par>
+                </p:childTnLst>
+              </p:cTn>
+              <p:prevCondLst>
+                <p:cond evt="onPrev" delay="0">
+                  <p:tgtEl>
+                    <p:sldTgt/>
+                  </p:tgtEl>
+                </p:cond>
+              </p:prevCondLst>
+              <p:nextCondLst>
+                <p:cond evt="onNext" delay="0">
+                  <p:tgtEl>
+                    <p:sldTgt/>
+                  </p:tgtEl>
+                </p:cond>
+              </p:nextCondLst>
+            </p:seq>
+          </p:childTnLst>
+        </p:cTn>
+      </p:par>
+    </p:tnLst>
+    <p:bldLst>
+      <p:bldP spid="13" grpId="0" animBg="1"/>
+      <p:bldP spid="14" grpId="0"/>
+      <p:bldP spid="15" grpId="0" animBg="1"/>
+      <p:bldP spid="16" grpId="0"/>
+    </p:bldLst>
+  </p:timing>
+</p:sld>
+</file>
+
+<file path=ppt/slides/slide39.xml><?xml version="1.0" encoding="utf-8"?>
+<p:sld xmlns:a="http://schemas.openxmlformats.org/drawingml/2006/main" xmlns:r="http://schemas.openxmlformats.org/officeDocument/2006/relationships" xmlns:p="http://schemas.openxmlformats.org/presentationml/2006/main">
+  <p:cSld>
+    <p:spTree>
+      <p:nvGrpSpPr>
+        <p:cNvPr id="1" name=""/>
+        <p:cNvGrpSpPr/>
+        <p:nvPr/>
+      </p:nvGrpSpPr>
+      <p:grpSpPr>
+        <a:xfrm>
+          <a:off x="0" y="0"/>
+          <a:ext cx="0" cy="0"/>
+          <a:chOff x="0" y="0"/>
+          <a:chExt cx="0" cy="0"/>
+        </a:xfrm>
+      </p:grpSpPr>
+      <p:sp>
+        <p:nvSpPr>
+          <p:cNvPr id="2" name="Title 1"/>
+          <p:cNvSpPr>
+            <a:spLocks noGrp="1"/>
+          </p:cNvSpPr>
+          <p:nvPr>
+            <p:ph type="title"/>
+          </p:nvPr>
+        </p:nvSpPr>
+        <p:spPr/>
+        <p:txBody>
+          <a:bodyPr/>
+          <a:lstStyle/>
+          <a:p>
+            <a:r>
+              <a:rPr lang="en-US" dirty="0" smtClean="0"/>
+              <a:t>Python’s Data Analysis Modules</a:t>
+            </a:r>
+            <a:endParaRPr lang="en-US" dirty="0"/>
+          </a:p>
+        </p:txBody>
+      </p:sp>
+      <p:sp>
+        <p:nvSpPr>
+          <p:cNvPr id="3" name="Content Placeholder 2"/>
+          <p:cNvSpPr>
+            <a:spLocks noGrp="1"/>
+          </p:cNvSpPr>
+          <p:nvPr>
+            <p:ph idx="1"/>
+          </p:nvPr>
+        </p:nvSpPr>
+        <p:spPr/>
+        <p:txBody>
+          <a:bodyPr>
+            <a:normAutofit lnSpcReduction="10000"/>
+          </a:bodyPr>
+          <a:lstStyle/>
+          <a:p>
+            <a:r>
+              <a:rPr lang="en-US" dirty="0" err="1" smtClean="0"/>
+              <a:t>Numpy</a:t>
+            </a:r>
+            <a:endParaRPr lang="en-US" dirty="0" smtClean="0"/>
+          </a:p>
+          <a:p>
+            <a:pPr lvl="1"/>
+            <a:r>
+              <a:rPr lang="en-US" dirty="0" smtClean="0"/>
+              <a:t>Introduced matrix math</a:t>
+            </a:r>
+          </a:p>
+          <a:p>
+            <a:pPr lvl="1"/>
+            <a:r>
+              <a:rPr lang="en-US" dirty="0" smtClean="0">
+                <a:latin typeface="Consolas" panose="020B0609020204030204" pitchFamily="49" charset="0"/>
+              </a:rPr>
+              <a:t>import </a:t>
+            </a:r>
+            <a:r>
+              <a:rPr lang="en-US" dirty="0" err="1" smtClean="0">
+                <a:latin typeface="Consolas" panose="020B0609020204030204" pitchFamily="49" charset="0"/>
+              </a:rPr>
+              <a:t>numpy</a:t>
+            </a:r>
+            <a:r>
+              <a:rPr lang="en-US" dirty="0" smtClean="0">
+                <a:latin typeface="Consolas" panose="020B0609020204030204" pitchFamily="49" charset="0"/>
+              </a:rPr>
+              <a:t> as np</a:t>
+            </a:r>
+          </a:p>
+          <a:p>
+            <a:r>
+              <a:rPr lang="en-US" dirty="0" err="1" smtClean="0"/>
+              <a:t>Matplotlib</a:t>
+            </a:r>
+            <a:endParaRPr lang="en-US" dirty="0" smtClean="0"/>
+          </a:p>
+          <a:p>
+            <a:pPr lvl="1"/>
+            <a:r>
+              <a:rPr lang="en-US" dirty="0" smtClean="0"/>
+              <a:t>Introduced easy 2D plotting, similar to MATLAB</a:t>
+            </a:r>
+          </a:p>
+          <a:p>
+            <a:pPr lvl="1"/>
+            <a:r>
+              <a:rPr lang="en-US" dirty="0">
+                <a:latin typeface="Consolas" panose="020B0609020204030204" pitchFamily="49" charset="0"/>
+              </a:rPr>
+              <a:t>import </a:t>
+            </a:r>
+            <a:r>
+              <a:rPr lang="en-US" dirty="0" err="1">
+                <a:latin typeface="Consolas" panose="020B0609020204030204" pitchFamily="49" charset="0"/>
+              </a:rPr>
+              <a:t>matplotlib.pyplot</a:t>
+            </a:r>
+            <a:r>
+              <a:rPr lang="en-US" dirty="0">
+                <a:latin typeface="Consolas" panose="020B0609020204030204" pitchFamily="49" charset="0"/>
+              </a:rPr>
+              <a:t> as </a:t>
+            </a:r>
+            <a:r>
+              <a:rPr lang="en-US" dirty="0" err="1">
+                <a:latin typeface="Consolas" panose="020B0609020204030204" pitchFamily="49" charset="0"/>
+              </a:rPr>
+              <a:t>plt</a:t>
+            </a:r>
+            <a:endParaRPr lang="en-US" dirty="0">
+              <a:latin typeface="Consolas" panose="020B0609020204030204" pitchFamily="49" charset="0"/>
+            </a:endParaRPr>
+          </a:p>
+          <a:p>
+            <a:r>
+              <a:rPr lang="en-US" dirty="0" smtClean="0"/>
+              <a:t>Pandas</a:t>
+            </a:r>
+          </a:p>
+          <a:p>
+            <a:pPr lvl="1"/>
+            <a:r>
+              <a:rPr lang="en-US" dirty="0" smtClean="0"/>
+              <a:t>Introduced </a:t>
+            </a:r>
+            <a:r>
+              <a:rPr lang="en-US" dirty="0" err="1" smtClean="0"/>
+              <a:t>dataframes</a:t>
+            </a:r>
+            <a:r>
+              <a:rPr lang="en-US" dirty="0" smtClean="0"/>
+              <a:t>, copied from R</a:t>
+            </a:r>
+          </a:p>
+          <a:p>
+            <a:pPr lvl="1"/>
+            <a:r>
+              <a:rPr lang="en-US" dirty="0">
+                <a:latin typeface="Consolas" panose="020B0609020204030204" pitchFamily="49" charset="0"/>
+              </a:rPr>
+              <a:t>import pandas as </a:t>
+            </a:r>
+            <a:r>
+              <a:rPr lang="en-US" dirty="0" err="1" smtClean="0">
+                <a:latin typeface="Consolas" panose="020B0609020204030204" pitchFamily="49" charset="0"/>
+              </a:rPr>
+              <a:t>pd</a:t>
+            </a:r>
+            <a:endParaRPr lang="en-US" dirty="0" smtClean="0">
+              <a:latin typeface="Consolas" panose="020B0609020204030204" pitchFamily="49" charset="0"/>
+            </a:endParaRPr>
+          </a:p>
+          <a:p>
+            <a:r>
+              <a:rPr lang="en-US" dirty="0" smtClean="0"/>
+              <a:t>These modules put Python on the same playing field as R for data analysis</a:t>
+            </a:r>
+            <a:endParaRPr lang="en-US" dirty="0"/>
+          </a:p>
+        </p:txBody>
+      </p:sp>
+    </p:spTree>
+    <p:extLst>
+      <p:ext uri="{BB962C8B-B14F-4D97-AF65-F5344CB8AC3E}">
+        <p14:creationId xmlns:p14="http://schemas.microsoft.com/office/powerpoint/2010/main" val="3833238978"/>
       </p:ext>
     </p:extLst>
   </p:cSld>
@@ -12038,6 +15127,156 @@
     <p:extLst>
       <p:ext uri="{BB962C8B-B14F-4D97-AF65-F5344CB8AC3E}">
         <p14:creationId xmlns:p14="http://schemas.microsoft.com/office/powerpoint/2010/main" val="606513356"/>
+      </p:ext>
+    </p:extLst>
+  </p:cSld>
+  <p:clrMapOvr>
+    <a:masterClrMapping/>
+  </p:clrMapOvr>
+  <p:timing>
+    <p:tnLst>
+      <p:par>
+        <p:cTn id="1" dur="indefinite" restart="never" nodeType="tmRoot"/>
+      </p:par>
+    </p:tnLst>
+  </p:timing>
+</p:sld>
+</file>
+
+<file path=ppt/slides/slide40.xml><?xml version="1.0" encoding="utf-8"?>
+<p:sld xmlns:a="http://schemas.openxmlformats.org/drawingml/2006/main" xmlns:r="http://schemas.openxmlformats.org/officeDocument/2006/relationships" xmlns:p="http://schemas.openxmlformats.org/presentationml/2006/main">
+  <p:cSld>
+    <p:spTree>
+      <p:nvGrpSpPr>
+        <p:cNvPr id="1" name=""/>
+        <p:cNvGrpSpPr/>
+        <p:nvPr/>
+      </p:nvGrpSpPr>
+      <p:grpSpPr>
+        <a:xfrm>
+          <a:off x="0" y="0"/>
+          <a:ext cx="0" cy="0"/>
+          <a:chOff x="0" y="0"/>
+          <a:chExt cx="0" cy="0"/>
+        </a:xfrm>
+      </p:grpSpPr>
+      <p:sp>
+        <p:nvSpPr>
+          <p:cNvPr id="2" name="Title 1"/>
+          <p:cNvSpPr>
+            <a:spLocks noGrp="1"/>
+          </p:cNvSpPr>
+          <p:nvPr>
+            <p:ph type="title"/>
+          </p:nvPr>
+        </p:nvSpPr>
+        <p:spPr/>
+        <p:txBody>
+          <a:bodyPr/>
+          <a:lstStyle/>
+          <a:p>
+            <a:r>
+              <a:rPr lang="en-US" dirty="0" smtClean="0"/>
+              <a:t>Typical Workflow</a:t>
+            </a:r>
+            <a:endParaRPr lang="en-US" dirty="0"/>
+          </a:p>
+        </p:txBody>
+      </p:sp>
+      <p:sp>
+        <p:nvSpPr>
+          <p:cNvPr id="3" name="Content Placeholder 2"/>
+          <p:cNvSpPr>
+            <a:spLocks noGrp="1"/>
+          </p:cNvSpPr>
+          <p:nvPr>
+            <p:ph idx="1"/>
+          </p:nvPr>
+        </p:nvSpPr>
+        <p:spPr/>
+        <p:txBody>
+          <a:bodyPr>
+            <a:normAutofit lnSpcReduction="10000"/>
+          </a:bodyPr>
+          <a:lstStyle/>
+          <a:p>
+            <a:r>
+              <a:rPr lang="en-US" dirty="0" smtClean="0"/>
+              <a:t>Clean up and organize data</a:t>
+            </a:r>
+          </a:p>
+          <a:p>
+            <a:pPr lvl="1"/>
+            <a:r>
+              <a:rPr lang="en-US" dirty="0" smtClean="0"/>
+              <a:t>Excel for irregular data</a:t>
+            </a:r>
+          </a:p>
+          <a:p>
+            <a:r>
+              <a:rPr lang="en-US" dirty="0" smtClean="0"/>
+              <a:t>Import data into Pandas </a:t>
+            </a:r>
+            <a:r>
+              <a:rPr lang="en-US" dirty="0" err="1" smtClean="0"/>
+              <a:t>dataframe</a:t>
+            </a:r>
+            <a:endParaRPr lang="en-US" dirty="0" smtClean="0"/>
+          </a:p>
+          <a:p>
+            <a:r>
+              <a:rPr lang="en-US" dirty="0" smtClean="0"/>
+              <a:t>Do something to the data</a:t>
+            </a:r>
+          </a:p>
+          <a:p>
+            <a:pPr lvl="1"/>
+            <a:r>
+              <a:rPr lang="en-US" dirty="0" smtClean="0"/>
+              <a:t>Analyze</a:t>
+            </a:r>
+          </a:p>
+          <a:p>
+            <a:pPr lvl="1"/>
+            <a:r>
+              <a:rPr lang="en-US" dirty="0" smtClean="0"/>
+              <a:t>Calculate</a:t>
+            </a:r>
+          </a:p>
+          <a:p>
+            <a:pPr lvl="1"/>
+            <a:r>
+              <a:rPr lang="en-US" dirty="0" smtClean="0"/>
+              <a:t>Summarize</a:t>
+            </a:r>
+          </a:p>
+          <a:p>
+            <a:pPr lvl="1"/>
+            <a:r>
+              <a:rPr lang="en-US" dirty="0" smtClean="0"/>
+              <a:t>Visualize</a:t>
+            </a:r>
+            <a:endParaRPr lang="en-US" dirty="0"/>
+          </a:p>
+          <a:p>
+            <a:pPr lvl="1"/>
+            <a:r>
+              <a:rPr lang="en-US" dirty="0" smtClean="0"/>
+              <a:t>Explore</a:t>
+            </a:r>
+          </a:p>
+          <a:p>
+            <a:r>
+              <a:rPr lang="en-US" dirty="0" smtClean="0"/>
+              <a:t>Export data or visualization to text file, Excel, website</a:t>
+            </a:r>
+          </a:p>
+        </p:txBody>
+      </p:sp>
+    </p:spTree>
+    <p:extLst>
+      <p:ext uri="{BB962C8B-B14F-4D97-AF65-F5344CB8AC3E}">
+        <p14:creationId xmlns:p14="http://schemas.microsoft.com/office/powerpoint/2010/main" val="533438240"/>
       </p:ext>
     </p:extLst>
   </p:cSld>
@@ -12205,11 +15444,7 @@
           <a:p>
             <a:r>
               <a:rPr lang="en-US" dirty="0" smtClean="0"/>
-              <a:t>Get </a:t>
-            </a:r>
-            <a:r>
-              <a:rPr lang="en-US" smtClean="0"/>
-              <a:t>GitHub Repository</a:t>
+              <a:t>Get GitHub Repository</a:t>
             </a:r>
             <a:endParaRPr lang="en-US" dirty="0"/>
           </a:p>
@@ -12230,7 +15465,20 @@
           <a:bodyPr/>
           <a:lstStyle/>
           <a:p>
-            <a:endParaRPr lang="en-US"/>
+            <a:r>
+              <a:rPr lang="en-US" dirty="0" smtClean="0">
+                <a:hlinkClick r:id="rId2"/>
+              </a:rPr>
+              <a:t>www.github.com/***</a:t>
+            </a:r>
+            <a:endParaRPr lang="en-US" dirty="0" smtClean="0"/>
+          </a:p>
+          <a:p>
+            <a:r>
+              <a:rPr lang="en-US" dirty="0" smtClean="0"/>
+              <a:t>Clone repository or download the zip file</a:t>
+            </a:r>
+            <a:endParaRPr lang="en-US" dirty="0"/>
           </a:p>
         </p:txBody>
       </p:sp>
@@ -12815,4 +16063,265 @@
     </a:ext>
   </a:extLst>
 </a:theme>
+</file>
+
+<file path=ppt/theme/theme2.xml><?xml version="1.0" encoding="utf-8"?>
+<a:theme xmlns:a="http://schemas.openxmlformats.org/drawingml/2006/main" name="Office Theme">
+  <a:themeElements>
+    <a:clrScheme name="Office">
+      <a:dk1>
+        <a:sysClr val="windowText" lastClr="000000"/>
+      </a:dk1>
+      <a:lt1>
+        <a:sysClr val="window" lastClr="FFFFFF"/>
+      </a:lt1>
+      <a:dk2>
+        <a:srgbClr val="44546A"/>
+      </a:dk2>
+      <a:lt2>
+        <a:srgbClr val="E7E6E6"/>
+      </a:lt2>
+      <a:accent1>
+        <a:srgbClr val="5B9BD5"/>
+      </a:accent1>
+      <a:accent2>
+        <a:srgbClr val="ED7D31"/>
+      </a:accent2>
+      <a:accent3>
+        <a:srgbClr val="A5A5A5"/>
+      </a:accent3>
+      <a:accent4>
+        <a:srgbClr val="FFC000"/>
+      </a:accent4>
+      <a:accent5>
+        <a:srgbClr val="4472C4"/>
+      </a:accent5>
+      <a:accent6>
+        <a:srgbClr val="70AD47"/>
+      </a:accent6>
+      <a:hlink>
+        <a:srgbClr val="0563C1"/>
+      </a:hlink>
+      <a:folHlink>
+        <a:srgbClr val="954F72"/>
+      </a:folHlink>
+    </a:clrScheme>
+    <a:fontScheme name="Office">
+      <a:majorFont>
+        <a:latin typeface="Calibri Light" panose="020F0302020204030204"/>
+        <a:ea typeface=""/>
+        <a:cs typeface=""/>
+        <a:font script="Jpan" typeface="ＭＳ Ｐゴシック"/>
+        <a:font script="Hang" typeface="맑은 고딕"/>
+        <a:font script="Hans" typeface="宋体"/>
+        <a:font script="Hant" typeface="新細明體"/>
+        <a:font script="Arab" typeface="Times New Roman"/>
+        <a:font script="Hebr" typeface="Times New Roman"/>
+        <a:font script="Thai" typeface="Angsana New"/>
+        <a:font script="Ethi" typeface="Nyala"/>
+        <a:font script="Beng" typeface="Vrinda"/>
+        <a:font script="Gujr" typeface="Shruti"/>
+        <a:font script="Khmr" typeface="MoolBoran"/>
+        <a:font script="Knda" typeface="Tunga"/>
+        <a:font script="Guru" typeface="Raavi"/>
+        <a:font script="Cans" typeface="Euphemia"/>
+        <a:font script="Cher" typeface="Plantagenet Cherokee"/>
+        <a:font script="Yiii" typeface="Microsoft Yi Baiti"/>
+        <a:font script="Tibt" typeface="Microsoft Himalaya"/>
+        <a:font script="Thaa" typeface="MV Boli"/>
+        <a:font script="Deva" typeface="Mangal"/>
+        <a:font script="Telu" typeface="Gautami"/>
+        <a:font script="Taml" typeface="Latha"/>
+        <a:font script="Syrc" typeface="Estrangelo Edessa"/>
+        <a:font script="Orya" typeface="Kalinga"/>
+        <a:font script="Mlym" typeface="Kartika"/>
+        <a:font script="Laoo" typeface="DokChampa"/>
+        <a:font script="Sinh" typeface="Iskoola Pota"/>
+        <a:font script="Mong" typeface="Mongolian Baiti"/>
+        <a:font script="Viet" typeface="Times New Roman"/>
+        <a:font script="Uigh" typeface="Microsoft Uighur"/>
+        <a:font script="Geor" typeface="Sylfaen"/>
+      </a:majorFont>
+      <a:minorFont>
+        <a:latin typeface="Calibri" panose="020F0502020204030204"/>
+        <a:ea typeface=""/>
+        <a:cs typeface=""/>
+        <a:font script="Jpan" typeface="ＭＳ Ｐゴシック"/>
+        <a:font script="Hang" typeface="맑은 고딕"/>
+        <a:font script="Hans" typeface="宋体"/>
+        <a:font script="Hant" typeface="新細明體"/>
+        <a:font script="Arab" typeface="Arial"/>
+        <a:font script="Hebr" typeface="Arial"/>
+        <a:font script="Thai" typeface="Cordia New"/>
+        <a:font script="Ethi" typeface="Nyala"/>
+        <a:font script="Beng" typeface="Vrinda"/>
+        <a:font script="Gujr" typeface="Shruti"/>
+        <a:font script="Khmr" typeface="DaunPenh"/>
+        <a:font script="Knda" typeface="Tunga"/>
+        <a:font script="Guru" typeface="Raavi"/>
+        <a:font script="Cans" typeface="Euphemia"/>
+        <a:font script="Cher" typeface="Plantagenet Cherokee"/>
+        <a:font script="Yiii" typeface="Microsoft Yi Baiti"/>
+        <a:font script="Tibt" typeface="Microsoft Himalaya"/>
+        <a:font script="Thaa" typeface="MV Boli"/>
+        <a:font script="Deva" typeface="Mangal"/>
+        <a:font script="Telu" typeface="Gautami"/>
+        <a:font script="Taml" typeface="Latha"/>
+        <a:font script="Syrc" typeface="Estrangelo Edessa"/>
+        <a:font script="Orya" typeface="Kalinga"/>
+        <a:font script="Mlym" typeface="Kartika"/>
+        <a:font script="Laoo" typeface="DokChampa"/>
+        <a:font script="Sinh" typeface="Iskoola Pota"/>
+        <a:font script="Mong" typeface="Mongolian Baiti"/>
+        <a:font script="Viet" typeface="Arial"/>
+        <a:font script="Uigh" typeface="Microsoft Uighur"/>
+        <a:font script="Geor" typeface="Sylfaen"/>
+      </a:minorFont>
+    </a:fontScheme>
+    <a:fmtScheme name="Office">
+      <a:fillStyleLst>
+        <a:solidFill>
+          <a:schemeClr val="phClr"/>
+        </a:solidFill>
+        <a:gradFill rotWithShape="1">
+          <a:gsLst>
+            <a:gs pos="0">
+              <a:schemeClr val="phClr">
+                <a:lumMod val="110000"/>
+                <a:satMod val="105000"/>
+                <a:tint val="67000"/>
+              </a:schemeClr>
+            </a:gs>
+            <a:gs pos="50000">
+              <a:schemeClr val="phClr">
+                <a:lumMod val="105000"/>
+                <a:satMod val="103000"/>
+                <a:tint val="73000"/>
+              </a:schemeClr>
+            </a:gs>
+            <a:gs pos="100000">
+              <a:schemeClr val="phClr">
+                <a:lumMod val="105000"/>
+                <a:satMod val="109000"/>
+                <a:tint val="81000"/>
+              </a:schemeClr>
+            </a:gs>
+          </a:gsLst>
+          <a:lin ang="5400000" scaled="0"/>
+        </a:gradFill>
+        <a:gradFill rotWithShape="1">
+          <a:gsLst>
+            <a:gs pos="0">
+              <a:schemeClr val="phClr">
+                <a:satMod val="103000"/>
+                <a:lumMod val="102000"/>
+                <a:tint val="94000"/>
+              </a:schemeClr>
+            </a:gs>
+            <a:gs pos="50000">
+              <a:schemeClr val="phClr">
+                <a:satMod val="110000"/>
+                <a:lumMod val="100000"/>
+                <a:shade val="100000"/>
+              </a:schemeClr>
+            </a:gs>
+            <a:gs pos="100000">
+              <a:schemeClr val="phClr">
+                <a:lumMod val="99000"/>
+                <a:satMod val="120000"/>
+                <a:shade val="78000"/>
+              </a:schemeClr>
+            </a:gs>
+          </a:gsLst>
+          <a:lin ang="5400000" scaled="0"/>
+        </a:gradFill>
+      </a:fillStyleLst>
+      <a:lnStyleLst>
+        <a:ln w="6350" cap="flat" cmpd="sng" algn="ctr">
+          <a:solidFill>
+            <a:schemeClr val="phClr"/>
+          </a:solidFill>
+          <a:prstDash val="solid"/>
+          <a:miter lim="800000"/>
+        </a:ln>
+        <a:ln w="12700" cap="flat" cmpd="sng" algn="ctr">
+          <a:solidFill>
+            <a:schemeClr val="phClr"/>
+          </a:solidFill>
+          <a:prstDash val="solid"/>
+          <a:miter lim="800000"/>
+        </a:ln>
+        <a:ln w="19050" cap="flat" cmpd="sng" algn="ctr">
+          <a:solidFill>
+            <a:schemeClr val="phClr"/>
+          </a:solidFill>
+          <a:prstDash val="solid"/>
+          <a:miter lim="800000"/>
+        </a:ln>
+      </a:lnStyleLst>
+      <a:effectStyleLst>
+        <a:effectStyle>
+          <a:effectLst/>
+        </a:effectStyle>
+        <a:effectStyle>
+          <a:effectLst/>
+        </a:effectStyle>
+        <a:effectStyle>
+          <a:effectLst>
+            <a:outerShdw blurRad="57150" dist="19050" dir="5400000" algn="ctr" rotWithShape="0">
+              <a:srgbClr val="000000">
+                <a:alpha val="63000"/>
+              </a:srgbClr>
+            </a:outerShdw>
+          </a:effectLst>
+        </a:effectStyle>
+      </a:effectStyleLst>
+      <a:bgFillStyleLst>
+        <a:solidFill>
+          <a:schemeClr val="phClr"/>
+        </a:solidFill>
+        <a:solidFill>
+          <a:schemeClr val="phClr">
+            <a:tint val="95000"/>
+            <a:satMod val="170000"/>
+          </a:schemeClr>
+        </a:solidFill>
+        <a:gradFill rotWithShape="1">
+          <a:gsLst>
+            <a:gs pos="0">
+              <a:schemeClr val="phClr">
+                <a:tint val="93000"/>
+                <a:satMod val="150000"/>
+                <a:shade val="98000"/>
+                <a:lumMod val="102000"/>
+              </a:schemeClr>
+            </a:gs>
+            <a:gs pos="50000">
+              <a:schemeClr val="phClr">
+                <a:tint val="98000"/>
+                <a:satMod val="130000"/>
+                <a:shade val="90000"/>
+                <a:lumMod val="103000"/>
+              </a:schemeClr>
+            </a:gs>
+            <a:gs pos="100000">
+              <a:schemeClr val="phClr">
+                <a:shade val="63000"/>
+                <a:satMod val="120000"/>
+              </a:schemeClr>
+            </a:gs>
+          </a:gsLst>
+          <a:lin ang="5400000" scaled="0"/>
+        </a:gradFill>
+      </a:bgFillStyleLst>
+    </a:fmtScheme>
+  </a:themeElements>
+  <a:objectDefaults/>
+  <a:extraClrSchemeLst/>
+  <a:extLst>
+    <a:ext uri="{05A4C25C-085E-4340-85A3-A5531E510DB2}">
+      <thm15:themeFamily xmlns:thm15="http://schemas.microsoft.com/office/thememl/2012/main" name="Office Theme" id="{62F939B6-93AF-4DB8-9C6B-D6C7DFDC589F}" vid="{4A3C46E8-61CC-4603-A589-7422A47A8E4A}"/>
+    </a:ext>
+  </a:extLst>
+</a:theme>
 </file>
--- a/Day1/IntroToPython/IntroToPython.pptx
+++ b/Day1/IntroToPython/IntroToPython.pptx
@@ -5,18 +5,18 @@
     <p:sldMasterId id="2147483648" r:id="rId1"/>
   </p:sldMasterIdLst>
   <p:notesMasterIdLst>
-    <p:notesMasterId r:id="rId42"/>
+    <p:notesMasterId r:id="rId43"/>
   </p:notesMasterIdLst>
   <p:sldIdLst>
     <p:sldId id="256" r:id="rId2"/>
-    <p:sldId id="280" r:id="rId3"/>
-    <p:sldId id="276" r:id="rId4"/>
-    <p:sldId id="286" r:id="rId5"/>
-    <p:sldId id="279" r:id="rId6"/>
-    <p:sldId id="278" r:id="rId7"/>
+    <p:sldId id="278" r:id="rId3"/>
+    <p:sldId id="280" r:id="rId4"/>
+    <p:sldId id="276" r:id="rId5"/>
+    <p:sldId id="286" r:id="rId6"/>
+    <p:sldId id="279" r:id="rId7"/>
     <p:sldId id="277" r:id="rId8"/>
-    <p:sldId id="257" r:id="rId9"/>
-    <p:sldId id="269" r:id="rId10"/>
+    <p:sldId id="269" r:id="rId9"/>
+    <p:sldId id="257" r:id="rId10"/>
     <p:sldId id="270" r:id="rId11"/>
     <p:sldId id="271" r:id="rId12"/>
     <p:sldId id="272" r:id="rId13"/>
@@ -30,24 +30,25 @@
     <p:sldId id="268" r:id="rId21"/>
     <p:sldId id="288" r:id="rId22"/>
     <p:sldId id="259" r:id="rId23"/>
-    <p:sldId id="284" r:id="rId24"/>
-    <p:sldId id="285" r:id="rId25"/>
-    <p:sldId id="258" r:id="rId26"/>
-    <p:sldId id="262" r:id="rId27"/>
-    <p:sldId id="260" r:id="rId28"/>
-    <p:sldId id="292" r:id="rId29"/>
-    <p:sldId id="261" r:id="rId30"/>
-    <p:sldId id="291" r:id="rId31"/>
-    <p:sldId id="273" r:id="rId32"/>
-    <p:sldId id="294" r:id="rId33"/>
-    <p:sldId id="293" r:id="rId34"/>
-    <p:sldId id="274" r:id="rId35"/>
-    <p:sldId id="275" r:id="rId36"/>
-    <p:sldId id="295" r:id="rId37"/>
-    <p:sldId id="282" r:id="rId38"/>
-    <p:sldId id="297" r:id="rId39"/>
-    <p:sldId id="296" r:id="rId40"/>
-    <p:sldId id="298" r:id="rId41"/>
+    <p:sldId id="299" r:id="rId24"/>
+    <p:sldId id="284" r:id="rId25"/>
+    <p:sldId id="285" r:id="rId26"/>
+    <p:sldId id="258" r:id="rId27"/>
+    <p:sldId id="262" r:id="rId28"/>
+    <p:sldId id="260" r:id="rId29"/>
+    <p:sldId id="292" r:id="rId30"/>
+    <p:sldId id="261" r:id="rId31"/>
+    <p:sldId id="291" r:id="rId32"/>
+    <p:sldId id="273" r:id="rId33"/>
+    <p:sldId id="294" r:id="rId34"/>
+    <p:sldId id="293" r:id="rId35"/>
+    <p:sldId id="274" r:id="rId36"/>
+    <p:sldId id="275" r:id="rId37"/>
+    <p:sldId id="295" r:id="rId38"/>
+    <p:sldId id="282" r:id="rId39"/>
+    <p:sldId id="297" r:id="rId40"/>
+    <p:sldId id="296" r:id="rId41"/>
+    <p:sldId id="298" r:id="rId42"/>
   </p:sldIdLst>
   <p:sldSz cx="12192000" cy="6858000"/>
   <p:notesSz cx="6858000" cy="9144000"/>
@@ -961,7 +962,11 @@
         <a:p>
           <a:r>
             <a:rPr lang="en-US" dirty="0" smtClean="0"/>
-            <a:t>Rarely used</a:t>
+            <a:t>Personally, rarely </a:t>
+          </a:r>
+          <a:r>
+            <a:rPr lang="en-US" dirty="0" smtClean="0"/>
+            <a:t>used</a:t>
           </a:r>
           <a:endParaRPr lang="en-US" dirty="0"/>
         </a:p>
@@ -1039,7 +1044,11 @@
         <a:p>
           <a:r>
             <a:rPr lang="en-US" dirty="0" smtClean="0"/>
-            <a:t>Mostly used</a:t>
+            <a:t>Personally, mostly </a:t>
+          </a:r>
+          <a:r>
+            <a:rPr lang="en-US" dirty="0" smtClean="0"/>
+            <a:t>used</a:t>
           </a:r>
           <a:endParaRPr lang="en-US" dirty="0"/>
         </a:p>
@@ -1335,7 +1344,11 @@
         <a:p>
           <a:r>
             <a:rPr lang="en-US" dirty="0" smtClean="0"/>
-            <a:t>Robust bug testing</a:t>
+            <a:t>Robust </a:t>
+          </a:r>
+          <a:r>
+            <a:rPr lang="en-US" dirty="0" smtClean="0"/>
+            <a:t>debugging and variable tracking</a:t>
           </a:r>
           <a:endParaRPr lang="en-US" dirty="0"/>
         </a:p>
@@ -1682,7 +1695,11 @@
           </a:pPr>
           <a:r>
             <a:rPr lang="en-US" sz="2200" kern="1200" dirty="0" smtClean="0"/>
-            <a:t>Rarely used</a:t>
+            <a:t>Personally, rarely </a:t>
+          </a:r>
+          <a:r>
+            <a:rPr lang="en-US" sz="2200" kern="1200" dirty="0" smtClean="0"/>
+            <a:t>used</a:t>
           </a:r>
           <a:endParaRPr lang="en-US" sz="2200" kern="1200" dirty="0"/>
         </a:p>
@@ -1880,7 +1897,11 @@
           </a:pPr>
           <a:r>
             <a:rPr lang="en-US" sz="2200" kern="1200" dirty="0" smtClean="0"/>
-            <a:t>Mostly used</a:t>
+            <a:t>Personally, mostly </a:t>
+          </a:r>
+          <a:r>
+            <a:rPr lang="en-US" sz="2200" kern="1200" dirty="0" smtClean="0"/>
+            <a:t>used</a:t>
           </a:r>
           <a:endParaRPr lang="en-US" sz="2200" kern="1200" dirty="0"/>
         </a:p>
@@ -2112,7 +2133,11 @@
           </a:pPr>
           <a:r>
             <a:rPr lang="en-US" sz="2200" kern="1200" dirty="0" smtClean="0"/>
-            <a:t>Robust bug testing</a:t>
+            <a:t>Robust </a:t>
+          </a:r>
+          <a:r>
+            <a:rPr lang="en-US" sz="2200" kern="1200" dirty="0" smtClean="0"/>
+            <a:t>debugging and variable tracking</a:t>
           </a:r>
           <a:endParaRPr lang="en-US" sz="2200" kern="1200" dirty="0"/>
         </a:p>
@@ -3498,7 +3523,7 @@
           <a:p>
             <a:fld id="{8531E502-61DD-464E-9C65-3E48C6000E37}" type="datetimeFigureOut">
               <a:rPr lang="en-US" smtClean="0"/>
-              <a:t>4/21/2018</a:t>
+              <a:t>4/22/2018</a:t>
             </a:fld>
             <a:endParaRPr lang="en-US"/>
           </a:p>
@@ -3848,7 +3873,7 @@
           <a:p>
             <a:fld id="{BB6189AB-52EC-49B8-B495-010E12EA520B}" type="slidenum">
               <a:rPr lang="en-US" smtClean="0"/>
-              <a:t>33</a:t>
+              <a:t>34</a:t>
             </a:fld>
             <a:endParaRPr lang="en-US"/>
           </a:p>
@@ -3949,7 +3974,7 @@
           <a:p>
             <a:fld id="{BB6189AB-52EC-49B8-B495-010E12EA520B}" type="slidenum">
               <a:rPr lang="en-US" smtClean="0"/>
-              <a:t>38</a:t>
+              <a:t>39</a:t>
             </a:fld>
             <a:endParaRPr lang="en-US"/>
           </a:p>
@@ -4099,7 +4124,7 @@
           <a:p>
             <a:fld id="{E5C2A70F-1A90-4B22-836B-83082A52A687}" type="datetimeFigureOut">
               <a:rPr lang="en-US" smtClean="0"/>
-              <a:t>4/20/2018</a:t>
+              <a:t>4/22/2018</a:t>
             </a:fld>
             <a:endParaRPr lang="en-US"/>
           </a:p>
@@ -4269,7 +4294,7 @@
           <a:p>
             <a:fld id="{E5C2A70F-1A90-4B22-836B-83082A52A687}" type="datetimeFigureOut">
               <a:rPr lang="en-US" smtClean="0"/>
-              <a:t>4/20/2018</a:t>
+              <a:t>4/22/2018</a:t>
             </a:fld>
             <a:endParaRPr lang="en-US"/>
           </a:p>
@@ -4449,7 +4474,7 @@
           <a:p>
             <a:fld id="{E5C2A70F-1A90-4B22-836B-83082A52A687}" type="datetimeFigureOut">
               <a:rPr lang="en-US" smtClean="0"/>
-              <a:t>4/20/2018</a:t>
+              <a:t>4/22/2018</a:t>
             </a:fld>
             <a:endParaRPr lang="en-US"/>
           </a:p>
@@ -4619,7 +4644,7 @@
           <a:p>
             <a:fld id="{E5C2A70F-1A90-4B22-836B-83082A52A687}" type="datetimeFigureOut">
               <a:rPr lang="en-US" smtClean="0"/>
-              <a:t>4/20/2018</a:t>
+              <a:t>4/22/2018</a:t>
             </a:fld>
             <a:endParaRPr lang="en-US"/>
           </a:p>
@@ -4865,7 +4890,7 @@
           <a:p>
             <a:fld id="{E5C2A70F-1A90-4B22-836B-83082A52A687}" type="datetimeFigureOut">
               <a:rPr lang="en-US" smtClean="0"/>
-              <a:t>4/20/2018</a:t>
+              <a:t>4/22/2018</a:t>
             </a:fld>
             <a:endParaRPr lang="en-US"/>
           </a:p>
@@ -5097,7 +5122,7 @@
           <a:p>
             <a:fld id="{E5C2A70F-1A90-4B22-836B-83082A52A687}" type="datetimeFigureOut">
               <a:rPr lang="en-US" smtClean="0"/>
-              <a:t>4/20/2018</a:t>
+              <a:t>4/22/2018</a:t>
             </a:fld>
             <a:endParaRPr lang="en-US"/>
           </a:p>
@@ -5464,7 +5489,7 @@
           <a:p>
             <a:fld id="{E5C2A70F-1A90-4B22-836B-83082A52A687}" type="datetimeFigureOut">
               <a:rPr lang="en-US" smtClean="0"/>
-              <a:t>4/20/2018</a:t>
+              <a:t>4/22/2018</a:t>
             </a:fld>
             <a:endParaRPr lang="en-US"/>
           </a:p>
@@ -5582,7 +5607,7 @@
           <a:p>
             <a:fld id="{E5C2A70F-1A90-4B22-836B-83082A52A687}" type="datetimeFigureOut">
               <a:rPr lang="en-US" smtClean="0"/>
-              <a:t>4/20/2018</a:t>
+              <a:t>4/22/2018</a:t>
             </a:fld>
             <a:endParaRPr lang="en-US"/>
           </a:p>
@@ -5677,7 +5702,7 @@
           <a:p>
             <a:fld id="{E5C2A70F-1A90-4B22-836B-83082A52A687}" type="datetimeFigureOut">
               <a:rPr lang="en-US" smtClean="0"/>
-              <a:t>4/20/2018</a:t>
+              <a:t>4/22/2018</a:t>
             </a:fld>
             <a:endParaRPr lang="en-US"/>
           </a:p>
@@ -5954,7 +5979,7 @@
           <a:p>
             <a:fld id="{E5C2A70F-1A90-4B22-836B-83082A52A687}" type="datetimeFigureOut">
               <a:rPr lang="en-US" smtClean="0"/>
-              <a:t>4/20/2018</a:t>
+              <a:t>4/22/2018</a:t>
             </a:fld>
             <a:endParaRPr lang="en-US"/>
           </a:p>
@@ -6207,7 +6232,7 @@
           <a:p>
             <a:fld id="{E5C2A70F-1A90-4B22-836B-83082A52A687}" type="datetimeFigureOut">
               <a:rPr lang="en-US" smtClean="0"/>
-              <a:t>4/20/2018</a:t>
+              <a:t>4/22/2018</a:t>
             </a:fld>
             <a:endParaRPr lang="en-US"/>
           </a:p>
@@ -6420,7 +6445,7 @@
           <a:p>
             <a:fld id="{E5C2A70F-1A90-4B22-836B-83082A52A687}" type="datetimeFigureOut">
               <a:rPr lang="en-US" smtClean="0"/>
-              <a:t>4/20/2018</a:t>
+              <a:t>4/22/2018</a:t>
             </a:fld>
             <a:endParaRPr lang="en-US"/>
           </a:p>
@@ -6864,28 +6889,15 @@
           <a:lstStyle/>
           <a:p>
             <a:r>
-              <a:rPr lang="en-US" dirty="0" smtClean="0"/>
-              <a:t>Reminder: Open </a:t>
-            </a:r>
-            <a:r>
               <a:rPr lang="en-US" dirty="0" err="1" smtClean="0"/>
-              <a:t>spyder</a:t>
-            </a:r>
-            <a:r>
-              <a:rPr lang="en-US" dirty="0" smtClean="0"/>
-              <a:t>, </a:t>
-            </a:r>
-            <a:r>
-              <a:rPr lang="en-US" dirty="0" err="1" smtClean="0"/>
-              <a:t>ipython</a:t>
-            </a:r>
-            <a:r>
-              <a:rPr lang="en-US" dirty="0" smtClean="0"/>
-              <a:t>, </a:t>
-            </a:r>
-            <a:r>
-              <a:rPr lang="en-US" dirty="0" err="1" smtClean="0"/>
-              <a:t>pycharm</a:t>
+              <a:t>LimnoTech</a:t>
+            </a:r>
+            <a:endParaRPr lang="en-US" dirty="0"/>
+          </a:p>
+          <a:p>
+            <a:r>
+              <a:rPr lang="en-US" dirty="0" smtClean="0"/>
+              <a:t>April 22, 2018</a:t>
             </a:r>
             <a:endParaRPr lang="en-US" dirty="0"/>
           </a:p>
@@ -7139,7 +7151,7 @@
           <a:p>
             <a:r>
               <a:rPr lang="en-US" dirty="0" smtClean="0"/>
-              <a:t>Where does Python fit?</a:t>
+              <a:t>What is Python?</a:t>
             </a:r>
             <a:endParaRPr lang="en-US" dirty="0"/>
           </a:p>
@@ -8022,7 +8034,6 @@
               <a:rPr lang="en-US" dirty="0" smtClean="0"/>
               <a:t>does exact division in Python 3 (Not in Python 2). </a:t>
             </a:r>
-            <a:endParaRPr lang="en-US" dirty="0" smtClean="0"/>
           </a:p>
           <a:p>
             <a:pPr lvl="2"/>
@@ -8034,8 +8045,11 @@
                   </a:schemeClr>
                 </a:solidFill>
               </a:rPr>
-              <a:t>5/2 = </a:t>
-            </a:r>
+              <a:t>5/2 = 2 (Python 2)</a:t>
+            </a:r>
+          </a:p>
+          <a:p>
+            <a:pPr lvl="2"/>
             <a:r>
               <a:rPr lang="en-US" dirty="0" smtClean="0">
                 <a:solidFill>
@@ -8044,18 +8058,14 @@
                   </a:schemeClr>
                 </a:solidFill>
               </a:rPr>
-              <a:t>2 (Python 2)</a:t>
-            </a:r>
-            <a:endParaRPr lang="en-US" dirty="0" smtClean="0">
-              <a:solidFill>
-                <a:schemeClr val="accent2">
-                  <a:lumMod val="75000"/>
-                </a:schemeClr>
-              </a:solidFill>
-            </a:endParaRPr>
-          </a:p>
-          <a:p>
-            <a:pPr lvl="2"/>
+              <a:t>5/2 = 2.5 (Python 3)</a:t>
+            </a:r>
+          </a:p>
+          <a:p>
+            <a:r>
+              <a:rPr lang="en-US" dirty="0" smtClean="0"/>
+              <a:t>Basic printing uses </a:t>
+            </a:r>
             <a:r>
               <a:rPr lang="en-US" dirty="0" smtClean="0">
                 <a:solidFill>
@@ -8064,68 +8074,8 @@
                   </a:schemeClr>
                 </a:solidFill>
               </a:rPr>
-              <a:t>5/2 </a:t>
-            </a:r>
-            <a:r>
-              <a:rPr lang="en-US" dirty="0" smtClean="0">
-                <a:solidFill>
-                  <a:schemeClr val="accent2">
-                    <a:lumMod val="75000"/>
-                  </a:schemeClr>
-                </a:solidFill>
-              </a:rPr>
-              <a:t>= </a:t>
-            </a:r>
-            <a:r>
-              <a:rPr lang="en-US" dirty="0" smtClean="0">
-                <a:solidFill>
-                  <a:schemeClr val="accent2">
-                    <a:lumMod val="75000"/>
-                  </a:schemeClr>
-                </a:solidFill>
-              </a:rPr>
-              <a:t>2.5 (Python 3)</a:t>
-            </a:r>
-            <a:endParaRPr lang="en-US" dirty="0" smtClean="0">
-              <a:solidFill>
-                <a:schemeClr val="accent2">
-                  <a:lumMod val="75000"/>
-                </a:schemeClr>
-              </a:solidFill>
-            </a:endParaRPr>
-          </a:p>
-          <a:p>
-            <a:r>
-              <a:rPr lang="en-US" dirty="0" smtClean="0"/>
-              <a:t>Basic printing uses </a:t>
-            </a:r>
-            <a:r>
-              <a:rPr lang="en-US" dirty="0" smtClean="0">
-                <a:solidFill>
-                  <a:schemeClr val="accent2">
-                    <a:lumMod val="75000"/>
-                  </a:schemeClr>
-                </a:solidFill>
-              </a:rPr>
-              <a:t>print</a:t>
-            </a:r>
-            <a:r>
-              <a:rPr lang="en-US" dirty="0" smtClean="0">
-                <a:solidFill>
-                  <a:schemeClr val="accent2">
-                    <a:lumMod val="75000"/>
-                  </a:schemeClr>
-                </a:solidFill>
-              </a:rPr>
-              <a:t>(“print me”)</a:t>
-            </a:r>
-            <a:endParaRPr lang="en-US" dirty="0" smtClean="0">
-              <a:solidFill>
-                <a:schemeClr val="accent2">
-                  <a:lumMod val="75000"/>
-                </a:schemeClr>
-              </a:solidFill>
-            </a:endParaRPr>
+              <a:t>print(“print me”)</a:t>
+            </a:r>
           </a:p>
         </p:txBody>
       </p:sp>
@@ -9602,7 +9552,7 @@
           <a:p>
             <a:r>
               <a:rPr lang="en-US" dirty="0" smtClean="0"/>
-              <a:t>agenda/intros</a:t>
+              <a:t>Get GitHub Repository</a:t>
             </a:r>
             <a:endParaRPr lang="en-US" dirty="0"/>
           </a:p>
@@ -9624,8 +9574,15 @@
           <a:lstStyle/>
           <a:p>
             <a:r>
-              <a:rPr lang="en-US" dirty="0" smtClean="0"/>
-              <a:t>What do you want to learn, what have is your experience</a:t>
+              <a:rPr lang="en-US" dirty="0"/>
+              <a:t>https://github.com/LimnoTech/Python-Data-Analysis-Course</a:t>
+            </a:r>
+            <a:endParaRPr lang="en-US" dirty="0" smtClean="0"/>
+          </a:p>
+          <a:p>
+            <a:r>
+              <a:rPr lang="en-US" dirty="0" smtClean="0"/>
+              <a:t>Clone repository or download the zip file</a:t>
             </a:r>
             <a:endParaRPr lang="en-US" dirty="0"/>
           </a:p>
@@ -9634,7 +9591,7 @@
     </p:spTree>
     <p:extLst>
       <p:ext uri="{BB962C8B-B14F-4D97-AF65-F5344CB8AC3E}">
-        <p14:creationId xmlns:p14="http://schemas.microsoft.com/office/powerpoint/2010/main" val="1469757644"/>
+        <p14:creationId xmlns:p14="http://schemas.microsoft.com/office/powerpoint/2010/main" val="3967448087"/>
       </p:ext>
     </p:extLst>
   </p:cSld>
@@ -10679,6 +10636,144 @@
           <a:p>
             <a:r>
               <a:rPr lang="en-US" dirty="0" smtClean="0"/>
+              <a:t>Python code typically run from command line</a:t>
+            </a:r>
+          </a:p>
+          <a:p>
+            <a:r>
+              <a:rPr lang="en-US" dirty="0" smtClean="0"/>
+              <a:t>No separate linking, compiling steps</a:t>
+            </a:r>
+          </a:p>
+          <a:p>
+            <a:r>
+              <a:rPr lang="en-US" dirty="0" smtClean="0"/>
+              <a:t>After running Python once, it creates a .</a:t>
+            </a:r>
+            <a:r>
+              <a:rPr lang="en-US" dirty="0" err="1" smtClean="0"/>
+              <a:t>pyc</a:t>
+            </a:r>
+            <a:r>
+              <a:rPr lang="en-US" dirty="0" smtClean="0"/>
+              <a:t> file that contains compiled code. You can ignore it.</a:t>
+            </a:r>
+          </a:p>
+          <a:p>
+            <a:r>
+              <a:rPr lang="en-US" dirty="0" smtClean="0"/>
+              <a:t>If you run the code again, it will automatically find the compiled file, if it is identical to your code.</a:t>
+            </a:r>
+          </a:p>
+          <a:p>
+            <a:r>
+              <a:rPr lang="en-US" dirty="0" smtClean="0"/>
+              <a:t>Other tools, such a “</a:t>
+            </a:r>
+            <a:r>
+              <a:rPr lang="en-US" dirty="0" err="1" smtClean="0"/>
+              <a:t>pdb</a:t>
+            </a:r>
+            <a:r>
+              <a:rPr lang="en-US" dirty="0" smtClean="0"/>
+              <a:t>” to debug code</a:t>
+            </a:r>
+          </a:p>
+          <a:p>
+            <a:pPr lvl="1"/>
+            <a:r>
+              <a:rPr lang="en-US" dirty="0" smtClean="0"/>
+              <a:t>Type “</a:t>
+            </a:r>
+            <a:r>
+              <a:rPr lang="en-US" dirty="0" err="1" smtClean="0"/>
+              <a:t>pdb</a:t>
+            </a:r>
+            <a:r>
+              <a:rPr lang="en-US" dirty="0" smtClean="0"/>
+              <a:t> [file].</a:t>
+            </a:r>
+            <a:r>
+              <a:rPr lang="en-US" dirty="0" err="1" smtClean="0"/>
+              <a:t>py</a:t>
+            </a:r>
+            <a:r>
+              <a:rPr lang="en-US" dirty="0" smtClean="0"/>
+              <a:t>” at command line</a:t>
+            </a:r>
+          </a:p>
+        </p:txBody>
+      </p:sp>
+    </p:spTree>
+    <p:extLst>
+      <p:ext uri="{BB962C8B-B14F-4D97-AF65-F5344CB8AC3E}">
+        <p14:creationId xmlns:p14="http://schemas.microsoft.com/office/powerpoint/2010/main" val="206993296"/>
+      </p:ext>
+    </p:extLst>
+  </p:cSld>
+  <p:clrMapOvr>
+    <a:masterClrMapping/>
+  </p:clrMapOvr>
+</p:sld>
+</file>
+
+<file path=ppt/slides/slide24.xml><?xml version="1.0" encoding="utf-8"?>
+<p:sld xmlns:a="http://schemas.openxmlformats.org/drawingml/2006/main" xmlns:r="http://schemas.openxmlformats.org/officeDocument/2006/relationships" xmlns:p="http://schemas.openxmlformats.org/presentationml/2006/main">
+  <p:cSld>
+    <p:spTree>
+      <p:nvGrpSpPr>
+        <p:cNvPr id="1" name=""/>
+        <p:cNvGrpSpPr/>
+        <p:nvPr/>
+      </p:nvGrpSpPr>
+      <p:grpSpPr>
+        <a:xfrm>
+          <a:off x="0" y="0"/>
+          <a:ext cx="0" cy="0"/>
+          <a:chOff x="0" y="0"/>
+          <a:chExt cx="0" cy="0"/>
+        </a:xfrm>
+      </p:grpSpPr>
+      <p:sp>
+        <p:nvSpPr>
+          <p:cNvPr id="2" name="Title 1"/>
+          <p:cNvSpPr>
+            <a:spLocks noGrp="1"/>
+          </p:cNvSpPr>
+          <p:nvPr>
+            <p:ph type="title"/>
+          </p:nvPr>
+        </p:nvSpPr>
+        <p:spPr/>
+        <p:txBody>
+          <a:bodyPr/>
+          <a:lstStyle/>
+          <a:p>
+            <a:r>
+              <a:rPr lang="en-US" dirty="0" smtClean="0"/>
+              <a:t>Behind the Scenes</a:t>
+            </a:r>
+            <a:endParaRPr lang="en-US" dirty="0"/>
+          </a:p>
+        </p:txBody>
+      </p:sp>
+      <p:sp>
+        <p:nvSpPr>
+          <p:cNvPr id="3" name="Content Placeholder 2"/>
+          <p:cNvSpPr>
+            <a:spLocks noGrp="1"/>
+          </p:cNvSpPr>
+          <p:nvPr>
+            <p:ph idx="1"/>
+          </p:nvPr>
+        </p:nvSpPr>
+        <p:spPr/>
+        <p:txBody>
+          <a:bodyPr/>
+          <a:lstStyle/>
+          <a:p>
+            <a:r>
+              <a:rPr lang="en-US" dirty="0" smtClean="0"/>
               <a:t>Anaconda installs a completely separate Python installation</a:t>
             </a:r>
           </a:p>
@@ -10716,7 +10811,7 @@
 </p:sld>
 </file>
 
-<file path=ppt/slides/slide24.xml><?xml version="1.0" encoding="utf-8"?>
+<file path=ppt/slides/slide25.xml><?xml version="1.0" encoding="utf-8"?>
 <p:sld xmlns:a="http://schemas.openxmlformats.org/drawingml/2006/main" xmlns:r="http://schemas.openxmlformats.org/officeDocument/2006/relationships" xmlns:p="http://schemas.openxmlformats.org/presentationml/2006/main">
   <p:cSld>
     <p:spTree>
@@ -10837,7 +10932,7 @@
 </p:sld>
 </file>
 
-<file path=ppt/slides/slide25.xml><?xml version="1.0" encoding="utf-8"?>
+<file path=ppt/slides/slide26.xml><?xml version="1.0" encoding="utf-8"?>
 <p:sld xmlns:a="http://schemas.openxmlformats.org/drawingml/2006/main" xmlns:r="http://schemas.openxmlformats.org/officeDocument/2006/relationships" xmlns:p="http://schemas.openxmlformats.org/presentationml/2006/main">
   <p:cSld>
     <p:spTree>
@@ -11199,7 +11294,7 @@
 </p:sld>
 </file>
 
-<file path=ppt/slides/slide26.xml><?xml version="1.0" encoding="utf-8"?>
+<file path=ppt/slides/slide27.xml><?xml version="1.0" encoding="utf-8"?>
 <p:sld xmlns:a="http://schemas.openxmlformats.org/drawingml/2006/main" xmlns:r="http://schemas.openxmlformats.org/officeDocument/2006/relationships" xmlns:p="http://schemas.openxmlformats.org/presentationml/2006/main">
   <p:cSld>
     <p:spTree>
@@ -11246,7 +11341,7 @@
           <p:nvPr>
             <p:extLst>
               <p:ext uri="{D42A27DB-BD31-4B8C-83A1-F6EECF244321}">
-                <p14:modId xmlns:p14="http://schemas.microsoft.com/office/powerpoint/2010/main" val="901158227"/>
+                <p14:modId xmlns:p14="http://schemas.microsoft.com/office/powerpoint/2010/main" val="2531900094"/>
               </p:ext>
             </p:extLst>
           </p:nvPr>
@@ -11281,175 +11376,6 @@
 </p:sld>
 </file>
 
-<file path=ppt/slides/slide27.xml><?xml version="1.0" encoding="utf-8"?>
-<p:sld xmlns:a="http://schemas.openxmlformats.org/drawingml/2006/main" xmlns:r="http://schemas.openxmlformats.org/officeDocument/2006/relationships" xmlns:p="http://schemas.openxmlformats.org/presentationml/2006/main">
-  <p:cSld>
-    <p:spTree>
-      <p:nvGrpSpPr>
-        <p:cNvPr id="1" name=""/>
-        <p:cNvGrpSpPr/>
-        <p:nvPr/>
-      </p:nvGrpSpPr>
-      <p:grpSpPr>
-        <a:xfrm>
-          <a:off x="0" y="0"/>
-          <a:ext cx="0" cy="0"/>
-          <a:chOff x="0" y="0"/>
-          <a:chExt cx="0" cy="0"/>
-        </a:xfrm>
-      </p:grpSpPr>
-      <p:sp>
-        <p:nvSpPr>
-          <p:cNvPr id="2" name="Title 1"/>
-          <p:cNvSpPr>
-            <a:spLocks noGrp="1"/>
-          </p:cNvSpPr>
-          <p:nvPr>
-            <p:ph type="title"/>
-          </p:nvPr>
-        </p:nvSpPr>
-        <p:spPr/>
-        <p:txBody>
-          <a:bodyPr/>
-          <a:lstStyle/>
-          <a:p>
-            <a:r>
-              <a:rPr lang="en-US" dirty="0" smtClean="0"/>
-              <a:t>Suggested Editors</a:t>
-            </a:r>
-            <a:endParaRPr lang="en-US" dirty="0"/>
-          </a:p>
-        </p:txBody>
-      </p:sp>
-      <p:sp>
-        <p:nvSpPr>
-          <p:cNvPr id="3" name="Content Placeholder 2"/>
-          <p:cNvSpPr>
-            <a:spLocks noGrp="1"/>
-          </p:cNvSpPr>
-          <p:nvPr>
-            <p:ph idx="1"/>
-          </p:nvPr>
-        </p:nvSpPr>
-        <p:spPr/>
-        <p:txBody>
-          <a:bodyPr/>
-          <a:lstStyle/>
-          <a:p>
-            <a:r>
-              <a:rPr lang="en-US" dirty="0" smtClean="0"/>
-              <a:t>Lightweight</a:t>
-            </a:r>
-          </a:p>
-          <a:p>
-            <a:pPr lvl="1"/>
-            <a:r>
-              <a:rPr lang="en-US" dirty="0" smtClean="0"/>
-              <a:t>Microsoft Visual Code</a:t>
-            </a:r>
-          </a:p>
-          <a:p>
-            <a:pPr lvl="1"/>
-            <a:r>
-              <a:rPr lang="en-US" dirty="0" smtClean="0"/>
-              <a:t>Sublime Text</a:t>
-            </a:r>
-          </a:p>
-          <a:p>
-            <a:pPr lvl="1"/>
-            <a:r>
-              <a:rPr lang="en-US" dirty="0" smtClean="0"/>
-              <a:t>Notepad++</a:t>
-            </a:r>
-          </a:p>
-          <a:p>
-            <a:pPr lvl="1"/>
-            <a:r>
-              <a:rPr lang="en-US" dirty="0" smtClean="0"/>
-              <a:t>Atom</a:t>
-            </a:r>
-            <a:endParaRPr lang="en-US" dirty="0" smtClean="0"/>
-          </a:p>
-          <a:p>
-            <a:r>
-              <a:rPr lang="en-US" dirty="0" smtClean="0"/>
-              <a:t>Full IDE</a:t>
-            </a:r>
-          </a:p>
-          <a:p>
-            <a:pPr lvl="1"/>
-            <a:r>
-              <a:rPr lang="en-US" dirty="0" err="1" smtClean="0"/>
-              <a:t>PyCharm</a:t>
-            </a:r>
-            <a:r>
-              <a:rPr lang="en-US" dirty="0" smtClean="0"/>
-              <a:t> – full development IDE</a:t>
-            </a:r>
-          </a:p>
-          <a:p>
-            <a:pPr lvl="1"/>
-            <a:r>
-              <a:rPr lang="en-US" dirty="0" err="1" smtClean="0"/>
-              <a:t>Spyder</a:t>
-            </a:r>
-            <a:r>
-              <a:rPr lang="en-US" dirty="0" smtClean="0"/>
-              <a:t> – like MATLAB or </a:t>
-            </a:r>
-            <a:r>
-              <a:rPr lang="en-US" dirty="0" err="1" smtClean="0"/>
-              <a:t>Rstudio</a:t>
-            </a:r>
-            <a:endParaRPr lang="en-US" dirty="0" smtClean="0"/>
-          </a:p>
-          <a:p>
-            <a:r>
-              <a:rPr lang="en-US" dirty="0" smtClean="0"/>
-              <a:t>Unique</a:t>
-            </a:r>
-          </a:p>
-          <a:p>
-            <a:pPr lvl="1"/>
-            <a:r>
-              <a:rPr lang="en-US" dirty="0" err="1" smtClean="0"/>
-              <a:t>Jupyter</a:t>
-            </a:r>
-            <a:r>
-              <a:rPr lang="en-US" dirty="0" smtClean="0"/>
-              <a:t> Notebook</a:t>
-            </a:r>
-            <a:endParaRPr lang="en-US" dirty="0" smtClean="0"/>
-          </a:p>
-          <a:p>
-            <a:pPr lvl="1"/>
-            <a:endParaRPr lang="en-US" dirty="0" smtClean="0"/>
-          </a:p>
-          <a:p>
-            <a:endParaRPr lang="en-US" dirty="0"/>
-          </a:p>
-        </p:txBody>
-      </p:sp>
-    </p:spTree>
-    <p:extLst>
-      <p:ext uri="{BB962C8B-B14F-4D97-AF65-F5344CB8AC3E}">
-        <p14:creationId xmlns:p14="http://schemas.microsoft.com/office/powerpoint/2010/main" val="1374341804"/>
-      </p:ext>
-    </p:extLst>
-  </p:cSld>
-  <p:clrMapOvr>
-    <a:masterClrMapping/>
-  </p:clrMapOvr>
-  <p:timing>
-    <p:tnLst>
-      <p:par>
-        <p:cTn id="1" dur="indefinite" restart="never" nodeType="tmRoot"/>
-      </p:par>
-    </p:tnLst>
-  </p:timing>
-</p:sld>
-</file>
-
 <file path=ppt/slides/slide28.xml><?xml version="1.0" encoding="utf-8"?>
 <p:sld xmlns:a="http://schemas.openxmlformats.org/drawingml/2006/main" xmlns:r="http://schemas.openxmlformats.org/officeDocument/2006/relationships" xmlns:p="http://schemas.openxmlformats.org/presentationml/2006/main">
   <p:cSld>
@@ -11484,7 +11410,11 @@
           <a:p>
             <a:r>
               <a:rPr lang="en-US" dirty="0" smtClean="0"/>
-              <a:t>What to look for</a:t>
+              <a:t>Suggested </a:t>
+            </a:r>
+            <a:r>
+              <a:rPr lang="en-US" dirty="0" smtClean="0"/>
+              <a:t>Editors (Windows)</a:t>
             </a:r>
             <a:endParaRPr lang="en-US" dirty="0"/>
           </a:p>
@@ -11502,32 +11432,123 @@
         </p:nvSpPr>
         <p:spPr/>
         <p:txBody>
-          <a:bodyPr/>
+          <a:bodyPr>
+            <a:normAutofit lnSpcReduction="10000"/>
+          </a:bodyPr>
           <a:lstStyle/>
           <a:p>
             <a:r>
               <a:rPr lang="en-US" dirty="0" smtClean="0"/>
-              <a:t>Syntax highlighting</a:t>
-            </a:r>
-          </a:p>
-          <a:p>
-            <a:r>
-              <a:rPr lang="en-US" dirty="0" smtClean="0"/>
-              <a:t>Auto-indentation</a:t>
-            </a:r>
+              <a:t>Lightweight – Good for quick, one off scripts</a:t>
+            </a:r>
+            <a:endParaRPr lang="en-US" dirty="0" smtClean="0"/>
           </a:p>
           <a:p>
             <a:pPr lvl="1"/>
             <a:r>
               <a:rPr lang="en-US" dirty="0" smtClean="0"/>
-              <a:t>4 spaces! No tabs!</a:t>
-            </a:r>
-          </a:p>
-          <a:p>
-            <a:r>
-              <a:rPr lang="en-US" dirty="0" smtClean="0"/>
-              <a:t>Auto completion</a:t>
-            </a:r>
+              <a:t>Microsoft Visual Code</a:t>
+            </a:r>
+          </a:p>
+          <a:p>
+            <a:pPr lvl="1"/>
+            <a:r>
+              <a:rPr lang="en-US" dirty="0" smtClean="0"/>
+              <a:t>Sublime Text</a:t>
+            </a:r>
+          </a:p>
+          <a:p>
+            <a:pPr lvl="1"/>
+            <a:r>
+              <a:rPr lang="en-US" dirty="0" smtClean="0"/>
+              <a:t>Notepad++</a:t>
+            </a:r>
+          </a:p>
+          <a:p>
+            <a:pPr lvl="1"/>
+            <a:r>
+              <a:rPr lang="en-US" dirty="0" smtClean="0"/>
+              <a:t>Atom</a:t>
+            </a:r>
+          </a:p>
+          <a:p>
+            <a:pPr lvl="1"/>
+            <a:r>
+              <a:rPr lang="en-US" dirty="0" smtClean="0"/>
+              <a:t>Vim/</a:t>
+            </a:r>
+            <a:r>
+              <a:rPr lang="en-US" dirty="0" err="1" smtClean="0"/>
+              <a:t>Emacs</a:t>
+            </a:r>
+            <a:endParaRPr lang="en-US" dirty="0" smtClean="0"/>
+          </a:p>
+          <a:p>
+            <a:r>
+              <a:rPr lang="en-US" dirty="0" smtClean="0"/>
+              <a:t>Full </a:t>
+            </a:r>
+            <a:r>
+              <a:rPr lang="en-US" dirty="0" smtClean="0"/>
+              <a:t>IDE – Full development environment</a:t>
+            </a:r>
+            <a:endParaRPr lang="en-US" dirty="0" smtClean="0"/>
+          </a:p>
+          <a:p>
+            <a:pPr lvl="1"/>
+            <a:r>
+              <a:rPr lang="en-US" dirty="0" err="1" smtClean="0"/>
+              <a:t>PyCharm</a:t>
+            </a:r>
+            <a:r>
+              <a:rPr lang="en-US" dirty="0" smtClean="0"/>
+              <a:t> – full development </a:t>
+            </a:r>
+            <a:r>
+              <a:rPr lang="en-US" dirty="0" smtClean="0"/>
+              <a:t>IDE, handle many files and assets</a:t>
+            </a:r>
+            <a:endParaRPr lang="en-US" dirty="0" smtClean="0"/>
+          </a:p>
+          <a:p>
+            <a:pPr lvl="1"/>
+            <a:r>
+              <a:rPr lang="en-US" dirty="0" err="1" smtClean="0"/>
+              <a:t>Spyder</a:t>
+            </a:r>
+            <a:r>
+              <a:rPr lang="en-US" dirty="0" smtClean="0"/>
+              <a:t> – like MATLAB or </a:t>
+            </a:r>
+            <a:r>
+              <a:rPr lang="en-US" dirty="0" err="1" smtClean="0"/>
+              <a:t>Rstudio</a:t>
+            </a:r>
+            <a:endParaRPr lang="en-US" dirty="0" smtClean="0"/>
+          </a:p>
+          <a:p>
+            <a:r>
+              <a:rPr lang="en-US" dirty="0" smtClean="0"/>
+              <a:t>Unique – Good for prototyping, and quick scripts</a:t>
+            </a:r>
+            <a:endParaRPr lang="en-US" dirty="0" smtClean="0"/>
+          </a:p>
+          <a:p>
+            <a:pPr lvl="1"/>
+            <a:r>
+              <a:rPr lang="en-US" dirty="0" err="1" smtClean="0"/>
+              <a:t>Jupyter</a:t>
+            </a:r>
+            <a:r>
+              <a:rPr lang="en-US" dirty="0" smtClean="0"/>
+              <a:t> Notebook</a:t>
+            </a:r>
+          </a:p>
+          <a:p>
+            <a:pPr lvl="1"/>
+            <a:endParaRPr lang="en-US" dirty="0" smtClean="0"/>
+          </a:p>
+          <a:p>
             <a:endParaRPr lang="en-US" dirty="0"/>
           </a:p>
         </p:txBody>
@@ -11535,7 +11556,7 @@
     </p:spTree>
     <p:extLst>
       <p:ext uri="{BB962C8B-B14F-4D97-AF65-F5344CB8AC3E}">
-        <p14:creationId xmlns:p14="http://schemas.microsoft.com/office/powerpoint/2010/main" val="2141340772"/>
+        <p14:creationId xmlns:p14="http://schemas.microsoft.com/office/powerpoint/2010/main" val="1374341804"/>
       </p:ext>
     </p:extLst>
   </p:cSld>
@@ -11585,12 +11606,8 @@
           <a:lstStyle/>
           <a:p>
             <a:r>
-              <a:rPr lang="en-US" dirty="0" err="1" smtClean="0"/>
-              <a:t>Jupyter</a:t>
-            </a:r>
-            <a:r>
-              <a:rPr lang="en-US" dirty="0" smtClean="0"/>
-              <a:t> Notebook</a:t>
+              <a:rPr lang="en-US" dirty="0" smtClean="0"/>
+              <a:t>What to look for</a:t>
             </a:r>
             <a:endParaRPr lang="en-US" dirty="0"/>
           </a:p>
@@ -11613,57 +11630,45 @@
           <a:p>
             <a:r>
               <a:rPr lang="en-US" dirty="0" smtClean="0"/>
-              <a:t>A web-based python editor</a:t>
+              <a:t>Syntax highlighting</a:t>
+            </a:r>
+          </a:p>
+          <a:p>
+            <a:r>
+              <a:rPr lang="en-US" dirty="0" smtClean="0"/>
+              <a:t>Auto-indentation</a:t>
             </a:r>
           </a:p>
           <a:p>
             <a:pPr lvl="1"/>
             <a:r>
               <a:rPr lang="en-US" dirty="0" smtClean="0"/>
-              <a:t>Automatic syntax highlighting, indentation, and tab completion</a:t>
-            </a:r>
-          </a:p>
-          <a:p>
-            <a:r>
-              <a:rPr lang="en-US" dirty="0" smtClean="0"/>
-              <a:t>Shows inputs and outputs</a:t>
-            </a:r>
-          </a:p>
-          <a:p>
-            <a:r>
-              <a:rPr lang="en-US" dirty="0"/>
-              <a:t>C</a:t>
-            </a:r>
-            <a:r>
-              <a:rPr lang="en-US" dirty="0" smtClean="0"/>
-              <a:t>an be used to document an entire project</a:t>
-            </a:r>
-          </a:p>
-          <a:p>
-            <a:r>
-              <a:rPr lang="en-US" dirty="0" smtClean="0"/>
-              <a:t>Go to any directory and type </a:t>
-            </a:r>
-            <a:r>
-              <a:rPr lang="en-US" dirty="0" err="1" smtClean="0">
-                <a:latin typeface="Consolas" panose="020B0609020204030204" pitchFamily="49" charset="0"/>
-              </a:rPr>
-              <a:t>jupyter</a:t>
-            </a:r>
-            <a:r>
-              <a:rPr lang="en-US" dirty="0" smtClean="0">
-                <a:latin typeface="Consolas" panose="020B0609020204030204" pitchFamily="49" charset="0"/>
-              </a:rPr>
-              <a:t> notebook</a:t>
-            </a:r>
-            <a:endParaRPr lang="en-US" dirty="0" smtClean="0"/>
+              <a:t>4 spaces! No tabs!</a:t>
+            </a:r>
+          </a:p>
+          <a:p>
+            <a:r>
+              <a:rPr lang="en-US" dirty="0" smtClean="0"/>
+              <a:t>Auto </a:t>
+            </a:r>
+            <a:r>
+              <a:rPr lang="en-US" dirty="0" smtClean="0"/>
+              <a:t>completion</a:t>
+            </a:r>
+          </a:p>
+          <a:p>
+            <a:r>
+              <a:rPr lang="en-US" dirty="0" smtClean="0"/>
+              <a:t>Something you’re comfortable with</a:t>
+            </a:r>
+            <a:endParaRPr lang="en-US" dirty="0"/>
           </a:p>
         </p:txBody>
       </p:sp>
     </p:spTree>
     <p:extLst>
       <p:ext uri="{BB962C8B-B14F-4D97-AF65-F5344CB8AC3E}">
-        <p14:creationId xmlns:p14="http://schemas.microsoft.com/office/powerpoint/2010/main" val="1483925451"/>
+        <p14:creationId xmlns:p14="http://schemas.microsoft.com/office/powerpoint/2010/main" val="2141340772"/>
       </p:ext>
     </p:extLst>
   </p:cSld>
@@ -11707,14 +11712,23 @@
             <p:ph type="title"/>
           </p:nvPr>
         </p:nvSpPr>
-        <p:spPr/>
+        <p:spPr>
+          <a:xfrm>
+            <a:off x="838200" y="344955"/>
+            <a:ext cx="10515600" cy="1325563"/>
+          </a:xfrm>
+        </p:spPr>
         <p:txBody>
           <a:bodyPr/>
           <a:lstStyle/>
           <a:p>
             <a:r>
-              <a:rPr lang="en-US" dirty="0" smtClean="0"/>
-              <a:t>Setting Expectations</a:t>
+              <a:rPr lang="en-US" dirty="0"/>
+              <a:t>A</a:t>
+            </a:r>
+            <a:r>
+              <a:rPr lang="en-US" dirty="0" smtClean="0"/>
+              <a:t>genda</a:t>
             </a:r>
             <a:endParaRPr lang="en-US" dirty="0"/>
           </a:p>
@@ -11737,46 +11751,377 @@
           <a:p>
             <a:r>
               <a:rPr lang="en-US" dirty="0" smtClean="0"/>
-              <a:t>We have 3 hours</a:t>
-            </a:r>
-          </a:p>
-          <a:p>
-            <a:r>
-              <a:rPr lang="en-US" dirty="0" smtClean="0"/>
-              <a:t>I am not an expert</a:t>
-            </a:r>
-          </a:p>
-          <a:p>
-            <a:r>
-              <a:rPr lang="en-US" dirty="0" smtClean="0"/>
-              <a:t>Most of this is based on my personal experience</a:t>
-            </a:r>
-          </a:p>
-          <a:p>
-            <a:r>
-              <a:rPr lang="en-US" dirty="0" smtClean="0"/>
-              <a:t>Learning and retaining requires additional work</a:t>
+              <a:t>Day 1</a:t>
             </a:r>
           </a:p>
           <a:p>
             <a:pPr lvl="1"/>
             <a:r>
               <a:rPr lang="en-US" dirty="0" smtClean="0"/>
-              <a:t>Create excuses to use what you’ve learned</a:t>
-            </a:r>
-          </a:p>
-          <a:p>
-            <a:r>
-              <a:rPr lang="en-US" dirty="0" smtClean="0"/>
-              <a:t>There is a WIDE range of backgrounds and experience levels here. Please participate!</a:t>
-            </a:r>
+              <a:t>What is Python?</a:t>
+            </a:r>
+          </a:p>
+          <a:p>
+            <a:pPr lvl="1"/>
+            <a:r>
+              <a:rPr lang="en-US" dirty="0" smtClean="0"/>
+              <a:t>Basic Python syntax</a:t>
+            </a:r>
+          </a:p>
+          <a:p>
+            <a:pPr lvl="1"/>
+            <a:r>
+              <a:rPr lang="en-US" dirty="0" smtClean="0"/>
+              <a:t>Under the Hood</a:t>
+            </a:r>
+          </a:p>
+          <a:p>
+            <a:pPr lvl="1"/>
+            <a:r>
+              <a:rPr lang="en-US" dirty="0" smtClean="0"/>
+              <a:t>Anaconda Introduction</a:t>
+            </a:r>
+          </a:p>
+          <a:p>
+            <a:pPr lvl="1"/>
+            <a:r>
+              <a:rPr lang="en-US" dirty="0" smtClean="0"/>
+              <a:t>Python Editor Choices</a:t>
+            </a:r>
+          </a:p>
+          <a:p>
+            <a:pPr lvl="1"/>
+            <a:r>
+              <a:rPr lang="en-US" dirty="0" smtClean="0"/>
+              <a:t>HANDS ON </a:t>
+            </a:r>
+            <a:r>
+              <a:rPr lang="en-US" dirty="0" err="1" smtClean="0"/>
+              <a:t>Jupyter</a:t>
+            </a:r>
+            <a:r>
+              <a:rPr lang="en-US" dirty="0" smtClean="0"/>
+              <a:t> Notebook</a:t>
+            </a:r>
+          </a:p>
+          <a:p>
+            <a:pPr lvl="1"/>
+            <a:r>
+              <a:rPr lang="en-US" dirty="0" smtClean="0"/>
+              <a:t>Data Analysis Choices</a:t>
+            </a:r>
+          </a:p>
+          <a:p>
+            <a:pPr lvl="1"/>
+            <a:endParaRPr lang="en-US" dirty="0" smtClean="0"/>
+          </a:p>
+          <a:p>
+            <a:pPr lvl="1"/>
+            <a:endParaRPr lang="en-US" dirty="0" smtClean="0"/>
+          </a:p>
+          <a:p>
+            <a:pPr lvl="1"/>
+            <a:endParaRPr lang="en-US" dirty="0" smtClean="0"/>
+          </a:p>
+          <a:p>
+            <a:pPr lvl="1"/>
+            <a:endParaRPr lang="en-US" dirty="0" smtClean="0"/>
+          </a:p>
+          <a:p>
+            <a:pPr lvl="1"/>
+            <a:endParaRPr lang="en-US" dirty="0" smtClean="0"/>
+          </a:p>
+          <a:p>
+            <a:pPr lvl="1"/>
+            <a:endParaRPr lang="en-US" dirty="0" smtClean="0"/>
+          </a:p>
+          <a:p>
+            <a:endParaRPr lang="en-US" dirty="0"/>
+          </a:p>
+        </p:txBody>
+      </p:sp>
+      <p:sp>
+        <p:nvSpPr>
+          <p:cNvPr id="4" name="Content Placeholder 2"/>
+          <p:cNvSpPr txBox="1">
+            <a:spLocks/>
+          </p:cNvSpPr>
+          <p:nvPr/>
+        </p:nvSpPr>
+        <p:spPr>
+          <a:xfrm>
+            <a:off x="5468471" y="1825625"/>
+            <a:ext cx="10515600" cy="4351338"/>
+          </a:xfrm>
+          <a:prstGeom prst="rect">
+            <a:avLst/>
+          </a:prstGeom>
+        </p:spPr>
+        <p:txBody>
+          <a:bodyPr vert="horz" lIns="91440" tIns="45720" rIns="91440" bIns="45720" rtlCol="0">
+            <a:normAutofit/>
+          </a:bodyPr>
+          <a:lstStyle>
+            <a:lvl1pPr marL="228600" indent="-228600" algn="l" defTabSz="914400" rtl="0" eaLnBrk="1" latinLnBrk="0" hangingPunct="1">
+              <a:lnSpc>
+                <a:spcPct val="90000"/>
+              </a:lnSpc>
+              <a:spcBef>
+                <a:spcPts val="1000"/>
+              </a:spcBef>
+              <a:buFont typeface="Arial" panose="020B0604020202020204" pitchFamily="34" charset="0"/>
+              <a:buChar char="•"/>
+              <a:defRPr sz="2800" kern="1200">
+                <a:solidFill>
+                  <a:schemeClr val="tx1"/>
+                </a:solidFill>
+                <a:latin typeface="+mn-lt"/>
+                <a:ea typeface="+mn-ea"/>
+                <a:cs typeface="+mn-cs"/>
+              </a:defRPr>
+            </a:lvl1pPr>
+            <a:lvl2pPr marL="685800" indent="-228600" algn="l" defTabSz="914400" rtl="0" eaLnBrk="1" latinLnBrk="0" hangingPunct="1">
+              <a:lnSpc>
+                <a:spcPct val="90000"/>
+              </a:lnSpc>
+              <a:spcBef>
+                <a:spcPts val="500"/>
+              </a:spcBef>
+              <a:buFont typeface="Arial" panose="020B0604020202020204" pitchFamily="34" charset="0"/>
+              <a:buChar char="•"/>
+              <a:defRPr sz="2400" kern="1200">
+                <a:solidFill>
+                  <a:schemeClr val="tx1"/>
+                </a:solidFill>
+                <a:latin typeface="+mn-lt"/>
+                <a:ea typeface="+mn-ea"/>
+                <a:cs typeface="+mn-cs"/>
+              </a:defRPr>
+            </a:lvl2pPr>
+            <a:lvl3pPr marL="1143000" indent="-228600" algn="l" defTabSz="914400" rtl="0" eaLnBrk="1" latinLnBrk="0" hangingPunct="1">
+              <a:lnSpc>
+                <a:spcPct val="90000"/>
+              </a:lnSpc>
+              <a:spcBef>
+                <a:spcPts val="500"/>
+              </a:spcBef>
+              <a:buFont typeface="Arial" panose="020B0604020202020204" pitchFamily="34" charset="0"/>
+              <a:buChar char="•"/>
+              <a:defRPr sz="2000" kern="1200">
+                <a:solidFill>
+                  <a:schemeClr val="tx1"/>
+                </a:solidFill>
+                <a:latin typeface="+mn-lt"/>
+                <a:ea typeface="+mn-ea"/>
+                <a:cs typeface="+mn-cs"/>
+              </a:defRPr>
+            </a:lvl3pPr>
+            <a:lvl4pPr marL="1600200" indent="-228600" algn="l" defTabSz="914400" rtl="0" eaLnBrk="1" latinLnBrk="0" hangingPunct="1">
+              <a:lnSpc>
+                <a:spcPct val="90000"/>
+              </a:lnSpc>
+              <a:spcBef>
+                <a:spcPts val="500"/>
+              </a:spcBef>
+              <a:buFont typeface="Arial" panose="020B0604020202020204" pitchFamily="34" charset="0"/>
+              <a:buChar char="•"/>
+              <a:defRPr sz="1800" kern="1200">
+                <a:solidFill>
+                  <a:schemeClr val="tx1"/>
+                </a:solidFill>
+                <a:latin typeface="+mn-lt"/>
+                <a:ea typeface="+mn-ea"/>
+                <a:cs typeface="+mn-cs"/>
+              </a:defRPr>
+            </a:lvl4pPr>
+            <a:lvl5pPr marL="2057400" indent="-228600" algn="l" defTabSz="914400" rtl="0" eaLnBrk="1" latinLnBrk="0" hangingPunct="1">
+              <a:lnSpc>
+                <a:spcPct val="90000"/>
+              </a:lnSpc>
+              <a:spcBef>
+                <a:spcPts val="500"/>
+              </a:spcBef>
+              <a:buFont typeface="Arial" panose="020B0604020202020204" pitchFamily="34" charset="0"/>
+              <a:buChar char="•"/>
+              <a:defRPr sz="1800" kern="1200">
+                <a:solidFill>
+                  <a:schemeClr val="tx1"/>
+                </a:solidFill>
+                <a:latin typeface="+mn-lt"/>
+                <a:ea typeface="+mn-ea"/>
+                <a:cs typeface="+mn-cs"/>
+              </a:defRPr>
+            </a:lvl5pPr>
+            <a:lvl6pPr marL="2514600" indent="-228600" algn="l" defTabSz="914400" rtl="0" eaLnBrk="1" latinLnBrk="0" hangingPunct="1">
+              <a:lnSpc>
+                <a:spcPct val="90000"/>
+              </a:lnSpc>
+              <a:spcBef>
+                <a:spcPts val="500"/>
+              </a:spcBef>
+              <a:buFont typeface="Arial" panose="020B0604020202020204" pitchFamily="34" charset="0"/>
+              <a:buChar char="•"/>
+              <a:defRPr sz="1800" kern="1200">
+                <a:solidFill>
+                  <a:schemeClr val="tx1"/>
+                </a:solidFill>
+                <a:latin typeface="+mn-lt"/>
+                <a:ea typeface="+mn-ea"/>
+                <a:cs typeface="+mn-cs"/>
+              </a:defRPr>
+            </a:lvl6pPr>
+            <a:lvl7pPr marL="2971800" indent="-228600" algn="l" defTabSz="914400" rtl="0" eaLnBrk="1" latinLnBrk="0" hangingPunct="1">
+              <a:lnSpc>
+                <a:spcPct val="90000"/>
+              </a:lnSpc>
+              <a:spcBef>
+                <a:spcPts val="500"/>
+              </a:spcBef>
+              <a:buFont typeface="Arial" panose="020B0604020202020204" pitchFamily="34" charset="0"/>
+              <a:buChar char="•"/>
+              <a:defRPr sz="1800" kern="1200">
+                <a:solidFill>
+                  <a:schemeClr val="tx1"/>
+                </a:solidFill>
+                <a:latin typeface="+mn-lt"/>
+                <a:ea typeface="+mn-ea"/>
+                <a:cs typeface="+mn-cs"/>
+              </a:defRPr>
+            </a:lvl7pPr>
+            <a:lvl8pPr marL="3429000" indent="-228600" algn="l" defTabSz="914400" rtl="0" eaLnBrk="1" latinLnBrk="0" hangingPunct="1">
+              <a:lnSpc>
+                <a:spcPct val="90000"/>
+              </a:lnSpc>
+              <a:spcBef>
+                <a:spcPts val="500"/>
+              </a:spcBef>
+              <a:buFont typeface="Arial" panose="020B0604020202020204" pitchFamily="34" charset="0"/>
+              <a:buChar char="•"/>
+              <a:defRPr sz="1800" kern="1200">
+                <a:solidFill>
+                  <a:schemeClr val="tx1"/>
+                </a:solidFill>
+                <a:latin typeface="+mn-lt"/>
+                <a:ea typeface="+mn-ea"/>
+                <a:cs typeface="+mn-cs"/>
+              </a:defRPr>
+            </a:lvl8pPr>
+            <a:lvl9pPr marL="3886200" indent="-228600" algn="l" defTabSz="914400" rtl="0" eaLnBrk="1" latinLnBrk="0" hangingPunct="1">
+              <a:lnSpc>
+                <a:spcPct val="90000"/>
+              </a:lnSpc>
+              <a:spcBef>
+                <a:spcPts val="500"/>
+              </a:spcBef>
+              <a:buFont typeface="Arial" panose="020B0604020202020204" pitchFamily="34" charset="0"/>
+              <a:buChar char="•"/>
+              <a:defRPr sz="1800" kern="1200">
+                <a:solidFill>
+                  <a:schemeClr val="tx1"/>
+                </a:solidFill>
+                <a:latin typeface="+mn-lt"/>
+                <a:ea typeface="+mn-ea"/>
+                <a:cs typeface="+mn-cs"/>
+              </a:defRPr>
+            </a:lvl9pPr>
+          </a:lstStyle>
+          <a:p>
+            <a:r>
+              <a:rPr lang="en-US" dirty="0" smtClean="0"/>
+              <a:t>Day 2</a:t>
+            </a:r>
+          </a:p>
+          <a:p>
+            <a:pPr lvl="1"/>
+            <a:r>
+              <a:rPr lang="en-US" dirty="0" smtClean="0"/>
+              <a:t>Data Analysis in Python</a:t>
+            </a:r>
+          </a:p>
+          <a:p>
+            <a:pPr lvl="1"/>
+            <a:r>
+              <a:rPr lang="en-US" dirty="0" smtClean="0"/>
+              <a:t>Pandas Basics</a:t>
+            </a:r>
+          </a:p>
+          <a:p>
+            <a:pPr lvl="1"/>
+            <a:r>
+              <a:rPr lang="en-US" dirty="0" smtClean="0"/>
+              <a:t>HANDS ON Intro to Pandas</a:t>
+            </a:r>
+          </a:p>
+          <a:p>
+            <a:pPr lvl="1"/>
+            <a:r>
+              <a:rPr lang="en-US" dirty="0" err="1" smtClean="0"/>
+              <a:t>Matplotlib</a:t>
+            </a:r>
+            <a:r>
+              <a:rPr lang="en-US" dirty="0" smtClean="0"/>
+              <a:t> Basics</a:t>
+            </a:r>
+          </a:p>
+          <a:p>
+            <a:pPr lvl="1"/>
+            <a:r>
+              <a:rPr lang="en-US" dirty="0" smtClean="0"/>
+              <a:t>HANDS ON Intro to </a:t>
+            </a:r>
+            <a:r>
+              <a:rPr lang="en-US" dirty="0" err="1" smtClean="0"/>
+              <a:t>Matplotlib</a:t>
+            </a:r>
+            <a:endParaRPr lang="en-US" dirty="0" smtClean="0"/>
+          </a:p>
+          <a:p>
+            <a:pPr lvl="1"/>
+            <a:r>
+              <a:rPr lang="en-US" dirty="0" smtClean="0"/>
+              <a:t>HANDS ON Start-to-finish exercise</a:t>
+            </a:r>
+          </a:p>
+          <a:p>
+            <a:pPr lvl="1"/>
+            <a:r>
+              <a:rPr lang="en-US" dirty="0" smtClean="0"/>
+              <a:t>Other Python modules, projects, and workflows</a:t>
+            </a:r>
+          </a:p>
+          <a:p>
+            <a:pPr lvl="1"/>
+            <a:endParaRPr lang="en-US" dirty="0" smtClean="0"/>
+          </a:p>
+          <a:p>
+            <a:pPr lvl="1"/>
+            <a:endParaRPr lang="en-US" dirty="0" smtClean="0"/>
+          </a:p>
+          <a:p>
+            <a:pPr lvl="1"/>
+            <a:endParaRPr lang="en-US" dirty="0" smtClean="0"/>
+          </a:p>
+          <a:p>
+            <a:pPr lvl="1"/>
+            <a:endParaRPr lang="en-US" dirty="0" smtClean="0"/>
+          </a:p>
+          <a:p>
+            <a:pPr lvl="1"/>
+            <a:endParaRPr lang="en-US" dirty="0" smtClean="0"/>
+          </a:p>
+          <a:p>
+            <a:pPr lvl="1"/>
+            <a:endParaRPr lang="en-US" dirty="0" smtClean="0"/>
+          </a:p>
+          <a:p>
+            <a:endParaRPr lang="en-US" dirty="0"/>
           </a:p>
         </p:txBody>
       </p:sp>
     </p:spTree>
     <p:extLst>
       <p:ext uri="{BB962C8B-B14F-4D97-AF65-F5344CB8AC3E}">
-        <p14:creationId xmlns:p14="http://schemas.microsoft.com/office/powerpoint/2010/main" val="3022489031"/>
+        <p14:creationId xmlns:p14="http://schemas.microsoft.com/office/powerpoint/2010/main" val="1469757644"/>
       </p:ext>
     </p:extLst>
   </p:cSld>
@@ -11826,16 +12171,12 @@
           <a:lstStyle/>
           <a:p>
             <a:r>
-              <a:rPr lang="en-US" dirty="0" smtClean="0"/>
-              <a:t>Try out </a:t>
-            </a:r>
-            <a:r>
               <a:rPr lang="en-US" dirty="0" err="1" smtClean="0"/>
               <a:t>Jupyter</a:t>
             </a:r>
             <a:r>
               <a:rPr lang="en-US" dirty="0" smtClean="0"/>
-              <a:t> Notebooks</a:t>
+              <a:t> Notebook</a:t>
             </a:r>
             <a:endParaRPr lang="en-US" dirty="0"/>
           </a:p>
@@ -11858,24 +12199,57 @@
           <a:p>
             <a:r>
               <a:rPr lang="en-US" dirty="0" smtClean="0"/>
-              <a:t>Go to the </a:t>
-            </a:r>
-            <a:r>
-              <a:rPr lang="en-US" dirty="0" err="1" smtClean="0"/>
-              <a:t>Github</a:t>
-            </a:r>
-            <a:r>
-              <a:rPr lang="en-US" dirty="0" smtClean="0"/>
-              <a:t> folder on your computer</a:t>
-            </a:r>
-            <a:endParaRPr lang="en-US" dirty="0"/>
+              <a:t>A web-based python editor</a:t>
+            </a:r>
+          </a:p>
+          <a:p>
+            <a:pPr lvl="1"/>
+            <a:r>
+              <a:rPr lang="en-US" dirty="0" smtClean="0"/>
+              <a:t>Automatic syntax highlighting, indentation, and tab completion</a:t>
+            </a:r>
+          </a:p>
+          <a:p>
+            <a:r>
+              <a:rPr lang="en-US" dirty="0" smtClean="0"/>
+              <a:t>Shows inputs and outputs</a:t>
+            </a:r>
+          </a:p>
+          <a:p>
+            <a:r>
+              <a:rPr lang="en-US" dirty="0"/>
+              <a:t>C</a:t>
+            </a:r>
+            <a:r>
+              <a:rPr lang="en-US" dirty="0" smtClean="0"/>
+              <a:t>an be used to document an entire project</a:t>
+            </a:r>
+          </a:p>
+          <a:p>
+            <a:r>
+              <a:rPr lang="en-US" dirty="0" smtClean="0"/>
+              <a:t>Go to any directory and type </a:t>
+            </a:r>
+            <a:r>
+              <a:rPr lang="en-US" dirty="0" err="1" smtClean="0">
+                <a:latin typeface="Consolas" panose="020B0609020204030204" pitchFamily="49" charset="0"/>
+              </a:rPr>
+              <a:t>jupyter</a:t>
+            </a:r>
+            <a:r>
+              <a:rPr lang="en-US" dirty="0" smtClean="0">
+                <a:latin typeface="Consolas" panose="020B0609020204030204" pitchFamily="49" charset="0"/>
+              </a:rPr>
+              <a:t> notebook</a:t>
+            </a:r>
+            <a:endParaRPr lang="en-US" dirty="0" smtClean="0"/>
           </a:p>
         </p:txBody>
       </p:sp>
     </p:spTree>
     <p:extLst>
       <p:ext uri="{BB962C8B-B14F-4D97-AF65-F5344CB8AC3E}">
-        <p14:creationId xmlns:p14="http://schemas.microsoft.com/office/powerpoint/2010/main" val="977969788"/>
+        <p14:creationId xmlns:p14="http://schemas.microsoft.com/office/powerpoint/2010/main" val="1483925451"/>
       </p:ext>
     </p:extLst>
   </p:cSld>
@@ -11926,7 +12300,15 @@
           <a:p>
             <a:r>
               <a:rPr lang="en-US" dirty="0" smtClean="0"/>
-              <a:t>What do we mean by data analysis?</a:t>
+              <a:t>Try out </a:t>
+            </a:r>
+            <a:r>
+              <a:rPr lang="en-US" dirty="0" err="1" smtClean="0"/>
+              <a:t>Jupyter</a:t>
+            </a:r>
+            <a:r>
+              <a:rPr lang="en-US" dirty="0" smtClean="0"/>
+              <a:t> Notebooks</a:t>
             </a:r>
             <a:endParaRPr lang="en-US" dirty="0"/>
           </a:p>
@@ -11949,33 +12331,51 @@
           <a:p>
             <a:r>
               <a:rPr lang="en-US" dirty="0" smtClean="0"/>
-              <a:t>Monitoring data</a:t>
-            </a:r>
-          </a:p>
-          <a:p>
-            <a:r>
-              <a:rPr lang="en-US" dirty="0" smtClean="0"/>
-              <a:t>Model pre- and post- processing</a:t>
-            </a:r>
-          </a:p>
-          <a:p>
-            <a:r>
-              <a:rPr lang="en-US" dirty="0" smtClean="0"/>
-              <a:t>Streaming data streams</a:t>
-            </a:r>
-          </a:p>
-          <a:p>
-            <a:r>
-              <a:rPr lang="en-US" dirty="0" smtClean="0"/>
-              <a:t>Time series data</a:t>
+              <a:t>Open command line in the </a:t>
+            </a:r>
+            <a:r>
+              <a:rPr lang="en-US" dirty="0" err="1" smtClean="0"/>
+              <a:t>Github</a:t>
+            </a:r>
+            <a:r>
+              <a:rPr lang="en-US" dirty="0" smtClean="0"/>
+              <a:t> folder on your </a:t>
+            </a:r>
+            <a:r>
+              <a:rPr lang="en-US" dirty="0" smtClean="0"/>
+              <a:t>computer</a:t>
+            </a:r>
+          </a:p>
+          <a:p>
+            <a:r>
+              <a:rPr lang="en-US" dirty="0"/>
+              <a:t>C</a:t>
+            </a:r>
+            <a:r>
+              <a:rPr lang="en-US" dirty="0" smtClean="0"/>
+              <a:t>:\...\Python-Data-Analysis-Course\Day1\notebooks</a:t>
+            </a:r>
+          </a:p>
+          <a:p>
+            <a:r>
+              <a:rPr lang="en-US" dirty="0" smtClean="0"/>
+              <a:t>Type </a:t>
+            </a:r>
+            <a:r>
+              <a:rPr lang="en-US" dirty="0" err="1" smtClean="0">
+                <a:latin typeface="Consolas" panose="020B0609020204030204" pitchFamily="49" charset="0"/>
+              </a:rPr>
+              <a:t>jupyter</a:t>
+            </a:r>
+            <a:r>
+              <a:rPr lang="en-US" smtClean="0">
+                <a:latin typeface="Consolas" panose="020B0609020204030204" pitchFamily="49" charset="0"/>
+              </a:rPr>
+              <a:t> notebook</a:t>
             </a:r>
             <a:endParaRPr lang="en-US" dirty="0" smtClean="0"/>
           </a:p>
           <a:p>
-            <a:r>
-              <a:rPr lang="en-US" dirty="0" smtClean="0"/>
-              <a:t>What else?</a:t>
-            </a:r>
             <a:endParaRPr lang="en-US" dirty="0"/>
           </a:p>
         </p:txBody>
@@ -11983,7 +12383,7 @@
     </p:spTree>
     <p:extLst>
       <p:ext uri="{BB962C8B-B14F-4D97-AF65-F5344CB8AC3E}">
-        <p14:creationId xmlns:p14="http://schemas.microsoft.com/office/powerpoint/2010/main" val="2782468503"/>
+        <p14:creationId xmlns:p14="http://schemas.microsoft.com/office/powerpoint/2010/main" val="977969788"/>
       </p:ext>
     </p:extLst>
   </p:cSld>
@@ -12034,6 +12434,113 @@
           <a:p>
             <a:r>
               <a:rPr lang="en-US" dirty="0" smtClean="0"/>
+              <a:t>What do we mean by data analysis?</a:t>
+            </a:r>
+            <a:endParaRPr lang="en-US" dirty="0"/>
+          </a:p>
+        </p:txBody>
+      </p:sp>
+      <p:sp>
+        <p:nvSpPr>
+          <p:cNvPr id="3" name="Content Placeholder 2"/>
+          <p:cNvSpPr>
+            <a:spLocks noGrp="1"/>
+          </p:cNvSpPr>
+          <p:nvPr>
+            <p:ph idx="1"/>
+          </p:nvPr>
+        </p:nvSpPr>
+        <p:spPr/>
+        <p:txBody>
+          <a:bodyPr/>
+          <a:lstStyle/>
+          <a:p>
+            <a:r>
+              <a:rPr lang="en-US" dirty="0" smtClean="0"/>
+              <a:t>Monitoring data</a:t>
+            </a:r>
+          </a:p>
+          <a:p>
+            <a:r>
+              <a:rPr lang="en-US" dirty="0" smtClean="0"/>
+              <a:t>Model pre- and post- processing</a:t>
+            </a:r>
+          </a:p>
+          <a:p>
+            <a:r>
+              <a:rPr lang="en-US" dirty="0" smtClean="0"/>
+              <a:t>Streaming data streams</a:t>
+            </a:r>
+          </a:p>
+          <a:p>
+            <a:r>
+              <a:rPr lang="en-US" dirty="0" smtClean="0"/>
+              <a:t>Time series data</a:t>
+            </a:r>
+          </a:p>
+          <a:p>
+            <a:r>
+              <a:rPr lang="en-US" dirty="0" smtClean="0"/>
+              <a:t>What else?</a:t>
+            </a:r>
+            <a:endParaRPr lang="en-US" dirty="0"/>
+          </a:p>
+        </p:txBody>
+      </p:sp>
+    </p:spTree>
+    <p:extLst>
+      <p:ext uri="{BB962C8B-B14F-4D97-AF65-F5344CB8AC3E}">
+        <p14:creationId xmlns:p14="http://schemas.microsoft.com/office/powerpoint/2010/main" val="2782468503"/>
+      </p:ext>
+    </p:extLst>
+  </p:cSld>
+  <p:clrMapOvr>
+    <a:masterClrMapping/>
+  </p:clrMapOvr>
+  <p:timing>
+    <p:tnLst>
+      <p:par>
+        <p:cTn id="1" dur="indefinite" restart="never" nodeType="tmRoot"/>
+      </p:par>
+    </p:tnLst>
+  </p:timing>
+</p:sld>
+</file>
+
+<file path=ppt/slides/slide33.xml><?xml version="1.0" encoding="utf-8"?>
+<p:sld xmlns:a="http://schemas.openxmlformats.org/drawingml/2006/main" xmlns:r="http://schemas.openxmlformats.org/officeDocument/2006/relationships" xmlns:p="http://schemas.openxmlformats.org/presentationml/2006/main">
+  <p:cSld>
+    <p:spTree>
+      <p:nvGrpSpPr>
+        <p:cNvPr id="1" name=""/>
+        <p:cNvGrpSpPr/>
+        <p:nvPr/>
+      </p:nvGrpSpPr>
+      <p:grpSpPr>
+        <a:xfrm>
+          <a:off x="0" y="0"/>
+          <a:ext cx="0" cy="0"/>
+          <a:chOff x="0" y="0"/>
+          <a:chExt cx="0" cy="0"/>
+        </a:xfrm>
+      </p:grpSpPr>
+      <p:sp>
+        <p:nvSpPr>
+          <p:cNvPr id="2" name="Title 1"/>
+          <p:cNvSpPr>
+            <a:spLocks noGrp="1"/>
+          </p:cNvSpPr>
+          <p:nvPr>
+            <p:ph type="title"/>
+          </p:nvPr>
+        </p:nvSpPr>
+        <p:spPr/>
+        <p:txBody>
+          <a:bodyPr/>
+          <a:lstStyle/>
+          <a:p>
+            <a:r>
+              <a:rPr lang="en-US" dirty="0" smtClean="0"/>
               <a:t>What tools do we use to do this?	</a:t>
             </a:r>
             <a:endParaRPr lang="en-US" dirty="0"/>
@@ -12112,7 +12619,7 @@
 </p:sld>
 </file>
 
-<file path=ppt/slides/slide33.xml><?xml version="1.0" encoding="utf-8"?>
+<file path=ppt/slides/slide34.xml><?xml version="1.0" encoding="utf-8"?>
 <p:sld xmlns:a="http://schemas.openxmlformats.org/drawingml/2006/main" xmlns:r="http://schemas.openxmlformats.org/officeDocument/2006/relationships" xmlns:p="http://schemas.openxmlformats.org/presentationml/2006/main">
   <p:cSld>
     <p:spTree>
@@ -12930,7 +13437,7 @@
 </p:sld>
 </file>
 
-<file path=ppt/slides/slide34.xml><?xml version="1.0" encoding="utf-8"?>
+<file path=ppt/slides/slide35.xml><?xml version="1.0" encoding="utf-8"?>
 <p:sld xmlns:a="http://schemas.openxmlformats.org/drawingml/2006/main" xmlns:r="http://schemas.openxmlformats.org/officeDocument/2006/relationships" xmlns:p="http://schemas.openxmlformats.org/presentationml/2006/main">
   <p:cSld>
     <p:spTree>
@@ -13487,7 +13994,7 @@
 </p:sld>
 </file>
 
-<file path=ppt/slides/slide35.xml><?xml version="1.0" encoding="utf-8"?>
+<file path=ppt/slides/slide36.xml><?xml version="1.0" encoding="utf-8"?>
 <p:sld xmlns:a="http://schemas.openxmlformats.org/drawingml/2006/main" xmlns:r="http://schemas.openxmlformats.org/officeDocument/2006/relationships" xmlns:p="http://schemas.openxmlformats.org/presentationml/2006/main">
   <p:cSld>
     <p:spTree>
@@ -13567,7 +14074,7 @@
 </p:sld>
 </file>
 
-<file path=ppt/slides/slide36.xml><?xml version="1.0" encoding="utf-8"?>
+<file path=ppt/slides/slide37.xml><?xml version="1.0" encoding="utf-8"?>
 <p:sld xmlns:a="http://schemas.openxmlformats.org/drawingml/2006/main" xmlns:r="http://schemas.openxmlformats.org/officeDocument/2006/relationships" xmlns:p="http://schemas.openxmlformats.org/presentationml/2006/main">
   <p:cSld>
     <p:spTree>
@@ -13707,7 +14214,7 @@
 </p:sld>
 </file>
 
-<file path=ppt/slides/slide37.xml><?xml version="1.0" encoding="utf-8"?>
+<file path=ppt/slides/slide38.xml><?xml version="1.0" encoding="utf-8"?>
 <p:sld xmlns:a="http://schemas.openxmlformats.org/drawingml/2006/main" xmlns:r="http://schemas.openxmlformats.org/officeDocument/2006/relationships" xmlns:p="http://schemas.openxmlformats.org/presentationml/2006/main">
   <p:cSld>
     <p:spTree>
@@ -14062,7 +14569,7 @@
 </p:sld>
 </file>
 
-<file path=ppt/slides/slide38.xml><?xml version="1.0" encoding="utf-8"?>
+<file path=ppt/slides/slide39.xml><?xml version="1.0" encoding="utf-8"?>
 <p:sld xmlns:a="http://schemas.openxmlformats.org/drawingml/2006/main" xmlns:r="http://schemas.openxmlformats.org/officeDocument/2006/relationships" xmlns:p="http://schemas.openxmlformats.org/presentationml/2006/main">
   <p:cSld>
     <p:spTree>
@@ -14880,7 +15387,125 @@
 </p:sld>
 </file>
 
-<file path=ppt/slides/slide39.xml><?xml version="1.0" encoding="utf-8"?>
+<file path=ppt/slides/slide4.xml><?xml version="1.0" encoding="utf-8"?>
+<p:sld xmlns:a="http://schemas.openxmlformats.org/drawingml/2006/main" xmlns:r="http://schemas.openxmlformats.org/officeDocument/2006/relationships" xmlns:p="http://schemas.openxmlformats.org/presentationml/2006/main">
+  <p:cSld>
+    <p:spTree>
+      <p:nvGrpSpPr>
+        <p:cNvPr id="1" name=""/>
+        <p:cNvGrpSpPr/>
+        <p:nvPr/>
+      </p:nvGrpSpPr>
+      <p:grpSpPr>
+        <a:xfrm>
+          <a:off x="0" y="0"/>
+          <a:ext cx="0" cy="0"/>
+          <a:chOff x="0" y="0"/>
+          <a:chExt cx="0" cy="0"/>
+        </a:xfrm>
+      </p:grpSpPr>
+      <p:sp>
+        <p:nvSpPr>
+          <p:cNvPr id="2" name="Title 1"/>
+          <p:cNvSpPr>
+            <a:spLocks noGrp="1"/>
+          </p:cNvSpPr>
+          <p:nvPr>
+            <p:ph type="title"/>
+          </p:nvPr>
+        </p:nvSpPr>
+        <p:spPr/>
+        <p:txBody>
+          <a:bodyPr/>
+          <a:lstStyle/>
+          <a:p>
+            <a:r>
+              <a:rPr lang="en-US" dirty="0" smtClean="0"/>
+              <a:t>Setting Expectations</a:t>
+            </a:r>
+            <a:endParaRPr lang="en-US" dirty="0"/>
+          </a:p>
+        </p:txBody>
+      </p:sp>
+      <p:sp>
+        <p:nvSpPr>
+          <p:cNvPr id="3" name="Content Placeholder 2"/>
+          <p:cNvSpPr>
+            <a:spLocks noGrp="1"/>
+          </p:cNvSpPr>
+          <p:nvPr>
+            <p:ph idx="1"/>
+          </p:nvPr>
+        </p:nvSpPr>
+        <p:spPr/>
+        <p:txBody>
+          <a:bodyPr/>
+          <a:lstStyle/>
+          <a:p>
+            <a:r>
+              <a:rPr lang="en-US" dirty="0" smtClean="0"/>
+              <a:t>We have 3 hours</a:t>
+            </a:r>
+          </a:p>
+          <a:p>
+            <a:r>
+              <a:rPr lang="en-US" dirty="0" smtClean="0"/>
+              <a:t>I am not an expert</a:t>
+            </a:r>
+          </a:p>
+          <a:p>
+            <a:r>
+              <a:rPr lang="en-US" dirty="0" smtClean="0"/>
+              <a:t>Most of this is based on my personal </a:t>
+            </a:r>
+            <a:r>
+              <a:rPr lang="en-US" dirty="0" smtClean="0"/>
+              <a:t>experience, so please speak up if you’ve had a different experience</a:t>
+            </a:r>
+            <a:endParaRPr lang="en-US" dirty="0" smtClean="0"/>
+          </a:p>
+          <a:p>
+            <a:r>
+              <a:rPr lang="en-US" dirty="0" smtClean="0"/>
+              <a:t>Learning and retaining requires additional work</a:t>
+            </a:r>
+          </a:p>
+          <a:p>
+            <a:pPr lvl="1"/>
+            <a:r>
+              <a:rPr lang="en-US" dirty="0" smtClean="0"/>
+              <a:t>Create excuses to use what you’ve learned</a:t>
+            </a:r>
+          </a:p>
+          <a:p>
+            <a:r>
+              <a:rPr lang="en-US" dirty="0" smtClean="0"/>
+              <a:t>There is a WIDE range of backgrounds and experience levels here. Please participate!</a:t>
+            </a:r>
+          </a:p>
+        </p:txBody>
+      </p:sp>
+    </p:spTree>
+    <p:extLst>
+      <p:ext uri="{BB962C8B-B14F-4D97-AF65-F5344CB8AC3E}">
+        <p14:creationId xmlns:p14="http://schemas.microsoft.com/office/powerpoint/2010/main" val="3022489031"/>
+      </p:ext>
+    </p:extLst>
+  </p:cSld>
+  <p:clrMapOvr>
+    <a:masterClrMapping/>
+  </p:clrMapOvr>
+  <p:timing>
+    <p:tnLst>
+      <p:par>
+        <p:cTn id="1" dur="indefinite" restart="never" nodeType="tmRoot"/>
+      </p:par>
+    </p:tnLst>
+  </p:timing>
+</p:sld>
+</file>
+
+<file path=ppt/slides/slide40.xml><?xml version="1.0" encoding="utf-8"?>
 <p:sld xmlns:a="http://schemas.openxmlformats.org/drawingml/2006/main" xmlns:r="http://schemas.openxmlformats.org/officeDocument/2006/relationships" xmlns:p="http://schemas.openxmlformats.org/presentationml/2006/main">
   <p:cSld>
     <p:spTree>
@@ -15083,67 +15708,7 @@
 </p:sld>
 </file>
 
-<file path=ppt/slides/slide4.xml><?xml version="1.0" encoding="utf-8"?>
-<p:sld xmlns:a="http://schemas.openxmlformats.org/drawingml/2006/main" xmlns:r="http://schemas.openxmlformats.org/officeDocument/2006/relationships" xmlns:p="http://schemas.openxmlformats.org/presentationml/2006/main">
-  <p:cSld>
-    <p:spTree>
-      <p:nvGrpSpPr>
-        <p:cNvPr id="1" name=""/>
-        <p:cNvGrpSpPr/>
-        <p:nvPr/>
-      </p:nvGrpSpPr>
-      <p:grpSpPr>
-        <a:xfrm>
-          <a:off x="0" y="0"/>
-          <a:ext cx="0" cy="0"/>
-          <a:chOff x="0" y="0"/>
-          <a:chExt cx="0" cy="0"/>
-        </a:xfrm>
-      </p:grpSpPr>
-      <p:sp>
-        <p:nvSpPr>
-          <p:cNvPr id="2" name="Title 1"/>
-          <p:cNvSpPr>
-            <a:spLocks noGrp="1"/>
-          </p:cNvSpPr>
-          <p:nvPr>
-            <p:ph type="title"/>
-          </p:nvPr>
-        </p:nvSpPr>
-        <p:spPr/>
-        <p:txBody>
-          <a:bodyPr/>
-          <a:lstStyle/>
-          <a:p>
-            <a:r>
-              <a:rPr lang="en-US" dirty="0" smtClean="0"/>
-              <a:t>Intros</a:t>
-            </a:r>
-            <a:endParaRPr lang="en-US" dirty="0"/>
-          </a:p>
-        </p:txBody>
-      </p:sp>
-    </p:spTree>
-    <p:extLst>
-      <p:ext uri="{BB962C8B-B14F-4D97-AF65-F5344CB8AC3E}">
-        <p14:creationId xmlns:p14="http://schemas.microsoft.com/office/powerpoint/2010/main" val="606513356"/>
-      </p:ext>
-    </p:extLst>
-  </p:cSld>
-  <p:clrMapOvr>
-    <a:masterClrMapping/>
-  </p:clrMapOvr>
-  <p:timing>
-    <p:tnLst>
-      <p:par>
-        <p:cTn id="1" dur="indefinite" restart="never" nodeType="tmRoot"/>
-      </p:par>
-    </p:tnLst>
-  </p:timing>
-</p:sld>
-</file>
-
-<file path=ppt/slides/slide40.xml><?xml version="1.0" encoding="utf-8"?>
+<file path=ppt/slides/slide41.xml><?xml version="1.0" encoding="utf-8"?>
 <p:sld xmlns:a="http://schemas.openxmlformats.org/drawingml/2006/main" xmlns:r="http://schemas.openxmlformats.org/officeDocument/2006/relationships" xmlns:p="http://schemas.openxmlformats.org/presentationml/2006/main">
   <p:cSld>
     <p:spTree>
@@ -15327,73 +15892,16 @@
           <a:p>
             <a:r>
               <a:rPr lang="en-US" dirty="0" smtClean="0"/>
-              <a:t>My Goals</a:t>
+              <a:t>Intros</a:t>
             </a:r>
             <a:endParaRPr lang="en-US" dirty="0"/>
-          </a:p>
-        </p:txBody>
-      </p:sp>
-      <p:sp>
-        <p:nvSpPr>
-          <p:cNvPr id="3" name="Content Placeholder 2"/>
-          <p:cNvSpPr>
-            <a:spLocks noGrp="1"/>
-          </p:cNvSpPr>
-          <p:nvPr>
-            <p:ph idx="1"/>
-          </p:nvPr>
-        </p:nvSpPr>
-        <p:spPr/>
-        <p:txBody>
-          <a:bodyPr/>
-          <a:lstStyle/>
-          <a:p>
-            <a:r>
-              <a:rPr lang="en-US" dirty="0" smtClean="0"/>
-              <a:t>Give you the tools you need to fearlessly decide to use Python, </a:t>
-            </a:r>
-            <a:r>
-              <a:rPr lang="en-US" b="1" dirty="0" smtClean="0"/>
-              <a:t>if appropriate</a:t>
-            </a:r>
-            <a:r>
-              <a:rPr lang="en-US" dirty="0" smtClean="0"/>
-              <a:t>, and get started on a project.</a:t>
-            </a:r>
-          </a:p>
-          <a:p>
-            <a:r>
-              <a:rPr lang="en-US" dirty="0" smtClean="0"/>
-              <a:t>Show you where to look for or who to ask for more information</a:t>
-            </a:r>
-          </a:p>
-          <a:p>
-            <a:r>
-              <a:rPr lang="en-US" dirty="0" smtClean="0"/>
-              <a:t>Make sure the tools we choose aren’t limiting our ability</a:t>
-            </a:r>
-          </a:p>
-          <a:p>
-            <a:r>
-              <a:rPr lang="en-US" b="1" dirty="0" smtClean="0"/>
-              <a:t>Keep the community going after this course</a:t>
-            </a:r>
-          </a:p>
-          <a:p>
-            <a:endParaRPr lang="en-US" b="1" dirty="0"/>
-          </a:p>
-          <a:p>
-            <a:r>
-              <a:rPr lang="en-US" dirty="0" smtClean="0"/>
-              <a:t>Any others?</a:t>
-            </a:r>
           </a:p>
         </p:txBody>
       </p:sp>
     </p:spTree>
     <p:extLst>
       <p:ext uri="{BB962C8B-B14F-4D97-AF65-F5344CB8AC3E}">
-        <p14:creationId xmlns:p14="http://schemas.microsoft.com/office/powerpoint/2010/main" val="1375510224"/>
+        <p14:creationId xmlns:p14="http://schemas.microsoft.com/office/powerpoint/2010/main" val="606513356"/>
       </p:ext>
     </p:extLst>
   </p:cSld>
@@ -15444,7 +15952,7 @@
           <a:p>
             <a:r>
               <a:rPr lang="en-US" dirty="0" smtClean="0"/>
-              <a:t>Get GitHub Repository</a:t>
+              <a:t>My Goals</a:t>
             </a:r>
             <a:endParaRPr lang="en-US" dirty="0"/>
           </a:p>
@@ -15466,26 +15974,51 @@
           <a:lstStyle/>
           <a:p>
             <a:r>
-              <a:rPr lang="en-US" dirty="0" smtClean="0">
-                <a:hlinkClick r:id="rId2"/>
-              </a:rPr>
-              <a:t>www.github.com/***</a:t>
-            </a:r>
-            <a:endParaRPr lang="en-US" dirty="0" smtClean="0"/>
-          </a:p>
-          <a:p>
-            <a:r>
-              <a:rPr lang="en-US" dirty="0" smtClean="0"/>
-              <a:t>Clone repository or download the zip file</a:t>
-            </a:r>
-            <a:endParaRPr lang="en-US" dirty="0"/>
+              <a:rPr lang="en-US" dirty="0" smtClean="0"/>
+              <a:t>Give you the tools you need to fearlessly decide to use Python, </a:t>
+            </a:r>
+            <a:r>
+              <a:rPr lang="en-US" b="1" dirty="0" smtClean="0"/>
+              <a:t>if appropriate</a:t>
+            </a:r>
+            <a:r>
+              <a:rPr lang="en-US" dirty="0" smtClean="0"/>
+              <a:t>, and get started on a project.</a:t>
+            </a:r>
+          </a:p>
+          <a:p>
+            <a:r>
+              <a:rPr lang="en-US" dirty="0" smtClean="0"/>
+              <a:t>Show you where to look for or who to ask for more information</a:t>
+            </a:r>
+          </a:p>
+          <a:p>
+            <a:r>
+              <a:rPr lang="en-US" dirty="0" smtClean="0"/>
+              <a:t>Make sure the tools we choose aren’t limiting our ability</a:t>
+            </a:r>
+          </a:p>
+          <a:p>
+            <a:r>
+              <a:rPr lang="en-US" b="1" dirty="0" smtClean="0"/>
+              <a:t>Keep the community going after this course</a:t>
+            </a:r>
+          </a:p>
+          <a:p>
+            <a:endParaRPr lang="en-US" b="1" dirty="0"/>
+          </a:p>
+          <a:p>
+            <a:r>
+              <a:rPr lang="en-US" dirty="0" smtClean="0"/>
+              <a:t>Any others?</a:t>
+            </a:r>
           </a:p>
         </p:txBody>
       </p:sp>
     </p:spTree>
     <p:extLst>
       <p:ext uri="{BB962C8B-B14F-4D97-AF65-F5344CB8AC3E}">
-        <p14:creationId xmlns:p14="http://schemas.microsoft.com/office/powerpoint/2010/main" val="3967448087"/>
+        <p14:creationId xmlns:p14="http://schemas.microsoft.com/office/powerpoint/2010/main" val="1375510224"/>
       </p:ext>
     </p:extLst>
   </p:cSld>
@@ -15611,7 +16144,7 @@
           <a:p>
             <a:r>
               <a:rPr lang="en-US" dirty="0" smtClean="0"/>
-              <a:t>What is Python?</a:t>
+              <a:t>Programming Language Stereotypes</a:t>
             </a:r>
             <a:endParaRPr lang="en-US" dirty="0"/>
           </a:p>
@@ -15627,47 +16160,60 @@
             <p:ph idx="1"/>
           </p:nvPr>
         </p:nvSpPr>
-        <p:spPr/>
+        <p:spPr>
+          <a:xfrm>
+            <a:off x="838200" y="1825625"/>
+            <a:ext cx="2281844" cy="4351338"/>
+          </a:xfrm>
+        </p:spPr>
         <p:txBody>
           <a:bodyPr/>
           <a:lstStyle/>
           <a:p>
             <a:r>
               <a:rPr lang="en-US" dirty="0" smtClean="0"/>
-              <a:t>Open source general-purpose programming language</a:t>
-            </a:r>
-          </a:p>
-          <a:p>
-            <a:r>
-              <a:rPr lang="en-US" dirty="0" smtClean="0"/>
-              <a:t>Object oriented or functional</a:t>
-            </a:r>
-          </a:p>
-          <a:p>
-            <a:r>
-              <a:rPr lang="en-US" dirty="0" smtClean="0"/>
-              <a:t>Easy to interface with other programming languages</a:t>
-            </a:r>
-          </a:p>
-          <a:p>
-            <a:r>
-              <a:rPr lang="en-US" dirty="0" smtClean="0"/>
-              <a:t>Great interactive environment</a:t>
-            </a:r>
-          </a:p>
-          <a:p>
-            <a:r>
-              <a:rPr lang="en-US" dirty="0" smtClean="0"/>
-              <a:t>Kitchen Sink</a:t>
-            </a:r>
-            <a:endParaRPr lang="en-US" dirty="0"/>
+              <a:t>FORTRAN</a:t>
+            </a:r>
+          </a:p>
+          <a:p>
+            <a:r>
+              <a:rPr lang="en-US" dirty="0" smtClean="0"/>
+              <a:t>C++</a:t>
+            </a:r>
+          </a:p>
+          <a:p>
+            <a:r>
+              <a:rPr lang="en-US" dirty="0" smtClean="0"/>
+              <a:t>Java</a:t>
+            </a:r>
+          </a:p>
+          <a:p>
+            <a:r>
+              <a:rPr lang="en-US" dirty="0" smtClean="0"/>
+              <a:t>Visual Basic</a:t>
+            </a:r>
+          </a:p>
+          <a:p>
+            <a:r>
+              <a:rPr lang="en-US" dirty="0" smtClean="0"/>
+              <a:t>R</a:t>
+            </a:r>
+          </a:p>
+          <a:p>
+            <a:r>
+              <a:rPr lang="en-US" dirty="0" smtClean="0"/>
+              <a:t>Python</a:t>
+            </a:r>
+          </a:p>
+          <a:p>
+            <a:endParaRPr lang="en-US" dirty="0" smtClean="0"/>
           </a:p>
         </p:txBody>
       </p:sp>
     </p:spTree>
     <p:extLst>
       <p:ext uri="{BB962C8B-B14F-4D97-AF65-F5344CB8AC3E}">
-        <p14:creationId xmlns:p14="http://schemas.microsoft.com/office/powerpoint/2010/main" val="2657244366"/>
+        <p14:creationId xmlns:p14="http://schemas.microsoft.com/office/powerpoint/2010/main" val="471568199"/>
       </p:ext>
     </p:extLst>
   </p:cSld>
@@ -15718,7 +16264,7 @@
           <a:p>
             <a:r>
               <a:rPr lang="en-US" dirty="0" smtClean="0"/>
-              <a:t>Programming Language Stereotypes</a:t>
+              <a:t>What is Python?</a:t>
             </a:r>
             <a:endParaRPr lang="en-US" dirty="0"/>
           </a:p>
@@ -15734,60 +16280,47 @@
             <p:ph idx="1"/>
           </p:nvPr>
         </p:nvSpPr>
-        <p:spPr>
-          <a:xfrm>
-            <a:off x="838200" y="1825625"/>
-            <a:ext cx="2281844" cy="4351338"/>
-          </a:xfrm>
-        </p:spPr>
+        <p:spPr/>
         <p:txBody>
           <a:bodyPr/>
           <a:lstStyle/>
           <a:p>
             <a:r>
               <a:rPr lang="en-US" dirty="0" smtClean="0"/>
-              <a:t>FORTRAN</a:t>
-            </a:r>
-          </a:p>
-          <a:p>
-            <a:r>
-              <a:rPr lang="en-US" dirty="0" smtClean="0"/>
-              <a:t>C++</a:t>
-            </a:r>
-          </a:p>
-          <a:p>
-            <a:r>
-              <a:rPr lang="en-US" dirty="0" smtClean="0"/>
-              <a:t>Java</a:t>
-            </a:r>
-          </a:p>
-          <a:p>
-            <a:r>
-              <a:rPr lang="en-US" dirty="0" smtClean="0"/>
-              <a:t>Visual Basic</a:t>
-            </a:r>
-          </a:p>
-          <a:p>
-            <a:r>
-              <a:rPr lang="en-US" dirty="0" smtClean="0"/>
-              <a:t>R</a:t>
-            </a:r>
-          </a:p>
-          <a:p>
-            <a:r>
-              <a:rPr lang="en-US" dirty="0" smtClean="0"/>
-              <a:t>Python</a:t>
-            </a:r>
-          </a:p>
-          <a:p>
-            <a:endParaRPr lang="en-US" dirty="0" smtClean="0"/>
+              <a:t>Open source general-purpose programming language</a:t>
+            </a:r>
+          </a:p>
+          <a:p>
+            <a:r>
+              <a:rPr lang="en-US" dirty="0" smtClean="0"/>
+              <a:t>Object oriented or functional</a:t>
+            </a:r>
+          </a:p>
+          <a:p>
+            <a:r>
+              <a:rPr lang="en-US" dirty="0" smtClean="0"/>
+              <a:t>Easy to interface with other programming languages</a:t>
+            </a:r>
+          </a:p>
+          <a:p>
+            <a:r>
+              <a:rPr lang="en-US" dirty="0" smtClean="0"/>
+              <a:t>Great interactive environment</a:t>
+            </a:r>
+          </a:p>
+          <a:p>
+            <a:r>
+              <a:rPr lang="en-US" dirty="0" smtClean="0"/>
+              <a:t>Kitchen Sink</a:t>
+            </a:r>
+            <a:endParaRPr lang="en-US" dirty="0"/>
           </a:p>
         </p:txBody>
       </p:sp>
     </p:spTree>
     <p:extLst>
       <p:ext uri="{BB962C8B-B14F-4D97-AF65-F5344CB8AC3E}">
-        <p14:creationId xmlns:p14="http://schemas.microsoft.com/office/powerpoint/2010/main" val="471568199"/>
+        <p14:creationId xmlns:p14="http://schemas.microsoft.com/office/powerpoint/2010/main" val="2657244366"/>
       </p:ext>
     </p:extLst>
   </p:cSld>
